--- a/Zitatesammlung.pptx
+++ b/Zitatesammlung.pptx
@@ -2,13 +2,32 @@
 <file path=ppt/presentation.xml><?xml version="1.0" encoding="utf-8"?>
 <p:presentation xmlns:a="http://schemas.openxmlformats.org/drawingml/2006/main" xmlns:r="http://schemas.openxmlformats.org/officeDocument/2006/relationships" xmlns:p="http://schemas.openxmlformats.org/presentationml/2006/main" saveSubsetFonts="1">
   <p:sldMasterIdLst>
-    <p:sldMasterId id="2147483648" r:id="rId1"/>
+    <p:sldMasterId id="2147483648" r:id="rId3"/>
   </p:sldMasterIdLst>
+  <p:notesMasterIdLst>
+    <p:notesMasterId r:id="rId21"/>
+  </p:notesMasterIdLst>
+  <p:handoutMasterIdLst>
+    <p:handoutMasterId r:id="rId22"/>
+  </p:handoutMasterIdLst>
   <p:sldIdLst>
-    <p:sldId id="256" r:id="rId2"/>
-    <p:sldId id="257" r:id="rId3"/>
-    <p:sldId id="258" r:id="rId4"/>
-    <p:sldId id="259" r:id="rId5"/>
+    <p:sldId id="256" r:id="rId4"/>
+    <p:sldId id="257" r:id="rId5"/>
+    <p:sldId id="258" r:id="rId6"/>
+    <p:sldId id="264" r:id="rId7"/>
+    <p:sldId id="259" r:id="rId8"/>
+    <p:sldId id="270" r:id="rId9"/>
+    <p:sldId id="271" r:id="rId10"/>
+    <p:sldId id="269" r:id="rId11"/>
+    <p:sldId id="265" r:id="rId12"/>
+    <p:sldId id="260" r:id="rId13"/>
+    <p:sldId id="272" r:id="rId14"/>
+    <p:sldId id="266" r:id="rId15"/>
+    <p:sldId id="261" r:id="rId16"/>
+    <p:sldId id="267" r:id="rId17"/>
+    <p:sldId id="262" r:id="rId18"/>
+    <p:sldId id="268" r:id="rId19"/>
+    <p:sldId id="263" r:id="rId20"/>
   </p:sldIdLst>
   <p:sldSz cx="9144000" cy="6858000" type="screen4x3"/>
   <p:notesSz cx="6858000" cy="9144000"/>
@@ -107,7 +126,2922 @@
       </a:defRPr>
     </a:lvl9pPr>
   </p:defaultTextStyle>
+  <p:extLst>
+    <p:ext uri="{521415D9-36F7-43E2-AB2F-B90AF26B5E84}">
+      <p14:sectionLst xmlns:p14="http://schemas.microsoft.com/office/powerpoint/2010/main">
+        <p14:section name="Startfolie" id="{2651166F-A92D-48CA-8957-9256C4761465}">
+          <p14:sldIdLst>
+            <p14:sldId id="256"/>
+          </p14:sldIdLst>
+        </p14:section>
+        <p14:section name="Problemstellung" id="{4F19AA25-4CD1-4C28-9EB7-EF6CEEA9A6F8}">
+          <p14:sldIdLst>
+            <p14:sldId id="257"/>
+            <p14:sldId id="258"/>
+          </p14:sldIdLst>
+        </p14:section>
+        <p14:section name="Planung/Vorgehensweise" id="{8F015FB6-5E2C-4E63-A765-514EC4B999A2}">
+          <p14:sldIdLst>
+            <p14:sldId id="264"/>
+            <p14:sldId id="259"/>
+            <p14:sldId id="270"/>
+            <p14:sldId id="271"/>
+            <p14:sldId id="269"/>
+          </p14:sldIdLst>
+        </p14:section>
+        <p14:section name="Durchführung" id="{0E37DA39-0A94-4F48-8135-99D05ABA648A}">
+          <p14:sldIdLst>
+            <p14:sldId id="265"/>
+            <p14:sldId id="260"/>
+            <p14:sldId id="272"/>
+          </p14:sldIdLst>
+        </p14:section>
+        <p14:section name="Problematik" id="{D8CCB592-BC24-4BA7-8DD7-945615AC62E5}">
+          <p14:sldIdLst>
+            <p14:sldId id="266"/>
+            <p14:sldId id="261"/>
+          </p14:sldIdLst>
+        </p14:section>
+        <p14:section name="Resultat/Fazit" id="{DCA27224-64CC-4A9F-97AD-48EE4F15431C}">
+          <p14:sldIdLst>
+            <p14:sldId id="267"/>
+            <p14:sldId id="262"/>
+          </p14:sldIdLst>
+        </p14:section>
+        <p14:section name="Demo" id="{EEBC8882-B292-402B-B34D-EF314D1B1CBD}">
+          <p14:sldIdLst>
+            <p14:sldId id="268"/>
+            <p14:sldId id="263"/>
+          </p14:sldIdLst>
+        </p14:section>
+      </p14:sectionLst>
+    </p:ext>
+    <p:ext uri="{EFAFB233-063F-42B5-8137-9DF3F51BA10A}">
+      <p15:sldGuideLst xmlns:p15="http://schemas.microsoft.com/office/powerpoint/2012/main">
+        <p15:guide id="1" orient="horz" pos="2160">
+          <p15:clr>
+            <a:srgbClr val="A4A3A4"/>
+          </p15:clr>
+        </p15:guide>
+        <p15:guide id="2" pos="2880">
+          <p15:clr>
+            <a:srgbClr val="A4A3A4"/>
+          </p15:clr>
+        </p15:guide>
+      </p15:sldGuideLst>
+    </p:ext>
+  </p:extLst>
 </p:presentation>
+</file>
+
+<file path=ppt/handoutMasters/handoutMaster1.xml><?xml version="1.0" encoding="utf-8"?>
+<p:handoutMaster xmlns:a="http://schemas.openxmlformats.org/drawingml/2006/main" xmlns:r="http://schemas.openxmlformats.org/officeDocument/2006/relationships" xmlns:p="http://schemas.openxmlformats.org/presentationml/2006/main">
+  <p:cSld>
+    <p:bg>
+      <p:bgRef idx="1001">
+        <a:schemeClr val="bg1"/>
+      </p:bgRef>
+    </p:bg>
+    <p:spTree>
+      <p:nvGrpSpPr>
+        <p:cNvPr id="1" name=""/>
+        <p:cNvGrpSpPr/>
+        <p:nvPr/>
+      </p:nvGrpSpPr>
+      <p:grpSpPr>
+        <a:xfrm>
+          <a:off x="0" y="0"/>
+          <a:ext cx="0" cy="0"/>
+          <a:chOff x="0" y="0"/>
+          <a:chExt cx="0" cy="0"/>
+        </a:xfrm>
+      </p:grpSpPr>
+      <p:sp>
+        <p:nvSpPr>
+          <p:cNvPr id="2" name="Kopfzeilenplatzhalter 1"/>
+          <p:cNvSpPr>
+            <a:spLocks noGrp="1"/>
+          </p:cNvSpPr>
+          <p:nvPr>
+            <p:ph type="hdr" sz="quarter"/>
+          </p:nvPr>
+        </p:nvSpPr>
+        <p:spPr>
+          <a:xfrm>
+            <a:off x="0" y="0"/>
+            <a:ext cx="2971800" cy="458788"/>
+          </a:xfrm>
+          <a:prstGeom prst="rect">
+            <a:avLst/>
+          </a:prstGeom>
+        </p:spPr>
+        <p:txBody>
+          <a:bodyPr vert="horz" lIns="91440" tIns="45720" rIns="91440" bIns="45720" rtlCol="0"/>
+          <a:lstStyle>
+            <a:lvl1pPr algn="l">
+              <a:defRPr sz="1200"/>
+            </a:lvl1pPr>
+          </a:lstStyle>
+          <a:p>
+            <a:endParaRPr lang="en-GB"/>
+          </a:p>
+        </p:txBody>
+      </p:sp>
+      <p:sp>
+        <p:nvSpPr>
+          <p:cNvPr id="3" name="Datumsplatzhalter 2"/>
+          <p:cNvSpPr>
+            <a:spLocks noGrp="1"/>
+          </p:cNvSpPr>
+          <p:nvPr>
+            <p:ph type="dt" sz="quarter" idx="1"/>
+          </p:nvPr>
+        </p:nvSpPr>
+        <p:spPr>
+          <a:xfrm>
+            <a:off x="3884613" y="0"/>
+            <a:ext cx="2971800" cy="458788"/>
+          </a:xfrm>
+          <a:prstGeom prst="rect">
+            <a:avLst/>
+          </a:prstGeom>
+        </p:spPr>
+        <p:txBody>
+          <a:bodyPr vert="horz" lIns="91440" tIns="45720" rIns="91440" bIns="45720" rtlCol="0"/>
+          <a:lstStyle>
+            <a:lvl1pPr algn="r">
+              <a:defRPr sz="1200"/>
+            </a:lvl1pPr>
+          </a:lstStyle>
+          <a:p>
+            <a:fld id="{FB1AA975-1124-42A4-96F1-9A03CF0EAA69}" type="datetimeFigureOut">
+              <a:rPr lang="en-GB" smtClean="0"/>
+              <a:t>06/12/2018</a:t>
+            </a:fld>
+            <a:endParaRPr lang="en-GB"/>
+          </a:p>
+        </p:txBody>
+      </p:sp>
+      <p:sp>
+        <p:nvSpPr>
+          <p:cNvPr id="4" name="Fußzeilenplatzhalter 3"/>
+          <p:cNvSpPr>
+            <a:spLocks noGrp="1"/>
+          </p:cNvSpPr>
+          <p:nvPr>
+            <p:ph type="ftr" sz="quarter" idx="2"/>
+          </p:nvPr>
+        </p:nvSpPr>
+        <p:spPr>
+          <a:xfrm>
+            <a:off x="0" y="8685213"/>
+            <a:ext cx="2971800" cy="458787"/>
+          </a:xfrm>
+          <a:prstGeom prst="rect">
+            <a:avLst/>
+          </a:prstGeom>
+        </p:spPr>
+        <p:txBody>
+          <a:bodyPr vert="horz" lIns="91440" tIns="45720" rIns="91440" bIns="45720" rtlCol="0" anchor="b"/>
+          <a:lstStyle>
+            <a:lvl1pPr algn="l">
+              <a:defRPr sz="1200"/>
+            </a:lvl1pPr>
+          </a:lstStyle>
+          <a:p>
+            <a:endParaRPr lang="en-GB"/>
+          </a:p>
+        </p:txBody>
+      </p:sp>
+      <p:sp>
+        <p:nvSpPr>
+          <p:cNvPr id="5" name="Foliennummernplatzhalter 4"/>
+          <p:cNvSpPr>
+            <a:spLocks noGrp="1"/>
+          </p:cNvSpPr>
+          <p:nvPr>
+            <p:ph type="sldNum" sz="quarter" idx="3"/>
+          </p:nvPr>
+        </p:nvSpPr>
+        <p:spPr>
+          <a:xfrm>
+            <a:off x="3884613" y="8685213"/>
+            <a:ext cx="2971800" cy="458787"/>
+          </a:xfrm>
+          <a:prstGeom prst="rect">
+            <a:avLst/>
+          </a:prstGeom>
+        </p:spPr>
+        <p:txBody>
+          <a:bodyPr vert="horz" lIns="91440" tIns="45720" rIns="91440" bIns="45720" rtlCol="0" anchor="b"/>
+          <a:lstStyle>
+            <a:lvl1pPr algn="r">
+              <a:defRPr sz="1200"/>
+            </a:lvl1pPr>
+          </a:lstStyle>
+          <a:p>
+            <a:fld id="{4766C680-6380-41E0-816F-E0DA2109F798}" type="slidenum">
+              <a:rPr lang="en-GB" smtClean="0"/>
+              <a:t>‹Nr.›</a:t>
+            </a:fld>
+            <a:endParaRPr lang="en-GB"/>
+          </a:p>
+        </p:txBody>
+      </p:sp>
+    </p:spTree>
+    <p:extLst>
+      <p:ext uri="{BB962C8B-B14F-4D97-AF65-F5344CB8AC3E}">
+        <p14:creationId xmlns:p14="http://schemas.microsoft.com/office/powerpoint/2010/main" val="1479929861"/>
+      </p:ext>
+    </p:extLst>
+  </p:cSld>
+  <p:clrMap bg1="lt1" tx1="dk1" bg2="lt2" tx2="dk2" accent1="accent1" accent2="accent2" accent3="accent3" accent4="accent4" accent5="accent5" accent6="accent6" hlink="hlink" folHlink="folHlink"/>
+</p:handoutMaster>
+</file>
+
+<file path=ppt/notesMasters/notesMaster1.xml><?xml version="1.0" encoding="utf-8"?>
+<p:notesMaster xmlns:a="http://schemas.openxmlformats.org/drawingml/2006/main" xmlns:r="http://schemas.openxmlformats.org/officeDocument/2006/relationships" xmlns:p="http://schemas.openxmlformats.org/presentationml/2006/main">
+  <p:cSld>
+    <p:bg>
+      <p:bgRef idx="1001">
+        <a:schemeClr val="bg1"/>
+      </p:bgRef>
+    </p:bg>
+    <p:spTree>
+      <p:nvGrpSpPr>
+        <p:cNvPr id="1" name=""/>
+        <p:cNvGrpSpPr/>
+        <p:nvPr/>
+      </p:nvGrpSpPr>
+      <p:grpSpPr>
+        <a:xfrm>
+          <a:off x="0" y="0"/>
+          <a:ext cx="0" cy="0"/>
+          <a:chOff x="0" y="0"/>
+          <a:chExt cx="0" cy="0"/>
+        </a:xfrm>
+      </p:grpSpPr>
+      <p:sp>
+        <p:nvSpPr>
+          <p:cNvPr id="2" name="Kopfzeilenplatzhalter 1"/>
+          <p:cNvSpPr>
+            <a:spLocks noGrp="1"/>
+          </p:cNvSpPr>
+          <p:nvPr>
+            <p:ph type="hdr" sz="quarter"/>
+          </p:nvPr>
+        </p:nvSpPr>
+        <p:spPr>
+          <a:xfrm>
+            <a:off x="0" y="0"/>
+            <a:ext cx="2971800" cy="458788"/>
+          </a:xfrm>
+          <a:prstGeom prst="rect">
+            <a:avLst/>
+          </a:prstGeom>
+        </p:spPr>
+        <p:txBody>
+          <a:bodyPr vert="horz" lIns="91440" tIns="45720" rIns="91440" bIns="45720" rtlCol="0"/>
+          <a:lstStyle>
+            <a:lvl1pPr algn="l">
+              <a:defRPr sz="1200"/>
+            </a:lvl1pPr>
+          </a:lstStyle>
+          <a:p>
+            <a:endParaRPr lang="en-GB"/>
+          </a:p>
+        </p:txBody>
+      </p:sp>
+      <p:sp>
+        <p:nvSpPr>
+          <p:cNvPr id="3" name="Datumsplatzhalter 2"/>
+          <p:cNvSpPr>
+            <a:spLocks noGrp="1"/>
+          </p:cNvSpPr>
+          <p:nvPr>
+            <p:ph type="dt" idx="1"/>
+          </p:nvPr>
+        </p:nvSpPr>
+        <p:spPr>
+          <a:xfrm>
+            <a:off x="3884613" y="0"/>
+            <a:ext cx="2971800" cy="458788"/>
+          </a:xfrm>
+          <a:prstGeom prst="rect">
+            <a:avLst/>
+          </a:prstGeom>
+        </p:spPr>
+        <p:txBody>
+          <a:bodyPr vert="horz" lIns="91440" tIns="45720" rIns="91440" bIns="45720" rtlCol="0"/>
+          <a:lstStyle>
+            <a:lvl1pPr algn="r">
+              <a:defRPr sz="1200"/>
+            </a:lvl1pPr>
+          </a:lstStyle>
+          <a:p>
+            <a:fld id="{ECB4EE12-E076-47FE-A0D4-6F96671D6D13}" type="datetimeFigureOut">
+              <a:rPr lang="en-GB" smtClean="0"/>
+              <a:t>06/12/2018</a:t>
+            </a:fld>
+            <a:endParaRPr lang="en-GB"/>
+          </a:p>
+        </p:txBody>
+      </p:sp>
+      <p:sp>
+        <p:nvSpPr>
+          <p:cNvPr id="4" name="Folienbildplatzhalter 3"/>
+          <p:cNvSpPr>
+            <a:spLocks noGrp="1" noRot="1" noChangeAspect="1"/>
+          </p:cNvSpPr>
+          <p:nvPr>
+            <p:ph type="sldImg" idx="2"/>
+          </p:nvPr>
+        </p:nvSpPr>
+        <p:spPr>
+          <a:xfrm>
+            <a:off x="1371600" y="1143000"/>
+            <a:ext cx="4114800" cy="3086100"/>
+          </a:xfrm>
+          <a:prstGeom prst="rect">
+            <a:avLst/>
+          </a:prstGeom>
+          <a:noFill/>
+          <a:ln w="12700">
+            <a:solidFill>
+              <a:prstClr val="black"/>
+            </a:solidFill>
+          </a:ln>
+        </p:spPr>
+        <p:txBody>
+          <a:bodyPr vert="horz" lIns="91440" tIns="45720" rIns="91440" bIns="45720" rtlCol="0" anchor="ctr"/>
+          <a:lstStyle/>
+          <a:p>
+            <a:endParaRPr lang="en-GB"/>
+          </a:p>
+        </p:txBody>
+      </p:sp>
+      <p:sp>
+        <p:nvSpPr>
+          <p:cNvPr id="5" name="Notizenplatzhalter 4"/>
+          <p:cNvSpPr>
+            <a:spLocks noGrp="1"/>
+          </p:cNvSpPr>
+          <p:nvPr>
+            <p:ph type="body" sz="quarter" idx="3"/>
+          </p:nvPr>
+        </p:nvSpPr>
+        <p:spPr>
+          <a:xfrm>
+            <a:off x="685800" y="4400550"/>
+            <a:ext cx="5486400" cy="3600450"/>
+          </a:xfrm>
+          <a:prstGeom prst="rect">
+            <a:avLst/>
+          </a:prstGeom>
+        </p:spPr>
+        <p:txBody>
+          <a:bodyPr vert="horz" lIns="91440" tIns="45720" rIns="91440" bIns="45720" rtlCol="0"/>
+          <a:lstStyle/>
+          <a:p>
+            <a:pPr lvl="0"/>
+            <a:r>
+              <a:rPr lang="de-DE" smtClean="0"/>
+              <a:t>Formatvorlagen des Textmasters bearbeiten</a:t>
+            </a:r>
+          </a:p>
+          <a:p>
+            <a:pPr lvl="1"/>
+            <a:r>
+              <a:rPr lang="de-DE" smtClean="0"/>
+              <a:t>Zweite Ebene</a:t>
+            </a:r>
+          </a:p>
+          <a:p>
+            <a:pPr lvl="2"/>
+            <a:r>
+              <a:rPr lang="de-DE" smtClean="0"/>
+              <a:t>Dritte Ebene</a:t>
+            </a:r>
+          </a:p>
+          <a:p>
+            <a:pPr lvl="3"/>
+            <a:r>
+              <a:rPr lang="de-DE" smtClean="0"/>
+              <a:t>Vierte Ebene</a:t>
+            </a:r>
+          </a:p>
+          <a:p>
+            <a:pPr lvl="4"/>
+            <a:r>
+              <a:rPr lang="de-DE" smtClean="0"/>
+              <a:t>Fünfte Ebene</a:t>
+            </a:r>
+            <a:endParaRPr lang="en-GB"/>
+          </a:p>
+        </p:txBody>
+      </p:sp>
+      <p:sp>
+        <p:nvSpPr>
+          <p:cNvPr id="6" name="Fußzeilenplatzhalter 5"/>
+          <p:cNvSpPr>
+            <a:spLocks noGrp="1"/>
+          </p:cNvSpPr>
+          <p:nvPr>
+            <p:ph type="ftr" sz="quarter" idx="4"/>
+          </p:nvPr>
+        </p:nvSpPr>
+        <p:spPr>
+          <a:xfrm>
+            <a:off x="0" y="8685213"/>
+            <a:ext cx="2971800" cy="458787"/>
+          </a:xfrm>
+          <a:prstGeom prst="rect">
+            <a:avLst/>
+          </a:prstGeom>
+        </p:spPr>
+        <p:txBody>
+          <a:bodyPr vert="horz" lIns="91440" tIns="45720" rIns="91440" bIns="45720" rtlCol="0" anchor="b"/>
+          <a:lstStyle>
+            <a:lvl1pPr algn="l">
+              <a:defRPr sz="1200"/>
+            </a:lvl1pPr>
+          </a:lstStyle>
+          <a:p>
+            <a:endParaRPr lang="en-GB"/>
+          </a:p>
+        </p:txBody>
+      </p:sp>
+      <p:sp>
+        <p:nvSpPr>
+          <p:cNvPr id="7" name="Foliennummernplatzhalter 6"/>
+          <p:cNvSpPr>
+            <a:spLocks noGrp="1"/>
+          </p:cNvSpPr>
+          <p:nvPr>
+            <p:ph type="sldNum" sz="quarter" idx="5"/>
+          </p:nvPr>
+        </p:nvSpPr>
+        <p:spPr>
+          <a:xfrm>
+            <a:off x="3884613" y="8685213"/>
+            <a:ext cx="2971800" cy="458787"/>
+          </a:xfrm>
+          <a:prstGeom prst="rect">
+            <a:avLst/>
+          </a:prstGeom>
+        </p:spPr>
+        <p:txBody>
+          <a:bodyPr vert="horz" lIns="91440" tIns="45720" rIns="91440" bIns="45720" rtlCol="0" anchor="b"/>
+          <a:lstStyle>
+            <a:lvl1pPr algn="r">
+              <a:defRPr sz="1200"/>
+            </a:lvl1pPr>
+          </a:lstStyle>
+          <a:p>
+            <a:fld id="{10B2448E-F2D6-461D-9BA9-E2B28EF7CB6C}" type="slidenum">
+              <a:rPr lang="en-GB" smtClean="0"/>
+              <a:t>‹Nr.›</a:t>
+            </a:fld>
+            <a:endParaRPr lang="en-GB"/>
+          </a:p>
+        </p:txBody>
+      </p:sp>
+    </p:spTree>
+    <p:extLst>
+      <p:ext uri="{BB962C8B-B14F-4D97-AF65-F5344CB8AC3E}">
+        <p14:creationId xmlns:p14="http://schemas.microsoft.com/office/powerpoint/2010/main" val="435800612"/>
+      </p:ext>
+    </p:extLst>
+  </p:cSld>
+  <p:clrMap bg1="lt1" tx1="dk1" bg2="lt2" tx2="dk2" accent1="accent1" accent2="accent2" accent3="accent3" accent4="accent4" accent5="accent5" accent6="accent6" hlink="hlink" folHlink="folHlink"/>
+  <p:hf dt="0"/>
+  <p:notesStyle>
+    <a:lvl1pPr marL="0" algn="l" defTabSz="914400" rtl="0" eaLnBrk="1" latinLnBrk="0" hangingPunct="1">
+      <a:defRPr sz="1200" kern="1200">
+        <a:solidFill>
+          <a:schemeClr val="tx1"/>
+        </a:solidFill>
+        <a:latin typeface="+mn-lt"/>
+        <a:ea typeface="+mn-ea"/>
+        <a:cs typeface="+mn-cs"/>
+      </a:defRPr>
+    </a:lvl1pPr>
+    <a:lvl2pPr marL="457200" algn="l" defTabSz="914400" rtl="0" eaLnBrk="1" latinLnBrk="0" hangingPunct="1">
+      <a:defRPr sz="1200" kern="1200">
+        <a:solidFill>
+          <a:schemeClr val="tx1"/>
+        </a:solidFill>
+        <a:latin typeface="+mn-lt"/>
+        <a:ea typeface="+mn-ea"/>
+        <a:cs typeface="+mn-cs"/>
+      </a:defRPr>
+    </a:lvl2pPr>
+    <a:lvl3pPr marL="914400" algn="l" defTabSz="914400" rtl="0" eaLnBrk="1" latinLnBrk="0" hangingPunct="1">
+      <a:defRPr sz="1200" kern="1200">
+        <a:solidFill>
+          <a:schemeClr val="tx1"/>
+        </a:solidFill>
+        <a:latin typeface="+mn-lt"/>
+        <a:ea typeface="+mn-ea"/>
+        <a:cs typeface="+mn-cs"/>
+      </a:defRPr>
+    </a:lvl3pPr>
+    <a:lvl4pPr marL="1371600" algn="l" defTabSz="914400" rtl="0" eaLnBrk="1" latinLnBrk="0" hangingPunct="1">
+      <a:defRPr sz="1200" kern="1200">
+        <a:solidFill>
+          <a:schemeClr val="tx1"/>
+        </a:solidFill>
+        <a:latin typeface="+mn-lt"/>
+        <a:ea typeface="+mn-ea"/>
+        <a:cs typeface="+mn-cs"/>
+      </a:defRPr>
+    </a:lvl4pPr>
+    <a:lvl5pPr marL="1828800" algn="l" defTabSz="914400" rtl="0" eaLnBrk="1" latinLnBrk="0" hangingPunct="1">
+      <a:defRPr sz="1200" kern="1200">
+        <a:solidFill>
+          <a:schemeClr val="tx1"/>
+        </a:solidFill>
+        <a:latin typeface="+mn-lt"/>
+        <a:ea typeface="+mn-ea"/>
+        <a:cs typeface="+mn-cs"/>
+      </a:defRPr>
+    </a:lvl5pPr>
+    <a:lvl6pPr marL="2286000" algn="l" defTabSz="914400" rtl="0" eaLnBrk="1" latinLnBrk="0" hangingPunct="1">
+      <a:defRPr sz="1200" kern="1200">
+        <a:solidFill>
+          <a:schemeClr val="tx1"/>
+        </a:solidFill>
+        <a:latin typeface="+mn-lt"/>
+        <a:ea typeface="+mn-ea"/>
+        <a:cs typeface="+mn-cs"/>
+      </a:defRPr>
+    </a:lvl6pPr>
+    <a:lvl7pPr marL="2743200" algn="l" defTabSz="914400" rtl="0" eaLnBrk="1" latinLnBrk="0" hangingPunct="1">
+      <a:defRPr sz="1200" kern="1200">
+        <a:solidFill>
+          <a:schemeClr val="tx1"/>
+        </a:solidFill>
+        <a:latin typeface="+mn-lt"/>
+        <a:ea typeface="+mn-ea"/>
+        <a:cs typeface="+mn-cs"/>
+      </a:defRPr>
+    </a:lvl7pPr>
+    <a:lvl8pPr marL="3200400" algn="l" defTabSz="914400" rtl="0" eaLnBrk="1" latinLnBrk="0" hangingPunct="1">
+      <a:defRPr sz="1200" kern="1200">
+        <a:solidFill>
+          <a:schemeClr val="tx1"/>
+        </a:solidFill>
+        <a:latin typeface="+mn-lt"/>
+        <a:ea typeface="+mn-ea"/>
+        <a:cs typeface="+mn-cs"/>
+      </a:defRPr>
+    </a:lvl8pPr>
+    <a:lvl9pPr marL="3657600" algn="l" defTabSz="914400" rtl="0" eaLnBrk="1" latinLnBrk="0" hangingPunct="1">
+      <a:defRPr sz="1200" kern="1200">
+        <a:solidFill>
+          <a:schemeClr val="tx1"/>
+        </a:solidFill>
+        <a:latin typeface="+mn-lt"/>
+        <a:ea typeface="+mn-ea"/>
+        <a:cs typeface="+mn-cs"/>
+      </a:defRPr>
+    </a:lvl9pPr>
+  </p:notesStyle>
+</p:notesMaster>
+</file>
+
+<file path=ppt/notesSlides/notesSlide1.xml><?xml version="1.0" encoding="utf-8"?>
+<p:notes xmlns:a="http://schemas.openxmlformats.org/drawingml/2006/main" xmlns:r="http://schemas.openxmlformats.org/officeDocument/2006/relationships" xmlns:p="http://schemas.openxmlformats.org/presentationml/2006/main">
+  <p:cSld>
+    <p:spTree>
+      <p:nvGrpSpPr>
+        <p:cNvPr id="1" name=""/>
+        <p:cNvGrpSpPr/>
+        <p:nvPr/>
+      </p:nvGrpSpPr>
+      <p:grpSpPr>
+        <a:xfrm>
+          <a:off x="0" y="0"/>
+          <a:ext cx="0" cy="0"/>
+          <a:chOff x="0" y="0"/>
+          <a:chExt cx="0" cy="0"/>
+        </a:xfrm>
+      </p:grpSpPr>
+      <p:sp>
+        <p:nvSpPr>
+          <p:cNvPr id="2" name="Folienbildplatzhalter 1"/>
+          <p:cNvSpPr>
+            <a:spLocks noGrp="1" noRot="1" noChangeAspect="1"/>
+          </p:cNvSpPr>
+          <p:nvPr>
+            <p:ph type="sldImg"/>
+          </p:nvPr>
+        </p:nvSpPr>
+        <p:spPr/>
+      </p:sp>
+      <p:sp>
+        <p:nvSpPr>
+          <p:cNvPr id="3" name="Notizenplatzhalter 2"/>
+          <p:cNvSpPr>
+            <a:spLocks noGrp="1"/>
+          </p:cNvSpPr>
+          <p:nvPr>
+            <p:ph type="body" idx="1"/>
+          </p:nvPr>
+        </p:nvSpPr>
+        <p:spPr/>
+        <p:txBody>
+          <a:bodyPr/>
+          <a:lstStyle/>
+          <a:p>
+            <a:r>
+              <a:rPr lang="en-GB" dirty="0" err="1" smtClean="0"/>
+              <a:t>Einleitspruch</a:t>
+            </a:r>
+            <a:r>
+              <a:rPr lang="en-GB" dirty="0" smtClean="0"/>
+              <a:t>:</a:t>
+            </a:r>
+            <a:r>
+              <a:rPr lang="en-GB" baseline="0" dirty="0" smtClean="0"/>
+              <a:t> Die </a:t>
+            </a:r>
+            <a:r>
+              <a:rPr lang="de-DE" baseline="0" noProof="0" dirty="0" smtClean="0"/>
+              <a:t>meisten</a:t>
+            </a:r>
+            <a:r>
+              <a:rPr lang="en-GB" baseline="0" dirty="0" smtClean="0"/>
+              <a:t> von </a:t>
+            </a:r>
+            <a:r>
+              <a:rPr lang="en-GB" baseline="0" dirty="0" err="1" smtClean="0"/>
+              <a:t>Ihnen</a:t>
+            </a:r>
+            <a:r>
+              <a:rPr lang="en-GB" baseline="0" dirty="0" smtClean="0"/>
+              <a:t> </a:t>
+            </a:r>
+            <a:r>
+              <a:rPr lang="en-GB" baseline="0" dirty="0" err="1" smtClean="0"/>
+              <a:t>haben</a:t>
+            </a:r>
+            <a:r>
+              <a:rPr lang="en-GB" baseline="0" dirty="0" smtClean="0"/>
+              <a:t> </a:t>
+            </a:r>
+            <a:r>
+              <a:rPr lang="en-GB" baseline="0" dirty="0" err="1" smtClean="0"/>
+              <a:t>zur</a:t>
+            </a:r>
+            <a:r>
+              <a:rPr lang="en-GB" baseline="0" dirty="0" smtClean="0"/>
+              <a:t> </a:t>
+            </a:r>
+            <a:r>
+              <a:rPr lang="en-GB" baseline="0" dirty="0" err="1" smtClean="0"/>
+              <a:t>Schulzeit</a:t>
+            </a:r>
+            <a:r>
+              <a:rPr lang="en-GB" baseline="0" dirty="0" smtClean="0"/>
+              <a:t> </a:t>
+            </a:r>
+            <a:r>
+              <a:rPr lang="en-GB" baseline="0" dirty="0" err="1" smtClean="0"/>
+              <a:t>ein</a:t>
+            </a:r>
+            <a:r>
+              <a:rPr lang="en-GB" baseline="0" dirty="0" smtClean="0"/>
+              <a:t> </a:t>
+            </a:r>
+            <a:r>
+              <a:rPr lang="en-GB" baseline="0" dirty="0" err="1" smtClean="0"/>
+              <a:t>Jahrbuch</a:t>
+            </a:r>
+            <a:r>
+              <a:rPr lang="en-GB" baseline="0" dirty="0" smtClean="0"/>
+              <a:t> </a:t>
+            </a:r>
+            <a:r>
+              <a:rPr lang="en-GB" baseline="0" dirty="0" err="1" smtClean="0"/>
+              <a:t>erhalten</a:t>
+            </a:r>
+            <a:r>
+              <a:rPr lang="en-GB" baseline="0" dirty="0" smtClean="0"/>
+              <a:t> und </a:t>
+            </a:r>
+            <a:r>
+              <a:rPr lang="en-GB" baseline="0" dirty="0" err="1" smtClean="0"/>
+              <a:t>sogar</a:t>
+            </a:r>
+            <a:r>
+              <a:rPr lang="en-GB" baseline="0" dirty="0" smtClean="0"/>
+              <a:t> </a:t>
+            </a:r>
+            <a:r>
+              <a:rPr lang="en-GB" baseline="0" dirty="0" err="1" smtClean="0"/>
+              <a:t>daran</a:t>
+            </a:r>
+            <a:r>
+              <a:rPr lang="en-GB" baseline="0" dirty="0" smtClean="0"/>
+              <a:t> </a:t>
+            </a:r>
+            <a:r>
+              <a:rPr lang="en-GB" baseline="0" dirty="0" err="1" smtClean="0"/>
+              <a:t>mitgewirkt</a:t>
+            </a:r>
+            <a:r>
+              <a:rPr lang="en-GB" baseline="0" dirty="0" smtClean="0"/>
+              <a:t>. Dies </a:t>
+            </a:r>
+            <a:r>
+              <a:rPr lang="en-GB" baseline="0" dirty="0" err="1" smtClean="0"/>
+              <a:t>ist</a:t>
+            </a:r>
+            <a:r>
+              <a:rPr lang="en-GB" baseline="0" dirty="0" smtClean="0"/>
+              <a:t> </a:t>
+            </a:r>
+            <a:r>
+              <a:rPr lang="en-GB" baseline="0" dirty="0" err="1" smtClean="0"/>
+              <a:t>mit</a:t>
+            </a:r>
+            <a:r>
+              <a:rPr lang="en-GB" baseline="0" dirty="0" smtClean="0"/>
+              <a:t> </a:t>
+            </a:r>
+            <a:r>
+              <a:rPr lang="en-GB" baseline="0" dirty="0" err="1" smtClean="0"/>
+              <a:t>viel</a:t>
+            </a:r>
+            <a:r>
+              <a:rPr lang="en-GB" baseline="0" dirty="0" smtClean="0"/>
+              <a:t> </a:t>
+            </a:r>
+            <a:r>
+              <a:rPr lang="en-GB" baseline="0" dirty="0" err="1" smtClean="0"/>
+              <a:t>Zeitaufwand</a:t>
+            </a:r>
+            <a:r>
+              <a:rPr lang="en-GB" baseline="0" dirty="0" smtClean="0"/>
+              <a:t> </a:t>
+            </a:r>
+            <a:r>
+              <a:rPr lang="en-GB" baseline="0" dirty="0" err="1" smtClean="0"/>
+              <a:t>verbunden</a:t>
+            </a:r>
+            <a:r>
+              <a:rPr lang="en-GB" baseline="0" dirty="0" smtClean="0"/>
+              <a:t>. </a:t>
+            </a:r>
+            <a:r>
+              <a:rPr lang="en-GB" baseline="0" dirty="0" err="1" smtClean="0"/>
+              <a:t>Wir</a:t>
+            </a:r>
+            <a:r>
+              <a:rPr lang="en-GB" baseline="0" dirty="0" smtClean="0"/>
+              <a:t>, das </a:t>
+            </a:r>
+            <a:r>
+              <a:rPr lang="en-GB" baseline="0" dirty="0" err="1" smtClean="0"/>
+              <a:t>sind</a:t>
+            </a:r>
+            <a:r>
+              <a:rPr lang="en-GB" baseline="0" dirty="0" smtClean="0"/>
+              <a:t> Fabian Minx von der </a:t>
+            </a:r>
+            <a:r>
+              <a:rPr lang="en-GB" baseline="0" dirty="0" err="1" smtClean="0"/>
+              <a:t>Netmin</a:t>
+            </a:r>
+            <a:r>
+              <a:rPr lang="en-GB" baseline="0" dirty="0" smtClean="0"/>
+              <a:t> </a:t>
+            </a:r>
+            <a:r>
+              <a:rPr lang="en-GB" baseline="0" dirty="0" err="1" smtClean="0"/>
+              <a:t>e.K</a:t>
+            </a:r>
+            <a:r>
+              <a:rPr lang="en-GB" baseline="0" dirty="0" smtClean="0"/>
+              <a:t>. und Lukas Manus von der </a:t>
+            </a:r>
+            <a:r>
+              <a:rPr lang="en-GB" baseline="0" dirty="0" err="1" smtClean="0"/>
+              <a:t>Deutschen</a:t>
+            </a:r>
+            <a:r>
+              <a:rPr lang="en-GB" baseline="0" dirty="0" smtClean="0"/>
+              <a:t> Börse AG, </a:t>
+            </a:r>
+            <a:r>
+              <a:rPr lang="en-GB" baseline="0" dirty="0" err="1" smtClean="0"/>
+              <a:t>stellen</a:t>
+            </a:r>
+            <a:r>
+              <a:rPr lang="en-GB" baseline="0" dirty="0" smtClean="0"/>
+              <a:t> </a:t>
+            </a:r>
+            <a:r>
+              <a:rPr lang="en-GB" baseline="0" dirty="0" err="1" smtClean="0"/>
+              <a:t>Ihnen</a:t>
+            </a:r>
+            <a:r>
+              <a:rPr lang="en-GB" baseline="0" dirty="0" smtClean="0"/>
+              <a:t> </a:t>
+            </a:r>
+            <a:r>
+              <a:rPr lang="en-GB" baseline="0" dirty="0" err="1" smtClean="0"/>
+              <a:t>heute</a:t>
+            </a:r>
+            <a:r>
+              <a:rPr lang="en-GB" baseline="0" dirty="0" smtClean="0"/>
+              <a:t> </a:t>
+            </a:r>
+            <a:r>
+              <a:rPr lang="en-GB" baseline="0" dirty="0" err="1" smtClean="0"/>
+              <a:t>unsere</a:t>
+            </a:r>
+            <a:r>
+              <a:rPr lang="en-GB" baseline="0" dirty="0" smtClean="0"/>
+              <a:t> </a:t>
+            </a:r>
+            <a:r>
+              <a:rPr lang="en-GB" baseline="0" dirty="0" err="1" smtClean="0"/>
+              <a:t>Lösung</a:t>
+            </a:r>
+            <a:r>
+              <a:rPr lang="en-GB" baseline="0" dirty="0" smtClean="0"/>
+              <a:t> </a:t>
+            </a:r>
+            <a:r>
+              <a:rPr lang="en-GB" baseline="0" dirty="0" err="1" smtClean="0"/>
+              <a:t>vor</a:t>
+            </a:r>
+            <a:r>
+              <a:rPr lang="en-GB" baseline="0" dirty="0" smtClean="0"/>
+              <a:t>, um </a:t>
+            </a:r>
+            <a:r>
+              <a:rPr lang="en-GB" baseline="0" dirty="0" err="1" smtClean="0"/>
+              <a:t>diesen</a:t>
+            </a:r>
+            <a:r>
+              <a:rPr lang="en-GB" baseline="0" dirty="0" smtClean="0"/>
+              <a:t> </a:t>
+            </a:r>
+            <a:r>
+              <a:rPr lang="en-GB" baseline="0" dirty="0" err="1" smtClean="0"/>
+              <a:t>zeitlichen</a:t>
+            </a:r>
+            <a:r>
+              <a:rPr lang="en-GB" baseline="0" dirty="0" smtClean="0"/>
+              <a:t> </a:t>
+            </a:r>
+            <a:r>
+              <a:rPr lang="en-GB" baseline="0" dirty="0" err="1" smtClean="0"/>
+              <a:t>Aufwand</a:t>
+            </a:r>
+            <a:r>
+              <a:rPr lang="en-GB" baseline="0" dirty="0" smtClean="0"/>
+              <a:t> </a:t>
+            </a:r>
+            <a:r>
+              <a:rPr lang="en-GB" baseline="0" dirty="0" err="1" smtClean="0"/>
+              <a:t>zuverrringern</a:t>
+            </a:r>
+            <a:r>
+              <a:rPr lang="en-GB" baseline="0" dirty="0" smtClean="0"/>
+              <a:t>.</a:t>
+            </a:r>
+            <a:endParaRPr lang="en-GB" dirty="0"/>
+          </a:p>
+        </p:txBody>
+      </p:sp>
+      <p:sp>
+        <p:nvSpPr>
+          <p:cNvPr id="4" name="Kopfzeilenplatzhalter 3"/>
+          <p:cNvSpPr>
+            <a:spLocks noGrp="1"/>
+          </p:cNvSpPr>
+          <p:nvPr>
+            <p:ph type="hdr" sz="quarter" idx="10"/>
+          </p:nvPr>
+        </p:nvSpPr>
+        <p:spPr/>
+        <p:txBody>
+          <a:bodyPr/>
+          <a:lstStyle/>
+          <a:p>
+            <a:endParaRPr lang="en-GB"/>
+          </a:p>
+        </p:txBody>
+      </p:sp>
+      <p:sp>
+        <p:nvSpPr>
+          <p:cNvPr id="5" name="Fußzeilenplatzhalter 4"/>
+          <p:cNvSpPr>
+            <a:spLocks noGrp="1"/>
+          </p:cNvSpPr>
+          <p:nvPr>
+            <p:ph type="ftr" sz="quarter" idx="11"/>
+          </p:nvPr>
+        </p:nvSpPr>
+        <p:spPr/>
+        <p:txBody>
+          <a:bodyPr/>
+          <a:lstStyle/>
+          <a:p>
+            <a:endParaRPr lang="en-GB"/>
+          </a:p>
+        </p:txBody>
+      </p:sp>
+      <p:sp>
+        <p:nvSpPr>
+          <p:cNvPr id="6" name="Foliennummernplatzhalter 5"/>
+          <p:cNvSpPr>
+            <a:spLocks noGrp="1"/>
+          </p:cNvSpPr>
+          <p:nvPr>
+            <p:ph type="sldNum" sz="quarter" idx="12"/>
+          </p:nvPr>
+        </p:nvSpPr>
+        <p:spPr/>
+        <p:txBody>
+          <a:bodyPr/>
+          <a:lstStyle/>
+          <a:p>
+            <a:fld id="{10B2448E-F2D6-461D-9BA9-E2B28EF7CB6C}" type="slidenum">
+              <a:rPr lang="en-GB" smtClean="0"/>
+              <a:t>1</a:t>
+            </a:fld>
+            <a:endParaRPr lang="en-GB"/>
+          </a:p>
+        </p:txBody>
+      </p:sp>
+    </p:spTree>
+    <p:extLst>
+      <p:ext uri="{BB962C8B-B14F-4D97-AF65-F5344CB8AC3E}">
+        <p14:creationId xmlns:p14="http://schemas.microsoft.com/office/powerpoint/2010/main" val="3612371090"/>
+      </p:ext>
+    </p:extLst>
+  </p:cSld>
+  <p:clrMapOvr>
+    <a:masterClrMapping/>
+  </p:clrMapOvr>
+</p:notes>
+</file>
+
+<file path=ppt/notesSlides/notesSlide10.xml><?xml version="1.0" encoding="utf-8"?>
+<p:notes xmlns:a="http://schemas.openxmlformats.org/drawingml/2006/main" xmlns:r="http://schemas.openxmlformats.org/officeDocument/2006/relationships" xmlns:p="http://schemas.openxmlformats.org/presentationml/2006/main">
+  <p:cSld>
+    <p:spTree>
+      <p:nvGrpSpPr>
+        <p:cNvPr id="1" name=""/>
+        <p:cNvGrpSpPr/>
+        <p:nvPr/>
+      </p:nvGrpSpPr>
+      <p:grpSpPr>
+        <a:xfrm>
+          <a:off x="0" y="0"/>
+          <a:ext cx="0" cy="0"/>
+          <a:chOff x="0" y="0"/>
+          <a:chExt cx="0" cy="0"/>
+        </a:xfrm>
+      </p:grpSpPr>
+      <p:sp>
+        <p:nvSpPr>
+          <p:cNvPr id="2" name="Folienbildplatzhalter 1"/>
+          <p:cNvSpPr>
+            <a:spLocks noGrp="1" noRot="1" noChangeAspect="1"/>
+          </p:cNvSpPr>
+          <p:nvPr>
+            <p:ph type="sldImg"/>
+          </p:nvPr>
+        </p:nvSpPr>
+        <p:spPr/>
+      </p:sp>
+      <p:sp>
+        <p:nvSpPr>
+          <p:cNvPr id="3" name="Notizenplatzhalter 2"/>
+          <p:cNvSpPr>
+            <a:spLocks noGrp="1"/>
+          </p:cNvSpPr>
+          <p:nvPr>
+            <p:ph type="body" idx="1"/>
+          </p:nvPr>
+        </p:nvSpPr>
+        <p:spPr/>
+        <p:txBody>
+          <a:bodyPr/>
+          <a:lstStyle/>
+          <a:p>
+            <a:endParaRPr lang="en-GB"/>
+          </a:p>
+        </p:txBody>
+      </p:sp>
+      <p:sp>
+        <p:nvSpPr>
+          <p:cNvPr id="4" name="Kopfzeilenplatzhalter 3"/>
+          <p:cNvSpPr>
+            <a:spLocks noGrp="1"/>
+          </p:cNvSpPr>
+          <p:nvPr>
+            <p:ph type="hdr" sz="quarter" idx="10"/>
+          </p:nvPr>
+        </p:nvSpPr>
+        <p:spPr/>
+        <p:txBody>
+          <a:bodyPr/>
+          <a:lstStyle/>
+          <a:p>
+            <a:endParaRPr lang="en-GB"/>
+          </a:p>
+        </p:txBody>
+      </p:sp>
+      <p:sp>
+        <p:nvSpPr>
+          <p:cNvPr id="5" name="Fußzeilenplatzhalter 4"/>
+          <p:cNvSpPr>
+            <a:spLocks noGrp="1"/>
+          </p:cNvSpPr>
+          <p:nvPr>
+            <p:ph type="ftr" sz="quarter" idx="11"/>
+          </p:nvPr>
+        </p:nvSpPr>
+        <p:spPr/>
+        <p:txBody>
+          <a:bodyPr/>
+          <a:lstStyle/>
+          <a:p>
+            <a:endParaRPr lang="en-GB"/>
+          </a:p>
+        </p:txBody>
+      </p:sp>
+      <p:sp>
+        <p:nvSpPr>
+          <p:cNvPr id="6" name="Foliennummernplatzhalter 5"/>
+          <p:cNvSpPr>
+            <a:spLocks noGrp="1"/>
+          </p:cNvSpPr>
+          <p:nvPr>
+            <p:ph type="sldNum" sz="quarter" idx="12"/>
+          </p:nvPr>
+        </p:nvSpPr>
+        <p:spPr/>
+        <p:txBody>
+          <a:bodyPr/>
+          <a:lstStyle/>
+          <a:p>
+            <a:fld id="{10B2448E-F2D6-461D-9BA9-E2B28EF7CB6C}" type="slidenum">
+              <a:rPr lang="en-GB" smtClean="0"/>
+              <a:t>10</a:t>
+            </a:fld>
+            <a:endParaRPr lang="en-GB"/>
+          </a:p>
+        </p:txBody>
+      </p:sp>
+    </p:spTree>
+    <p:extLst>
+      <p:ext uri="{BB962C8B-B14F-4D97-AF65-F5344CB8AC3E}">
+        <p14:creationId xmlns:p14="http://schemas.microsoft.com/office/powerpoint/2010/main" val="101542801"/>
+      </p:ext>
+    </p:extLst>
+  </p:cSld>
+  <p:clrMapOvr>
+    <a:masterClrMapping/>
+  </p:clrMapOvr>
+</p:notes>
+</file>
+
+<file path=ppt/notesSlides/notesSlide11.xml><?xml version="1.0" encoding="utf-8"?>
+<p:notes xmlns:a="http://schemas.openxmlformats.org/drawingml/2006/main" xmlns:r="http://schemas.openxmlformats.org/officeDocument/2006/relationships" xmlns:p="http://schemas.openxmlformats.org/presentationml/2006/main">
+  <p:cSld>
+    <p:spTree>
+      <p:nvGrpSpPr>
+        <p:cNvPr id="1" name=""/>
+        <p:cNvGrpSpPr/>
+        <p:nvPr/>
+      </p:nvGrpSpPr>
+      <p:grpSpPr>
+        <a:xfrm>
+          <a:off x="0" y="0"/>
+          <a:ext cx="0" cy="0"/>
+          <a:chOff x="0" y="0"/>
+          <a:chExt cx="0" cy="0"/>
+        </a:xfrm>
+      </p:grpSpPr>
+      <p:sp>
+        <p:nvSpPr>
+          <p:cNvPr id="2" name="Folienbildplatzhalter 1"/>
+          <p:cNvSpPr>
+            <a:spLocks noGrp="1" noRot="1" noChangeAspect="1"/>
+          </p:cNvSpPr>
+          <p:nvPr>
+            <p:ph type="sldImg"/>
+          </p:nvPr>
+        </p:nvSpPr>
+        <p:spPr/>
+      </p:sp>
+      <p:sp>
+        <p:nvSpPr>
+          <p:cNvPr id="3" name="Notizenplatzhalter 2"/>
+          <p:cNvSpPr>
+            <a:spLocks noGrp="1"/>
+          </p:cNvSpPr>
+          <p:nvPr>
+            <p:ph type="body" idx="1"/>
+          </p:nvPr>
+        </p:nvSpPr>
+        <p:spPr/>
+        <p:txBody>
+          <a:bodyPr/>
+          <a:lstStyle/>
+          <a:p>
+            <a:endParaRPr lang="de-DE"/>
+          </a:p>
+        </p:txBody>
+      </p:sp>
+      <p:sp>
+        <p:nvSpPr>
+          <p:cNvPr id="4" name="Kopfzeilenplatzhalter 3"/>
+          <p:cNvSpPr>
+            <a:spLocks noGrp="1"/>
+          </p:cNvSpPr>
+          <p:nvPr>
+            <p:ph type="hdr" sz="quarter" idx="10"/>
+          </p:nvPr>
+        </p:nvSpPr>
+        <p:spPr/>
+        <p:txBody>
+          <a:bodyPr/>
+          <a:lstStyle/>
+          <a:p>
+            <a:endParaRPr lang="en-GB"/>
+          </a:p>
+        </p:txBody>
+      </p:sp>
+      <p:sp>
+        <p:nvSpPr>
+          <p:cNvPr id="5" name="Fußzeilenplatzhalter 4"/>
+          <p:cNvSpPr>
+            <a:spLocks noGrp="1"/>
+          </p:cNvSpPr>
+          <p:nvPr>
+            <p:ph type="ftr" sz="quarter" idx="11"/>
+          </p:nvPr>
+        </p:nvSpPr>
+        <p:spPr/>
+        <p:txBody>
+          <a:bodyPr/>
+          <a:lstStyle/>
+          <a:p>
+            <a:endParaRPr lang="en-GB"/>
+          </a:p>
+        </p:txBody>
+      </p:sp>
+      <p:sp>
+        <p:nvSpPr>
+          <p:cNvPr id="6" name="Foliennummernplatzhalter 5"/>
+          <p:cNvSpPr>
+            <a:spLocks noGrp="1"/>
+          </p:cNvSpPr>
+          <p:nvPr>
+            <p:ph type="sldNum" sz="quarter" idx="12"/>
+          </p:nvPr>
+        </p:nvSpPr>
+        <p:spPr/>
+        <p:txBody>
+          <a:bodyPr/>
+          <a:lstStyle/>
+          <a:p>
+            <a:fld id="{10B2448E-F2D6-461D-9BA9-E2B28EF7CB6C}" type="slidenum">
+              <a:rPr lang="en-GB" smtClean="0"/>
+              <a:t>11</a:t>
+            </a:fld>
+            <a:endParaRPr lang="en-GB"/>
+          </a:p>
+        </p:txBody>
+      </p:sp>
+    </p:spTree>
+    <p:extLst>
+      <p:ext uri="{BB962C8B-B14F-4D97-AF65-F5344CB8AC3E}">
+        <p14:creationId xmlns:p14="http://schemas.microsoft.com/office/powerpoint/2010/main" val="631956889"/>
+      </p:ext>
+    </p:extLst>
+  </p:cSld>
+  <p:clrMapOvr>
+    <a:masterClrMapping/>
+  </p:clrMapOvr>
+</p:notes>
+</file>
+
+<file path=ppt/notesSlides/notesSlide12.xml><?xml version="1.0" encoding="utf-8"?>
+<p:notes xmlns:a="http://schemas.openxmlformats.org/drawingml/2006/main" xmlns:r="http://schemas.openxmlformats.org/officeDocument/2006/relationships" xmlns:p="http://schemas.openxmlformats.org/presentationml/2006/main">
+  <p:cSld>
+    <p:spTree>
+      <p:nvGrpSpPr>
+        <p:cNvPr id="1" name=""/>
+        <p:cNvGrpSpPr/>
+        <p:nvPr/>
+      </p:nvGrpSpPr>
+      <p:grpSpPr>
+        <a:xfrm>
+          <a:off x="0" y="0"/>
+          <a:ext cx="0" cy="0"/>
+          <a:chOff x="0" y="0"/>
+          <a:chExt cx="0" cy="0"/>
+        </a:xfrm>
+      </p:grpSpPr>
+      <p:sp>
+        <p:nvSpPr>
+          <p:cNvPr id="2" name="Folienbildplatzhalter 1"/>
+          <p:cNvSpPr>
+            <a:spLocks noGrp="1" noRot="1" noChangeAspect="1"/>
+          </p:cNvSpPr>
+          <p:nvPr>
+            <p:ph type="sldImg"/>
+          </p:nvPr>
+        </p:nvSpPr>
+        <p:spPr/>
+      </p:sp>
+      <p:sp>
+        <p:nvSpPr>
+          <p:cNvPr id="3" name="Notizenplatzhalter 2"/>
+          <p:cNvSpPr>
+            <a:spLocks noGrp="1"/>
+          </p:cNvSpPr>
+          <p:nvPr>
+            <p:ph type="body" idx="1"/>
+          </p:nvPr>
+        </p:nvSpPr>
+        <p:spPr/>
+        <p:txBody>
+          <a:bodyPr/>
+          <a:lstStyle/>
+          <a:p>
+            <a:endParaRPr lang="en-GB"/>
+          </a:p>
+        </p:txBody>
+      </p:sp>
+      <p:sp>
+        <p:nvSpPr>
+          <p:cNvPr id="4" name="Kopfzeilenplatzhalter 3"/>
+          <p:cNvSpPr>
+            <a:spLocks noGrp="1"/>
+          </p:cNvSpPr>
+          <p:nvPr>
+            <p:ph type="hdr" sz="quarter" idx="10"/>
+          </p:nvPr>
+        </p:nvSpPr>
+        <p:spPr/>
+        <p:txBody>
+          <a:bodyPr/>
+          <a:lstStyle/>
+          <a:p>
+            <a:endParaRPr lang="en-GB"/>
+          </a:p>
+        </p:txBody>
+      </p:sp>
+      <p:sp>
+        <p:nvSpPr>
+          <p:cNvPr id="5" name="Fußzeilenplatzhalter 4"/>
+          <p:cNvSpPr>
+            <a:spLocks noGrp="1"/>
+          </p:cNvSpPr>
+          <p:nvPr>
+            <p:ph type="ftr" sz="quarter" idx="11"/>
+          </p:nvPr>
+        </p:nvSpPr>
+        <p:spPr/>
+        <p:txBody>
+          <a:bodyPr/>
+          <a:lstStyle/>
+          <a:p>
+            <a:endParaRPr lang="en-GB"/>
+          </a:p>
+        </p:txBody>
+      </p:sp>
+      <p:sp>
+        <p:nvSpPr>
+          <p:cNvPr id="6" name="Foliennummernplatzhalter 5"/>
+          <p:cNvSpPr>
+            <a:spLocks noGrp="1"/>
+          </p:cNvSpPr>
+          <p:nvPr>
+            <p:ph type="sldNum" sz="quarter" idx="12"/>
+          </p:nvPr>
+        </p:nvSpPr>
+        <p:spPr/>
+        <p:txBody>
+          <a:bodyPr/>
+          <a:lstStyle/>
+          <a:p>
+            <a:fld id="{10B2448E-F2D6-461D-9BA9-E2B28EF7CB6C}" type="slidenum">
+              <a:rPr lang="en-GB" smtClean="0"/>
+              <a:t>12</a:t>
+            </a:fld>
+            <a:endParaRPr lang="en-GB"/>
+          </a:p>
+        </p:txBody>
+      </p:sp>
+    </p:spTree>
+    <p:extLst>
+      <p:ext uri="{BB962C8B-B14F-4D97-AF65-F5344CB8AC3E}">
+        <p14:creationId xmlns:p14="http://schemas.microsoft.com/office/powerpoint/2010/main" val="1532774447"/>
+      </p:ext>
+    </p:extLst>
+  </p:cSld>
+  <p:clrMapOvr>
+    <a:masterClrMapping/>
+  </p:clrMapOvr>
+</p:notes>
+</file>
+
+<file path=ppt/notesSlides/notesSlide13.xml><?xml version="1.0" encoding="utf-8"?>
+<p:notes xmlns:a="http://schemas.openxmlformats.org/drawingml/2006/main" xmlns:r="http://schemas.openxmlformats.org/officeDocument/2006/relationships" xmlns:p="http://schemas.openxmlformats.org/presentationml/2006/main">
+  <p:cSld>
+    <p:spTree>
+      <p:nvGrpSpPr>
+        <p:cNvPr id="1" name=""/>
+        <p:cNvGrpSpPr/>
+        <p:nvPr/>
+      </p:nvGrpSpPr>
+      <p:grpSpPr>
+        <a:xfrm>
+          <a:off x="0" y="0"/>
+          <a:ext cx="0" cy="0"/>
+          <a:chOff x="0" y="0"/>
+          <a:chExt cx="0" cy="0"/>
+        </a:xfrm>
+      </p:grpSpPr>
+      <p:sp>
+        <p:nvSpPr>
+          <p:cNvPr id="2" name="Folienbildplatzhalter 1"/>
+          <p:cNvSpPr>
+            <a:spLocks noGrp="1" noRot="1" noChangeAspect="1"/>
+          </p:cNvSpPr>
+          <p:nvPr>
+            <p:ph type="sldImg"/>
+          </p:nvPr>
+        </p:nvSpPr>
+        <p:spPr/>
+      </p:sp>
+      <p:sp>
+        <p:nvSpPr>
+          <p:cNvPr id="3" name="Notizenplatzhalter 2"/>
+          <p:cNvSpPr>
+            <a:spLocks noGrp="1"/>
+          </p:cNvSpPr>
+          <p:nvPr>
+            <p:ph type="body" idx="1"/>
+          </p:nvPr>
+        </p:nvSpPr>
+        <p:spPr/>
+        <p:txBody>
+          <a:bodyPr/>
+          <a:lstStyle/>
+          <a:p>
+            <a:endParaRPr lang="en-GB"/>
+          </a:p>
+        </p:txBody>
+      </p:sp>
+      <p:sp>
+        <p:nvSpPr>
+          <p:cNvPr id="4" name="Kopfzeilenplatzhalter 3"/>
+          <p:cNvSpPr>
+            <a:spLocks noGrp="1"/>
+          </p:cNvSpPr>
+          <p:nvPr>
+            <p:ph type="hdr" sz="quarter" idx="10"/>
+          </p:nvPr>
+        </p:nvSpPr>
+        <p:spPr/>
+        <p:txBody>
+          <a:bodyPr/>
+          <a:lstStyle/>
+          <a:p>
+            <a:endParaRPr lang="en-GB"/>
+          </a:p>
+        </p:txBody>
+      </p:sp>
+      <p:sp>
+        <p:nvSpPr>
+          <p:cNvPr id="5" name="Fußzeilenplatzhalter 4"/>
+          <p:cNvSpPr>
+            <a:spLocks noGrp="1"/>
+          </p:cNvSpPr>
+          <p:nvPr>
+            <p:ph type="ftr" sz="quarter" idx="11"/>
+          </p:nvPr>
+        </p:nvSpPr>
+        <p:spPr/>
+        <p:txBody>
+          <a:bodyPr/>
+          <a:lstStyle/>
+          <a:p>
+            <a:endParaRPr lang="en-GB"/>
+          </a:p>
+        </p:txBody>
+      </p:sp>
+      <p:sp>
+        <p:nvSpPr>
+          <p:cNvPr id="6" name="Foliennummernplatzhalter 5"/>
+          <p:cNvSpPr>
+            <a:spLocks noGrp="1"/>
+          </p:cNvSpPr>
+          <p:nvPr>
+            <p:ph type="sldNum" sz="quarter" idx="12"/>
+          </p:nvPr>
+        </p:nvSpPr>
+        <p:spPr/>
+        <p:txBody>
+          <a:bodyPr/>
+          <a:lstStyle/>
+          <a:p>
+            <a:fld id="{10B2448E-F2D6-461D-9BA9-E2B28EF7CB6C}" type="slidenum">
+              <a:rPr lang="en-GB" smtClean="0"/>
+              <a:t>13</a:t>
+            </a:fld>
+            <a:endParaRPr lang="en-GB"/>
+          </a:p>
+        </p:txBody>
+      </p:sp>
+    </p:spTree>
+    <p:extLst>
+      <p:ext uri="{BB962C8B-B14F-4D97-AF65-F5344CB8AC3E}">
+        <p14:creationId xmlns:p14="http://schemas.microsoft.com/office/powerpoint/2010/main" val="2372012624"/>
+      </p:ext>
+    </p:extLst>
+  </p:cSld>
+  <p:clrMapOvr>
+    <a:masterClrMapping/>
+  </p:clrMapOvr>
+</p:notes>
+</file>
+
+<file path=ppt/notesSlides/notesSlide14.xml><?xml version="1.0" encoding="utf-8"?>
+<p:notes xmlns:a="http://schemas.openxmlformats.org/drawingml/2006/main" xmlns:r="http://schemas.openxmlformats.org/officeDocument/2006/relationships" xmlns:p="http://schemas.openxmlformats.org/presentationml/2006/main">
+  <p:cSld>
+    <p:spTree>
+      <p:nvGrpSpPr>
+        <p:cNvPr id="1" name=""/>
+        <p:cNvGrpSpPr/>
+        <p:nvPr/>
+      </p:nvGrpSpPr>
+      <p:grpSpPr>
+        <a:xfrm>
+          <a:off x="0" y="0"/>
+          <a:ext cx="0" cy="0"/>
+          <a:chOff x="0" y="0"/>
+          <a:chExt cx="0" cy="0"/>
+        </a:xfrm>
+      </p:grpSpPr>
+      <p:sp>
+        <p:nvSpPr>
+          <p:cNvPr id="2" name="Folienbildplatzhalter 1"/>
+          <p:cNvSpPr>
+            <a:spLocks noGrp="1" noRot="1" noChangeAspect="1"/>
+          </p:cNvSpPr>
+          <p:nvPr>
+            <p:ph type="sldImg"/>
+          </p:nvPr>
+        </p:nvSpPr>
+        <p:spPr/>
+      </p:sp>
+      <p:sp>
+        <p:nvSpPr>
+          <p:cNvPr id="3" name="Notizenplatzhalter 2"/>
+          <p:cNvSpPr>
+            <a:spLocks noGrp="1"/>
+          </p:cNvSpPr>
+          <p:nvPr>
+            <p:ph type="body" idx="1"/>
+          </p:nvPr>
+        </p:nvSpPr>
+        <p:spPr/>
+        <p:txBody>
+          <a:bodyPr/>
+          <a:lstStyle/>
+          <a:p>
+            <a:endParaRPr lang="en-GB"/>
+          </a:p>
+        </p:txBody>
+      </p:sp>
+      <p:sp>
+        <p:nvSpPr>
+          <p:cNvPr id="4" name="Kopfzeilenplatzhalter 3"/>
+          <p:cNvSpPr>
+            <a:spLocks noGrp="1"/>
+          </p:cNvSpPr>
+          <p:nvPr>
+            <p:ph type="hdr" sz="quarter" idx="10"/>
+          </p:nvPr>
+        </p:nvSpPr>
+        <p:spPr/>
+        <p:txBody>
+          <a:bodyPr/>
+          <a:lstStyle/>
+          <a:p>
+            <a:endParaRPr lang="en-GB"/>
+          </a:p>
+        </p:txBody>
+      </p:sp>
+      <p:sp>
+        <p:nvSpPr>
+          <p:cNvPr id="5" name="Fußzeilenplatzhalter 4"/>
+          <p:cNvSpPr>
+            <a:spLocks noGrp="1"/>
+          </p:cNvSpPr>
+          <p:nvPr>
+            <p:ph type="ftr" sz="quarter" idx="11"/>
+          </p:nvPr>
+        </p:nvSpPr>
+        <p:spPr/>
+        <p:txBody>
+          <a:bodyPr/>
+          <a:lstStyle/>
+          <a:p>
+            <a:endParaRPr lang="en-GB"/>
+          </a:p>
+        </p:txBody>
+      </p:sp>
+      <p:sp>
+        <p:nvSpPr>
+          <p:cNvPr id="6" name="Foliennummernplatzhalter 5"/>
+          <p:cNvSpPr>
+            <a:spLocks noGrp="1"/>
+          </p:cNvSpPr>
+          <p:nvPr>
+            <p:ph type="sldNum" sz="quarter" idx="12"/>
+          </p:nvPr>
+        </p:nvSpPr>
+        <p:spPr/>
+        <p:txBody>
+          <a:bodyPr/>
+          <a:lstStyle/>
+          <a:p>
+            <a:fld id="{10B2448E-F2D6-461D-9BA9-E2B28EF7CB6C}" type="slidenum">
+              <a:rPr lang="en-GB" smtClean="0"/>
+              <a:t>14</a:t>
+            </a:fld>
+            <a:endParaRPr lang="en-GB"/>
+          </a:p>
+        </p:txBody>
+      </p:sp>
+    </p:spTree>
+    <p:extLst>
+      <p:ext uri="{BB962C8B-B14F-4D97-AF65-F5344CB8AC3E}">
+        <p14:creationId xmlns:p14="http://schemas.microsoft.com/office/powerpoint/2010/main" val="4089238356"/>
+      </p:ext>
+    </p:extLst>
+  </p:cSld>
+  <p:clrMapOvr>
+    <a:masterClrMapping/>
+  </p:clrMapOvr>
+</p:notes>
+</file>
+
+<file path=ppt/notesSlides/notesSlide15.xml><?xml version="1.0" encoding="utf-8"?>
+<p:notes xmlns:a="http://schemas.openxmlformats.org/drawingml/2006/main" xmlns:r="http://schemas.openxmlformats.org/officeDocument/2006/relationships" xmlns:p="http://schemas.openxmlformats.org/presentationml/2006/main">
+  <p:cSld>
+    <p:spTree>
+      <p:nvGrpSpPr>
+        <p:cNvPr id="1" name=""/>
+        <p:cNvGrpSpPr/>
+        <p:nvPr/>
+      </p:nvGrpSpPr>
+      <p:grpSpPr>
+        <a:xfrm>
+          <a:off x="0" y="0"/>
+          <a:ext cx="0" cy="0"/>
+          <a:chOff x="0" y="0"/>
+          <a:chExt cx="0" cy="0"/>
+        </a:xfrm>
+      </p:grpSpPr>
+      <p:sp>
+        <p:nvSpPr>
+          <p:cNvPr id="2" name="Folienbildplatzhalter 1"/>
+          <p:cNvSpPr>
+            <a:spLocks noGrp="1" noRot="1" noChangeAspect="1"/>
+          </p:cNvSpPr>
+          <p:nvPr>
+            <p:ph type="sldImg"/>
+          </p:nvPr>
+        </p:nvSpPr>
+        <p:spPr/>
+      </p:sp>
+      <p:sp>
+        <p:nvSpPr>
+          <p:cNvPr id="3" name="Notizenplatzhalter 2"/>
+          <p:cNvSpPr>
+            <a:spLocks noGrp="1"/>
+          </p:cNvSpPr>
+          <p:nvPr>
+            <p:ph type="body" idx="1"/>
+          </p:nvPr>
+        </p:nvSpPr>
+        <p:spPr/>
+        <p:txBody>
+          <a:bodyPr/>
+          <a:lstStyle/>
+          <a:p>
+            <a:endParaRPr lang="en-GB"/>
+          </a:p>
+        </p:txBody>
+      </p:sp>
+      <p:sp>
+        <p:nvSpPr>
+          <p:cNvPr id="4" name="Kopfzeilenplatzhalter 3"/>
+          <p:cNvSpPr>
+            <a:spLocks noGrp="1"/>
+          </p:cNvSpPr>
+          <p:nvPr>
+            <p:ph type="hdr" sz="quarter" idx="10"/>
+          </p:nvPr>
+        </p:nvSpPr>
+        <p:spPr/>
+        <p:txBody>
+          <a:bodyPr/>
+          <a:lstStyle/>
+          <a:p>
+            <a:endParaRPr lang="en-GB"/>
+          </a:p>
+        </p:txBody>
+      </p:sp>
+      <p:sp>
+        <p:nvSpPr>
+          <p:cNvPr id="5" name="Fußzeilenplatzhalter 4"/>
+          <p:cNvSpPr>
+            <a:spLocks noGrp="1"/>
+          </p:cNvSpPr>
+          <p:nvPr>
+            <p:ph type="ftr" sz="quarter" idx="11"/>
+          </p:nvPr>
+        </p:nvSpPr>
+        <p:spPr/>
+        <p:txBody>
+          <a:bodyPr/>
+          <a:lstStyle/>
+          <a:p>
+            <a:endParaRPr lang="en-GB"/>
+          </a:p>
+        </p:txBody>
+      </p:sp>
+      <p:sp>
+        <p:nvSpPr>
+          <p:cNvPr id="6" name="Foliennummernplatzhalter 5"/>
+          <p:cNvSpPr>
+            <a:spLocks noGrp="1"/>
+          </p:cNvSpPr>
+          <p:nvPr>
+            <p:ph type="sldNum" sz="quarter" idx="12"/>
+          </p:nvPr>
+        </p:nvSpPr>
+        <p:spPr/>
+        <p:txBody>
+          <a:bodyPr/>
+          <a:lstStyle/>
+          <a:p>
+            <a:fld id="{10B2448E-F2D6-461D-9BA9-E2B28EF7CB6C}" type="slidenum">
+              <a:rPr lang="en-GB" smtClean="0"/>
+              <a:t>15</a:t>
+            </a:fld>
+            <a:endParaRPr lang="en-GB"/>
+          </a:p>
+        </p:txBody>
+      </p:sp>
+    </p:spTree>
+    <p:extLst>
+      <p:ext uri="{BB962C8B-B14F-4D97-AF65-F5344CB8AC3E}">
+        <p14:creationId xmlns:p14="http://schemas.microsoft.com/office/powerpoint/2010/main" val="2988859308"/>
+      </p:ext>
+    </p:extLst>
+  </p:cSld>
+  <p:clrMapOvr>
+    <a:masterClrMapping/>
+  </p:clrMapOvr>
+</p:notes>
+</file>
+
+<file path=ppt/notesSlides/notesSlide16.xml><?xml version="1.0" encoding="utf-8"?>
+<p:notes xmlns:a="http://schemas.openxmlformats.org/drawingml/2006/main" xmlns:r="http://schemas.openxmlformats.org/officeDocument/2006/relationships" xmlns:p="http://schemas.openxmlformats.org/presentationml/2006/main">
+  <p:cSld>
+    <p:spTree>
+      <p:nvGrpSpPr>
+        <p:cNvPr id="1" name=""/>
+        <p:cNvGrpSpPr/>
+        <p:nvPr/>
+      </p:nvGrpSpPr>
+      <p:grpSpPr>
+        <a:xfrm>
+          <a:off x="0" y="0"/>
+          <a:ext cx="0" cy="0"/>
+          <a:chOff x="0" y="0"/>
+          <a:chExt cx="0" cy="0"/>
+        </a:xfrm>
+      </p:grpSpPr>
+      <p:sp>
+        <p:nvSpPr>
+          <p:cNvPr id="2" name="Folienbildplatzhalter 1"/>
+          <p:cNvSpPr>
+            <a:spLocks noGrp="1" noRot="1" noChangeAspect="1"/>
+          </p:cNvSpPr>
+          <p:nvPr>
+            <p:ph type="sldImg"/>
+          </p:nvPr>
+        </p:nvSpPr>
+        <p:spPr/>
+      </p:sp>
+      <p:sp>
+        <p:nvSpPr>
+          <p:cNvPr id="3" name="Notizenplatzhalter 2"/>
+          <p:cNvSpPr>
+            <a:spLocks noGrp="1"/>
+          </p:cNvSpPr>
+          <p:nvPr>
+            <p:ph type="body" idx="1"/>
+          </p:nvPr>
+        </p:nvSpPr>
+        <p:spPr/>
+        <p:txBody>
+          <a:bodyPr/>
+          <a:lstStyle/>
+          <a:p>
+            <a:endParaRPr lang="en-GB"/>
+          </a:p>
+        </p:txBody>
+      </p:sp>
+      <p:sp>
+        <p:nvSpPr>
+          <p:cNvPr id="4" name="Kopfzeilenplatzhalter 3"/>
+          <p:cNvSpPr>
+            <a:spLocks noGrp="1"/>
+          </p:cNvSpPr>
+          <p:nvPr>
+            <p:ph type="hdr" sz="quarter" idx="10"/>
+          </p:nvPr>
+        </p:nvSpPr>
+        <p:spPr/>
+        <p:txBody>
+          <a:bodyPr/>
+          <a:lstStyle/>
+          <a:p>
+            <a:endParaRPr lang="en-GB"/>
+          </a:p>
+        </p:txBody>
+      </p:sp>
+      <p:sp>
+        <p:nvSpPr>
+          <p:cNvPr id="5" name="Fußzeilenplatzhalter 4"/>
+          <p:cNvSpPr>
+            <a:spLocks noGrp="1"/>
+          </p:cNvSpPr>
+          <p:nvPr>
+            <p:ph type="ftr" sz="quarter" idx="11"/>
+          </p:nvPr>
+        </p:nvSpPr>
+        <p:spPr/>
+        <p:txBody>
+          <a:bodyPr/>
+          <a:lstStyle/>
+          <a:p>
+            <a:endParaRPr lang="en-GB"/>
+          </a:p>
+        </p:txBody>
+      </p:sp>
+      <p:sp>
+        <p:nvSpPr>
+          <p:cNvPr id="6" name="Foliennummernplatzhalter 5"/>
+          <p:cNvSpPr>
+            <a:spLocks noGrp="1"/>
+          </p:cNvSpPr>
+          <p:nvPr>
+            <p:ph type="sldNum" sz="quarter" idx="12"/>
+          </p:nvPr>
+        </p:nvSpPr>
+        <p:spPr/>
+        <p:txBody>
+          <a:bodyPr/>
+          <a:lstStyle/>
+          <a:p>
+            <a:fld id="{10B2448E-F2D6-461D-9BA9-E2B28EF7CB6C}" type="slidenum">
+              <a:rPr lang="en-GB" smtClean="0"/>
+              <a:t>16</a:t>
+            </a:fld>
+            <a:endParaRPr lang="en-GB"/>
+          </a:p>
+        </p:txBody>
+      </p:sp>
+    </p:spTree>
+    <p:extLst>
+      <p:ext uri="{BB962C8B-B14F-4D97-AF65-F5344CB8AC3E}">
+        <p14:creationId xmlns:p14="http://schemas.microsoft.com/office/powerpoint/2010/main" val="2011338287"/>
+      </p:ext>
+    </p:extLst>
+  </p:cSld>
+  <p:clrMapOvr>
+    <a:masterClrMapping/>
+  </p:clrMapOvr>
+</p:notes>
+</file>
+
+<file path=ppt/notesSlides/notesSlide17.xml><?xml version="1.0" encoding="utf-8"?>
+<p:notes xmlns:a="http://schemas.openxmlformats.org/drawingml/2006/main" xmlns:r="http://schemas.openxmlformats.org/officeDocument/2006/relationships" xmlns:p="http://schemas.openxmlformats.org/presentationml/2006/main">
+  <p:cSld>
+    <p:spTree>
+      <p:nvGrpSpPr>
+        <p:cNvPr id="1" name=""/>
+        <p:cNvGrpSpPr/>
+        <p:nvPr/>
+      </p:nvGrpSpPr>
+      <p:grpSpPr>
+        <a:xfrm>
+          <a:off x="0" y="0"/>
+          <a:ext cx="0" cy="0"/>
+          <a:chOff x="0" y="0"/>
+          <a:chExt cx="0" cy="0"/>
+        </a:xfrm>
+      </p:grpSpPr>
+      <p:sp>
+        <p:nvSpPr>
+          <p:cNvPr id="2" name="Folienbildplatzhalter 1"/>
+          <p:cNvSpPr>
+            <a:spLocks noGrp="1" noRot="1" noChangeAspect="1"/>
+          </p:cNvSpPr>
+          <p:nvPr>
+            <p:ph type="sldImg"/>
+          </p:nvPr>
+        </p:nvSpPr>
+        <p:spPr/>
+      </p:sp>
+      <p:sp>
+        <p:nvSpPr>
+          <p:cNvPr id="3" name="Notizenplatzhalter 2"/>
+          <p:cNvSpPr>
+            <a:spLocks noGrp="1"/>
+          </p:cNvSpPr>
+          <p:nvPr>
+            <p:ph type="body" idx="1"/>
+          </p:nvPr>
+        </p:nvSpPr>
+        <p:spPr/>
+        <p:txBody>
+          <a:bodyPr/>
+          <a:lstStyle/>
+          <a:p>
+            <a:endParaRPr lang="en-GB"/>
+          </a:p>
+        </p:txBody>
+      </p:sp>
+      <p:sp>
+        <p:nvSpPr>
+          <p:cNvPr id="4" name="Kopfzeilenplatzhalter 3"/>
+          <p:cNvSpPr>
+            <a:spLocks noGrp="1"/>
+          </p:cNvSpPr>
+          <p:nvPr>
+            <p:ph type="hdr" sz="quarter" idx="10"/>
+          </p:nvPr>
+        </p:nvSpPr>
+        <p:spPr/>
+        <p:txBody>
+          <a:bodyPr/>
+          <a:lstStyle/>
+          <a:p>
+            <a:endParaRPr lang="en-GB"/>
+          </a:p>
+        </p:txBody>
+      </p:sp>
+      <p:sp>
+        <p:nvSpPr>
+          <p:cNvPr id="5" name="Fußzeilenplatzhalter 4"/>
+          <p:cNvSpPr>
+            <a:spLocks noGrp="1"/>
+          </p:cNvSpPr>
+          <p:nvPr>
+            <p:ph type="ftr" sz="quarter" idx="11"/>
+          </p:nvPr>
+        </p:nvSpPr>
+        <p:spPr/>
+        <p:txBody>
+          <a:bodyPr/>
+          <a:lstStyle/>
+          <a:p>
+            <a:endParaRPr lang="en-GB"/>
+          </a:p>
+        </p:txBody>
+      </p:sp>
+      <p:sp>
+        <p:nvSpPr>
+          <p:cNvPr id="6" name="Foliennummernplatzhalter 5"/>
+          <p:cNvSpPr>
+            <a:spLocks noGrp="1"/>
+          </p:cNvSpPr>
+          <p:nvPr>
+            <p:ph type="sldNum" sz="quarter" idx="12"/>
+          </p:nvPr>
+        </p:nvSpPr>
+        <p:spPr/>
+        <p:txBody>
+          <a:bodyPr/>
+          <a:lstStyle/>
+          <a:p>
+            <a:fld id="{10B2448E-F2D6-461D-9BA9-E2B28EF7CB6C}" type="slidenum">
+              <a:rPr lang="en-GB" smtClean="0"/>
+              <a:t>17</a:t>
+            </a:fld>
+            <a:endParaRPr lang="en-GB"/>
+          </a:p>
+        </p:txBody>
+      </p:sp>
+    </p:spTree>
+    <p:extLst>
+      <p:ext uri="{BB962C8B-B14F-4D97-AF65-F5344CB8AC3E}">
+        <p14:creationId xmlns:p14="http://schemas.microsoft.com/office/powerpoint/2010/main" val="2268599393"/>
+      </p:ext>
+    </p:extLst>
+  </p:cSld>
+  <p:clrMapOvr>
+    <a:masterClrMapping/>
+  </p:clrMapOvr>
+</p:notes>
+</file>
+
+<file path=ppt/notesSlides/notesSlide2.xml><?xml version="1.0" encoding="utf-8"?>
+<p:notes xmlns:a="http://schemas.openxmlformats.org/drawingml/2006/main" xmlns:r="http://schemas.openxmlformats.org/officeDocument/2006/relationships" xmlns:p="http://schemas.openxmlformats.org/presentationml/2006/main">
+  <p:cSld>
+    <p:spTree>
+      <p:nvGrpSpPr>
+        <p:cNvPr id="1" name=""/>
+        <p:cNvGrpSpPr/>
+        <p:nvPr/>
+      </p:nvGrpSpPr>
+      <p:grpSpPr>
+        <a:xfrm>
+          <a:off x="0" y="0"/>
+          <a:ext cx="0" cy="0"/>
+          <a:chOff x="0" y="0"/>
+          <a:chExt cx="0" cy="0"/>
+        </a:xfrm>
+      </p:grpSpPr>
+      <p:sp>
+        <p:nvSpPr>
+          <p:cNvPr id="2" name="Folienbildplatzhalter 1"/>
+          <p:cNvSpPr>
+            <a:spLocks noGrp="1" noRot="1" noChangeAspect="1"/>
+          </p:cNvSpPr>
+          <p:nvPr>
+            <p:ph type="sldImg"/>
+          </p:nvPr>
+        </p:nvSpPr>
+        <p:spPr/>
+      </p:sp>
+      <p:sp>
+        <p:nvSpPr>
+          <p:cNvPr id="3" name="Notizenplatzhalter 2"/>
+          <p:cNvSpPr>
+            <a:spLocks noGrp="1"/>
+          </p:cNvSpPr>
+          <p:nvPr>
+            <p:ph type="body" idx="1"/>
+          </p:nvPr>
+        </p:nvSpPr>
+        <p:spPr/>
+        <p:txBody>
+          <a:bodyPr/>
+          <a:lstStyle/>
+          <a:p>
+            <a:endParaRPr lang="en-GB"/>
+          </a:p>
+        </p:txBody>
+      </p:sp>
+      <p:sp>
+        <p:nvSpPr>
+          <p:cNvPr id="4" name="Kopfzeilenplatzhalter 3"/>
+          <p:cNvSpPr>
+            <a:spLocks noGrp="1"/>
+          </p:cNvSpPr>
+          <p:nvPr>
+            <p:ph type="hdr" sz="quarter" idx="10"/>
+          </p:nvPr>
+        </p:nvSpPr>
+        <p:spPr/>
+        <p:txBody>
+          <a:bodyPr/>
+          <a:lstStyle/>
+          <a:p>
+            <a:endParaRPr lang="en-GB"/>
+          </a:p>
+        </p:txBody>
+      </p:sp>
+      <p:sp>
+        <p:nvSpPr>
+          <p:cNvPr id="5" name="Fußzeilenplatzhalter 4"/>
+          <p:cNvSpPr>
+            <a:spLocks noGrp="1"/>
+          </p:cNvSpPr>
+          <p:nvPr>
+            <p:ph type="ftr" sz="quarter" idx="11"/>
+          </p:nvPr>
+        </p:nvSpPr>
+        <p:spPr/>
+        <p:txBody>
+          <a:bodyPr/>
+          <a:lstStyle/>
+          <a:p>
+            <a:endParaRPr lang="en-GB"/>
+          </a:p>
+        </p:txBody>
+      </p:sp>
+      <p:sp>
+        <p:nvSpPr>
+          <p:cNvPr id="6" name="Foliennummernplatzhalter 5"/>
+          <p:cNvSpPr>
+            <a:spLocks noGrp="1"/>
+          </p:cNvSpPr>
+          <p:nvPr>
+            <p:ph type="sldNum" sz="quarter" idx="12"/>
+          </p:nvPr>
+        </p:nvSpPr>
+        <p:spPr/>
+        <p:txBody>
+          <a:bodyPr/>
+          <a:lstStyle/>
+          <a:p>
+            <a:fld id="{10B2448E-F2D6-461D-9BA9-E2B28EF7CB6C}" type="slidenum">
+              <a:rPr lang="en-GB" smtClean="0"/>
+              <a:t>2</a:t>
+            </a:fld>
+            <a:endParaRPr lang="en-GB"/>
+          </a:p>
+        </p:txBody>
+      </p:sp>
+    </p:spTree>
+    <p:extLst>
+      <p:ext uri="{BB962C8B-B14F-4D97-AF65-F5344CB8AC3E}">
+        <p14:creationId xmlns:p14="http://schemas.microsoft.com/office/powerpoint/2010/main" val="3210916373"/>
+      </p:ext>
+    </p:extLst>
+  </p:cSld>
+  <p:clrMapOvr>
+    <a:masterClrMapping/>
+  </p:clrMapOvr>
+</p:notes>
+</file>
+
+<file path=ppt/notesSlides/notesSlide3.xml><?xml version="1.0" encoding="utf-8"?>
+<p:notes xmlns:a="http://schemas.openxmlformats.org/drawingml/2006/main" xmlns:r="http://schemas.openxmlformats.org/officeDocument/2006/relationships" xmlns:p="http://schemas.openxmlformats.org/presentationml/2006/main">
+  <p:cSld>
+    <p:spTree>
+      <p:nvGrpSpPr>
+        <p:cNvPr id="1" name=""/>
+        <p:cNvGrpSpPr/>
+        <p:nvPr/>
+      </p:nvGrpSpPr>
+      <p:grpSpPr>
+        <a:xfrm>
+          <a:off x="0" y="0"/>
+          <a:ext cx="0" cy="0"/>
+          <a:chOff x="0" y="0"/>
+          <a:chExt cx="0" cy="0"/>
+        </a:xfrm>
+      </p:grpSpPr>
+      <p:sp>
+        <p:nvSpPr>
+          <p:cNvPr id="2" name="Folienbildplatzhalter 1"/>
+          <p:cNvSpPr>
+            <a:spLocks noGrp="1" noRot="1" noChangeAspect="1"/>
+          </p:cNvSpPr>
+          <p:nvPr>
+            <p:ph type="sldImg"/>
+          </p:nvPr>
+        </p:nvSpPr>
+        <p:spPr/>
+      </p:sp>
+      <p:sp>
+        <p:nvSpPr>
+          <p:cNvPr id="3" name="Notizenplatzhalter 2"/>
+          <p:cNvSpPr>
+            <a:spLocks noGrp="1"/>
+          </p:cNvSpPr>
+          <p:nvPr>
+            <p:ph type="body" idx="1"/>
+          </p:nvPr>
+        </p:nvSpPr>
+        <p:spPr/>
+        <p:txBody>
+          <a:bodyPr/>
+          <a:lstStyle/>
+          <a:p>
+            <a:endParaRPr lang="en-GB"/>
+          </a:p>
+        </p:txBody>
+      </p:sp>
+      <p:sp>
+        <p:nvSpPr>
+          <p:cNvPr id="4" name="Kopfzeilenplatzhalter 3"/>
+          <p:cNvSpPr>
+            <a:spLocks noGrp="1"/>
+          </p:cNvSpPr>
+          <p:nvPr>
+            <p:ph type="hdr" sz="quarter" idx="10"/>
+          </p:nvPr>
+        </p:nvSpPr>
+        <p:spPr/>
+        <p:txBody>
+          <a:bodyPr/>
+          <a:lstStyle/>
+          <a:p>
+            <a:endParaRPr lang="en-GB"/>
+          </a:p>
+        </p:txBody>
+      </p:sp>
+      <p:sp>
+        <p:nvSpPr>
+          <p:cNvPr id="5" name="Fußzeilenplatzhalter 4"/>
+          <p:cNvSpPr>
+            <a:spLocks noGrp="1"/>
+          </p:cNvSpPr>
+          <p:nvPr>
+            <p:ph type="ftr" sz="quarter" idx="11"/>
+          </p:nvPr>
+        </p:nvSpPr>
+        <p:spPr/>
+        <p:txBody>
+          <a:bodyPr/>
+          <a:lstStyle/>
+          <a:p>
+            <a:endParaRPr lang="en-GB"/>
+          </a:p>
+        </p:txBody>
+      </p:sp>
+      <p:sp>
+        <p:nvSpPr>
+          <p:cNvPr id="6" name="Foliennummernplatzhalter 5"/>
+          <p:cNvSpPr>
+            <a:spLocks noGrp="1"/>
+          </p:cNvSpPr>
+          <p:nvPr>
+            <p:ph type="sldNum" sz="quarter" idx="12"/>
+          </p:nvPr>
+        </p:nvSpPr>
+        <p:spPr/>
+        <p:txBody>
+          <a:bodyPr/>
+          <a:lstStyle/>
+          <a:p>
+            <a:fld id="{10B2448E-F2D6-461D-9BA9-E2B28EF7CB6C}" type="slidenum">
+              <a:rPr lang="en-GB" smtClean="0"/>
+              <a:t>3</a:t>
+            </a:fld>
+            <a:endParaRPr lang="en-GB"/>
+          </a:p>
+        </p:txBody>
+      </p:sp>
+    </p:spTree>
+    <p:extLst>
+      <p:ext uri="{BB962C8B-B14F-4D97-AF65-F5344CB8AC3E}">
+        <p14:creationId xmlns:p14="http://schemas.microsoft.com/office/powerpoint/2010/main" val="1996990785"/>
+      </p:ext>
+    </p:extLst>
+  </p:cSld>
+  <p:clrMapOvr>
+    <a:masterClrMapping/>
+  </p:clrMapOvr>
+</p:notes>
+</file>
+
+<file path=ppt/notesSlides/notesSlide4.xml><?xml version="1.0" encoding="utf-8"?>
+<p:notes xmlns:a="http://schemas.openxmlformats.org/drawingml/2006/main" xmlns:r="http://schemas.openxmlformats.org/officeDocument/2006/relationships" xmlns:p="http://schemas.openxmlformats.org/presentationml/2006/main">
+  <p:cSld>
+    <p:spTree>
+      <p:nvGrpSpPr>
+        <p:cNvPr id="1" name=""/>
+        <p:cNvGrpSpPr/>
+        <p:nvPr/>
+      </p:nvGrpSpPr>
+      <p:grpSpPr>
+        <a:xfrm>
+          <a:off x="0" y="0"/>
+          <a:ext cx="0" cy="0"/>
+          <a:chOff x="0" y="0"/>
+          <a:chExt cx="0" cy="0"/>
+        </a:xfrm>
+      </p:grpSpPr>
+      <p:sp>
+        <p:nvSpPr>
+          <p:cNvPr id="2" name="Folienbildplatzhalter 1"/>
+          <p:cNvSpPr>
+            <a:spLocks noGrp="1" noRot="1" noChangeAspect="1"/>
+          </p:cNvSpPr>
+          <p:nvPr>
+            <p:ph type="sldImg"/>
+          </p:nvPr>
+        </p:nvSpPr>
+        <p:spPr/>
+      </p:sp>
+      <p:sp>
+        <p:nvSpPr>
+          <p:cNvPr id="3" name="Notizenplatzhalter 2"/>
+          <p:cNvSpPr>
+            <a:spLocks noGrp="1"/>
+          </p:cNvSpPr>
+          <p:nvPr>
+            <p:ph type="body" idx="1"/>
+          </p:nvPr>
+        </p:nvSpPr>
+        <p:spPr/>
+        <p:txBody>
+          <a:bodyPr/>
+          <a:lstStyle/>
+          <a:p>
+            <a:endParaRPr lang="en-GB"/>
+          </a:p>
+        </p:txBody>
+      </p:sp>
+      <p:sp>
+        <p:nvSpPr>
+          <p:cNvPr id="4" name="Kopfzeilenplatzhalter 3"/>
+          <p:cNvSpPr>
+            <a:spLocks noGrp="1"/>
+          </p:cNvSpPr>
+          <p:nvPr>
+            <p:ph type="hdr" sz="quarter" idx="10"/>
+          </p:nvPr>
+        </p:nvSpPr>
+        <p:spPr/>
+        <p:txBody>
+          <a:bodyPr/>
+          <a:lstStyle/>
+          <a:p>
+            <a:endParaRPr lang="en-GB"/>
+          </a:p>
+        </p:txBody>
+      </p:sp>
+      <p:sp>
+        <p:nvSpPr>
+          <p:cNvPr id="5" name="Fußzeilenplatzhalter 4"/>
+          <p:cNvSpPr>
+            <a:spLocks noGrp="1"/>
+          </p:cNvSpPr>
+          <p:nvPr>
+            <p:ph type="ftr" sz="quarter" idx="11"/>
+          </p:nvPr>
+        </p:nvSpPr>
+        <p:spPr/>
+        <p:txBody>
+          <a:bodyPr/>
+          <a:lstStyle/>
+          <a:p>
+            <a:endParaRPr lang="en-GB"/>
+          </a:p>
+        </p:txBody>
+      </p:sp>
+      <p:sp>
+        <p:nvSpPr>
+          <p:cNvPr id="6" name="Foliennummernplatzhalter 5"/>
+          <p:cNvSpPr>
+            <a:spLocks noGrp="1"/>
+          </p:cNvSpPr>
+          <p:nvPr>
+            <p:ph type="sldNum" sz="quarter" idx="12"/>
+          </p:nvPr>
+        </p:nvSpPr>
+        <p:spPr/>
+        <p:txBody>
+          <a:bodyPr/>
+          <a:lstStyle/>
+          <a:p>
+            <a:fld id="{10B2448E-F2D6-461D-9BA9-E2B28EF7CB6C}" type="slidenum">
+              <a:rPr lang="en-GB" smtClean="0"/>
+              <a:t>4</a:t>
+            </a:fld>
+            <a:endParaRPr lang="en-GB"/>
+          </a:p>
+        </p:txBody>
+      </p:sp>
+    </p:spTree>
+    <p:extLst>
+      <p:ext uri="{BB962C8B-B14F-4D97-AF65-F5344CB8AC3E}">
+        <p14:creationId xmlns:p14="http://schemas.microsoft.com/office/powerpoint/2010/main" val="4257778246"/>
+      </p:ext>
+    </p:extLst>
+  </p:cSld>
+  <p:clrMapOvr>
+    <a:masterClrMapping/>
+  </p:clrMapOvr>
+</p:notes>
+</file>
+
+<file path=ppt/notesSlides/notesSlide5.xml><?xml version="1.0" encoding="utf-8"?>
+<p:notes xmlns:a="http://schemas.openxmlformats.org/drawingml/2006/main" xmlns:r="http://schemas.openxmlformats.org/officeDocument/2006/relationships" xmlns:p="http://schemas.openxmlformats.org/presentationml/2006/main">
+  <p:cSld>
+    <p:spTree>
+      <p:nvGrpSpPr>
+        <p:cNvPr id="1" name=""/>
+        <p:cNvGrpSpPr/>
+        <p:nvPr/>
+      </p:nvGrpSpPr>
+      <p:grpSpPr>
+        <a:xfrm>
+          <a:off x="0" y="0"/>
+          <a:ext cx="0" cy="0"/>
+          <a:chOff x="0" y="0"/>
+          <a:chExt cx="0" cy="0"/>
+        </a:xfrm>
+      </p:grpSpPr>
+      <p:sp>
+        <p:nvSpPr>
+          <p:cNvPr id="2" name="Folienbildplatzhalter 1"/>
+          <p:cNvSpPr>
+            <a:spLocks noGrp="1" noRot="1" noChangeAspect="1"/>
+          </p:cNvSpPr>
+          <p:nvPr>
+            <p:ph type="sldImg"/>
+          </p:nvPr>
+        </p:nvSpPr>
+        <p:spPr/>
+      </p:sp>
+      <p:sp>
+        <p:nvSpPr>
+          <p:cNvPr id="3" name="Notizenplatzhalter 2"/>
+          <p:cNvSpPr>
+            <a:spLocks noGrp="1"/>
+          </p:cNvSpPr>
+          <p:nvPr>
+            <p:ph type="body" idx="1"/>
+          </p:nvPr>
+        </p:nvSpPr>
+        <p:spPr/>
+        <p:txBody>
+          <a:bodyPr/>
+          <a:lstStyle/>
+          <a:p>
+            <a:endParaRPr lang="en-GB"/>
+          </a:p>
+        </p:txBody>
+      </p:sp>
+      <p:sp>
+        <p:nvSpPr>
+          <p:cNvPr id="4" name="Kopfzeilenplatzhalter 3"/>
+          <p:cNvSpPr>
+            <a:spLocks noGrp="1"/>
+          </p:cNvSpPr>
+          <p:nvPr>
+            <p:ph type="hdr" sz="quarter" idx="10"/>
+          </p:nvPr>
+        </p:nvSpPr>
+        <p:spPr/>
+        <p:txBody>
+          <a:bodyPr/>
+          <a:lstStyle/>
+          <a:p>
+            <a:endParaRPr lang="en-GB"/>
+          </a:p>
+        </p:txBody>
+      </p:sp>
+      <p:sp>
+        <p:nvSpPr>
+          <p:cNvPr id="5" name="Fußzeilenplatzhalter 4"/>
+          <p:cNvSpPr>
+            <a:spLocks noGrp="1"/>
+          </p:cNvSpPr>
+          <p:nvPr>
+            <p:ph type="ftr" sz="quarter" idx="11"/>
+          </p:nvPr>
+        </p:nvSpPr>
+        <p:spPr/>
+        <p:txBody>
+          <a:bodyPr/>
+          <a:lstStyle/>
+          <a:p>
+            <a:endParaRPr lang="en-GB"/>
+          </a:p>
+        </p:txBody>
+      </p:sp>
+      <p:sp>
+        <p:nvSpPr>
+          <p:cNvPr id="6" name="Foliennummernplatzhalter 5"/>
+          <p:cNvSpPr>
+            <a:spLocks noGrp="1"/>
+          </p:cNvSpPr>
+          <p:nvPr>
+            <p:ph type="sldNum" sz="quarter" idx="12"/>
+          </p:nvPr>
+        </p:nvSpPr>
+        <p:spPr/>
+        <p:txBody>
+          <a:bodyPr/>
+          <a:lstStyle/>
+          <a:p>
+            <a:fld id="{10B2448E-F2D6-461D-9BA9-E2B28EF7CB6C}" type="slidenum">
+              <a:rPr lang="en-GB" smtClean="0"/>
+              <a:t>5</a:t>
+            </a:fld>
+            <a:endParaRPr lang="en-GB"/>
+          </a:p>
+        </p:txBody>
+      </p:sp>
+    </p:spTree>
+    <p:extLst>
+      <p:ext uri="{BB962C8B-B14F-4D97-AF65-F5344CB8AC3E}">
+        <p14:creationId xmlns:p14="http://schemas.microsoft.com/office/powerpoint/2010/main" val="2536144555"/>
+      </p:ext>
+    </p:extLst>
+  </p:cSld>
+  <p:clrMapOvr>
+    <a:masterClrMapping/>
+  </p:clrMapOvr>
+</p:notes>
+</file>
+
+<file path=ppt/notesSlides/notesSlide6.xml><?xml version="1.0" encoding="utf-8"?>
+<p:notes xmlns:a="http://schemas.openxmlformats.org/drawingml/2006/main" xmlns:r="http://schemas.openxmlformats.org/officeDocument/2006/relationships" xmlns:p="http://schemas.openxmlformats.org/presentationml/2006/main">
+  <p:cSld>
+    <p:spTree>
+      <p:nvGrpSpPr>
+        <p:cNvPr id="1" name=""/>
+        <p:cNvGrpSpPr/>
+        <p:nvPr/>
+      </p:nvGrpSpPr>
+      <p:grpSpPr>
+        <a:xfrm>
+          <a:off x="0" y="0"/>
+          <a:ext cx="0" cy="0"/>
+          <a:chOff x="0" y="0"/>
+          <a:chExt cx="0" cy="0"/>
+        </a:xfrm>
+      </p:grpSpPr>
+      <p:sp>
+        <p:nvSpPr>
+          <p:cNvPr id="2" name="Folienbildplatzhalter 1"/>
+          <p:cNvSpPr>
+            <a:spLocks noGrp="1" noRot="1" noChangeAspect="1"/>
+          </p:cNvSpPr>
+          <p:nvPr>
+            <p:ph type="sldImg"/>
+          </p:nvPr>
+        </p:nvSpPr>
+        <p:spPr/>
+      </p:sp>
+      <p:sp>
+        <p:nvSpPr>
+          <p:cNvPr id="3" name="Notizenplatzhalter 2"/>
+          <p:cNvSpPr>
+            <a:spLocks noGrp="1"/>
+          </p:cNvSpPr>
+          <p:nvPr>
+            <p:ph type="body" idx="1"/>
+          </p:nvPr>
+        </p:nvSpPr>
+        <p:spPr/>
+        <p:txBody>
+          <a:bodyPr/>
+          <a:lstStyle/>
+          <a:p>
+            <a:endParaRPr lang="en-GB"/>
+          </a:p>
+        </p:txBody>
+      </p:sp>
+      <p:sp>
+        <p:nvSpPr>
+          <p:cNvPr id="4" name="Kopfzeilenplatzhalter 3"/>
+          <p:cNvSpPr>
+            <a:spLocks noGrp="1"/>
+          </p:cNvSpPr>
+          <p:nvPr>
+            <p:ph type="hdr" sz="quarter" idx="10"/>
+          </p:nvPr>
+        </p:nvSpPr>
+        <p:spPr/>
+        <p:txBody>
+          <a:bodyPr/>
+          <a:lstStyle/>
+          <a:p>
+            <a:endParaRPr lang="en-GB"/>
+          </a:p>
+        </p:txBody>
+      </p:sp>
+      <p:sp>
+        <p:nvSpPr>
+          <p:cNvPr id="5" name="Fußzeilenplatzhalter 4"/>
+          <p:cNvSpPr>
+            <a:spLocks noGrp="1"/>
+          </p:cNvSpPr>
+          <p:nvPr>
+            <p:ph type="ftr" sz="quarter" idx="11"/>
+          </p:nvPr>
+        </p:nvSpPr>
+        <p:spPr/>
+        <p:txBody>
+          <a:bodyPr/>
+          <a:lstStyle/>
+          <a:p>
+            <a:endParaRPr lang="en-GB"/>
+          </a:p>
+        </p:txBody>
+      </p:sp>
+      <p:sp>
+        <p:nvSpPr>
+          <p:cNvPr id="6" name="Foliennummernplatzhalter 5"/>
+          <p:cNvSpPr>
+            <a:spLocks noGrp="1"/>
+          </p:cNvSpPr>
+          <p:nvPr>
+            <p:ph type="sldNum" sz="quarter" idx="12"/>
+          </p:nvPr>
+        </p:nvSpPr>
+        <p:spPr/>
+        <p:txBody>
+          <a:bodyPr/>
+          <a:lstStyle/>
+          <a:p>
+            <a:fld id="{10B2448E-F2D6-461D-9BA9-E2B28EF7CB6C}" type="slidenum">
+              <a:rPr lang="en-GB" smtClean="0"/>
+              <a:t>6</a:t>
+            </a:fld>
+            <a:endParaRPr lang="en-GB"/>
+          </a:p>
+        </p:txBody>
+      </p:sp>
+    </p:spTree>
+    <p:extLst>
+      <p:ext uri="{BB962C8B-B14F-4D97-AF65-F5344CB8AC3E}">
+        <p14:creationId xmlns:p14="http://schemas.microsoft.com/office/powerpoint/2010/main" val="2778763208"/>
+      </p:ext>
+    </p:extLst>
+  </p:cSld>
+  <p:clrMapOvr>
+    <a:masterClrMapping/>
+  </p:clrMapOvr>
+</p:notes>
+</file>
+
+<file path=ppt/notesSlides/notesSlide7.xml><?xml version="1.0" encoding="utf-8"?>
+<p:notes xmlns:a="http://schemas.openxmlformats.org/drawingml/2006/main" xmlns:r="http://schemas.openxmlformats.org/officeDocument/2006/relationships" xmlns:p="http://schemas.openxmlformats.org/presentationml/2006/main">
+  <p:cSld>
+    <p:spTree>
+      <p:nvGrpSpPr>
+        <p:cNvPr id="1" name=""/>
+        <p:cNvGrpSpPr/>
+        <p:nvPr/>
+      </p:nvGrpSpPr>
+      <p:grpSpPr>
+        <a:xfrm>
+          <a:off x="0" y="0"/>
+          <a:ext cx="0" cy="0"/>
+          <a:chOff x="0" y="0"/>
+          <a:chExt cx="0" cy="0"/>
+        </a:xfrm>
+      </p:grpSpPr>
+      <p:sp>
+        <p:nvSpPr>
+          <p:cNvPr id="2" name="Folienbildplatzhalter 1"/>
+          <p:cNvSpPr>
+            <a:spLocks noGrp="1" noRot="1" noChangeAspect="1"/>
+          </p:cNvSpPr>
+          <p:nvPr>
+            <p:ph type="sldImg"/>
+          </p:nvPr>
+        </p:nvSpPr>
+        <p:spPr/>
+      </p:sp>
+      <p:sp>
+        <p:nvSpPr>
+          <p:cNvPr id="3" name="Notizenplatzhalter 2"/>
+          <p:cNvSpPr>
+            <a:spLocks noGrp="1"/>
+          </p:cNvSpPr>
+          <p:nvPr>
+            <p:ph type="body" idx="1"/>
+          </p:nvPr>
+        </p:nvSpPr>
+        <p:spPr/>
+        <p:txBody>
+          <a:bodyPr/>
+          <a:lstStyle/>
+          <a:p>
+            <a:endParaRPr lang="en-GB"/>
+          </a:p>
+        </p:txBody>
+      </p:sp>
+      <p:sp>
+        <p:nvSpPr>
+          <p:cNvPr id="4" name="Kopfzeilenplatzhalter 3"/>
+          <p:cNvSpPr>
+            <a:spLocks noGrp="1"/>
+          </p:cNvSpPr>
+          <p:nvPr>
+            <p:ph type="hdr" sz="quarter" idx="10"/>
+          </p:nvPr>
+        </p:nvSpPr>
+        <p:spPr/>
+        <p:txBody>
+          <a:bodyPr/>
+          <a:lstStyle/>
+          <a:p>
+            <a:endParaRPr lang="en-GB"/>
+          </a:p>
+        </p:txBody>
+      </p:sp>
+      <p:sp>
+        <p:nvSpPr>
+          <p:cNvPr id="5" name="Fußzeilenplatzhalter 4"/>
+          <p:cNvSpPr>
+            <a:spLocks noGrp="1"/>
+          </p:cNvSpPr>
+          <p:nvPr>
+            <p:ph type="ftr" sz="quarter" idx="11"/>
+          </p:nvPr>
+        </p:nvSpPr>
+        <p:spPr/>
+        <p:txBody>
+          <a:bodyPr/>
+          <a:lstStyle/>
+          <a:p>
+            <a:endParaRPr lang="en-GB"/>
+          </a:p>
+        </p:txBody>
+      </p:sp>
+      <p:sp>
+        <p:nvSpPr>
+          <p:cNvPr id="6" name="Foliennummernplatzhalter 5"/>
+          <p:cNvSpPr>
+            <a:spLocks noGrp="1"/>
+          </p:cNvSpPr>
+          <p:nvPr>
+            <p:ph type="sldNum" sz="quarter" idx="12"/>
+          </p:nvPr>
+        </p:nvSpPr>
+        <p:spPr/>
+        <p:txBody>
+          <a:bodyPr/>
+          <a:lstStyle/>
+          <a:p>
+            <a:fld id="{10B2448E-F2D6-461D-9BA9-E2B28EF7CB6C}" type="slidenum">
+              <a:rPr lang="en-GB" smtClean="0"/>
+              <a:t>7</a:t>
+            </a:fld>
+            <a:endParaRPr lang="en-GB"/>
+          </a:p>
+        </p:txBody>
+      </p:sp>
+    </p:spTree>
+    <p:extLst>
+      <p:ext uri="{BB962C8B-B14F-4D97-AF65-F5344CB8AC3E}">
+        <p14:creationId xmlns:p14="http://schemas.microsoft.com/office/powerpoint/2010/main" val="4114932161"/>
+      </p:ext>
+    </p:extLst>
+  </p:cSld>
+  <p:clrMapOvr>
+    <a:masterClrMapping/>
+  </p:clrMapOvr>
+</p:notes>
+</file>
+
+<file path=ppt/notesSlides/notesSlide8.xml><?xml version="1.0" encoding="utf-8"?>
+<p:notes xmlns:a="http://schemas.openxmlformats.org/drawingml/2006/main" xmlns:r="http://schemas.openxmlformats.org/officeDocument/2006/relationships" xmlns:p="http://schemas.openxmlformats.org/presentationml/2006/main">
+  <p:cSld>
+    <p:spTree>
+      <p:nvGrpSpPr>
+        <p:cNvPr id="1" name=""/>
+        <p:cNvGrpSpPr/>
+        <p:nvPr/>
+      </p:nvGrpSpPr>
+      <p:grpSpPr>
+        <a:xfrm>
+          <a:off x="0" y="0"/>
+          <a:ext cx="0" cy="0"/>
+          <a:chOff x="0" y="0"/>
+          <a:chExt cx="0" cy="0"/>
+        </a:xfrm>
+      </p:grpSpPr>
+      <p:sp>
+        <p:nvSpPr>
+          <p:cNvPr id="2" name="Folienbildplatzhalter 1"/>
+          <p:cNvSpPr>
+            <a:spLocks noGrp="1" noRot="1" noChangeAspect="1"/>
+          </p:cNvSpPr>
+          <p:nvPr>
+            <p:ph type="sldImg"/>
+          </p:nvPr>
+        </p:nvSpPr>
+        <p:spPr/>
+      </p:sp>
+      <p:sp>
+        <p:nvSpPr>
+          <p:cNvPr id="3" name="Notizenplatzhalter 2"/>
+          <p:cNvSpPr>
+            <a:spLocks noGrp="1"/>
+          </p:cNvSpPr>
+          <p:nvPr>
+            <p:ph type="body" idx="1"/>
+          </p:nvPr>
+        </p:nvSpPr>
+        <p:spPr/>
+        <p:txBody>
+          <a:bodyPr/>
+          <a:lstStyle/>
+          <a:p>
+            <a:endParaRPr lang="en-GB"/>
+          </a:p>
+        </p:txBody>
+      </p:sp>
+      <p:sp>
+        <p:nvSpPr>
+          <p:cNvPr id="4" name="Kopfzeilenplatzhalter 3"/>
+          <p:cNvSpPr>
+            <a:spLocks noGrp="1"/>
+          </p:cNvSpPr>
+          <p:nvPr>
+            <p:ph type="hdr" sz="quarter" idx="10"/>
+          </p:nvPr>
+        </p:nvSpPr>
+        <p:spPr/>
+        <p:txBody>
+          <a:bodyPr/>
+          <a:lstStyle/>
+          <a:p>
+            <a:endParaRPr lang="en-GB"/>
+          </a:p>
+        </p:txBody>
+      </p:sp>
+      <p:sp>
+        <p:nvSpPr>
+          <p:cNvPr id="5" name="Fußzeilenplatzhalter 4"/>
+          <p:cNvSpPr>
+            <a:spLocks noGrp="1"/>
+          </p:cNvSpPr>
+          <p:nvPr>
+            <p:ph type="ftr" sz="quarter" idx="11"/>
+          </p:nvPr>
+        </p:nvSpPr>
+        <p:spPr/>
+        <p:txBody>
+          <a:bodyPr/>
+          <a:lstStyle/>
+          <a:p>
+            <a:endParaRPr lang="en-GB"/>
+          </a:p>
+        </p:txBody>
+      </p:sp>
+      <p:sp>
+        <p:nvSpPr>
+          <p:cNvPr id="6" name="Foliennummernplatzhalter 5"/>
+          <p:cNvSpPr>
+            <a:spLocks noGrp="1"/>
+          </p:cNvSpPr>
+          <p:nvPr>
+            <p:ph type="sldNum" sz="quarter" idx="12"/>
+          </p:nvPr>
+        </p:nvSpPr>
+        <p:spPr/>
+        <p:txBody>
+          <a:bodyPr/>
+          <a:lstStyle/>
+          <a:p>
+            <a:fld id="{10B2448E-F2D6-461D-9BA9-E2B28EF7CB6C}" type="slidenum">
+              <a:rPr lang="en-GB" smtClean="0"/>
+              <a:t>8</a:t>
+            </a:fld>
+            <a:endParaRPr lang="en-GB"/>
+          </a:p>
+        </p:txBody>
+      </p:sp>
+    </p:spTree>
+    <p:extLst>
+      <p:ext uri="{BB962C8B-B14F-4D97-AF65-F5344CB8AC3E}">
+        <p14:creationId xmlns:p14="http://schemas.microsoft.com/office/powerpoint/2010/main" val="704966347"/>
+      </p:ext>
+    </p:extLst>
+  </p:cSld>
+  <p:clrMapOvr>
+    <a:masterClrMapping/>
+  </p:clrMapOvr>
+</p:notes>
+</file>
+
+<file path=ppt/notesSlides/notesSlide9.xml><?xml version="1.0" encoding="utf-8"?>
+<p:notes xmlns:a="http://schemas.openxmlformats.org/drawingml/2006/main" xmlns:r="http://schemas.openxmlformats.org/officeDocument/2006/relationships" xmlns:p="http://schemas.openxmlformats.org/presentationml/2006/main">
+  <p:cSld>
+    <p:spTree>
+      <p:nvGrpSpPr>
+        <p:cNvPr id="1" name=""/>
+        <p:cNvGrpSpPr/>
+        <p:nvPr/>
+      </p:nvGrpSpPr>
+      <p:grpSpPr>
+        <a:xfrm>
+          <a:off x="0" y="0"/>
+          <a:ext cx="0" cy="0"/>
+          <a:chOff x="0" y="0"/>
+          <a:chExt cx="0" cy="0"/>
+        </a:xfrm>
+      </p:grpSpPr>
+      <p:sp>
+        <p:nvSpPr>
+          <p:cNvPr id="2" name="Folienbildplatzhalter 1"/>
+          <p:cNvSpPr>
+            <a:spLocks noGrp="1" noRot="1" noChangeAspect="1"/>
+          </p:cNvSpPr>
+          <p:nvPr>
+            <p:ph type="sldImg"/>
+          </p:nvPr>
+        </p:nvSpPr>
+        <p:spPr/>
+      </p:sp>
+      <p:sp>
+        <p:nvSpPr>
+          <p:cNvPr id="3" name="Notizenplatzhalter 2"/>
+          <p:cNvSpPr>
+            <a:spLocks noGrp="1"/>
+          </p:cNvSpPr>
+          <p:nvPr>
+            <p:ph type="body" idx="1"/>
+          </p:nvPr>
+        </p:nvSpPr>
+        <p:spPr/>
+        <p:txBody>
+          <a:bodyPr/>
+          <a:lstStyle/>
+          <a:p>
+            <a:endParaRPr lang="en-GB"/>
+          </a:p>
+        </p:txBody>
+      </p:sp>
+      <p:sp>
+        <p:nvSpPr>
+          <p:cNvPr id="4" name="Kopfzeilenplatzhalter 3"/>
+          <p:cNvSpPr>
+            <a:spLocks noGrp="1"/>
+          </p:cNvSpPr>
+          <p:nvPr>
+            <p:ph type="hdr" sz="quarter" idx="10"/>
+          </p:nvPr>
+        </p:nvSpPr>
+        <p:spPr/>
+        <p:txBody>
+          <a:bodyPr/>
+          <a:lstStyle/>
+          <a:p>
+            <a:endParaRPr lang="en-GB"/>
+          </a:p>
+        </p:txBody>
+      </p:sp>
+      <p:sp>
+        <p:nvSpPr>
+          <p:cNvPr id="5" name="Fußzeilenplatzhalter 4"/>
+          <p:cNvSpPr>
+            <a:spLocks noGrp="1"/>
+          </p:cNvSpPr>
+          <p:nvPr>
+            <p:ph type="ftr" sz="quarter" idx="11"/>
+          </p:nvPr>
+        </p:nvSpPr>
+        <p:spPr/>
+        <p:txBody>
+          <a:bodyPr/>
+          <a:lstStyle/>
+          <a:p>
+            <a:endParaRPr lang="en-GB"/>
+          </a:p>
+        </p:txBody>
+      </p:sp>
+      <p:sp>
+        <p:nvSpPr>
+          <p:cNvPr id="6" name="Foliennummernplatzhalter 5"/>
+          <p:cNvSpPr>
+            <a:spLocks noGrp="1"/>
+          </p:cNvSpPr>
+          <p:nvPr>
+            <p:ph type="sldNum" sz="quarter" idx="12"/>
+          </p:nvPr>
+        </p:nvSpPr>
+        <p:spPr/>
+        <p:txBody>
+          <a:bodyPr/>
+          <a:lstStyle/>
+          <a:p>
+            <a:fld id="{10B2448E-F2D6-461D-9BA9-E2B28EF7CB6C}" type="slidenum">
+              <a:rPr lang="en-GB" smtClean="0"/>
+              <a:t>9</a:t>
+            </a:fld>
+            <a:endParaRPr lang="en-GB"/>
+          </a:p>
+        </p:txBody>
+      </p:sp>
+    </p:spTree>
+    <p:extLst>
+      <p:ext uri="{BB962C8B-B14F-4D97-AF65-F5344CB8AC3E}">
+        <p14:creationId xmlns:p14="http://schemas.microsoft.com/office/powerpoint/2010/main" val="2959178639"/>
+      </p:ext>
+    </p:extLst>
+  </p:cSld>
+  <p:clrMapOvr>
+    <a:masterClrMapping/>
+  </p:clrMapOvr>
+</p:notes>
 </file>
 
 <file path=ppt/slideLayouts/slideLayout1.xml><?xml version="1.0" encoding="utf-8"?>
@@ -3168,6 +6102,3419 @@
 </p:sld>
 </file>
 
+<file path=ppt/slides/slide10.xml><?xml version="1.0" encoding="utf-8"?>
+<p:sld xmlns:a="http://schemas.openxmlformats.org/drawingml/2006/main" xmlns:r="http://schemas.openxmlformats.org/officeDocument/2006/relationships" xmlns:p="http://schemas.openxmlformats.org/presentationml/2006/main">
+  <p:cSld>
+    <p:spTree>
+      <p:nvGrpSpPr>
+        <p:cNvPr id="1" name=""/>
+        <p:cNvGrpSpPr/>
+        <p:nvPr/>
+      </p:nvGrpSpPr>
+      <p:grpSpPr>
+        <a:xfrm>
+          <a:off x="0" y="0"/>
+          <a:ext cx="0" cy="0"/>
+          <a:chOff x="0" y="0"/>
+          <a:chExt cx="0" cy="0"/>
+        </a:xfrm>
+      </p:grpSpPr>
+      <p:sp>
+        <p:nvSpPr>
+          <p:cNvPr id="2" name="Titel 1"/>
+          <p:cNvSpPr>
+            <a:spLocks noGrp="1"/>
+          </p:cNvSpPr>
+          <p:nvPr>
+            <p:ph type="title"/>
+          </p:nvPr>
+        </p:nvSpPr>
+        <p:spPr/>
+        <p:txBody>
+          <a:bodyPr/>
+          <a:lstStyle/>
+          <a:p>
+            <a:r>
+              <a:rPr lang="en-GB" dirty="0" err="1" smtClean="0"/>
+              <a:t>Durchführung</a:t>
+            </a:r>
+            <a:endParaRPr lang="en-GB" dirty="0"/>
+          </a:p>
+        </p:txBody>
+      </p:sp>
+      <p:sp>
+        <p:nvSpPr>
+          <p:cNvPr id="3" name="Inhaltsplatzhalter 2"/>
+          <p:cNvSpPr>
+            <a:spLocks noGrp="1"/>
+          </p:cNvSpPr>
+          <p:nvPr>
+            <p:ph idx="1"/>
+          </p:nvPr>
+        </p:nvSpPr>
+        <p:spPr/>
+        <p:txBody>
+          <a:bodyPr/>
+          <a:lstStyle/>
+          <a:p>
+            <a:r>
+              <a:rPr lang="en-GB" dirty="0" err="1" smtClean="0"/>
+              <a:t>Wasserfallmodell</a:t>
+            </a:r>
+            <a:endParaRPr lang="en-GB" dirty="0" smtClean="0"/>
+          </a:p>
+          <a:p>
+            <a:r>
+              <a:rPr lang="en-GB" dirty="0" err="1" smtClean="0"/>
+              <a:t>Versionsverwaltung</a:t>
+            </a:r>
+            <a:r>
+              <a:rPr lang="en-GB" dirty="0" smtClean="0"/>
+              <a:t>: </a:t>
+            </a:r>
+            <a:r>
+              <a:rPr lang="en-GB" dirty="0" err="1" smtClean="0"/>
+              <a:t>Github</a:t>
+            </a:r>
+            <a:endParaRPr lang="en-GB" dirty="0"/>
+          </a:p>
+        </p:txBody>
+      </p:sp>
+    </p:spTree>
+    <p:extLst>
+      <p:ext uri="{BB962C8B-B14F-4D97-AF65-F5344CB8AC3E}">
+        <p14:creationId xmlns:p14="http://schemas.microsoft.com/office/powerpoint/2010/main" val="2633426274"/>
+      </p:ext>
+    </p:extLst>
+  </p:cSld>
+  <p:clrMapOvr>
+    <a:masterClrMapping/>
+  </p:clrMapOvr>
+  <p:timing>
+    <p:tnLst>
+      <p:par>
+        <p:cTn id="1" dur="indefinite" restart="never" nodeType="tmRoot"/>
+      </p:par>
+    </p:tnLst>
+  </p:timing>
+</p:sld>
+</file>
+
+<file path=ppt/slides/slide11.xml><?xml version="1.0" encoding="utf-8"?>
+<p:sld xmlns:a="http://schemas.openxmlformats.org/drawingml/2006/main" xmlns:r="http://schemas.openxmlformats.org/officeDocument/2006/relationships" xmlns:p="http://schemas.openxmlformats.org/presentationml/2006/main">
+  <p:cSld>
+    <p:spTree>
+      <p:nvGrpSpPr>
+        <p:cNvPr id="1" name=""/>
+        <p:cNvGrpSpPr/>
+        <p:nvPr/>
+      </p:nvGrpSpPr>
+      <p:grpSpPr>
+        <a:xfrm>
+          <a:off x="0" y="0"/>
+          <a:ext cx="0" cy="0"/>
+          <a:chOff x="0" y="0"/>
+          <a:chExt cx="0" cy="0"/>
+        </a:xfrm>
+      </p:grpSpPr>
+      <p:sp>
+        <p:nvSpPr>
+          <p:cNvPr id="2" name="Titel 1"/>
+          <p:cNvSpPr>
+            <a:spLocks noGrp="1"/>
+          </p:cNvSpPr>
+          <p:nvPr>
+            <p:ph type="title"/>
+          </p:nvPr>
+        </p:nvSpPr>
+        <p:spPr/>
+        <p:txBody>
+          <a:bodyPr/>
+          <a:lstStyle/>
+          <a:p>
+            <a:r>
+              <a:rPr lang="de-DE" dirty="0" smtClean="0"/>
+              <a:t>Zeitlicher Aufwand</a:t>
+            </a:r>
+            <a:endParaRPr lang="de-DE" dirty="0"/>
+          </a:p>
+        </p:txBody>
+      </p:sp>
+      <p:graphicFrame>
+        <p:nvGraphicFramePr>
+          <p:cNvPr id="4" name="Inhaltsplatzhalter 3"/>
+          <p:cNvGraphicFramePr>
+            <a:graphicFrameLocks noGrp="1"/>
+          </p:cNvGraphicFramePr>
+          <p:nvPr>
+            <p:ph idx="1"/>
+            <p:extLst>
+              <p:ext uri="{D42A27DB-BD31-4B8C-83A1-F6EECF244321}">
+                <p14:modId xmlns:p14="http://schemas.microsoft.com/office/powerpoint/2010/main" val="1071482897"/>
+              </p:ext>
+            </p:extLst>
+          </p:nvPr>
+        </p:nvGraphicFramePr>
+        <p:xfrm>
+          <a:off x="457200" y="1417638"/>
+          <a:ext cx="8229599" cy="4819680"/>
+        </p:xfrm>
+        <a:graphic>
+          <a:graphicData uri="http://schemas.openxmlformats.org/drawingml/2006/table">
+            <a:tbl>
+              <a:tblPr firstRow="1" firstCol="1" bandRow="1">
+                <a:tableStyleId>{46F890A9-2807-4EBB-B81D-B2AA78EC7F39}</a:tableStyleId>
+              </a:tblPr>
+              <a:tblGrid>
+                <a:gridCol w="3536415">
+                  <a:extLst>
+                    <a:ext uri="{9D8B030D-6E8A-4147-A177-3AD203B41FA5}">
+                      <a16:colId xmlns:a16="http://schemas.microsoft.com/office/drawing/2014/main" val="3043144508"/>
+                    </a:ext>
+                  </a:extLst>
+                </a:gridCol>
+                <a:gridCol w="2518455">
+                  <a:extLst>
+                    <a:ext uri="{9D8B030D-6E8A-4147-A177-3AD203B41FA5}">
+                      <a16:colId xmlns:a16="http://schemas.microsoft.com/office/drawing/2014/main" val="1493856869"/>
+                    </a:ext>
+                  </a:extLst>
+                </a:gridCol>
+                <a:gridCol w="2174729">
+                  <a:extLst>
+                    <a:ext uri="{9D8B030D-6E8A-4147-A177-3AD203B41FA5}">
+                      <a16:colId xmlns:a16="http://schemas.microsoft.com/office/drawing/2014/main" val="2969815393"/>
+                    </a:ext>
+                  </a:extLst>
+                </a:gridCol>
+              </a:tblGrid>
+              <a:tr h="200820">
+                <a:tc>
+                  <a:txBody>
+                    <a:bodyPr/>
+                    <a:lstStyle/>
+                    <a:p>
+                      <a:pPr marL="0" marR="0" algn="ctr">
+                        <a:spcBef>
+                          <a:spcPts val="0"/>
+                        </a:spcBef>
+                        <a:spcAft>
+                          <a:spcPts val="0"/>
+                        </a:spcAft>
+                      </a:pPr>
+                      <a:r>
+                        <a:rPr lang="de-DE" sz="1100">
+                          <a:effectLst/>
+                        </a:rPr>
+                        <a:t>Arbeitsschritt</a:t>
+                      </a:r>
+                      <a:endParaRPr lang="de-DE" sz="1100">
+                        <a:effectLst/>
+                        <a:latin typeface="Calibri" panose="020F0502020204030204" pitchFamily="34" charset="0"/>
+                        <a:ea typeface="Times New Roman" panose="02020603050405020304" pitchFamily="18" charset="0"/>
+                        <a:cs typeface="Times New Roman" panose="02020603050405020304" pitchFamily="18" charset="0"/>
+                      </a:endParaRPr>
+                    </a:p>
+                  </a:txBody>
+                  <a:tcPr marL="68580" marR="68580" marT="0" marB="0"/>
+                </a:tc>
+                <a:tc>
+                  <a:txBody>
+                    <a:bodyPr/>
+                    <a:lstStyle/>
+                    <a:p>
+                      <a:pPr marL="0" marR="0" algn="ctr">
+                        <a:spcBef>
+                          <a:spcPts val="0"/>
+                        </a:spcBef>
+                        <a:spcAft>
+                          <a:spcPts val="0"/>
+                        </a:spcAft>
+                      </a:pPr>
+                      <a:r>
+                        <a:rPr lang="de-DE" sz="1100">
+                          <a:effectLst/>
+                        </a:rPr>
+                        <a:t>Zeitplanung</a:t>
+                      </a:r>
+                      <a:endParaRPr lang="de-DE" sz="1100">
+                        <a:effectLst/>
+                        <a:latin typeface="Calibri" panose="020F0502020204030204" pitchFamily="34" charset="0"/>
+                        <a:ea typeface="Times New Roman" panose="02020603050405020304" pitchFamily="18" charset="0"/>
+                        <a:cs typeface="Times New Roman" panose="02020603050405020304" pitchFamily="18" charset="0"/>
+                      </a:endParaRPr>
+                    </a:p>
+                  </a:txBody>
+                  <a:tcPr marL="68580" marR="68580" marT="0" marB="0"/>
+                </a:tc>
+                <a:tc>
+                  <a:txBody>
+                    <a:bodyPr/>
+                    <a:lstStyle/>
+                    <a:p>
+                      <a:pPr marL="0" marR="0" algn="ctr">
+                        <a:spcBef>
+                          <a:spcPts val="0"/>
+                        </a:spcBef>
+                        <a:spcAft>
+                          <a:spcPts val="0"/>
+                        </a:spcAft>
+                      </a:pPr>
+                      <a:r>
+                        <a:rPr lang="de-DE" sz="1100">
+                          <a:effectLst/>
+                        </a:rPr>
+                        <a:t>Bearbeiter</a:t>
+                      </a:r>
+                      <a:endParaRPr lang="de-DE" sz="1100">
+                        <a:effectLst/>
+                        <a:latin typeface="Calibri" panose="020F0502020204030204" pitchFamily="34" charset="0"/>
+                        <a:ea typeface="Times New Roman" panose="02020603050405020304" pitchFamily="18" charset="0"/>
+                        <a:cs typeface="Times New Roman" panose="02020603050405020304" pitchFamily="18" charset="0"/>
+                      </a:endParaRPr>
+                    </a:p>
+                  </a:txBody>
+                  <a:tcPr marL="68580" marR="68580" marT="0" marB="0"/>
+                </a:tc>
+                <a:extLst>
+                  <a:ext uri="{0D108BD9-81ED-4DB2-BD59-A6C34878D82A}">
+                    <a16:rowId xmlns:a16="http://schemas.microsoft.com/office/drawing/2014/main" val="3593901944"/>
+                  </a:ext>
+                </a:extLst>
+              </a:tr>
+              <a:tr h="200820">
+                <a:tc>
+                  <a:txBody>
+                    <a:bodyPr/>
+                    <a:lstStyle/>
+                    <a:p>
+                      <a:pPr marL="0" marR="0" lvl="0" algn="l">
+                        <a:spcBef>
+                          <a:spcPts val="0"/>
+                        </a:spcBef>
+                        <a:spcAft>
+                          <a:spcPts val="0"/>
+                        </a:spcAft>
+                      </a:pPr>
+                      <a:r>
+                        <a:rPr lang="de-DE" sz="1100" b="1" dirty="0">
+                          <a:effectLst/>
+                        </a:rPr>
+                        <a:t>Entwurf</a:t>
+                      </a:r>
+                      <a:endParaRPr lang="de-DE" sz="1100" b="1" dirty="0">
+                        <a:effectLst/>
+                        <a:latin typeface="Calibri" panose="020F0502020204030204" pitchFamily="34" charset="0"/>
+                        <a:ea typeface="Times New Roman" panose="02020603050405020304" pitchFamily="18" charset="0"/>
+                        <a:cs typeface="Times New Roman" panose="02020603050405020304" pitchFamily="18" charset="0"/>
+                      </a:endParaRPr>
+                    </a:p>
+                  </a:txBody>
+                  <a:tcPr marL="68580" marR="68580" marT="0" marB="0"/>
+                </a:tc>
+                <a:tc>
+                  <a:txBody>
+                    <a:bodyPr/>
+                    <a:lstStyle/>
+                    <a:p>
+                      <a:pPr marL="0" marR="0" algn="ctr">
+                        <a:spcBef>
+                          <a:spcPts val="0"/>
+                        </a:spcBef>
+                        <a:spcAft>
+                          <a:spcPts val="0"/>
+                        </a:spcAft>
+                      </a:pPr>
+                      <a:r>
+                        <a:rPr lang="de-DE" sz="1100">
+                          <a:effectLst/>
+                        </a:rPr>
+                        <a:t>5 Stunden</a:t>
+                      </a:r>
+                      <a:endParaRPr lang="de-DE" sz="1100">
+                        <a:effectLst/>
+                        <a:latin typeface="Calibri" panose="020F0502020204030204" pitchFamily="34" charset="0"/>
+                        <a:ea typeface="Times New Roman" panose="02020603050405020304" pitchFamily="18" charset="0"/>
+                        <a:cs typeface="Times New Roman" panose="02020603050405020304" pitchFamily="18" charset="0"/>
+                      </a:endParaRPr>
+                    </a:p>
+                  </a:txBody>
+                  <a:tcPr marL="68580" marR="68580" marT="0" marB="0"/>
+                </a:tc>
+                <a:tc>
+                  <a:txBody>
+                    <a:bodyPr/>
+                    <a:lstStyle/>
+                    <a:p>
+                      <a:pPr marL="0" marR="0" algn="ctr">
+                        <a:spcBef>
+                          <a:spcPts val="0"/>
+                        </a:spcBef>
+                        <a:spcAft>
+                          <a:spcPts val="0"/>
+                        </a:spcAft>
+                      </a:pPr>
+                      <a:r>
+                        <a:rPr lang="de-DE" sz="1100">
+                          <a:effectLst/>
+                        </a:rPr>
+                        <a:t> </a:t>
+                      </a:r>
+                      <a:endParaRPr lang="de-DE" sz="1100">
+                        <a:effectLst/>
+                        <a:latin typeface="Calibri" panose="020F0502020204030204" pitchFamily="34" charset="0"/>
+                        <a:ea typeface="Times New Roman" panose="02020603050405020304" pitchFamily="18" charset="0"/>
+                        <a:cs typeface="Times New Roman" panose="02020603050405020304" pitchFamily="18" charset="0"/>
+                      </a:endParaRPr>
+                    </a:p>
+                  </a:txBody>
+                  <a:tcPr marL="68580" marR="68580" marT="0" marB="0"/>
+                </a:tc>
+                <a:extLst>
+                  <a:ext uri="{0D108BD9-81ED-4DB2-BD59-A6C34878D82A}">
+                    <a16:rowId xmlns:a16="http://schemas.microsoft.com/office/drawing/2014/main" val="1064340236"/>
+                  </a:ext>
+                </a:extLst>
+              </a:tr>
+              <a:tr h="200820">
+                <a:tc>
+                  <a:txBody>
+                    <a:bodyPr/>
+                    <a:lstStyle/>
+                    <a:p>
+                      <a:pPr marL="457200" marR="0" lvl="1" algn="l">
+                        <a:spcBef>
+                          <a:spcPts val="0"/>
+                        </a:spcBef>
+                        <a:spcAft>
+                          <a:spcPts val="0"/>
+                        </a:spcAft>
+                      </a:pPr>
+                      <a:r>
+                        <a:rPr lang="de-DE" sz="1100" b="0" dirty="0">
+                          <a:effectLst/>
+                        </a:rPr>
+                        <a:t>Erstellung von Mock-</a:t>
+                      </a:r>
+                      <a:r>
+                        <a:rPr lang="de-DE" sz="1100" b="0" dirty="0" err="1">
+                          <a:effectLst/>
+                        </a:rPr>
+                        <a:t>Ups</a:t>
+                      </a:r>
+                      <a:endParaRPr lang="de-DE" sz="1100" b="0" dirty="0">
+                        <a:effectLst/>
+                        <a:latin typeface="Calibri" panose="020F0502020204030204" pitchFamily="34" charset="0"/>
+                        <a:ea typeface="Times New Roman" panose="02020603050405020304" pitchFamily="18" charset="0"/>
+                        <a:cs typeface="Times New Roman" panose="02020603050405020304" pitchFamily="18" charset="0"/>
+                      </a:endParaRPr>
+                    </a:p>
+                  </a:txBody>
+                  <a:tcPr marL="68580" marR="68580" marT="0" marB="0"/>
+                </a:tc>
+                <a:tc>
+                  <a:txBody>
+                    <a:bodyPr/>
+                    <a:lstStyle/>
+                    <a:p>
+                      <a:pPr marL="0" marR="0" algn="ctr">
+                        <a:spcBef>
+                          <a:spcPts val="0"/>
+                        </a:spcBef>
+                        <a:spcAft>
+                          <a:spcPts val="0"/>
+                        </a:spcAft>
+                      </a:pPr>
+                      <a:r>
+                        <a:rPr lang="de-DE" sz="1100">
+                          <a:effectLst/>
+                        </a:rPr>
+                        <a:t>1 Stunde</a:t>
+                      </a:r>
+                      <a:endParaRPr lang="de-DE" sz="1100">
+                        <a:effectLst/>
+                        <a:latin typeface="Calibri" panose="020F0502020204030204" pitchFamily="34" charset="0"/>
+                        <a:ea typeface="Times New Roman" panose="02020603050405020304" pitchFamily="18" charset="0"/>
+                        <a:cs typeface="Times New Roman" panose="02020603050405020304" pitchFamily="18" charset="0"/>
+                      </a:endParaRPr>
+                    </a:p>
+                  </a:txBody>
+                  <a:tcPr marL="68580" marR="68580" marT="0" marB="0"/>
+                </a:tc>
+                <a:tc>
+                  <a:txBody>
+                    <a:bodyPr/>
+                    <a:lstStyle/>
+                    <a:p>
+                      <a:pPr marL="0" marR="0" algn="ctr">
+                        <a:spcBef>
+                          <a:spcPts val="0"/>
+                        </a:spcBef>
+                        <a:spcAft>
+                          <a:spcPts val="0"/>
+                        </a:spcAft>
+                      </a:pPr>
+                      <a:r>
+                        <a:rPr lang="de-DE" sz="1100">
+                          <a:effectLst/>
+                        </a:rPr>
+                        <a:t>Manus/Minx</a:t>
+                      </a:r>
+                      <a:endParaRPr lang="de-DE" sz="1100">
+                        <a:effectLst/>
+                        <a:latin typeface="Calibri" panose="020F0502020204030204" pitchFamily="34" charset="0"/>
+                        <a:ea typeface="Times New Roman" panose="02020603050405020304" pitchFamily="18" charset="0"/>
+                        <a:cs typeface="Times New Roman" panose="02020603050405020304" pitchFamily="18" charset="0"/>
+                      </a:endParaRPr>
+                    </a:p>
+                  </a:txBody>
+                  <a:tcPr marL="68580" marR="68580" marT="0" marB="0"/>
+                </a:tc>
+                <a:extLst>
+                  <a:ext uri="{0D108BD9-81ED-4DB2-BD59-A6C34878D82A}">
+                    <a16:rowId xmlns:a16="http://schemas.microsoft.com/office/drawing/2014/main" val="3971648895"/>
+                  </a:ext>
+                </a:extLst>
+              </a:tr>
+              <a:tr h="200820">
+                <a:tc>
+                  <a:txBody>
+                    <a:bodyPr/>
+                    <a:lstStyle/>
+                    <a:p>
+                      <a:pPr marL="457200" marR="0" lvl="1" algn="l">
+                        <a:spcBef>
+                          <a:spcPts val="0"/>
+                        </a:spcBef>
+                        <a:spcAft>
+                          <a:spcPts val="0"/>
+                        </a:spcAft>
+                      </a:pPr>
+                      <a:r>
+                        <a:rPr lang="de-DE" sz="1100" b="0" dirty="0">
+                          <a:effectLst/>
+                        </a:rPr>
+                        <a:t>Erstellung eines Datenbankmodells</a:t>
+                      </a:r>
+                      <a:endParaRPr lang="de-DE" sz="1100" b="0" dirty="0">
+                        <a:effectLst/>
+                        <a:latin typeface="Calibri" panose="020F0502020204030204" pitchFamily="34" charset="0"/>
+                        <a:ea typeface="Times New Roman" panose="02020603050405020304" pitchFamily="18" charset="0"/>
+                        <a:cs typeface="Times New Roman" panose="02020603050405020304" pitchFamily="18" charset="0"/>
+                      </a:endParaRPr>
+                    </a:p>
+                  </a:txBody>
+                  <a:tcPr marL="68580" marR="68580" marT="0" marB="0"/>
+                </a:tc>
+                <a:tc>
+                  <a:txBody>
+                    <a:bodyPr/>
+                    <a:lstStyle/>
+                    <a:p>
+                      <a:pPr marL="0" marR="0" algn="ctr">
+                        <a:spcBef>
+                          <a:spcPts val="0"/>
+                        </a:spcBef>
+                        <a:spcAft>
+                          <a:spcPts val="0"/>
+                        </a:spcAft>
+                      </a:pPr>
+                      <a:r>
+                        <a:rPr lang="de-DE" sz="1100">
+                          <a:effectLst/>
+                        </a:rPr>
+                        <a:t>2 Stunden</a:t>
+                      </a:r>
+                      <a:endParaRPr lang="de-DE" sz="1100">
+                        <a:effectLst/>
+                        <a:latin typeface="Calibri" panose="020F0502020204030204" pitchFamily="34" charset="0"/>
+                        <a:ea typeface="Times New Roman" panose="02020603050405020304" pitchFamily="18" charset="0"/>
+                        <a:cs typeface="Times New Roman" panose="02020603050405020304" pitchFamily="18" charset="0"/>
+                      </a:endParaRPr>
+                    </a:p>
+                  </a:txBody>
+                  <a:tcPr marL="68580" marR="68580" marT="0" marB="0"/>
+                </a:tc>
+                <a:tc>
+                  <a:txBody>
+                    <a:bodyPr/>
+                    <a:lstStyle/>
+                    <a:p>
+                      <a:pPr marL="0" marR="0" algn="ctr">
+                        <a:spcBef>
+                          <a:spcPts val="0"/>
+                        </a:spcBef>
+                        <a:spcAft>
+                          <a:spcPts val="0"/>
+                        </a:spcAft>
+                      </a:pPr>
+                      <a:r>
+                        <a:rPr lang="de-DE" sz="1100">
+                          <a:effectLst/>
+                        </a:rPr>
+                        <a:t>Manus/Minx</a:t>
+                      </a:r>
+                      <a:endParaRPr lang="de-DE" sz="1100">
+                        <a:effectLst/>
+                        <a:latin typeface="Calibri" panose="020F0502020204030204" pitchFamily="34" charset="0"/>
+                        <a:ea typeface="Times New Roman" panose="02020603050405020304" pitchFamily="18" charset="0"/>
+                        <a:cs typeface="Times New Roman" panose="02020603050405020304" pitchFamily="18" charset="0"/>
+                      </a:endParaRPr>
+                    </a:p>
+                  </a:txBody>
+                  <a:tcPr marL="68580" marR="68580" marT="0" marB="0"/>
+                </a:tc>
+                <a:extLst>
+                  <a:ext uri="{0D108BD9-81ED-4DB2-BD59-A6C34878D82A}">
+                    <a16:rowId xmlns:a16="http://schemas.microsoft.com/office/drawing/2014/main" val="3568450927"/>
+                  </a:ext>
+                </a:extLst>
+              </a:tr>
+              <a:tr h="200820">
+                <a:tc>
+                  <a:txBody>
+                    <a:bodyPr/>
+                    <a:lstStyle/>
+                    <a:p>
+                      <a:pPr marL="457200" marR="0" lvl="1" algn="l">
+                        <a:spcBef>
+                          <a:spcPts val="0"/>
+                        </a:spcBef>
+                        <a:spcAft>
+                          <a:spcPts val="0"/>
+                        </a:spcAft>
+                      </a:pPr>
+                      <a:r>
+                        <a:rPr lang="de-DE" sz="1100" b="0" dirty="0">
+                          <a:effectLst/>
+                        </a:rPr>
+                        <a:t>Erstellen eines UML-Diagramms</a:t>
+                      </a:r>
+                      <a:endParaRPr lang="de-DE" sz="1100" b="0" dirty="0">
+                        <a:effectLst/>
+                        <a:latin typeface="Calibri" panose="020F0502020204030204" pitchFamily="34" charset="0"/>
+                        <a:ea typeface="Times New Roman" panose="02020603050405020304" pitchFamily="18" charset="0"/>
+                        <a:cs typeface="Times New Roman" panose="02020603050405020304" pitchFamily="18" charset="0"/>
+                      </a:endParaRPr>
+                    </a:p>
+                  </a:txBody>
+                  <a:tcPr marL="68580" marR="68580" marT="0" marB="0"/>
+                </a:tc>
+                <a:tc>
+                  <a:txBody>
+                    <a:bodyPr/>
+                    <a:lstStyle/>
+                    <a:p>
+                      <a:pPr marL="0" marR="0" algn="ctr">
+                        <a:spcBef>
+                          <a:spcPts val="0"/>
+                        </a:spcBef>
+                        <a:spcAft>
+                          <a:spcPts val="0"/>
+                        </a:spcAft>
+                      </a:pPr>
+                      <a:r>
+                        <a:rPr lang="de-DE" sz="1100">
+                          <a:effectLst/>
+                        </a:rPr>
+                        <a:t>2 Stunden</a:t>
+                      </a:r>
+                      <a:endParaRPr lang="de-DE" sz="1100">
+                        <a:effectLst/>
+                        <a:latin typeface="Calibri" panose="020F0502020204030204" pitchFamily="34" charset="0"/>
+                        <a:ea typeface="Times New Roman" panose="02020603050405020304" pitchFamily="18" charset="0"/>
+                        <a:cs typeface="Times New Roman" panose="02020603050405020304" pitchFamily="18" charset="0"/>
+                      </a:endParaRPr>
+                    </a:p>
+                  </a:txBody>
+                  <a:tcPr marL="68580" marR="68580" marT="0" marB="0"/>
+                </a:tc>
+                <a:tc>
+                  <a:txBody>
+                    <a:bodyPr/>
+                    <a:lstStyle/>
+                    <a:p>
+                      <a:pPr marL="0" marR="0" algn="ctr">
+                        <a:spcBef>
+                          <a:spcPts val="0"/>
+                        </a:spcBef>
+                        <a:spcAft>
+                          <a:spcPts val="0"/>
+                        </a:spcAft>
+                      </a:pPr>
+                      <a:r>
+                        <a:rPr lang="de-DE" sz="1100">
+                          <a:effectLst/>
+                        </a:rPr>
+                        <a:t>Manus/Minx</a:t>
+                      </a:r>
+                      <a:endParaRPr lang="de-DE" sz="1100">
+                        <a:effectLst/>
+                        <a:latin typeface="Calibri" panose="020F0502020204030204" pitchFamily="34" charset="0"/>
+                        <a:ea typeface="Times New Roman" panose="02020603050405020304" pitchFamily="18" charset="0"/>
+                        <a:cs typeface="Times New Roman" panose="02020603050405020304" pitchFamily="18" charset="0"/>
+                      </a:endParaRPr>
+                    </a:p>
+                  </a:txBody>
+                  <a:tcPr marL="68580" marR="68580" marT="0" marB="0"/>
+                </a:tc>
+                <a:extLst>
+                  <a:ext uri="{0D108BD9-81ED-4DB2-BD59-A6C34878D82A}">
+                    <a16:rowId xmlns:a16="http://schemas.microsoft.com/office/drawing/2014/main" val="1695536940"/>
+                  </a:ext>
+                </a:extLst>
+              </a:tr>
+              <a:tr h="200820">
+                <a:tc>
+                  <a:txBody>
+                    <a:bodyPr/>
+                    <a:lstStyle/>
+                    <a:p>
+                      <a:pPr marL="0" marR="0" lvl="0" algn="l">
+                        <a:spcBef>
+                          <a:spcPts val="0"/>
+                        </a:spcBef>
+                        <a:spcAft>
+                          <a:spcPts val="0"/>
+                        </a:spcAft>
+                      </a:pPr>
+                      <a:r>
+                        <a:rPr lang="de-DE" sz="1100" b="1" dirty="0">
+                          <a:effectLst/>
+                        </a:rPr>
+                        <a:t>Implementierung</a:t>
+                      </a:r>
+                      <a:endParaRPr lang="de-DE" sz="1100" b="1" dirty="0">
+                        <a:effectLst/>
+                        <a:latin typeface="Calibri" panose="020F0502020204030204" pitchFamily="34" charset="0"/>
+                        <a:ea typeface="Times New Roman" panose="02020603050405020304" pitchFamily="18" charset="0"/>
+                        <a:cs typeface="Times New Roman" panose="02020603050405020304" pitchFamily="18" charset="0"/>
+                      </a:endParaRPr>
+                    </a:p>
+                  </a:txBody>
+                  <a:tcPr marL="68580" marR="68580" marT="0" marB="0"/>
+                </a:tc>
+                <a:tc>
+                  <a:txBody>
+                    <a:bodyPr/>
+                    <a:lstStyle/>
+                    <a:p>
+                      <a:pPr marL="0" marR="0" algn="ctr">
+                        <a:spcBef>
+                          <a:spcPts val="0"/>
+                        </a:spcBef>
+                        <a:spcAft>
+                          <a:spcPts val="0"/>
+                        </a:spcAft>
+                      </a:pPr>
+                      <a:r>
+                        <a:rPr lang="de-DE" sz="1100" dirty="0">
+                          <a:effectLst/>
+                        </a:rPr>
+                        <a:t>55 Stunden</a:t>
+                      </a:r>
+                      <a:endParaRPr lang="de-DE" sz="1100" dirty="0">
+                        <a:effectLst/>
+                        <a:latin typeface="Calibri" panose="020F0502020204030204" pitchFamily="34" charset="0"/>
+                        <a:ea typeface="Times New Roman" panose="02020603050405020304" pitchFamily="18" charset="0"/>
+                        <a:cs typeface="Times New Roman" panose="02020603050405020304" pitchFamily="18" charset="0"/>
+                      </a:endParaRPr>
+                    </a:p>
+                  </a:txBody>
+                  <a:tcPr marL="68580" marR="68580" marT="0" marB="0"/>
+                </a:tc>
+                <a:tc>
+                  <a:txBody>
+                    <a:bodyPr/>
+                    <a:lstStyle/>
+                    <a:p>
+                      <a:pPr marL="0" marR="0" algn="ctr">
+                        <a:spcBef>
+                          <a:spcPts val="0"/>
+                        </a:spcBef>
+                        <a:spcAft>
+                          <a:spcPts val="0"/>
+                        </a:spcAft>
+                      </a:pPr>
+                      <a:r>
+                        <a:rPr lang="de-DE" sz="1100">
+                          <a:effectLst/>
+                        </a:rPr>
+                        <a:t> </a:t>
+                      </a:r>
+                      <a:endParaRPr lang="de-DE" sz="1100">
+                        <a:effectLst/>
+                        <a:latin typeface="Calibri" panose="020F0502020204030204" pitchFamily="34" charset="0"/>
+                        <a:ea typeface="Times New Roman" panose="02020603050405020304" pitchFamily="18" charset="0"/>
+                        <a:cs typeface="Times New Roman" panose="02020603050405020304" pitchFamily="18" charset="0"/>
+                      </a:endParaRPr>
+                    </a:p>
+                  </a:txBody>
+                  <a:tcPr marL="68580" marR="68580" marT="0" marB="0"/>
+                </a:tc>
+                <a:extLst>
+                  <a:ext uri="{0D108BD9-81ED-4DB2-BD59-A6C34878D82A}">
+                    <a16:rowId xmlns:a16="http://schemas.microsoft.com/office/drawing/2014/main" val="2233910405"/>
+                  </a:ext>
+                </a:extLst>
+              </a:tr>
+              <a:tr h="200820">
+                <a:tc>
+                  <a:txBody>
+                    <a:bodyPr/>
+                    <a:lstStyle/>
+                    <a:p>
+                      <a:pPr marL="457200" marR="0" lvl="1" algn="l">
+                        <a:spcBef>
+                          <a:spcPts val="0"/>
+                        </a:spcBef>
+                        <a:spcAft>
+                          <a:spcPts val="0"/>
+                        </a:spcAft>
+                      </a:pPr>
+                      <a:r>
+                        <a:rPr lang="de-DE" sz="1100" b="0" dirty="0">
+                          <a:effectLst/>
+                        </a:rPr>
+                        <a:t>Programmierung des UI</a:t>
+                      </a:r>
+                      <a:endParaRPr lang="de-DE" sz="1100" b="0" dirty="0">
+                        <a:effectLst/>
+                        <a:latin typeface="Calibri" panose="020F0502020204030204" pitchFamily="34" charset="0"/>
+                        <a:ea typeface="Times New Roman" panose="02020603050405020304" pitchFamily="18" charset="0"/>
+                        <a:cs typeface="Times New Roman" panose="02020603050405020304" pitchFamily="18" charset="0"/>
+                      </a:endParaRPr>
+                    </a:p>
+                  </a:txBody>
+                  <a:tcPr marL="68580" marR="68580" marT="0" marB="0"/>
+                </a:tc>
+                <a:tc>
+                  <a:txBody>
+                    <a:bodyPr/>
+                    <a:lstStyle/>
+                    <a:p>
+                      <a:pPr marL="0" marR="0" algn="ctr">
+                        <a:spcBef>
+                          <a:spcPts val="0"/>
+                        </a:spcBef>
+                        <a:spcAft>
+                          <a:spcPts val="0"/>
+                        </a:spcAft>
+                      </a:pPr>
+                      <a:r>
+                        <a:rPr lang="de-DE" sz="1100">
+                          <a:effectLst/>
+                        </a:rPr>
+                        <a:t>3 Stunden</a:t>
+                      </a:r>
+                      <a:endParaRPr lang="de-DE" sz="1100">
+                        <a:effectLst/>
+                        <a:latin typeface="Calibri" panose="020F0502020204030204" pitchFamily="34" charset="0"/>
+                        <a:ea typeface="Times New Roman" panose="02020603050405020304" pitchFamily="18" charset="0"/>
+                        <a:cs typeface="Times New Roman" panose="02020603050405020304" pitchFamily="18" charset="0"/>
+                      </a:endParaRPr>
+                    </a:p>
+                  </a:txBody>
+                  <a:tcPr marL="68580" marR="68580" marT="0" marB="0"/>
+                </a:tc>
+                <a:tc>
+                  <a:txBody>
+                    <a:bodyPr/>
+                    <a:lstStyle/>
+                    <a:p>
+                      <a:pPr marL="0" marR="0" algn="ctr">
+                        <a:spcBef>
+                          <a:spcPts val="0"/>
+                        </a:spcBef>
+                        <a:spcAft>
+                          <a:spcPts val="0"/>
+                        </a:spcAft>
+                      </a:pPr>
+                      <a:r>
+                        <a:rPr lang="de-DE" sz="1100">
+                          <a:effectLst/>
+                        </a:rPr>
+                        <a:t>Minx</a:t>
+                      </a:r>
+                      <a:endParaRPr lang="de-DE" sz="1100">
+                        <a:effectLst/>
+                        <a:latin typeface="Calibri" panose="020F0502020204030204" pitchFamily="34" charset="0"/>
+                        <a:ea typeface="Times New Roman" panose="02020603050405020304" pitchFamily="18" charset="0"/>
+                        <a:cs typeface="Times New Roman" panose="02020603050405020304" pitchFamily="18" charset="0"/>
+                      </a:endParaRPr>
+                    </a:p>
+                  </a:txBody>
+                  <a:tcPr marL="68580" marR="68580" marT="0" marB="0"/>
+                </a:tc>
+                <a:extLst>
+                  <a:ext uri="{0D108BD9-81ED-4DB2-BD59-A6C34878D82A}">
+                    <a16:rowId xmlns:a16="http://schemas.microsoft.com/office/drawing/2014/main" val="3661260584"/>
+                  </a:ext>
+                </a:extLst>
+              </a:tr>
+              <a:tr h="200820">
+                <a:tc>
+                  <a:txBody>
+                    <a:bodyPr/>
+                    <a:lstStyle/>
+                    <a:p>
+                      <a:pPr marL="457200" marR="0" lvl="1" algn="l">
+                        <a:spcBef>
+                          <a:spcPts val="0"/>
+                        </a:spcBef>
+                        <a:spcAft>
+                          <a:spcPts val="0"/>
+                        </a:spcAft>
+                      </a:pPr>
+                      <a:r>
+                        <a:rPr lang="de-DE" sz="1100" b="0" dirty="0">
+                          <a:effectLst/>
+                        </a:rPr>
+                        <a:t>Erstellung der Datenbank</a:t>
+                      </a:r>
+                      <a:endParaRPr lang="de-DE" sz="1100" b="0" dirty="0">
+                        <a:effectLst/>
+                        <a:latin typeface="Calibri" panose="020F0502020204030204" pitchFamily="34" charset="0"/>
+                        <a:ea typeface="Times New Roman" panose="02020603050405020304" pitchFamily="18" charset="0"/>
+                        <a:cs typeface="Times New Roman" panose="02020603050405020304" pitchFamily="18" charset="0"/>
+                      </a:endParaRPr>
+                    </a:p>
+                  </a:txBody>
+                  <a:tcPr marL="68580" marR="68580" marT="0" marB="0"/>
+                </a:tc>
+                <a:tc>
+                  <a:txBody>
+                    <a:bodyPr/>
+                    <a:lstStyle/>
+                    <a:p>
+                      <a:pPr marL="0" marR="0" algn="ctr">
+                        <a:spcBef>
+                          <a:spcPts val="0"/>
+                        </a:spcBef>
+                        <a:spcAft>
+                          <a:spcPts val="0"/>
+                        </a:spcAft>
+                      </a:pPr>
+                      <a:r>
+                        <a:rPr lang="de-DE" sz="1100">
+                          <a:effectLst/>
+                        </a:rPr>
+                        <a:t>3 Stunden</a:t>
+                      </a:r>
+                      <a:endParaRPr lang="de-DE" sz="1100">
+                        <a:effectLst/>
+                        <a:latin typeface="Calibri" panose="020F0502020204030204" pitchFamily="34" charset="0"/>
+                        <a:ea typeface="Times New Roman" panose="02020603050405020304" pitchFamily="18" charset="0"/>
+                        <a:cs typeface="Times New Roman" panose="02020603050405020304" pitchFamily="18" charset="0"/>
+                      </a:endParaRPr>
+                    </a:p>
+                  </a:txBody>
+                  <a:tcPr marL="68580" marR="68580" marT="0" marB="0"/>
+                </a:tc>
+                <a:tc>
+                  <a:txBody>
+                    <a:bodyPr/>
+                    <a:lstStyle/>
+                    <a:p>
+                      <a:pPr marL="0" marR="0" algn="ctr">
+                        <a:spcBef>
+                          <a:spcPts val="0"/>
+                        </a:spcBef>
+                        <a:spcAft>
+                          <a:spcPts val="0"/>
+                        </a:spcAft>
+                      </a:pPr>
+                      <a:r>
+                        <a:rPr lang="de-DE" sz="1100">
+                          <a:effectLst/>
+                        </a:rPr>
+                        <a:t>Manus</a:t>
+                      </a:r>
+                      <a:endParaRPr lang="de-DE" sz="1100">
+                        <a:effectLst/>
+                        <a:latin typeface="Calibri" panose="020F0502020204030204" pitchFamily="34" charset="0"/>
+                        <a:ea typeface="Times New Roman" panose="02020603050405020304" pitchFamily="18" charset="0"/>
+                        <a:cs typeface="Times New Roman" panose="02020603050405020304" pitchFamily="18" charset="0"/>
+                      </a:endParaRPr>
+                    </a:p>
+                  </a:txBody>
+                  <a:tcPr marL="68580" marR="68580" marT="0" marB="0"/>
+                </a:tc>
+                <a:extLst>
+                  <a:ext uri="{0D108BD9-81ED-4DB2-BD59-A6C34878D82A}">
+                    <a16:rowId xmlns:a16="http://schemas.microsoft.com/office/drawing/2014/main" val="2832231937"/>
+                  </a:ext>
+                </a:extLst>
+              </a:tr>
+              <a:tr h="200820">
+                <a:tc>
+                  <a:txBody>
+                    <a:bodyPr/>
+                    <a:lstStyle/>
+                    <a:p>
+                      <a:pPr marL="457200" marR="0" lvl="1" algn="l">
+                        <a:spcBef>
+                          <a:spcPts val="0"/>
+                        </a:spcBef>
+                        <a:spcAft>
+                          <a:spcPts val="0"/>
+                        </a:spcAft>
+                      </a:pPr>
+                      <a:r>
+                        <a:rPr lang="de-DE" sz="1100" b="0" dirty="0">
+                          <a:effectLst/>
+                        </a:rPr>
+                        <a:t>Export</a:t>
+                      </a:r>
+                      <a:endParaRPr lang="de-DE" sz="1100" b="0" dirty="0">
+                        <a:effectLst/>
+                        <a:latin typeface="Calibri" panose="020F0502020204030204" pitchFamily="34" charset="0"/>
+                        <a:ea typeface="Times New Roman" panose="02020603050405020304" pitchFamily="18" charset="0"/>
+                        <a:cs typeface="Times New Roman" panose="02020603050405020304" pitchFamily="18" charset="0"/>
+                      </a:endParaRPr>
+                    </a:p>
+                  </a:txBody>
+                  <a:tcPr marL="68580" marR="68580" marT="0" marB="0"/>
+                </a:tc>
+                <a:tc>
+                  <a:txBody>
+                    <a:bodyPr/>
+                    <a:lstStyle/>
+                    <a:p>
+                      <a:pPr marL="0" marR="0" algn="ctr">
+                        <a:spcBef>
+                          <a:spcPts val="0"/>
+                        </a:spcBef>
+                        <a:spcAft>
+                          <a:spcPts val="0"/>
+                        </a:spcAft>
+                      </a:pPr>
+                      <a:r>
+                        <a:rPr lang="de-DE" sz="1100">
+                          <a:effectLst/>
+                        </a:rPr>
+                        <a:t>15 Stunden</a:t>
+                      </a:r>
+                      <a:endParaRPr lang="de-DE" sz="1100">
+                        <a:effectLst/>
+                        <a:latin typeface="Calibri" panose="020F0502020204030204" pitchFamily="34" charset="0"/>
+                        <a:ea typeface="Times New Roman" panose="02020603050405020304" pitchFamily="18" charset="0"/>
+                        <a:cs typeface="Times New Roman" panose="02020603050405020304" pitchFamily="18" charset="0"/>
+                      </a:endParaRPr>
+                    </a:p>
+                  </a:txBody>
+                  <a:tcPr marL="68580" marR="68580" marT="0" marB="0"/>
+                </a:tc>
+                <a:tc>
+                  <a:txBody>
+                    <a:bodyPr/>
+                    <a:lstStyle/>
+                    <a:p>
+                      <a:pPr marL="0" marR="0" algn="ctr">
+                        <a:spcBef>
+                          <a:spcPts val="0"/>
+                        </a:spcBef>
+                        <a:spcAft>
+                          <a:spcPts val="0"/>
+                        </a:spcAft>
+                      </a:pPr>
+                      <a:r>
+                        <a:rPr lang="de-DE" sz="1100">
+                          <a:effectLst/>
+                        </a:rPr>
+                        <a:t>Manus/Minx</a:t>
+                      </a:r>
+                      <a:endParaRPr lang="de-DE" sz="1100">
+                        <a:effectLst/>
+                        <a:latin typeface="Calibri" panose="020F0502020204030204" pitchFamily="34" charset="0"/>
+                        <a:ea typeface="Times New Roman" panose="02020603050405020304" pitchFamily="18" charset="0"/>
+                        <a:cs typeface="Times New Roman" panose="02020603050405020304" pitchFamily="18" charset="0"/>
+                      </a:endParaRPr>
+                    </a:p>
+                  </a:txBody>
+                  <a:tcPr marL="68580" marR="68580" marT="0" marB="0"/>
+                </a:tc>
+                <a:extLst>
+                  <a:ext uri="{0D108BD9-81ED-4DB2-BD59-A6C34878D82A}">
+                    <a16:rowId xmlns:a16="http://schemas.microsoft.com/office/drawing/2014/main" val="3696252627"/>
+                  </a:ext>
+                </a:extLst>
+              </a:tr>
+              <a:tr h="200820">
+                <a:tc>
+                  <a:txBody>
+                    <a:bodyPr/>
+                    <a:lstStyle/>
+                    <a:p>
+                      <a:pPr marL="457200" marR="0" lvl="1" algn="l">
+                        <a:spcBef>
+                          <a:spcPts val="0"/>
+                        </a:spcBef>
+                        <a:spcAft>
+                          <a:spcPts val="0"/>
+                        </a:spcAft>
+                      </a:pPr>
+                      <a:r>
+                        <a:rPr lang="de-DE" sz="1100" b="0" dirty="0">
+                          <a:effectLst/>
+                        </a:rPr>
+                        <a:t>Filter programmieren</a:t>
+                      </a:r>
+                      <a:endParaRPr lang="de-DE" sz="1100" b="0" dirty="0">
+                        <a:effectLst/>
+                        <a:latin typeface="Calibri" panose="020F0502020204030204" pitchFamily="34" charset="0"/>
+                        <a:ea typeface="Times New Roman" panose="02020603050405020304" pitchFamily="18" charset="0"/>
+                        <a:cs typeface="Times New Roman" panose="02020603050405020304" pitchFamily="18" charset="0"/>
+                      </a:endParaRPr>
+                    </a:p>
+                  </a:txBody>
+                  <a:tcPr marL="68580" marR="68580" marT="0" marB="0"/>
+                </a:tc>
+                <a:tc>
+                  <a:txBody>
+                    <a:bodyPr/>
+                    <a:lstStyle/>
+                    <a:p>
+                      <a:pPr marL="0" marR="0" algn="ctr">
+                        <a:spcBef>
+                          <a:spcPts val="0"/>
+                        </a:spcBef>
+                        <a:spcAft>
+                          <a:spcPts val="0"/>
+                        </a:spcAft>
+                      </a:pPr>
+                      <a:r>
+                        <a:rPr lang="de-DE" sz="1100">
+                          <a:effectLst/>
+                        </a:rPr>
+                        <a:t>3 Stunden</a:t>
+                      </a:r>
+                      <a:endParaRPr lang="de-DE" sz="1100">
+                        <a:effectLst/>
+                        <a:latin typeface="Calibri" panose="020F0502020204030204" pitchFamily="34" charset="0"/>
+                        <a:ea typeface="Times New Roman" panose="02020603050405020304" pitchFamily="18" charset="0"/>
+                        <a:cs typeface="Times New Roman" panose="02020603050405020304" pitchFamily="18" charset="0"/>
+                      </a:endParaRPr>
+                    </a:p>
+                  </a:txBody>
+                  <a:tcPr marL="68580" marR="68580" marT="0" marB="0"/>
+                </a:tc>
+                <a:tc>
+                  <a:txBody>
+                    <a:bodyPr/>
+                    <a:lstStyle/>
+                    <a:p>
+                      <a:pPr marL="0" marR="0" algn="ctr">
+                        <a:spcBef>
+                          <a:spcPts val="0"/>
+                        </a:spcBef>
+                        <a:spcAft>
+                          <a:spcPts val="0"/>
+                        </a:spcAft>
+                      </a:pPr>
+                      <a:r>
+                        <a:rPr lang="de-DE" sz="1100">
+                          <a:effectLst/>
+                        </a:rPr>
+                        <a:t>Minx</a:t>
+                      </a:r>
+                      <a:endParaRPr lang="de-DE" sz="1100">
+                        <a:effectLst/>
+                        <a:latin typeface="Calibri" panose="020F0502020204030204" pitchFamily="34" charset="0"/>
+                        <a:ea typeface="Times New Roman" panose="02020603050405020304" pitchFamily="18" charset="0"/>
+                        <a:cs typeface="Times New Roman" panose="02020603050405020304" pitchFamily="18" charset="0"/>
+                      </a:endParaRPr>
+                    </a:p>
+                  </a:txBody>
+                  <a:tcPr marL="68580" marR="68580" marT="0" marB="0"/>
+                </a:tc>
+                <a:extLst>
+                  <a:ext uri="{0D108BD9-81ED-4DB2-BD59-A6C34878D82A}">
+                    <a16:rowId xmlns:a16="http://schemas.microsoft.com/office/drawing/2014/main" val="2666515709"/>
+                  </a:ext>
+                </a:extLst>
+              </a:tr>
+              <a:tr h="200820">
+                <a:tc>
+                  <a:txBody>
+                    <a:bodyPr/>
+                    <a:lstStyle/>
+                    <a:p>
+                      <a:pPr marL="457200" marR="0" lvl="1" algn="l">
+                        <a:spcBef>
+                          <a:spcPts val="0"/>
+                        </a:spcBef>
+                        <a:spcAft>
+                          <a:spcPts val="0"/>
+                        </a:spcAft>
+                      </a:pPr>
+                      <a:r>
+                        <a:rPr lang="de-DE" sz="1100" b="0" dirty="0">
+                          <a:effectLst/>
+                        </a:rPr>
+                        <a:t>Kurs hinzufügen</a:t>
+                      </a:r>
+                      <a:endParaRPr lang="de-DE" sz="1100" b="0" dirty="0">
+                        <a:effectLst/>
+                        <a:latin typeface="Calibri" panose="020F0502020204030204" pitchFamily="34" charset="0"/>
+                        <a:ea typeface="Times New Roman" panose="02020603050405020304" pitchFamily="18" charset="0"/>
+                        <a:cs typeface="Times New Roman" panose="02020603050405020304" pitchFamily="18" charset="0"/>
+                      </a:endParaRPr>
+                    </a:p>
+                  </a:txBody>
+                  <a:tcPr marL="68580" marR="68580" marT="0" marB="0"/>
+                </a:tc>
+                <a:tc>
+                  <a:txBody>
+                    <a:bodyPr/>
+                    <a:lstStyle/>
+                    <a:p>
+                      <a:pPr marL="0" marR="0" algn="ctr">
+                        <a:spcBef>
+                          <a:spcPts val="0"/>
+                        </a:spcBef>
+                        <a:spcAft>
+                          <a:spcPts val="0"/>
+                        </a:spcAft>
+                      </a:pPr>
+                      <a:r>
+                        <a:rPr lang="de-DE" sz="1100">
+                          <a:effectLst/>
+                        </a:rPr>
+                        <a:t>1 Stunden</a:t>
+                      </a:r>
+                      <a:endParaRPr lang="de-DE" sz="1100">
+                        <a:effectLst/>
+                        <a:latin typeface="Calibri" panose="020F0502020204030204" pitchFamily="34" charset="0"/>
+                        <a:ea typeface="Times New Roman" panose="02020603050405020304" pitchFamily="18" charset="0"/>
+                        <a:cs typeface="Times New Roman" panose="02020603050405020304" pitchFamily="18" charset="0"/>
+                      </a:endParaRPr>
+                    </a:p>
+                  </a:txBody>
+                  <a:tcPr marL="68580" marR="68580" marT="0" marB="0"/>
+                </a:tc>
+                <a:tc>
+                  <a:txBody>
+                    <a:bodyPr/>
+                    <a:lstStyle/>
+                    <a:p>
+                      <a:pPr marL="0" marR="0" algn="ctr">
+                        <a:spcBef>
+                          <a:spcPts val="0"/>
+                        </a:spcBef>
+                        <a:spcAft>
+                          <a:spcPts val="0"/>
+                        </a:spcAft>
+                      </a:pPr>
+                      <a:r>
+                        <a:rPr lang="de-DE" sz="1100">
+                          <a:effectLst/>
+                        </a:rPr>
+                        <a:t>Manus</a:t>
+                      </a:r>
+                      <a:endParaRPr lang="de-DE" sz="1100">
+                        <a:effectLst/>
+                        <a:latin typeface="Calibri" panose="020F0502020204030204" pitchFamily="34" charset="0"/>
+                        <a:ea typeface="Times New Roman" panose="02020603050405020304" pitchFamily="18" charset="0"/>
+                        <a:cs typeface="Times New Roman" panose="02020603050405020304" pitchFamily="18" charset="0"/>
+                      </a:endParaRPr>
+                    </a:p>
+                  </a:txBody>
+                  <a:tcPr marL="68580" marR="68580" marT="0" marB="0"/>
+                </a:tc>
+                <a:extLst>
+                  <a:ext uri="{0D108BD9-81ED-4DB2-BD59-A6C34878D82A}">
+                    <a16:rowId xmlns:a16="http://schemas.microsoft.com/office/drawing/2014/main" val="2200918700"/>
+                  </a:ext>
+                </a:extLst>
+              </a:tr>
+              <a:tr h="200820">
+                <a:tc>
+                  <a:txBody>
+                    <a:bodyPr/>
+                    <a:lstStyle/>
+                    <a:p>
+                      <a:pPr marL="457200" marR="0" lvl="1" algn="l">
+                        <a:spcBef>
+                          <a:spcPts val="0"/>
+                        </a:spcBef>
+                        <a:spcAft>
+                          <a:spcPts val="0"/>
+                        </a:spcAft>
+                      </a:pPr>
+                      <a:r>
+                        <a:rPr lang="de-DE" sz="1100" b="0" dirty="0">
+                          <a:effectLst/>
+                        </a:rPr>
+                        <a:t>MySQL Verbindung erstellen </a:t>
+                      </a:r>
+                      <a:endParaRPr lang="de-DE" sz="1100" b="0" dirty="0">
+                        <a:effectLst/>
+                        <a:latin typeface="Calibri" panose="020F0502020204030204" pitchFamily="34" charset="0"/>
+                        <a:ea typeface="Times New Roman" panose="02020603050405020304" pitchFamily="18" charset="0"/>
+                        <a:cs typeface="Times New Roman" panose="02020603050405020304" pitchFamily="18" charset="0"/>
+                      </a:endParaRPr>
+                    </a:p>
+                  </a:txBody>
+                  <a:tcPr marL="68580" marR="68580" marT="0" marB="0"/>
+                </a:tc>
+                <a:tc>
+                  <a:txBody>
+                    <a:bodyPr/>
+                    <a:lstStyle/>
+                    <a:p>
+                      <a:pPr marL="0" marR="0" algn="ctr">
+                        <a:spcBef>
+                          <a:spcPts val="0"/>
+                        </a:spcBef>
+                        <a:spcAft>
+                          <a:spcPts val="0"/>
+                        </a:spcAft>
+                      </a:pPr>
+                      <a:r>
+                        <a:rPr lang="de-DE" sz="1100">
+                          <a:effectLst/>
+                        </a:rPr>
+                        <a:t>2 Stunden</a:t>
+                      </a:r>
+                      <a:endParaRPr lang="de-DE" sz="1100">
+                        <a:effectLst/>
+                        <a:latin typeface="Calibri" panose="020F0502020204030204" pitchFamily="34" charset="0"/>
+                        <a:ea typeface="Times New Roman" panose="02020603050405020304" pitchFamily="18" charset="0"/>
+                        <a:cs typeface="Times New Roman" panose="02020603050405020304" pitchFamily="18" charset="0"/>
+                      </a:endParaRPr>
+                    </a:p>
+                  </a:txBody>
+                  <a:tcPr marL="68580" marR="68580" marT="0" marB="0"/>
+                </a:tc>
+                <a:tc>
+                  <a:txBody>
+                    <a:bodyPr/>
+                    <a:lstStyle/>
+                    <a:p>
+                      <a:pPr marL="0" marR="0" algn="ctr">
+                        <a:spcBef>
+                          <a:spcPts val="0"/>
+                        </a:spcBef>
+                        <a:spcAft>
+                          <a:spcPts val="0"/>
+                        </a:spcAft>
+                      </a:pPr>
+                      <a:r>
+                        <a:rPr lang="de-DE" sz="1100">
+                          <a:effectLst/>
+                        </a:rPr>
+                        <a:t>Minx</a:t>
+                      </a:r>
+                      <a:endParaRPr lang="de-DE" sz="1100">
+                        <a:effectLst/>
+                        <a:latin typeface="Calibri" panose="020F0502020204030204" pitchFamily="34" charset="0"/>
+                        <a:ea typeface="Times New Roman" panose="02020603050405020304" pitchFamily="18" charset="0"/>
+                        <a:cs typeface="Times New Roman" panose="02020603050405020304" pitchFamily="18" charset="0"/>
+                      </a:endParaRPr>
+                    </a:p>
+                  </a:txBody>
+                  <a:tcPr marL="68580" marR="68580" marT="0" marB="0"/>
+                </a:tc>
+                <a:extLst>
+                  <a:ext uri="{0D108BD9-81ED-4DB2-BD59-A6C34878D82A}">
+                    <a16:rowId xmlns:a16="http://schemas.microsoft.com/office/drawing/2014/main" val="3100803531"/>
+                  </a:ext>
+                </a:extLst>
+              </a:tr>
+              <a:tr h="200820">
+                <a:tc>
+                  <a:txBody>
+                    <a:bodyPr/>
+                    <a:lstStyle/>
+                    <a:p>
+                      <a:pPr marL="457200" marR="0" lvl="1" algn="l">
+                        <a:spcBef>
+                          <a:spcPts val="0"/>
+                        </a:spcBef>
+                        <a:spcAft>
+                          <a:spcPts val="0"/>
+                        </a:spcAft>
+                      </a:pPr>
+                      <a:r>
+                        <a:rPr lang="de-DE" sz="1100" b="0" dirty="0">
+                          <a:effectLst/>
+                        </a:rPr>
+                        <a:t>Überprüfung der Login Daten (Login)</a:t>
+                      </a:r>
+                      <a:endParaRPr lang="de-DE" sz="1100" b="0" dirty="0">
+                        <a:effectLst/>
+                        <a:latin typeface="Calibri" panose="020F0502020204030204" pitchFamily="34" charset="0"/>
+                        <a:ea typeface="Times New Roman" panose="02020603050405020304" pitchFamily="18" charset="0"/>
+                        <a:cs typeface="Times New Roman" panose="02020603050405020304" pitchFamily="18" charset="0"/>
+                      </a:endParaRPr>
+                    </a:p>
+                  </a:txBody>
+                  <a:tcPr marL="68580" marR="68580" marT="0" marB="0"/>
+                </a:tc>
+                <a:tc>
+                  <a:txBody>
+                    <a:bodyPr/>
+                    <a:lstStyle/>
+                    <a:p>
+                      <a:pPr marL="0" marR="0" algn="ctr">
+                        <a:spcBef>
+                          <a:spcPts val="0"/>
+                        </a:spcBef>
+                        <a:spcAft>
+                          <a:spcPts val="0"/>
+                        </a:spcAft>
+                      </a:pPr>
+                      <a:r>
+                        <a:rPr lang="de-DE" sz="1100">
+                          <a:effectLst/>
+                        </a:rPr>
+                        <a:t>2 Stunden</a:t>
+                      </a:r>
+                      <a:endParaRPr lang="de-DE" sz="1100">
+                        <a:effectLst/>
+                        <a:latin typeface="Calibri" panose="020F0502020204030204" pitchFamily="34" charset="0"/>
+                        <a:ea typeface="Times New Roman" panose="02020603050405020304" pitchFamily="18" charset="0"/>
+                        <a:cs typeface="Times New Roman" panose="02020603050405020304" pitchFamily="18" charset="0"/>
+                      </a:endParaRPr>
+                    </a:p>
+                  </a:txBody>
+                  <a:tcPr marL="68580" marR="68580" marT="0" marB="0"/>
+                </a:tc>
+                <a:tc>
+                  <a:txBody>
+                    <a:bodyPr/>
+                    <a:lstStyle/>
+                    <a:p>
+                      <a:pPr marL="0" marR="0" algn="ctr">
+                        <a:spcBef>
+                          <a:spcPts val="0"/>
+                        </a:spcBef>
+                        <a:spcAft>
+                          <a:spcPts val="0"/>
+                        </a:spcAft>
+                      </a:pPr>
+                      <a:r>
+                        <a:rPr lang="de-DE" sz="1100">
+                          <a:effectLst/>
+                        </a:rPr>
+                        <a:t>Manus</a:t>
+                      </a:r>
+                      <a:endParaRPr lang="de-DE" sz="1100">
+                        <a:effectLst/>
+                        <a:latin typeface="Calibri" panose="020F0502020204030204" pitchFamily="34" charset="0"/>
+                        <a:ea typeface="Times New Roman" panose="02020603050405020304" pitchFamily="18" charset="0"/>
+                        <a:cs typeface="Times New Roman" panose="02020603050405020304" pitchFamily="18" charset="0"/>
+                      </a:endParaRPr>
+                    </a:p>
+                  </a:txBody>
+                  <a:tcPr marL="68580" marR="68580" marT="0" marB="0"/>
+                </a:tc>
+                <a:extLst>
+                  <a:ext uri="{0D108BD9-81ED-4DB2-BD59-A6C34878D82A}">
+                    <a16:rowId xmlns:a16="http://schemas.microsoft.com/office/drawing/2014/main" val="1681439451"/>
+                  </a:ext>
+                </a:extLst>
+              </a:tr>
+              <a:tr h="200820">
+                <a:tc>
+                  <a:txBody>
+                    <a:bodyPr/>
+                    <a:lstStyle/>
+                    <a:p>
+                      <a:pPr marL="457200" marR="0" lvl="1" algn="l">
+                        <a:spcBef>
+                          <a:spcPts val="0"/>
+                        </a:spcBef>
+                        <a:spcAft>
+                          <a:spcPts val="0"/>
+                        </a:spcAft>
+                      </a:pPr>
+                      <a:r>
+                        <a:rPr lang="de-DE" sz="1100" b="0" dirty="0">
+                          <a:effectLst/>
+                        </a:rPr>
+                        <a:t>User ändern</a:t>
+                      </a:r>
+                      <a:endParaRPr lang="de-DE" sz="1100" b="0" dirty="0">
+                        <a:effectLst/>
+                        <a:latin typeface="Calibri" panose="020F0502020204030204" pitchFamily="34" charset="0"/>
+                        <a:ea typeface="Times New Roman" panose="02020603050405020304" pitchFamily="18" charset="0"/>
+                        <a:cs typeface="Times New Roman" panose="02020603050405020304" pitchFamily="18" charset="0"/>
+                      </a:endParaRPr>
+                    </a:p>
+                  </a:txBody>
+                  <a:tcPr marL="68580" marR="68580" marT="0" marB="0"/>
+                </a:tc>
+                <a:tc>
+                  <a:txBody>
+                    <a:bodyPr/>
+                    <a:lstStyle/>
+                    <a:p>
+                      <a:pPr marL="0" marR="0" algn="ctr">
+                        <a:spcBef>
+                          <a:spcPts val="0"/>
+                        </a:spcBef>
+                        <a:spcAft>
+                          <a:spcPts val="0"/>
+                        </a:spcAft>
+                      </a:pPr>
+                      <a:r>
+                        <a:rPr lang="de-DE" sz="1100">
+                          <a:effectLst/>
+                        </a:rPr>
+                        <a:t>1 Stunden</a:t>
+                      </a:r>
+                      <a:endParaRPr lang="de-DE" sz="1100">
+                        <a:effectLst/>
+                        <a:latin typeface="Calibri" panose="020F0502020204030204" pitchFamily="34" charset="0"/>
+                        <a:ea typeface="Times New Roman" panose="02020603050405020304" pitchFamily="18" charset="0"/>
+                        <a:cs typeface="Times New Roman" panose="02020603050405020304" pitchFamily="18" charset="0"/>
+                      </a:endParaRPr>
+                    </a:p>
+                  </a:txBody>
+                  <a:tcPr marL="68580" marR="68580" marT="0" marB="0"/>
+                </a:tc>
+                <a:tc>
+                  <a:txBody>
+                    <a:bodyPr/>
+                    <a:lstStyle/>
+                    <a:p>
+                      <a:pPr marL="0" marR="0" algn="ctr">
+                        <a:spcBef>
+                          <a:spcPts val="0"/>
+                        </a:spcBef>
+                        <a:spcAft>
+                          <a:spcPts val="0"/>
+                        </a:spcAft>
+                      </a:pPr>
+                      <a:r>
+                        <a:rPr lang="de-DE" sz="1100">
+                          <a:effectLst/>
+                        </a:rPr>
+                        <a:t>Minx</a:t>
+                      </a:r>
+                      <a:endParaRPr lang="de-DE" sz="1100">
+                        <a:effectLst/>
+                        <a:latin typeface="Calibri" panose="020F0502020204030204" pitchFamily="34" charset="0"/>
+                        <a:ea typeface="Times New Roman" panose="02020603050405020304" pitchFamily="18" charset="0"/>
+                        <a:cs typeface="Times New Roman" panose="02020603050405020304" pitchFamily="18" charset="0"/>
+                      </a:endParaRPr>
+                    </a:p>
+                  </a:txBody>
+                  <a:tcPr marL="68580" marR="68580" marT="0" marB="0"/>
+                </a:tc>
+                <a:extLst>
+                  <a:ext uri="{0D108BD9-81ED-4DB2-BD59-A6C34878D82A}">
+                    <a16:rowId xmlns:a16="http://schemas.microsoft.com/office/drawing/2014/main" val="3388506960"/>
+                  </a:ext>
+                </a:extLst>
+              </a:tr>
+              <a:tr h="200820">
+                <a:tc>
+                  <a:txBody>
+                    <a:bodyPr/>
+                    <a:lstStyle/>
+                    <a:p>
+                      <a:pPr marL="457200" marR="0" lvl="1" algn="l">
+                        <a:spcBef>
+                          <a:spcPts val="0"/>
+                        </a:spcBef>
+                        <a:spcAft>
+                          <a:spcPts val="0"/>
+                        </a:spcAft>
+                      </a:pPr>
+                      <a:r>
+                        <a:rPr lang="de-DE" sz="1100" b="0" dirty="0">
+                          <a:effectLst/>
+                        </a:rPr>
+                        <a:t>User erstellen (registrieren)</a:t>
+                      </a:r>
+                      <a:endParaRPr lang="de-DE" sz="1100" b="0" dirty="0">
+                        <a:effectLst/>
+                        <a:latin typeface="Calibri" panose="020F0502020204030204" pitchFamily="34" charset="0"/>
+                        <a:ea typeface="Times New Roman" panose="02020603050405020304" pitchFamily="18" charset="0"/>
+                        <a:cs typeface="Times New Roman" panose="02020603050405020304" pitchFamily="18" charset="0"/>
+                      </a:endParaRPr>
+                    </a:p>
+                  </a:txBody>
+                  <a:tcPr marL="68580" marR="68580" marT="0" marB="0"/>
+                </a:tc>
+                <a:tc>
+                  <a:txBody>
+                    <a:bodyPr/>
+                    <a:lstStyle/>
+                    <a:p>
+                      <a:pPr marL="0" marR="0" algn="ctr">
+                        <a:spcBef>
+                          <a:spcPts val="0"/>
+                        </a:spcBef>
+                        <a:spcAft>
+                          <a:spcPts val="0"/>
+                        </a:spcAft>
+                      </a:pPr>
+                      <a:r>
+                        <a:rPr lang="de-DE" sz="1100">
+                          <a:effectLst/>
+                        </a:rPr>
+                        <a:t>1 Stunden</a:t>
+                      </a:r>
+                      <a:endParaRPr lang="de-DE" sz="1100">
+                        <a:effectLst/>
+                        <a:latin typeface="Calibri" panose="020F0502020204030204" pitchFamily="34" charset="0"/>
+                        <a:ea typeface="Times New Roman" panose="02020603050405020304" pitchFamily="18" charset="0"/>
+                        <a:cs typeface="Times New Roman" panose="02020603050405020304" pitchFamily="18" charset="0"/>
+                      </a:endParaRPr>
+                    </a:p>
+                  </a:txBody>
+                  <a:tcPr marL="68580" marR="68580" marT="0" marB="0"/>
+                </a:tc>
+                <a:tc>
+                  <a:txBody>
+                    <a:bodyPr/>
+                    <a:lstStyle/>
+                    <a:p>
+                      <a:pPr marL="0" marR="0" algn="ctr">
+                        <a:spcBef>
+                          <a:spcPts val="0"/>
+                        </a:spcBef>
+                        <a:spcAft>
+                          <a:spcPts val="0"/>
+                        </a:spcAft>
+                      </a:pPr>
+                      <a:r>
+                        <a:rPr lang="de-DE" sz="1100">
+                          <a:effectLst/>
+                        </a:rPr>
+                        <a:t>Manus</a:t>
+                      </a:r>
+                      <a:endParaRPr lang="de-DE" sz="1100">
+                        <a:effectLst/>
+                        <a:latin typeface="Calibri" panose="020F0502020204030204" pitchFamily="34" charset="0"/>
+                        <a:ea typeface="Times New Roman" panose="02020603050405020304" pitchFamily="18" charset="0"/>
+                        <a:cs typeface="Times New Roman" panose="02020603050405020304" pitchFamily="18" charset="0"/>
+                      </a:endParaRPr>
+                    </a:p>
+                  </a:txBody>
+                  <a:tcPr marL="68580" marR="68580" marT="0" marB="0"/>
+                </a:tc>
+                <a:extLst>
+                  <a:ext uri="{0D108BD9-81ED-4DB2-BD59-A6C34878D82A}">
+                    <a16:rowId xmlns:a16="http://schemas.microsoft.com/office/drawing/2014/main" val="570880933"/>
+                  </a:ext>
+                </a:extLst>
+              </a:tr>
+              <a:tr h="200820">
+                <a:tc>
+                  <a:txBody>
+                    <a:bodyPr/>
+                    <a:lstStyle/>
+                    <a:p>
+                      <a:pPr marL="457200" marR="0" lvl="1" algn="l">
+                        <a:spcBef>
+                          <a:spcPts val="0"/>
+                        </a:spcBef>
+                        <a:spcAft>
+                          <a:spcPts val="0"/>
+                        </a:spcAft>
+                      </a:pPr>
+                      <a:r>
+                        <a:rPr lang="de-DE" sz="1100" b="0" dirty="0">
+                          <a:effectLst/>
+                        </a:rPr>
+                        <a:t>Zitat hinzufügen</a:t>
+                      </a:r>
+                      <a:endParaRPr lang="de-DE" sz="1100" b="0" dirty="0">
+                        <a:effectLst/>
+                        <a:latin typeface="Calibri" panose="020F0502020204030204" pitchFamily="34" charset="0"/>
+                        <a:ea typeface="Times New Roman" panose="02020603050405020304" pitchFamily="18" charset="0"/>
+                        <a:cs typeface="Times New Roman" panose="02020603050405020304" pitchFamily="18" charset="0"/>
+                      </a:endParaRPr>
+                    </a:p>
+                  </a:txBody>
+                  <a:tcPr marL="68580" marR="68580" marT="0" marB="0"/>
+                </a:tc>
+                <a:tc>
+                  <a:txBody>
+                    <a:bodyPr/>
+                    <a:lstStyle/>
+                    <a:p>
+                      <a:pPr marL="0" marR="0" algn="ctr">
+                        <a:spcBef>
+                          <a:spcPts val="0"/>
+                        </a:spcBef>
+                        <a:spcAft>
+                          <a:spcPts val="0"/>
+                        </a:spcAft>
+                      </a:pPr>
+                      <a:r>
+                        <a:rPr lang="de-DE" sz="1100">
+                          <a:effectLst/>
+                        </a:rPr>
+                        <a:t>3 Stunden</a:t>
+                      </a:r>
+                      <a:endParaRPr lang="de-DE" sz="1100">
+                        <a:effectLst/>
+                        <a:latin typeface="Calibri" panose="020F0502020204030204" pitchFamily="34" charset="0"/>
+                        <a:ea typeface="Times New Roman" panose="02020603050405020304" pitchFamily="18" charset="0"/>
+                        <a:cs typeface="Times New Roman" panose="02020603050405020304" pitchFamily="18" charset="0"/>
+                      </a:endParaRPr>
+                    </a:p>
+                  </a:txBody>
+                  <a:tcPr marL="68580" marR="68580" marT="0" marB="0"/>
+                </a:tc>
+                <a:tc>
+                  <a:txBody>
+                    <a:bodyPr/>
+                    <a:lstStyle/>
+                    <a:p>
+                      <a:pPr marL="0" marR="0" algn="ctr">
+                        <a:spcBef>
+                          <a:spcPts val="0"/>
+                        </a:spcBef>
+                        <a:spcAft>
+                          <a:spcPts val="0"/>
+                        </a:spcAft>
+                      </a:pPr>
+                      <a:r>
+                        <a:rPr lang="de-DE" sz="1100">
+                          <a:effectLst/>
+                        </a:rPr>
+                        <a:t>Manus</a:t>
+                      </a:r>
+                      <a:endParaRPr lang="de-DE" sz="1100">
+                        <a:effectLst/>
+                        <a:latin typeface="Calibri" panose="020F0502020204030204" pitchFamily="34" charset="0"/>
+                        <a:ea typeface="Times New Roman" panose="02020603050405020304" pitchFamily="18" charset="0"/>
+                        <a:cs typeface="Times New Roman" panose="02020603050405020304" pitchFamily="18" charset="0"/>
+                      </a:endParaRPr>
+                    </a:p>
+                  </a:txBody>
+                  <a:tcPr marL="68580" marR="68580" marT="0" marB="0"/>
+                </a:tc>
+                <a:extLst>
+                  <a:ext uri="{0D108BD9-81ED-4DB2-BD59-A6C34878D82A}">
+                    <a16:rowId xmlns:a16="http://schemas.microsoft.com/office/drawing/2014/main" val="2664442372"/>
+                  </a:ext>
+                </a:extLst>
+              </a:tr>
+              <a:tr h="200820">
+                <a:tc>
+                  <a:txBody>
+                    <a:bodyPr/>
+                    <a:lstStyle/>
+                    <a:p>
+                      <a:pPr marL="457200" marR="0" lvl="1" algn="l">
+                        <a:spcBef>
+                          <a:spcPts val="0"/>
+                        </a:spcBef>
+                        <a:spcAft>
+                          <a:spcPts val="0"/>
+                        </a:spcAft>
+                      </a:pPr>
+                      <a:r>
+                        <a:rPr lang="de-DE" sz="1100" b="0" dirty="0">
+                          <a:effectLst/>
+                        </a:rPr>
+                        <a:t>Zitate ändern</a:t>
+                      </a:r>
+                      <a:endParaRPr lang="de-DE" sz="1100" b="0" dirty="0">
+                        <a:effectLst/>
+                        <a:latin typeface="Calibri" panose="020F0502020204030204" pitchFamily="34" charset="0"/>
+                        <a:ea typeface="Times New Roman" panose="02020603050405020304" pitchFamily="18" charset="0"/>
+                        <a:cs typeface="Times New Roman" panose="02020603050405020304" pitchFamily="18" charset="0"/>
+                      </a:endParaRPr>
+                    </a:p>
+                  </a:txBody>
+                  <a:tcPr marL="68580" marR="68580" marT="0" marB="0"/>
+                </a:tc>
+                <a:tc>
+                  <a:txBody>
+                    <a:bodyPr/>
+                    <a:lstStyle/>
+                    <a:p>
+                      <a:pPr marL="0" marR="0" algn="ctr">
+                        <a:spcBef>
+                          <a:spcPts val="0"/>
+                        </a:spcBef>
+                        <a:spcAft>
+                          <a:spcPts val="0"/>
+                        </a:spcAft>
+                      </a:pPr>
+                      <a:r>
+                        <a:rPr lang="de-DE" sz="1100">
+                          <a:effectLst/>
+                        </a:rPr>
+                        <a:t>2 Stunden</a:t>
+                      </a:r>
+                      <a:endParaRPr lang="de-DE" sz="1100">
+                        <a:effectLst/>
+                        <a:latin typeface="Calibri" panose="020F0502020204030204" pitchFamily="34" charset="0"/>
+                        <a:ea typeface="Times New Roman" panose="02020603050405020304" pitchFamily="18" charset="0"/>
+                        <a:cs typeface="Times New Roman" panose="02020603050405020304" pitchFamily="18" charset="0"/>
+                      </a:endParaRPr>
+                    </a:p>
+                  </a:txBody>
+                  <a:tcPr marL="68580" marR="68580" marT="0" marB="0"/>
+                </a:tc>
+                <a:tc>
+                  <a:txBody>
+                    <a:bodyPr/>
+                    <a:lstStyle/>
+                    <a:p>
+                      <a:pPr marL="0" marR="0" algn="ctr">
+                        <a:spcBef>
+                          <a:spcPts val="0"/>
+                        </a:spcBef>
+                        <a:spcAft>
+                          <a:spcPts val="0"/>
+                        </a:spcAft>
+                      </a:pPr>
+                      <a:r>
+                        <a:rPr lang="de-DE" sz="1100">
+                          <a:effectLst/>
+                        </a:rPr>
+                        <a:t>Minx</a:t>
+                      </a:r>
+                      <a:endParaRPr lang="de-DE" sz="1100">
+                        <a:effectLst/>
+                        <a:latin typeface="Calibri" panose="020F0502020204030204" pitchFamily="34" charset="0"/>
+                        <a:ea typeface="Times New Roman" panose="02020603050405020304" pitchFamily="18" charset="0"/>
+                        <a:cs typeface="Times New Roman" panose="02020603050405020304" pitchFamily="18" charset="0"/>
+                      </a:endParaRPr>
+                    </a:p>
+                  </a:txBody>
+                  <a:tcPr marL="68580" marR="68580" marT="0" marB="0"/>
+                </a:tc>
+                <a:extLst>
+                  <a:ext uri="{0D108BD9-81ED-4DB2-BD59-A6C34878D82A}">
+                    <a16:rowId xmlns:a16="http://schemas.microsoft.com/office/drawing/2014/main" val="1248671919"/>
+                  </a:ext>
+                </a:extLst>
+              </a:tr>
+              <a:tr h="200820">
+                <a:tc>
+                  <a:txBody>
+                    <a:bodyPr/>
+                    <a:lstStyle/>
+                    <a:p>
+                      <a:pPr marL="457200" marR="0" lvl="1" algn="l">
+                        <a:spcBef>
+                          <a:spcPts val="0"/>
+                        </a:spcBef>
+                        <a:spcAft>
+                          <a:spcPts val="0"/>
+                        </a:spcAft>
+                      </a:pPr>
+                      <a:r>
+                        <a:rPr lang="de-DE" sz="1100" b="0" dirty="0">
+                          <a:effectLst/>
+                        </a:rPr>
+                        <a:t>Zitate anzeigen</a:t>
+                      </a:r>
+                      <a:endParaRPr lang="de-DE" sz="1100" b="0" dirty="0">
+                        <a:effectLst/>
+                        <a:latin typeface="Calibri" panose="020F0502020204030204" pitchFamily="34" charset="0"/>
+                        <a:ea typeface="Times New Roman" panose="02020603050405020304" pitchFamily="18" charset="0"/>
+                        <a:cs typeface="Times New Roman" panose="02020603050405020304" pitchFamily="18" charset="0"/>
+                      </a:endParaRPr>
+                    </a:p>
+                  </a:txBody>
+                  <a:tcPr marL="68580" marR="68580" marT="0" marB="0"/>
+                </a:tc>
+                <a:tc>
+                  <a:txBody>
+                    <a:bodyPr/>
+                    <a:lstStyle/>
+                    <a:p>
+                      <a:pPr marL="0" marR="0" algn="ctr">
+                        <a:spcBef>
+                          <a:spcPts val="0"/>
+                        </a:spcBef>
+                        <a:spcAft>
+                          <a:spcPts val="0"/>
+                        </a:spcAft>
+                      </a:pPr>
+                      <a:r>
+                        <a:rPr lang="de-DE" sz="1100">
+                          <a:effectLst/>
+                        </a:rPr>
+                        <a:t>3 Stunden</a:t>
+                      </a:r>
+                      <a:endParaRPr lang="de-DE" sz="1100">
+                        <a:effectLst/>
+                        <a:latin typeface="Calibri" panose="020F0502020204030204" pitchFamily="34" charset="0"/>
+                        <a:ea typeface="Times New Roman" panose="02020603050405020304" pitchFamily="18" charset="0"/>
+                        <a:cs typeface="Times New Roman" panose="02020603050405020304" pitchFamily="18" charset="0"/>
+                      </a:endParaRPr>
+                    </a:p>
+                  </a:txBody>
+                  <a:tcPr marL="68580" marR="68580" marT="0" marB="0"/>
+                </a:tc>
+                <a:tc>
+                  <a:txBody>
+                    <a:bodyPr/>
+                    <a:lstStyle/>
+                    <a:p>
+                      <a:pPr marL="0" marR="0" algn="ctr">
+                        <a:spcBef>
+                          <a:spcPts val="0"/>
+                        </a:spcBef>
+                        <a:spcAft>
+                          <a:spcPts val="0"/>
+                        </a:spcAft>
+                      </a:pPr>
+                      <a:r>
+                        <a:rPr lang="de-DE" sz="1100">
+                          <a:effectLst/>
+                        </a:rPr>
+                        <a:t>Manus/Minx</a:t>
+                      </a:r>
+                      <a:endParaRPr lang="de-DE" sz="1100">
+                        <a:effectLst/>
+                        <a:latin typeface="Calibri" panose="020F0502020204030204" pitchFamily="34" charset="0"/>
+                        <a:ea typeface="Times New Roman" panose="02020603050405020304" pitchFamily="18" charset="0"/>
+                        <a:cs typeface="Times New Roman" panose="02020603050405020304" pitchFamily="18" charset="0"/>
+                      </a:endParaRPr>
+                    </a:p>
+                  </a:txBody>
+                  <a:tcPr marL="68580" marR="68580" marT="0" marB="0"/>
+                </a:tc>
+                <a:extLst>
+                  <a:ext uri="{0D108BD9-81ED-4DB2-BD59-A6C34878D82A}">
+                    <a16:rowId xmlns:a16="http://schemas.microsoft.com/office/drawing/2014/main" val="135169989"/>
+                  </a:ext>
+                </a:extLst>
+              </a:tr>
+              <a:tr h="200820">
+                <a:tc>
+                  <a:txBody>
+                    <a:bodyPr/>
+                    <a:lstStyle/>
+                    <a:p>
+                      <a:pPr marL="457200" marR="0" lvl="1" algn="l">
+                        <a:spcBef>
+                          <a:spcPts val="0"/>
+                        </a:spcBef>
+                        <a:spcAft>
+                          <a:spcPts val="0"/>
+                        </a:spcAft>
+                      </a:pPr>
+                      <a:r>
+                        <a:rPr lang="de-DE" sz="1100" b="0" dirty="0">
+                          <a:effectLst/>
+                        </a:rPr>
+                        <a:t>Zitate löschen</a:t>
+                      </a:r>
+                      <a:endParaRPr lang="de-DE" sz="1100" b="0" dirty="0">
+                        <a:effectLst/>
+                        <a:latin typeface="Calibri" panose="020F0502020204030204" pitchFamily="34" charset="0"/>
+                        <a:ea typeface="Times New Roman" panose="02020603050405020304" pitchFamily="18" charset="0"/>
+                        <a:cs typeface="Times New Roman" panose="02020603050405020304" pitchFamily="18" charset="0"/>
+                      </a:endParaRPr>
+                    </a:p>
+                  </a:txBody>
+                  <a:tcPr marL="68580" marR="68580" marT="0" marB="0"/>
+                </a:tc>
+                <a:tc>
+                  <a:txBody>
+                    <a:bodyPr/>
+                    <a:lstStyle/>
+                    <a:p>
+                      <a:pPr marL="0" marR="0" algn="ctr">
+                        <a:spcBef>
+                          <a:spcPts val="0"/>
+                        </a:spcBef>
+                        <a:spcAft>
+                          <a:spcPts val="0"/>
+                        </a:spcAft>
+                      </a:pPr>
+                      <a:r>
+                        <a:rPr lang="de-DE" sz="1100">
+                          <a:effectLst/>
+                        </a:rPr>
+                        <a:t>1 Stunden</a:t>
+                      </a:r>
+                      <a:endParaRPr lang="de-DE" sz="1100">
+                        <a:effectLst/>
+                        <a:latin typeface="Calibri" panose="020F0502020204030204" pitchFamily="34" charset="0"/>
+                        <a:ea typeface="Times New Roman" panose="02020603050405020304" pitchFamily="18" charset="0"/>
+                        <a:cs typeface="Times New Roman" panose="02020603050405020304" pitchFamily="18" charset="0"/>
+                      </a:endParaRPr>
+                    </a:p>
+                  </a:txBody>
+                  <a:tcPr marL="68580" marR="68580" marT="0" marB="0"/>
+                </a:tc>
+                <a:tc>
+                  <a:txBody>
+                    <a:bodyPr/>
+                    <a:lstStyle/>
+                    <a:p>
+                      <a:pPr marL="0" marR="0" algn="ctr">
+                        <a:spcBef>
+                          <a:spcPts val="0"/>
+                        </a:spcBef>
+                        <a:spcAft>
+                          <a:spcPts val="0"/>
+                        </a:spcAft>
+                      </a:pPr>
+                      <a:r>
+                        <a:rPr lang="de-DE" sz="1100">
+                          <a:effectLst/>
+                        </a:rPr>
+                        <a:t>Manus</a:t>
+                      </a:r>
+                      <a:endParaRPr lang="de-DE" sz="1100">
+                        <a:effectLst/>
+                        <a:latin typeface="Calibri" panose="020F0502020204030204" pitchFamily="34" charset="0"/>
+                        <a:ea typeface="Times New Roman" panose="02020603050405020304" pitchFamily="18" charset="0"/>
+                        <a:cs typeface="Times New Roman" panose="02020603050405020304" pitchFamily="18" charset="0"/>
+                      </a:endParaRPr>
+                    </a:p>
+                  </a:txBody>
+                  <a:tcPr marL="68580" marR="68580" marT="0" marB="0"/>
+                </a:tc>
+                <a:extLst>
+                  <a:ext uri="{0D108BD9-81ED-4DB2-BD59-A6C34878D82A}">
+                    <a16:rowId xmlns:a16="http://schemas.microsoft.com/office/drawing/2014/main" val="3514961361"/>
+                  </a:ext>
+                </a:extLst>
+              </a:tr>
+              <a:tr h="200820">
+                <a:tc>
+                  <a:txBody>
+                    <a:bodyPr/>
+                    <a:lstStyle/>
+                    <a:p>
+                      <a:pPr marL="457200" marR="0" lvl="1" algn="l">
+                        <a:spcBef>
+                          <a:spcPts val="0"/>
+                        </a:spcBef>
+                        <a:spcAft>
+                          <a:spcPts val="0"/>
+                        </a:spcAft>
+                      </a:pPr>
+                      <a:r>
+                        <a:rPr lang="de-DE" sz="1100" b="0" dirty="0" err="1">
+                          <a:effectLst/>
+                        </a:rPr>
+                        <a:t>Blackboxtest</a:t>
+                      </a:r>
+                      <a:endParaRPr lang="de-DE" sz="1100" b="0" dirty="0">
+                        <a:effectLst/>
+                        <a:latin typeface="Calibri" panose="020F0502020204030204" pitchFamily="34" charset="0"/>
+                        <a:ea typeface="Times New Roman" panose="02020603050405020304" pitchFamily="18" charset="0"/>
+                        <a:cs typeface="Times New Roman" panose="02020603050405020304" pitchFamily="18" charset="0"/>
+                      </a:endParaRPr>
+                    </a:p>
+                  </a:txBody>
+                  <a:tcPr marL="68580" marR="68580" marT="0" marB="0"/>
+                </a:tc>
+                <a:tc>
+                  <a:txBody>
+                    <a:bodyPr/>
+                    <a:lstStyle/>
+                    <a:p>
+                      <a:pPr marL="0" marR="0" algn="ctr">
+                        <a:spcBef>
+                          <a:spcPts val="0"/>
+                        </a:spcBef>
+                        <a:spcAft>
+                          <a:spcPts val="0"/>
+                        </a:spcAft>
+                      </a:pPr>
+                      <a:r>
+                        <a:rPr lang="de-DE" sz="1100">
+                          <a:effectLst/>
+                        </a:rPr>
+                        <a:t>15 Stunden</a:t>
+                      </a:r>
+                      <a:endParaRPr lang="de-DE" sz="1100">
+                        <a:effectLst/>
+                        <a:latin typeface="Calibri" panose="020F0502020204030204" pitchFamily="34" charset="0"/>
+                        <a:ea typeface="Times New Roman" panose="02020603050405020304" pitchFamily="18" charset="0"/>
+                        <a:cs typeface="Times New Roman" panose="02020603050405020304" pitchFamily="18" charset="0"/>
+                      </a:endParaRPr>
+                    </a:p>
+                  </a:txBody>
+                  <a:tcPr marL="68580" marR="68580" marT="0" marB="0"/>
+                </a:tc>
+                <a:tc>
+                  <a:txBody>
+                    <a:bodyPr/>
+                    <a:lstStyle/>
+                    <a:p>
+                      <a:pPr marL="0" marR="0" algn="ctr">
+                        <a:spcBef>
+                          <a:spcPts val="0"/>
+                        </a:spcBef>
+                        <a:spcAft>
+                          <a:spcPts val="0"/>
+                        </a:spcAft>
+                      </a:pPr>
+                      <a:r>
+                        <a:rPr lang="de-DE" sz="1100">
+                          <a:effectLst/>
+                        </a:rPr>
+                        <a:t>Manus/Minx</a:t>
+                      </a:r>
+                      <a:endParaRPr lang="de-DE" sz="1100">
+                        <a:effectLst/>
+                        <a:latin typeface="Calibri" panose="020F0502020204030204" pitchFamily="34" charset="0"/>
+                        <a:ea typeface="Times New Roman" panose="02020603050405020304" pitchFamily="18" charset="0"/>
+                        <a:cs typeface="Times New Roman" panose="02020603050405020304" pitchFamily="18" charset="0"/>
+                      </a:endParaRPr>
+                    </a:p>
+                  </a:txBody>
+                  <a:tcPr marL="68580" marR="68580" marT="0" marB="0"/>
+                </a:tc>
+                <a:extLst>
+                  <a:ext uri="{0D108BD9-81ED-4DB2-BD59-A6C34878D82A}">
+                    <a16:rowId xmlns:a16="http://schemas.microsoft.com/office/drawing/2014/main" val="1380328154"/>
+                  </a:ext>
+                </a:extLst>
+              </a:tr>
+              <a:tr h="200820">
+                <a:tc>
+                  <a:txBody>
+                    <a:bodyPr/>
+                    <a:lstStyle/>
+                    <a:p>
+                      <a:pPr marL="0" marR="0" lvl="0" algn="l">
+                        <a:spcBef>
+                          <a:spcPts val="0"/>
+                        </a:spcBef>
+                        <a:spcAft>
+                          <a:spcPts val="0"/>
+                        </a:spcAft>
+                      </a:pPr>
+                      <a:r>
+                        <a:rPr lang="de-DE" sz="1100" b="1" dirty="0">
+                          <a:effectLst/>
+                        </a:rPr>
+                        <a:t>Dokumentation</a:t>
+                      </a:r>
+                      <a:endParaRPr lang="de-DE" sz="1100" b="1" dirty="0">
+                        <a:effectLst/>
+                        <a:latin typeface="Calibri" panose="020F0502020204030204" pitchFamily="34" charset="0"/>
+                        <a:ea typeface="Times New Roman" panose="02020603050405020304" pitchFamily="18" charset="0"/>
+                        <a:cs typeface="Times New Roman" panose="02020603050405020304" pitchFamily="18" charset="0"/>
+                      </a:endParaRPr>
+                    </a:p>
+                  </a:txBody>
+                  <a:tcPr marL="68580" marR="68580" marT="0" marB="0"/>
+                </a:tc>
+                <a:tc>
+                  <a:txBody>
+                    <a:bodyPr/>
+                    <a:lstStyle/>
+                    <a:p>
+                      <a:pPr marL="0" marR="0" algn="ctr">
+                        <a:spcBef>
+                          <a:spcPts val="0"/>
+                        </a:spcBef>
+                        <a:spcAft>
+                          <a:spcPts val="0"/>
+                        </a:spcAft>
+                      </a:pPr>
+                      <a:r>
+                        <a:rPr lang="de-DE" sz="1100">
+                          <a:effectLst/>
+                        </a:rPr>
+                        <a:t>20 Stunden</a:t>
+                      </a:r>
+                      <a:endParaRPr lang="de-DE" sz="1100">
+                        <a:effectLst/>
+                        <a:latin typeface="Calibri" panose="020F0502020204030204" pitchFamily="34" charset="0"/>
+                        <a:ea typeface="Times New Roman" panose="02020603050405020304" pitchFamily="18" charset="0"/>
+                        <a:cs typeface="Times New Roman" panose="02020603050405020304" pitchFamily="18" charset="0"/>
+                      </a:endParaRPr>
+                    </a:p>
+                  </a:txBody>
+                  <a:tcPr marL="68580" marR="68580" marT="0" marB="0"/>
+                </a:tc>
+                <a:tc>
+                  <a:txBody>
+                    <a:bodyPr/>
+                    <a:lstStyle/>
+                    <a:p>
+                      <a:pPr marL="0" marR="0" algn="ctr">
+                        <a:spcBef>
+                          <a:spcPts val="0"/>
+                        </a:spcBef>
+                        <a:spcAft>
+                          <a:spcPts val="0"/>
+                        </a:spcAft>
+                      </a:pPr>
+                      <a:r>
+                        <a:rPr lang="de-DE" sz="1100">
+                          <a:effectLst/>
+                        </a:rPr>
+                        <a:t> </a:t>
+                      </a:r>
+                      <a:endParaRPr lang="de-DE" sz="1100">
+                        <a:effectLst/>
+                        <a:latin typeface="Calibri" panose="020F0502020204030204" pitchFamily="34" charset="0"/>
+                        <a:ea typeface="Times New Roman" panose="02020603050405020304" pitchFamily="18" charset="0"/>
+                        <a:cs typeface="Times New Roman" panose="02020603050405020304" pitchFamily="18" charset="0"/>
+                      </a:endParaRPr>
+                    </a:p>
+                  </a:txBody>
+                  <a:tcPr marL="68580" marR="68580" marT="0" marB="0"/>
+                </a:tc>
+                <a:extLst>
+                  <a:ext uri="{0D108BD9-81ED-4DB2-BD59-A6C34878D82A}">
+                    <a16:rowId xmlns:a16="http://schemas.microsoft.com/office/drawing/2014/main" val="317986866"/>
+                  </a:ext>
+                </a:extLst>
+              </a:tr>
+              <a:tr h="401640">
+                <a:tc>
+                  <a:txBody>
+                    <a:bodyPr/>
+                    <a:lstStyle/>
+                    <a:p>
+                      <a:pPr marL="457200" marR="0" lvl="1" algn="l">
+                        <a:spcBef>
+                          <a:spcPts val="0"/>
+                        </a:spcBef>
+                        <a:spcAft>
+                          <a:spcPts val="0"/>
+                        </a:spcAft>
+                      </a:pPr>
+                      <a:r>
+                        <a:rPr lang="de-DE" sz="1100" b="0" dirty="0">
+                          <a:effectLst/>
+                        </a:rPr>
+                        <a:t>Erstellung einer Projektdokumentation</a:t>
+                      </a:r>
+                      <a:endParaRPr lang="de-DE" sz="1100" b="0" dirty="0">
+                        <a:effectLst/>
+                        <a:latin typeface="Calibri" panose="020F0502020204030204" pitchFamily="34" charset="0"/>
+                        <a:ea typeface="Times New Roman" panose="02020603050405020304" pitchFamily="18" charset="0"/>
+                        <a:cs typeface="Times New Roman" panose="02020603050405020304" pitchFamily="18" charset="0"/>
+                      </a:endParaRPr>
+                    </a:p>
+                  </a:txBody>
+                  <a:tcPr marL="68580" marR="68580" marT="0" marB="0"/>
+                </a:tc>
+                <a:tc>
+                  <a:txBody>
+                    <a:bodyPr/>
+                    <a:lstStyle/>
+                    <a:p>
+                      <a:pPr marL="0" marR="0" algn="ctr">
+                        <a:spcBef>
+                          <a:spcPts val="0"/>
+                        </a:spcBef>
+                        <a:spcAft>
+                          <a:spcPts val="0"/>
+                        </a:spcAft>
+                      </a:pPr>
+                      <a:r>
+                        <a:rPr lang="de-DE" sz="1100" dirty="0" smtClean="0">
+                          <a:effectLst/>
+                        </a:rPr>
+                        <a:t>16 </a:t>
+                      </a:r>
+                      <a:r>
+                        <a:rPr lang="de-DE" sz="1100" dirty="0">
+                          <a:effectLst/>
+                        </a:rPr>
+                        <a:t>Stunden</a:t>
+                      </a:r>
+                      <a:endParaRPr lang="de-DE" sz="1100" dirty="0">
+                        <a:effectLst/>
+                        <a:latin typeface="Calibri" panose="020F0502020204030204" pitchFamily="34" charset="0"/>
+                        <a:ea typeface="Times New Roman" panose="02020603050405020304" pitchFamily="18" charset="0"/>
+                        <a:cs typeface="Times New Roman" panose="02020603050405020304" pitchFamily="18" charset="0"/>
+                      </a:endParaRPr>
+                    </a:p>
+                  </a:txBody>
+                  <a:tcPr marL="68580" marR="68580" marT="0" marB="0"/>
+                </a:tc>
+                <a:tc>
+                  <a:txBody>
+                    <a:bodyPr/>
+                    <a:lstStyle/>
+                    <a:p>
+                      <a:pPr marL="0" marR="0" algn="ctr">
+                        <a:spcBef>
+                          <a:spcPts val="0"/>
+                        </a:spcBef>
+                        <a:spcAft>
+                          <a:spcPts val="0"/>
+                        </a:spcAft>
+                      </a:pPr>
+                      <a:r>
+                        <a:rPr lang="de-DE" sz="1100">
+                          <a:effectLst/>
+                        </a:rPr>
+                        <a:t>Manus/Minx</a:t>
+                      </a:r>
+                      <a:endParaRPr lang="de-DE" sz="1100">
+                        <a:effectLst/>
+                        <a:latin typeface="Calibri" panose="020F0502020204030204" pitchFamily="34" charset="0"/>
+                        <a:ea typeface="Times New Roman" panose="02020603050405020304" pitchFamily="18" charset="0"/>
+                        <a:cs typeface="Times New Roman" panose="02020603050405020304" pitchFamily="18" charset="0"/>
+                      </a:endParaRPr>
+                    </a:p>
+                  </a:txBody>
+                  <a:tcPr marL="68580" marR="68580" marT="0" marB="0"/>
+                </a:tc>
+                <a:extLst>
+                  <a:ext uri="{0D108BD9-81ED-4DB2-BD59-A6C34878D82A}">
+                    <a16:rowId xmlns:a16="http://schemas.microsoft.com/office/drawing/2014/main" val="2710386670"/>
+                  </a:ext>
+                </a:extLst>
+              </a:tr>
+              <a:tr h="200820">
+                <a:tc>
+                  <a:txBody>
+                    <a:bodyPr/>
+                    <a:lstStyle/>
+                    <a:p>
+                      <a:pPr marL="457200" marR="0" lvl="1" algn="l">
+                        <a:spcBef>
+                          <a:spcPts val="0"/>
+                        </a:spcBef>
+                        <a:spcAft>
+                          <a:spcPts val="0"/>
+                        </a:spcAft>
+                      </a:pPr>
+                      <a:r>
+                        <a:rPr lang="de-DE" sz="1100" b="0" dirty="0">
+                          <a:effectLst/>
+                        </a:rPr>
+                        <a:t>Erstellung eines Benutzerhandbuches</a:t>
+                      </a:r>
+                      <a:endParaRPr lang="de-DE" sz="1100" b="0" dirty="0">
+                        <a:effectLst/>
+                        <a:latin typeface="Calibri" panose="020F0502020204030204" pitchFamily="34" charset="0"/>
+                        <a:ea typeface="Times New Roman" panose="02020603050405020304" pitchFamily="18" charset="0"/>
+                        <a:cs typeface="Times New Roman" panose="02020603050405020304" pitchFamily="18" charset="0"/>
+                      </a:endParaRPr>
+                    </a:p>
+                  </a:txBody>
+                  <a:tcPr marL="68580" marR="68580" marT="0" marB="0"/>
+                </a:tc>
+                <a:tc>
+                  <a:txBody>
+                    <a:bodyPr/>
+                    <a:lstStyle/>
+                    <a:p>
+                      <a:pPr marL="0" marR="0" algn="ctr">
+                        <a:spcBef>
+                          <a:spcPts val="0"/>
+                        </a:spcBef>
+                        <a:spcAft>
+                          <a:spcPts val="0"/>
+                        </a:spcAft>
+                      </a:pPr>
+                      <a:r>
+                        <a:rPr lang="de-DE" sz="1100" dirty="0" smtClean="0">
+                          <a:effectLst/>
+                        </a:rPr>
+                        <a:t>4 </a:t>
+                      </a:r>
+                      <a:r>
+                        <a:rPr lang="de-DE" sz="1100" dirty="0">
+                          <a:effectLst/>
+                        </a:rPr>
+                        <a:t>Stunden</a:t>
+                      </a:r>
+                      <a:endParaRPr lang="de-DE" sz="1100" dirty="0">
+                        <a:effectLst/>
+                        <a:latin typeface="Calibri" panose="020F0502020204030204" pitchFamily="34" charset="0"/>
+                        <a:ea typeface="Times New Roman" panose="02020603050405020304" pitchFamily="18" charset="0"/>
+                        <a:cs typeface="Times New Roman" panose="02020603050405020304" pitchFamily="18" charset="0"/>
+                      </a:endParaRPr>
+                    </a:p>
+                  </a:txBody>
+                  <a:tcPr marL="68580" marR="68580" marT="0" marB="0"/>
+                </a:tc>
+                <a:tc>
+                  <a:txBody>
+                    <a:bodyPr/>
+                    <a:lstStyle/>
+                    <a:p>
+                      <a:pPr marL="0" marR="0" algn="ctr">
+                        <a:spcBef>
+                          <a:spcPts val="0"/>
+                        </a:spcBef>
+                        <a:spcAft>
+                          <a:spcPts val="0"/>
+                        </a:spcAft>
+                      </a:pPr>
+                      <a:r>
+                        <a:rPr lang="de-DE" sz="1100" dirty="0">
+                          <a:effectLst/>
+                        </a:rPr>
+                        <a:t>Manus/Minx</a:t>
+                      </a:r>
+                      <a:endParaRPr lang="de-DE" sz="1100" dirty="0">
+                        <a:effectLst/>
+                        <a:latin typeface="Calibri" panose="020F0502020204030204" pitchFamily="34" charset="0"/>
+                        <a:ea typeface="Times New Roman" panose="02020603050405020304" pitchFamily="18" charset="0"/>
+                        <a:cs typeface="Times New Roman" panose="02020603050405020304" pitchFamily="18" charset="0"/>
+                      </a:endParaRPr>
+                    </a:p>
+                  </a:txBody>
+                  <a:tcPr marL="68580" marR="68580" marT="0" marB="0"/>
+                </a:tc>
+                <a:extLst>
+                  <a:ext uri="{0D108BD9-81ED-4DB2-BD59-A6C34878D82A}">
+                    <a16:rowId xmlns:a16="http://schemas.microsoft.com/office/drawing/2014/main" val="2640749732"/>
+                  </a:ext>
+                </a:extLst>
+              </a:tr>
+            </a:tbl>
+          </a:graphicData>
+        </a:graphic>
+      </p:graphicFrame>
+    </p:spTree>
+    <p:extLst>
+      <p:ext uri="{BB962C8B-B14F-4D97-AF65-F5344CB8AC3E}">
+        <p14:creationId xmlns:p14="http://schemas.microsoft.com/office/powerpoint/2010/main" val="297665069"/>
+      </p:ext>
+    </p:extLst>
+  </p:cSld>
+  <p:clrMapOvr>
+    <a:masterClrMapping/>
+  </p:clrMapOvr>
+  <p:timing>
+    <p:tnLst>
+      <p:par>
+        <p:cTn id="1" dur="indefinite" restart="never" nodeType="tmRoot"/>
+      </p:par>
+    </p:tnLst>
+  </p:timing>
+</p:sld>
+</file>
+
+<file path=ppt/slides/slide12.xml><?xml version="1.0" encoding="utf-8"?>
+<p:sld xmlns:a="http://schemas.openxmlformats.org/drawingml/2006/main" xmlns:r="http://schemas.openxmlformats.org/officeDocument/2006/relationships" xmlns:p="http://schemas.openxmlformats.org/presentationml/2006/main">
+  <p:cSld>
+    <p:spTree>
+      <p:nvGrpSpPr>
+        <p:cNvPr id="1" name=""/>
+        <p:cNvGrpSpPr/>
+        <p:nvPr/>
+      </p:nvGrpSpPr>
+      <p:grpSpPr>
+        <a:xfrm>
+          <a:off x="0" y="0"/>
+          <a:ext cx="0" cy="0"/>
+          <a:chOff x="0" y="0"/>
+          <a:chExt cx="0" cy="0"/>
+        </a:xfrm>
+      </p:grpSpPr>
+      <p:sp>
+        <p:nvSpPr>
+          <p:cNvPr id="2" name="Titel 1"/>
+          <p:cNvSpPr>
+            <a:spLocks noGrp="1"/>
+          </p:cNvSpPr>
+          <p:nvPr>
+            <p:ph type="title"/>
+          </p:nvPr>
+        </p:nvSpPr>
+        <p:spPr/>
+        <p:txBody>
+          <a:bodyPr/>
+          <a:lstStyle/>
+          <a:p>
+            <a:r>
+              <a:rPr lang="de-DE" dirty="0" smtClean="0"/>
+              <a:t>Gliederung</a:t>
+            </a:r>
+            <a:endParaRPr lang="de-DE" dirty="0"/>
+          </a:p>
+        </p:txBody>
+      </p:sp>
+      <p:sp>
+        <p:nvSpPr>
+          <p:cNvPr id="3" name="Inhaltsplatzhalter 2"/>
+          <p:cNvSpPr>
+            <a:spLocks noGrp="1"/>
+          </p:cNvSpPr>
+          <p:nvPr>
+            <p:ph idx="1"/>
+          </p:nvPr>
+        </p:nvSpPr>
+        <p:spPr>
+          <a:xfrm>
+            <a:off x="457200" y="1600200"/>
+            <a:ext cx="8229600" cy="4565104"/>
+          </a:xfrm>
+        </p:spPr>
+        <p:txBody>
+          <a:bodyPr/>
+          <a:lstStyle/>
+          <a:p>
+            <a:r>
+              <a:rPr lang="de-DE" dirty="0" smtClean="0"/>
+              <a:t>Problemstellung</a:t>
+            </a:r>
+          </a:p>
+          <a:p>
+            <a:r>
+              <a:rPr lang="de-DE" dirty="0" smtClean="0"/>
+              <a:t>Planung/Vorgehensweise</a:t>
+            </a:r>
+          </a:p>
+          <a:p>
+            <a:r>
+              <a:rPr lang="de-DE" dirty="0" smtClean="0"/>
+              <a:t>Durchführung</a:t>
+            </a:r>
+          </a:p>
+          <a:p>
+            <a:r>
+              <a:rPr lang="de-DE" dirty="0" smtClean="0"/>
+              <a:t>Problematik</a:t>
+            </a:r>
+          </a:p>
+          <a:p>
+            <a:r>
+              <a:rPr lang="de-DE" dirty="0" smtClean="0"/>
+              <a:t>Resultat</a:t>
+            </a:r>
+          </a:p>
+          <a:p>
+            <a:r>
+              <a:rPr lang="de-DE" dirty="0" smtClean="0"/>
+              <a:t>Demo</a:t>
+            </a:r>
+            <a:endParaRPr lang="de-DE" dirty="0"/>
+          </a:p>
+        </p:txBody>
+      </p:sp>
+    </p:spTree>
+    <p:extLst>
+      <p:ext uri="{BB962C8B-B14F-4D97-AF65-F5344CB8AC3E}">
+        <p14:creationId xmlns:p14="http://schemas.microsoft.com/office/powerpoint/2010/main" val="2154753871"/>
+      </p:ext>
+    </p:extLst>
+  </p:cSld>
+  <p:clrMapOvr>
+    <a:masterClrMapping/>
+  </p:clrMapOvr>
+  <p:timing>
+    <p:tnLst>
+      <p:par>
+        <p:cTn id="1" dur="indefinite" restart="never" nodeType="tmRoot">
+          <p:childTnLst>
+            <p:seq concurrent="1" nextAc="seek">
+              <p:cTn id="2" dur="indefinite" nodeType="mainSeq">
+                <p:childTnLst>
+                  <p:par>
+                    <p:cTn id="3" fill="hold">
+                      <p:stCondLst>
+                        <p:cond delay="indefinite"/>
+                        <p:cond evt="onBegin" delay="0">
+                          <p:tn val="2"/>
+                        </p:cond>
+                      </p:stCondLst>
+                      <p:childTnLst>
+                        <p:par>
+                          <p:cTn id="4" fill="hold">
+                            <p:stCondLst>
+                              <p:cond delay="0"/>
+                            </p:stCondLst>
+                            <p:childTnLst>
+                              <p:par>
+                                <p:cTn id="5" presetID="3" presetClass="emph" presetSubtype="2" fill="hold" nodeType="withEffect">
+                                  <p:stCondLst>
+                                    <p:cond delay="0"/>
+                                  </p:stCondLst>
+                                  <p:childTnLst>
+                                    <p:animClr clrSpc="rgb" dir="cw">
+                                      <p:cBhvr override="childStyle">
+                                        <p:cTn id="6" dur="1000" fill="hold"/>
+                                        <p:tgtEl>
+                                          <p:spTgt spid="3">
+                                            <p:txEl>
+                                              <p:pRg st="3" end="3"/>
+                                            </p:txEl>
+                                          </p:spTgt>
+                                        </p:tgtEl>
+                                        <p:attrNameLst>
+                                          <p:attrName>style.color</p:attrName>
+                                        </p:attrNameLst>
+                                      </p:cBhvr>
+                                      <p:to>
+                                        <a:srgbClr val="FF0000"/>
+                                      </p:to>
+                                    </p:animClr>
+                                  </p:childTnLst>
+                                </p:cTn>
+                              </p:par>
+                            </p:childTnLst>
+                          </p:cTn>
+                        </p:par>
+                      </p:childTnLst>
+                    </p:cTn>
+                  </p:par>
+                </p:childTnLst>
+              </p:cTn>
+              <p:prevCondLst>
+                <p:cond evt="onPrev" delay="0">
+                  <p:tgtEl>
+                    <p:sldTgt/>
+                  </p:tgtEl>
+                </p:cond>
+              </p:prevCondLst>
+              <p:nextCondLst>
+                <p:cond evt="onNext" delay="0">
+                  <p:tgtEl>
+                    <p:sldTgt/>
+                  </p:tgtEl>
+                </p:cond>
+              </p:nextCondLst>
+            </p:seq>
+          </p:childTnLst>
+        </p:cTn>
+      </p:par>
+    </p:tnLst>
+  </p:timing>
+</p:sld>
+</file>
+
+<file path=ppt/slides/slide13.xml><?xml version="1.0" encoding="utf-8"?>
+<p:sld xmlns:a="http://schemas.openxmlformats.org/drawingml/2006/main" xmlns:r="http://schemas.openxmlformats.org/officeDocument/2006/relationships" xmlns:p="http://schemas.openxmlformats.org/presentationml/2006/main">
+  <p:cSld>
+    <p:spTree>
+      <p:nvGrpSpPr>
+        <p:cNvPr id="1" name=""/>
+        <p:cNvGrpSpPr/>
+        <p:nvPr/>
+      </p:nvGrpSpPr>
+      <p:grpSpPr>
+        <a:xfrm>
+          <a:off x="0" y="0"/>
+          <a:ext cx="0" cy="0"/>
+          <a:chOff x="0" y="0"/>
+          <a:chExt cx="0" cy="0"/>
+        </a:xfrm>
+      </p:grpSpPr>
+      <p:sp>
+        <p:nvSpPr>
+          <p:cNvPr id="2" name="Titel 1"/>
+          <p:cNvSpPr>
+            <a:spLocks noGrp="1"/>
+          </p:cNvSpPr>
+          <p:nvPr>
+            <p:ph type="title"/>
+          </p:nvPr>
+        </p:nvSpPr>
+        <p:spPr/>
+        <p:txBody>
+          <a:bodyPr>
+            <a:normAutofit/>
+          </a:bodyPr>
+          <a:lstStyle/>
+          <a:p>
+            <a:r>
+              <a:rPr lang="en-GB" dirty="0" err="1" smtClean="0"/>
+              <a:t>Problematik</a:t>
+            </a:r>
+            <a:endParaRPr lang="en-GB" dirty="0"/>
+          </a:p>
+        </p:txBody>
+      </p:sp>
+      <p:sp>
+        <p:nvSpPr>
+          <p:cNvPr id="3" name="Inhaltsplatzhalter 2"/>
+          <p:cNvSpPr>
+            <a:spLocks noGrp="1"/>
+          </p:cNvSpPr>
+          <p:nvPr>
+            <p:ph idx="1"/>
+          </p:nvPr>
+        </p:nvSpPr>
+        <p:spPr/>
+        <p:txBody>
+          <a:bodyPr/>
+          <a:lstStyle/>
+          <a:p>
+            <a:r>
+              <a:rPr lang="en-GB" dirty="0" err="1" smtClean="0"/>
+              <a:t>Neu</a:t>
+            </a:r>
+            <a:r>
+              <a:rPr lang="en-GB" dirty="0" smtClean="0"/>
+              <a:t> in </a:t>
+            </a:r>
+            <a:r>
+              <a:rPr lang="en-GB" dirty="0" err="1" smtClean="0"/>
+              <a:t>Github</a:t>
+            </a:r>
+            <a:endParaRPr lang="en-GB" dirty="0" smtClean="0"/>
+          </a:p>
+          <a:p>
+            <a:endParaRPr lang="en-GB" dirty="0"/>
+          </a:p>
+        </p:txBody>
+      </p:sp>
+    </p:spTree>
+    <p:extLst>
+      <p:ext uri="{BB962C8B-B14F-4D97-AF65-F5344CB8AC3E}">
+        <p14:creationId xmlns:p14="http://schemas.microsoft.com/office/powerpoint/2010/main" val="1755195744"/>
+      </p:ext>
+    </p:extLst>
+  </p:cSld>
+  <p:clrMapOvr>
+    <a:masterClrMapping/>
+  </p:clrMapOvr>
+  <p:timing>
+    <p:tnLst>
+      <p:par>
+        <p:cTn id="1" dur="indefinite" restart="never" nodeType="tmRoot"/>
+      </p:par>
+    </p:tnLst>
+  </p:timing>
+</p:sld>
+</file>
+
+<file path=ppt/slides/slide14.xml><?xml version="1.0" encoding="utf-8"?>
+<p:sld xmlns:a="http://schemas.openxmlformats.org/drawingml/2006/main" xmlns:r="http://schemas.openxmlformats.org/officeDocument/2006/relationships" xmlns:p="http://schemas.openxmlformats.org/presentationml/2006/main">
+  <p:cSld>
+    <p:spTree>
+      <p:nvGrpSpPr>
+        <p:cNvPr id="1" name=""/>
+        <p:cNvGrpSpPr/>
+        <p:nvPr/>
+      </p:nvGrpSpPr>
+      <p:grpSpPr>
+        <a:xfrm>
+          <a:off x="0" y="0"/>
+          <a:ext cx="0" cy="0"/>
+          <a:chOff x="0" y="0"/>
+          <a:chExt cx="0" cy="0"/>
+        </a:xfrm>
+      </p:grpSpPr>
+      <p:sp>
+        <p:nvSpPr>
+          <p:cNvPr id="2" name="Titel 1"/>
+          <p:cNvSpPr>
+            <a:spLocks noGrp="1"/>
+          </p:cNvSpPr>
+          <p:nvPr>
+            <p:ph type="title"/>
+          </p:nvPr>
+        </p:nvSpPr>
+        <p:spPr/>
+        <p:txBody>
+          <a:bodyPr/>
+          <a:lstStyle/>
+          <a:p>
+            <a:r>
+              <a:rPr lang="de-DE" dirty="0" smtClean="0"/>
+              <a:t>Gliederung</a:t>
+            </a:r>
+            <a:endParaRPr lang="de-DE" dirty="0"/>
+          </a:p>
+        </p:txBody>
+      </p:sp>
+      <p:sp>
+        <p:nvSpPr>
+          <p:cNvPr id="3" name="Inhaltsplatzhalter 2"/>
+          <p:cNvSpPr>
+            <a:spLocks noGrp="1"/>
+          </p:cNvSpPr>
+          <p:nvPr>
+            <p:ph idx="1"/>
+          </p:nvPr>
+        </p:nvSpPr>
+        <p:spPr>
+          <a:xfrm>
+            <a:off x="457200" y="1600200"/>
+            <a:ext cx="8229600" cy="4565104"/>
+          </a:xfrm>
+        </p:spPr>
+        <p:txBody>
+          <a:bodyPr/>
+          <a:lstStyle/>
+          <a:p>
+            <a:r>
+              <a:rPr lang="de-DE" dirty="0" smtClean="0"/>
+              <a:t>Problemstellung</a:t>
+            </a:r>
+          </a:p>
+          <a:p>
+            <a:r>
+              <a:rPr lang="de-DE" dirty="0" smtClean="0"/>
+              <a:t>Planung/Vorgehensweise</a:t>
+            </a:r>
+          </a:p>
+          <a:p>
+            <a:r>
+              <a:rPr lang="de-DE" dirty="0" smtClean="0"/>
+              <a:t>Durchführung</a:t>
+            </a:r>
+          </a:p>
+          <a:p>
+            <a:r>
+              <a:rPr lang="de-DE" dirty="0" smtClean="0"/>
+              <a:t>Problematik</a:t>
+            </a:r>
+          </a:p>
+          <a:p>
+            <a:r>
+              <a:rPr lang="de-DE" dirty="0" smtClean="0"/>
+              <a:t>Resultat</a:t>
+            </a:r>
+          </a:p>
+          <a:p>
+            <a:r>
+              <a:rPr lang="de-DE" dirty="0" smtClean="0"/>
+              <a:t>Demo</a:t>
+            </a:r>
+            <a:endParaRPr lang="de-DE" dirty="0"/>
+          </a:p>
+        </p:txBody>
+      </p:sp>
+    </p:spTree>
+    <p:extLst>
+      <p:ext uri="{BB962C8B-B14F-4D97-AF65-F5344CB8AC3E}">
+        <p14:creationId xmlns:p14="http://schemas.microsoft.com/office/powerpoint/2010/main" val="2254515453"/>
+      </p:ext>
+    </p:extLst>
+  </p:cSld>
+  <p:clrMapOvr>
+    <a:masterClrMapping/>
+  </p:clrMapOvr>
+  <p:timing>
+    <p:tnLst>
+      <p:par>
+        <p:cTn id="1" dur="indefinite" restart="never" nodeType="tmRoot">
+          <p:childTnLst>
+            <p:seq concurrent="1" nextAc="seek">
+              <p:cTn id="2" dur="indefinite" nodeType="mainSeq">
+                <p:childTnLst>
+                  <p:par>
+                    <p:cTn id="3" fill="hold">
+                      <p:stCondLst>
+                        <p:cond delay="indefinite"/>
+                        <p:cond evt="onBegin" delay="0">
+                          <p:tn val="2"/>
+                        </p:cond>
+                      </p:stCondLst>
+                      <p:childTnLst>
+                        <p:par>
+                          <p:cTn id="4" fill="hold">
+                            <p:stCondLst>
+                              <p:cond delay="0"/>
+                            </p:stCondLst>
+                            <p:childTnLst>
+                              <p:par>
+                                <p:cTn id="5" presetID="3" presetClass="emph" presetSubtype="2" fill="hold" nodeType="withEffect">
+                                  <p:stCondLst>
+                                    <p:cond delay="0"/>
+                                  </p:stCondLst>
+                                  <p:childTnLst>
+                                    <p:animClr clrSpc="rgb" dir="cw">
+                                      <p:cBhvr override="childStyle">
+                                        <p:cTn id="6" dur="1000" fill="hold"/>
+                                        <p:tgtEl>
+                                          <p:spTgt spid="3">
+                                            <p:txEl>
+                                              <p:pRg st="4" end="4"/>
+                                            </p:txEl>
+                                          </p:spTgt>
+                                        </p:tgtEl>
+                                        <p:attrNameLst>
+                                          <p:attrName>style.color</p:attrName>
+                                        </p:attrNameLst>
+                                      </p:cBhvr>
+                                      <p:to>
+                                        <a:srgbClr val="FF0000"/>
+                                      </p:to>
+                                    </p:animClr>
+                                  </p:childTnLst>
+                                </p:cTn>
+                              </p:par>
+                            </p:childTnLst>
+                          </p:cTn>
+                        </p:par>
+                      </p:childTnLst>
+                    </p:cTn>
+                  </p:par>
+                </p:childTnLst>
+              </p:cTn>
+              <p:prevCondLst>
+                <p:cond evt="onPrev" delay="0">
+                  <p:tgtEl>
+                    <p:sldTgt/>
+                  </p:tgtEl>
+                </p:cond>
+              </p:prevCondLst>
+              <p:nextCondLst>
+                <p:cond evt="onNext" delay="0">
+                  <p:tgtEl>
+                    <p:sldTgt/>
+                  </p:tgtEl>
+                </p:cond>
+              </p:nextCondLst>
+            </p:seq>
+          </p:childTnLst>
+        </p:cTn>
+      </p:par>
+    </p:tnLst>
+  </p:timing>
+</p:sld>
+</file>
+
+<file path=ppt/slides/slide15.xml><?xml version="1.0" encoding="utf-8"?>
+<p:sld xmlns:a="http://schemas.openxmlformats.org/drawingml/2006/main" xmlns:r="http://schemas.openxmlformats.org/officeDocument/2006/relationships" xmlns:p="http://schemas.openxmlformats.org/presentationml/2006/main">
+  <p:cSld>
+    <p:spTree>
+      <p:nvGrpSpPr>
+        <p:cNvPr id="1" name=""/>
+        <p:cNvGrpSpPr/>
+        <p:nvPr/>
+      </p:nvGrpSpPr>
+      <p:grpSpPr>
+        <a:xfrm>
+          <a:off x="0" y="0"/>
+          <a:ext cx="0" cy="0"/>
+          <a:chOff x="0" y="0"/>
+          <a:chExt cx="0" cy="0"/>
+        </a:xfrm>
+      </p:grpSpPr>
+      <p:sp>
+        <p:nvSpPr>
+          <p:cNvPr id="2" name="Titel 1"/>
+          <p:cNvSpPr>
+            <a:spLocks noGrp="1"/>
+          </p:cNvSpPr>
+          <p:nvPr>
+            <p:ph type="title"/>
+          </p:nvPr>
+        </p:nvSpPr>
+        <p:spPr/>
+        <p:txBody>
+          <a:bodyPr/>
+          <a:lstStyle/>
+          <a:p>
+            <a:r>
+              <a:rPr lang="en-GB" dirty="0" err="1" smtClean="0"/>
+              <a:t>Resultat</a:t>
+            </a:r>
+            <a:r>
+              <a:rPr lang="en-GB" dirty="0" smtClean="0"/>
+              <a:t>/</a:t>
+            </a:r>
+            <a:r>
+              <a:rPr lang="en-GB" dirty="0" err="1" smtClean="0"/>
+              <a:t>Fazit</a:t>
+            </a:r>
+            <a:endParaRPr lang="en-GB" dirty="0"/>
+          </a:p>
+        </p:txBody>
+      </p:sp>
+      <p:sp>
+        <p:nvSpPr>
+          <p:cNvPr id="3" name="Inhaltsplatzhalter 2"/>
+          <p:cNvSpPr>
+            <a:spLocks noGrp="1"/>
+          </p:cNvSpPr>
+          <p:nvPr>
+            <p:ph idx="1"/>
+          </p:nvPr>
+        </p:nvSpPr>
+        <p:spPr/>
+        <p:txBody>
+          <a:bodyPr/>
+          <a:lstStyle/>
+          <a:p>
+            <a:r>
+              <a:rPr lang="en-GB" dirty="0" err="1" smtClean="0"/>
+              <a:t>Trotz</a:t>
+            </a:r>
+            <a:r>
+              <a:rPr lang="en-GB" dirty="0" smtClean="0"/>
+              <a:t> </a:t>
+            </a:r>
+            <a:r>
+              <a:rPr lang="en-GB" dirty="0" err="1" smtClean="0"/>
+              <a:t>Github</a:t>
+            </a:r>
+            <a:r>
+              <a:rPr lang="en-GB" dirty="0" smtClean="0"/>
+              <a:t> </a:t>
+            </a:r>
+            <a:r>
+              <a:rPr lang="en-GB" dirty="0" err="1" smtClean="0"/>
+              <a:t>wird</a:t>
+            </a:r>
+            <a:r>
+              <a:rPr lang="en-GB" dirty="0" smtClean="0"/>
+              <a:t> </a:t>
+            </a:r>
+            <a:r>
+              <a:rPr lang="en-GB" dirty="0" err="1" smtClean="0"/>
+              <a:t>Absprache</a:t>
+            </a:r>
+            <a:r>
+              <a:rPr lang="en-GB" dirty="0" smtClean="0"/>
+              <a:t> </a:t>
+            </a:r>
+            <a:r>
+              <a:rPr lang="en-GB" dirty="0" err="1" smtClean="0"/>
+              <a:t>benötigt</a:t>
+            </a:r>
+            <a:endParaRPr lang="en-GB" dirty="0" smtClean="0"/>
+          </a:p>
+          <a:p>
+            <a:endParaRPr lang="en-GB" dirty="0"/>
+          </a:p>
+        </p:txBody>
+      </p:sp>
+    </p:spTree>
+    <p:extLst>
+      <p:ext uri="{BB962C8B-B14F-4D97-AF65-F5344CB8AC3E}">
+        <p14:creationId xmlns:p14="http://schemas.microsoft.com/office/powerpoint/2010/main" val="3976576737"/>
+      </p:ext>
+    </p:extLst>
+  </p:cSld>
+  <p:clrMapOvr>
+    <a:masterClrMapping/>
+  </p:clrMapOvr>
+  <p:timing>
+    <p:tnLst>
+      <p:par>
+        <p:cTn id="1" dur="indefinite" restart="never" nodeType="tmRoot"/>
+      </p:par>
+    </p:tnLst>
+  </p:timing>
+</p:sld>
+</file>
+
+<file path=ppt/slides/slide16.xml><?xml version="1.0" encoding="utf-8"?>
+<p:sld xmlns:a="http://schemas.openxmlformats.org/drawingml/2006/main" xmlns:r="http://schemas.openxmlformats.org/officeDocument/2006/relationships" xmlns:p="http://schemas.openxmlformats.org/presentationml/2006/main">
+  <p:cSld>
+    <p:spTree>
+      <p:nvGrpSpPr>
+        <p:cNvPr id="1" name=""/>
+        <p:cNvGrpSpPr/>
+        <p:nvPr/>
+      </p:nvGrpSpPr>
+      <p:grpSpPr>
+        <a:xfrm>
+          <a:off x="0" y="0"/>
+          <a:ext cx="0" cy="0"/>
+          <a:chOff x="0" y="0"/>
+          <a:chExt cx="0" cy="0"/>
+        </a:xfrm>
+      </p:grpSpPr>
+      <p:sp>
+        <p:nvSpPr>
+          <p:cNvPr id="2" name="Titel 1"/>
+          <p:cNvSpPr>
+            <a:spLocks noGrp="1"/>
+          </p:cNvSpPr>
+          <p:nvPr>
+            <p:ph type="title"/>
+          </p:nvPr>
+        </p:nvSpPr>
+        <p:spPr/>
+        <p:txBody>
+          <a:bodyPr/>
+          <a:lstStyle/>
+          <a:p>
+            <a:r>
+              <a:rPr lang="de-DE" dirty="0" smtClean="0"/>
+              <a:t>Gliederung</a:t>
+            </a:r>
+            <a:endParaRPr lang="de-DE" dirty="0"/>
+          </a:p>
+        </p:txBody>
+      </p:sp>
+      <p:sp>
+        <p:nvSpPr>
+          <p:cNvPr id="3" name="Inhaltsplatzhalter 2"/>
+          <p:cNvSpPr>
+            <a:spLocks noGrp="1"/>
+          </p:cNvSpPr>
+          <p:nvPr>
+            <p:ph idx="1"/>
+          </p:nvPr>
+        </p:nvSpPr>
+        <p:spPr>
+          <a:xfrm>
+            <a:off x="457200" y="1600200"/>
+            <a:ext cx="8229600" cy="4565104"/>
+          </a:xfrm>
+        </p:spPr>
+        <p:txBody>
+          <a:bodyPr/>
+          <a:lstStyle/>
+          <a:p>
+            <a:r>
+              <a:rPr lang="de-DE" dirty="0" smtClean="0"/>
+              <a:t>Problemstellung</a:t>
+            </a:r>
+          </a:p>
+          <a:p>
+            <a:r>
+              <a:rPr lang="de-DE" dirty="0" smtClean="0"/>
+              <a:t>Planung/Vorgehensweise</a:t>
+            </a:r>
+          </a:p>
+          <a:p>
+            <a:r>
+              <a:rPr lang="de-DE" dirty="0" smtClean="0"/>
+              <a:t>Durchführung</a:t>
+            </a:r>
+          </a:p>
+          <a:p>
+            <a:r>
+              <a:rPr lang="de-DE" dirty="0" smtClean="0"/>
+              <a:t>Problematik</a:t>
+            </a:r>
+          </a:p>
+          <a:p>
+            <a:r>
+              <a:rPr lang="de-DE" dirty="0" smtClean="0"/>
+              <a:t>Resultat</a:t>
+            </a:r>
+          </a:p>
+          <a:p>
+            <a:r>
+              <a:rPr lang="de-DE" dirty="0" smtClean="0"/>
+              <a:t>Demo</a:t>
+            </a:r>
+            <a:endParaRPr lang="de-DE" dirty="0"/>
+          </a:p>
+        </p:txBody>
+      </p:sp>
+    </p:spTree>
+    <p:extLst>
+      <p:ext uri="{BB962C8B-B14F-4D97-AF65-F5344CB8AC3E}">
+        <p14:creationId xmlns:p14="http://schemas.microsoft.com/office/powerpoint/2010/main" val="1607482243"/>
+      </p:ext>
+    </p:extLst>
+  </p:cSld>
+  <p:clrMapOvr>
+    <a:masterClrMapping/>
+  </p:clrMapOvr>
+  <p:timing>
+    <p:tnLst>
+      <p:par>
+        <p:cTn id="1" dur="indefinite" restart="never" nodeType="tmRoot">
+          <p:childTnLst>
+            <p:seq concurrent="1" nextAc="seek">
+              <p:cTn id="2" dur="indefinite" nodeType="mainSeq">
+                <p:childTnLst>
+                  <p:par>
+                    <p:cTn id="3" fill="hold">
+                      <p:stCondLst>
+                        <p:cond delay="indefinite"/>
+                        <p:cond evt="onBegin" delay="0">
+                          <p:tn val="2"/>
+                        </p:cond>
+                      </p:stCondLst>
+                      <p:childTnLst>
+                        <p:par>
+                          <p:cTn id="4" fill="hold">
+                            <p:stCondLst>
+                              <p:cond delay="0"/>
+                            </p:stCondLst>
+                            <p:childTnLst>
+                              <p:par>
+                                <p:cTn id="5" presetID="3" presetClass="emph" presetSubtype="2" fill="hold" nodeType="withEffect">
+                                  <p:stCondLst>
+                                    <p:cond delay="0"/>
+                                  </p:stCondLst>
+                                  <p:childTnLst>
+                                    <p:animClr clrSpc="rgb" dir="cw">
+                                      <p:cBhvr override="childStyle">
+                                        <p:cTn id="6" dur="1000" fill="hold"/>
+                                        <p:tgtEl>
+                                          <p:spTgt spid="3">
+                                            <p:txEl>
+                                              <p:pRg st="5" end="5"/>
+                                            </p:txEl>
+                                          </p:spTgt>
+                                        </p:tgtEl>
+                                        <p:attrNameLst>
+                                          <p:attrName>style.color</p:attrName>
+                                        </p:attrNameLst>
+                                      </p:cBhvr>
+                                      <p:to>
+                                        <a:srgbClr val="FF0000"/>
+                                      </p:to>
+                                    </p:animClr>
+                                  </p:childTnLst>
+                                </p:cTn>
+                              </p:par>
+                            </p:childTnLst>
+                          </p:cTn>
+                        </p:par>
+                      </p:childTnLst>
+                    </p:cTn>
+                  </p:par>
+                </p:childTnLst>
+              </p:cTn>
+              <p:prevCondLst>
+                <p:cond evt="onPrev" delay="0">
+                  <p:tgtEl>
+                    <p:sldTgt/>
+                  </p:tgtEl>
+                </p:cond>
+              </p:prevCondLst>
+              <p:nextCondLst>
+                <p:cond evt="onNext" delay="0">
+                  <p:tgtEl>
+                    <p:sldTgt/>
+                  </p:tgtEl>
+                </p:cond>
+              </p:nextCondLst>
+            </p:seq>
+          </p:childTnLst>
+        </p:cTn>
+      </p:par>
+    </p:tnLst>
+  </p:timing>
+</p:sld>
+</file>
+
+<file path=ppt/slides/slide17.xml><?xml version="1.0" encoding="utf-8"?>
+<p:sld xmlns:a="http://schemas.openxmlformats.org/drawingml/2006/main" xmlns:r="http://schemas.openxmlformats.org/officeDocument/2006/relationships" xmlns:p="http://schemas.openxmlformats.org/presentationml/2006/main">
+  <p:cSld>
+    <p:spTree>
+      <p:nvGrpSpPr>
+        <p:cNvPr id="1" name=""/>
+        <p:cNvGrpSpPr/>
+        <p:nvPr/>
+      </p:nvGrpSpPr>
+      <p:grpSpPr>
+        <a:xfrm>
+          <a:off x="0" y="0"/>
+          <a:ext cx="0" cy="0"/>
+          <a:chOff x="0" y="0"/>
+          <a:chExt cx="0" cy="0"/>
+        </a:xfrm>
+      </p:grpSpPr>
+      <p:sp>
+        <p:nvSpPr>
+          <p:cNvPr id="2" name="Titel 1"/>
+          <p:cNvSpPr>
+            <a:spLocks noGrp="1"/>
+          </p:cNvSpPr>
+          <p:nvPr>
+            <p:ph type="title"/>
+          </p:nvPr>
+        </p:nvSpPr>
+        <p:spPr/>
+        <p:txBody>
+          <a:bodyPr>
+            <a:normAutofit/>
+          </a:bodyPr>
+          <a:lstStyle/>
+          <a:p>
+            <a:r>
+              <a:rPr lang="en-GB" dirty="0" smtClean="0"/>
+              <a:t>Demo</a:t>
+            </a:r>
+            <a:endParaRPr lang="en-GB" dirty="0"/>
+          </a:p>
+        </p:txBody>
+      </p:sp>
+      <p:sp>
+        <p:nvSpPr>
+          <p:cNvPr id="3" name="Inhaltsplatzhalter 2"/>
+          <p:cNvSpPr>
+            <a:spLocks noGrp="1"/>
+          </p:cNvSpPr>
+          <p:nvPr>
+            <p:ph idx="1"/>
+          </p:nvPr>
+        </p:nvSpPr>
+        <p:spPr/>
+        <p:txBody>
+          <a:bodyPr>
+            <a:normAutofit/>
+          </a:bodyPr>
+          <a:lstStyle/>
+          <a:p>
+            <a:pPr>
+              <a:spcBef>
+                <a:spcPts val="0"/>
+              </a:spcBef>
+            </a:pPr>
+            <a:r>
+              <a:rPr lang="en-GB" dirty="0" err="1" smtClean="0"/>
+              <a:t>Einen</a:t>
+            </a:r>
+            <a:r>
+              <a:rPr lang="en-GB" dirty="0" smtClean="0"/>
+              <a:t> </a:t>
+            </a:r>
+            <a:r>
+              <a:rPr lang="en-GB" dirty="0" err="1" smtClean="0"/>
+              <a:t>Nutzer</a:t>
+            </a:r>
+            <a:r>
+              <a:rPr lang="en-GB" dirty="0" smtClean="0"/>
+              <a:t> </a:t>
+            </a:r>
+            <a:r>
+              <a:rPr lang="en-GB" dirty="0" err="1" smtClean="0"/>
+              <a:t>erstellen</a:t>
+            </a:r>
+            <a:endParaRPr lang="en-GB" dirty="0"/>
+          </a:p>
+          <a:p>
+            <a:pPr marL="0" indent="0">
+              <a:spcBef>
+                <a:spcPts val="0"/>
+              </a:spcBef>
+              <a:buNone/>
+            </a:pPr>
+            <a:endParaRPr lang="en-GB" dirty="0" smtClean="0"/>
+          </a:p>
+          <a:p>
+            <a:pPr>
+              <a:spcBef>
+                <a:spcPts val="0"/>
+              </a:spcBef>
+            </a:pPr>
+            <a:r>
+              <a:rPr lang="en-GB" dirty="0" err="1" smtClean="0"/>
+              <a:t>Ein</a:t>
+            </a:r>
+            <a:r>
+              <a:rPr lang="en-GB" dirty="0" smtClean="0"/>
+              <a:t> </a:t>
+            </a:r>
+            <a:r>
+              <a:rPr lang="en-GB" dirty="0" err="1" smtClean="0"/>
+              <a:t>Zitat</a:t>
+            </a:r>
+            <a:r>
+              <a:rPr lang="en-GB" dirty="0" smtClean="0"/>
+              <a:t> </a:t>
+            </a:r>
+            <a:r>
+              <a:rPr lang="en-GB" dirty="0" err="1" smtClean="0"/>
+              <a:t>erstellen</a:t>
+            </a:r>
+            <a:endParaRPr lang="en-GB" dirty="0" smtClean="0"/>
+          </a:p>
+          <a:p>
+            <a:pPr marL="0" indent="0">
+              <a:spcBef>
+                <a:spcPts val="0"/>
+              </a:spcBef>
+              <a:buNone/>
+            </a:pPr>
+            <a:endParaRPr lang="en-GB" dirty="0" smtClean="0"/>
+          </a:p>
+          <a:p>
+            <a:pPr>
+              <a:spcBef>
+                <a:spcPts val="0"/>
+              </a:spcBef>
+            </a:pPr>
+            <a:r>
+              <a:rPr lang="en-GB" dirty="0" err="1" smtClean="0"/>
+              <a:t>Erstelltes</a:t>
+            </a:r>
+            <a:r>
+              <a:rPr lang="en-GB" dirty="0" smtClean="0"/>
+              <a:t> </a:t>
+            </a:r>
+            <a:r>
+              <a:rPr lang="en-GB" dirty="0" err="1" smtClean="0"/>
+              <a:t>Zitat</a:t>
+            </a:r>
+            <a:r>
+              <a:rPr lang="en-GB" dirty="0" smtClean="0"/>
+              <a:t> </a:t>
+            </a:r>
+            <a:r>
+              <a:rPr lang="en-GB" dirty="0" err="1" smtClean="0"/>
+              <a:t>ändern</a:t>
+            </a:r>
+            <a:endParaRPr lang="en-GB" dirty="0" smtClean="0"/>
+          </a:p>
+          <a:p>
+            <a:pPr>
+              <a:spcBef>
+                <a:spcPts val="0"/>
+              </a:spcBef>
+            </a:pPr>
+            <a:endParaRPr lang="en-GB" dirty="0" smtClean="0"/>
+          </a:p>
+          <a:p>
+            <a:pPr>
+              <a:spcBef>
+                <a:spcPts val="0"/>
+              </a:spcBef>
+            </a:pPr>
+            <a:r>
+              <a:rPr lang="en-GB" dirty="0" smtClean="0"/>
+              <a:t>Filter </a:t>
+            </a:r>
+            <a:r>
+              <a:rPr lang="en-GB" dirty="0" err="1" smtClean="0"/>
+              <a:t>anwenden</a:t>
+            </a:r>
+            <a:endParaRPr lang="en-GB" dirty="0" smtClean="0"/>
+          </a:p>
+          <a:p>
+            <a:pPr>
+              <a:spcBef>
+                <a:spcPts val="0"/>
+              </a:spcBef>
+            </a:pPr>
+            <a:endParaRPr lang="en-GB" dirty="0" smtClean="0"/>
+          </a:p>
+          <a:p>
+            <a:pPr>
+              <a:spcBef>
+                <a:spcPts val="0"/>
+              </a:spcBef>
+            </a:pPr>
+            <a:r>
+              <a:rPr lang="en-GB" dirty="0" err="1" smtClean="0"/>
+              <a:t>Zitate</a:t>
+            </a:r>
+            <a:r>
+              <a:rPr lang="en-GB" dirty="0" smtClean="0"/>
+              <a:t> </a:t>
+            </a:r>
+            <a:r>
+              <a:rPr lang="en-GB" dirty="0" err="1" smtClean="0"/>
+              <a:t>Exportieren</a:t>
+            </a:r>
+            <a:endParaRPr lang="en-GB" dirty="0"/>
+          </a:p>
+        </p:txBody>
+      </p:sp>
+    </p:spTree>
+    <p:extLst>
+      <p:ext uri="{BB962C8B-B14F-4D97-AF65-F5344CB8AC3E}">
+        <p14:creationId xmlns:p14="http://schemas.microsoft.com/office/powerpoint/2010/main" val="3814349756"/>
+      </p:ext>
+    </p:extLst>
+  </p:cSld>
+  <p:clrMapOvr>
+    <a:masterClrMapping/>
+  </p:clrMapOvr>
+  <p:timing>
+    <p:tnLst>
+      <p:par>
+        <p:cTn id="1" dur="indefinite" restart="never" nodeType="tmRoot"/>
+      </p:par>
+    </p:tnLst>
+  </p:timing>
+</p:sld>
+</file>
+
 <file path=ppt/slides/slide2.xml><?xml version="1.0" encoding="utf-8"?>
 <p:sld xmlns:a="http://schemas.openxmlformats.org/drawingml/2006/main" xmlns:r="http://schemas.openxmlformats.org/officeDocument/2006/relationships" xmlns:p="http://schemas.openxmlformats.org/presentationml/2006/main">
   <p:cSld>
@@ -3279,7 +9626,78 @@
   <p:timing>
     <p:tnLst>
       <p:par>
-        <p:cTn id="1" dur="indefinite" restart="never" nodeType="tmRoot"/>
+        <p:cTn id="1" dur="indefinite" restart="never" nodeType="tmRoot">
+          <p:childTnLst>
+            <p:seq concurrent="1" nextAc="seek">
+              <p:cTn id="2" dur="indefinite" nodeType="mainSeq">
+                <p:childTnLst>
+                  <p:par>
+                    <p:cTn id="3" fill="hold">
+                      <p:stCondLst>
+                        <p:cond delay="indefinite"/>
+                        <p:cond evt="onBegin" delay="0">
+                          <p:tn val="2"/>
+                        </p:cond>
+                      </p:stCondLst>
+                      <p:childTnLst>
+                        <p:par>
+                          <p:cTn id="4" fill="hold">
+                            <p:stCondLst>
+                              <p:cond delay="0"/>
+                            </p:stCondLst>
+                            <p:childTnLst>
+                              <p:par>
+                                <p:cTn id="5" presetID="3" presetClass="emph" presetSubtype="2" fill="hold" nodeType="withEffect">
+                                  <p:stCondLst>
+                                    <p:cond delay="0"/>
+                                  </p:stCondLst>
+                                  <p:childTnLst>
+                                    <p:animClr clrSpc="rgb" dir="cw">
+                                      <p:cBhvr override="childStyle">
+                                        <p:cTn id="6" dur="1000" fill="hold"/>
+                                        <p:tgtEl>
+                                          <p:spTgt spid="3">
+                                            <p:txEl>
+                                              <p:pRg st="0" end="0"/>
+                                            </p:txEl>
+                                          </p:spTgt>
+                                        </p:tgtEl>
+                                        <p:attrNameLst>
+                                          <p:attrName>style.color</p:attrName>
+                                        </p:attrNameLst>
+                                      </p:cBhvr>
+                                      <p:to>
+                                        <a:srgbClr val="FF0000"/>
+                                      </p:to>
+                                    </p:animClr>
+                                  </p:childTnLst>
+                                </p:cTn>
+                              </p:par>
+                            </p:childTnLst>
+                          </p:cTn>
+                        </p:par>
+                      </p:childTnLst>
+                    </p:cTn>
+                  </p:par>
+                </p:childTnLst>
+              </p:cTn>
+              <p:prevCondLst>
+                <p:cond evt="onPrev" delay="0">
+                  <p:tgtEl>
+                    <p:sldTgt/>
+                  </p:tgtEl>
+                </p:cond>
+              </p:prevCondLst>
+              <p:nextCondLst>
+                <p:cond evt="onNext" delay="0">
+                  <p:tgtEl>
+                    <p:sldTgt/>
+                  </p:tgtEl>
+                </p:cond>
+              </p:nextCondLst>
+            </p:seq>
+          </p:childTnLst>
+        </p:cTn>
       </p:par>
     </p:tnLst>
   </p:timing>
@@ -3423,6 +9841,195 @@
           <a:p>
             <a:r>
               <a:rPr lang="de-DE" dirty="0" smtClean="0"/>
+              <a:t>Gliederung</a:t>
+            </a:r>
+            <a:endParaRPr lang="de-DE" dirty="0"/>
+          </a:p>
+        </p:txBody>
+      </p:sp>
+      <p:sp>
+        <p:nvSpPr>
+          <p:cNvPr id="3" name="Inhaltsplatzhalter 2"/>
+          <p:cNvSpPr>
+            <a:spLocks noGrp="1"/>
+          </p:cNvSpPr>
+          <p:nvPr>
+            <p:ph idx="1"/>
+          </p:nvPr>
+        </p:nvSpPr>
+        <p:spPr>
+          <a:xfrm>
+            <a:off x="457200" y="1600200"/>
+            <a:ext cx="8229600" cy="4565104"/>
+          </a:xfrm>
+        </p:spPr>
+        <p:txBody>
+          <a:bodyPr/>
+          <a:lstStyle/>
+          <a:p>
+            <a:r>
+              <a:rPr lang="de-DE" dirty="0" smtClean="0"/>
+              <a:t>Problemstellung</a:t>
+            </a:r>
+          </a:p>
+          <a:p>
+            <a:r>
+              <a:rPr lang="de-DE" dirty="0" smtClean="0"/>
+              <a:t>Planung/Vorgehensweise</a:t>
+            </a:r>
+          </a:p>
+          <a:p>
+            <a:r>
+              <a:rPr lang="de-DE" dirty="0" smtClean="0"/>
+              <a:t>Durchführung</a:t>
+            </a:r>
+          </a:p>
+          <a:p>
+            <a:r>
+              <a:rPr lang="de-DE" dirty="0" smtClean="0"/>
+              <a:t>Problematik</a:t>
+            </a:r>
+          </a:p>
+          <a:p>
+            <a:r>
+              <a:rPr lang="de-DE" dirty="0" smtClean="0"/>
+              <a:t>Resultat</a:t>
+            </a:r>
+          </a:p>
+          <a:p>
+            <a:r>
+              <a:rPr lang="de-DE" dirty="0" smtClean="0"/>
+              <a:t>Demo</a:t>
+            </a:r>
+            <a:endParaRPr lang="de-DE" dirty="0"/>
+          </a:p>
+        </p:txBody>
+      </p:sp>
+    </p:spTree>
+    <p:extLst>
+      <p:ext uri="{BB962C8B-B14F-4D97-AF65-F5344CB8AC3E}">
+        <p14:creationId xmlns:p14="http://schemas.microsoft.com/office/powerpoint/2010/main" val="377613453"/>
+      </p:ext>
+    </p:extLst>
+  </p:cSld>
+  <p:clrMapOvr>
+    <a:masterClrMapping/>
+  </p:clrMapOvr>
+  <p:timing>
+    <p:tnLst>
+      <p:par>
+        <p:cTn id="1" dur="indefinite" restart="never" nodeType="tmRoot">
+          <p:childTnLst>
+            <p:seq concurrent="1" nextAc="seek">
+              <p:cTn id="2" dur="indefinite" nodeType="mainSeq">
+                <p:childTnLst>
+                  <p:par>
+                    <p:cTn id="3" fill="hold">
+                      <p:stCondLst>
+                        <p:cond delay="indefinite"/>
+                        <p:cond evt="onBegin" delay="0">
+                          <p:tn val="2"/>
+                        </p:cond>
+                      </p:stCondLst>
+                      <p:childTnLst>
+                        <p:par>
+                          <p:cTn id="4" fill="hold">
+                            <p:stCondLst>
+                              <p:cond delay="0"/>
+                            </p:stCondLst>
+                            <p:childTnLst>
+                              <p:par>
+                                <p:cTn id="5" presetID="3" presetClass="emph" presetSubtype="2" fill="hold" nodeType="withEffect">
+                                  <p:stCondLst>
+                                    <p:cond delay="0"/>
+                                  </p:stCondLst>
+                                  <p:childTnLst>
+                                    <p:animClr clrSpc="rgb" dir="cw">
+                                      <p:cBhvr override="childStyle">
+                                        <p:cTn id="6" dur="1000" fill="hold"/>
+                                        <p:tgtEl>
+                                          <p:spTgt spid="3">
+                                            <p:txEl>
+                                              <p:pRg st="1" end="1"/>
+                                            </p:txEl>
+                                          </p:spTgt>
+                                        </p:tgtEl>
+                                        <p:attrNameLst>
+                                          <p:attrName>style.color</p:attrName>
+                                        </p:attrNameLst>
+                                      </p:cBhvr>
+                                      <p:to>
+                                        <a:srgbClr val="FF0000"/>
+                                      </p:to>
+                                    </p:animClr>
+                                  </p:childTnLst>
+                                </p:cTn>
+                              </p:par>
+                            </p:childTnLst>
+                          </p:cTn>
+                        </p:par>
+                      </p:childTnLst>
+                    </p:cTn>
+                  </p:par>
+                </p:childTnLst>
+              </p:cTn>
+              <p:prevCondLst>
+                <p:cond evt="onPrev" delay="0">
+                  <p:tgtEl>
+                    <p:sldTgt/>
+                  </p:tgtEl>
+                </p:cond>
+              </p:prevCondLst>
+              <p:nextCondLst>
+                <p:cond evt="onNext" delay="0">
+                  <p:tgtEl>
+                    <p:sldTgt/>
+                  </p:tgtEl>
+                </p:cond>
+              </p:nextCondLst>
+            </p:seq>
+          </p:childTnLst>
+        </p:cTn>
+      </p:par>
+    </p:tnLst>
+  </p:timing>
+</p:sld>
+</file>
+
+<file path=ppt/slides/slide5.xml><?xml version="1.0" encoding="utf-8"?>
+<p:sld xmlns:a="http://schemas.openxmlformats.org/drawingml/2006/main" xmlns:r="http://schemas.openxmlformats.org/officeDocument/2006/relationships" xmlns:p="http://schemas.openxmlformats.org/presentationml/2006/main">
+  <p:cSld>
+    <p:spTree>
+      <p:nvGrpSpPr>
+        <p:cNvPr id="1" name=""/>
+        <p:cNvGrpSpPr/>
+        <p:nvPr/>
+      </p:nvGrpSpPr>
+      <p:grpSpPr>
+        <a:xfrm>
+          <a:off x="0" y="0"/>
+          <a:ext cx="0" cy="0"/>
+          <a:chOff x="0" y="0"/>
+          <a:chExt cx="0" cy="0"/>
+        </a:xfrm>
+      </p:grpSpPr>
+      <p:sp>
+        <p:nvSpPr>
+          <p:cNvPr id="2" name="Titel 1"/>
+          <p:cNvSpPr>
+            <a:spLocks noGrp="1"/>
+          </p:cNvSpPr>
+          <p:nvPr>
+            <p:ph type="title"/>
+          </p:nvPr>
+        </p:nvSpPr>
+        <p:spPr/>
+        <p:txBody>
+          <a:bodyPr/>
+          <a:lstStyle/>
+          <a:p>
+            <a:r>
+              <a:rPr lang="de-DE" dirty="0" smtClean="0"/>
               <a:t>Planung/Vorgehensweise</a:t>
             </a:r>
             <a:endParaRPr lang="de-DE" dirty="0"/>
@@ -3450,21 +10057,33 @@
             </a:r>
           </a:p>
           <a:p>
+            <a:pPr marL="0" indent="0">
+              <a:buNone/>
+            </a:pPr>
+            <a:endParaRPr lang="de-DE" dirty="0" smtClean="0"/>
+          </a:p>
+          <a:p>
             <a:r>
               <a:rPr lang="de-DE" dirty="0" smtClean="0"/>
-              <a:t>Anforderungen erstellt</a:t>
-            </a:r>
+              <a:t>Anforderungen</a:t>
+            </a:r>
+          </a:p>
+          <a:p>
+            <a:endParaRPr lang="de-DE" dirty="0" smtClean="0"/>
           </a:p>
           <a:p>
             <a:r>
               <a:rPr lang="de-DE" dirty="0" smtClean="0"/>
-              <a:t>Aufgaben verteilt</a:t>
-            </a:r>
+              <a:t>Aufgabenverteilung</a:t>
+            </a:r>
+          </a:p>
+          <a:p>
+            <a:endParaRPr lang="de-DE" dirty="0" smtClean="0"/>
           </a:p>
           <a:p>
             <a:r>
               <a:rPr lang="de-DE" dirty="0" smtClean="0"/>
-              <a:t>Entwicklungsumgebung vorbereitet</a:t>
+              <a:t>Entwicklungsumgebung</a:t>
             </a:r>
           </a:p>
           <a:p>
@@ -3489,6 +10108,551 @@
     <p:tnLst>
       <p:par>
         <p:cTn id="1" dur="indefinite" restart="never" nodeType="tmRoot"/>
+      </p:par>
+    </p:tnLst>
+  </p:timing>
+</p:sld>
+</file>
+
+<file path=ppt/slides/slide6.xml><?xml version="1.0" encoding="utf-8"?>
+<p:sld xmlns:a="http://schemas.openxmlformats.org/drawingml/2006/main" xmlns:r="http://schemas.openxmlformats.org/officeDocument/2006/relationships" xmlns:p="http://schemas.openxmlformats.org/presentationml/2006/main">
+  <p:cSld>
+    <p:spTree>
+      <p:nvGrpSpPr>
+        <p:cNvPr id="1" name=""/>
+        <p:cNvGrpSpPr/>
+        <p:nvPr/>
+      </p:nvGrpSpPr>
+      <p:grpSpPr>
+        <a:xfrm>
+          <a:off x="0" y="0"/>
+          <a:ext cx="0" cy="0"/>
+          <a:chOff x="0" y="0"/>
+          <a:chExt cx="0" cy="0"/>
+        </a:xfrm>
+      </p:grpSpPr>
+      <p:sp>
+        <p:nvSpPr>
+          <p:cNvPr id="2" name="Titel 1"/>
+          <p:cNvSpPr>
+            <a:spLocks noGrp="1"/>
+          </p:cNvSpPr>
+          <p:nvPr>
+            <p:ph type="title"/>
+          </p:nvPr>
+        </p:nvSpPr>
+        <p:spPr/>
+        <p:txBody>
+          <a:bodyPr/>
+          <a:lstStyle/>
+          <a:p>
+            <a:r>
+              <a:rPr lang="en-GB" dirty="0" err="1" smtClean="0"/>
+              <a:t>Anforderungen</a:t>
+            </a:r>
+            <a:endParaRPr lang="en-GB" dirty="0"/>
+          </a:p>
+        </p:txBody>
+      </p:sp>
+      <p:sp>
+        <p:nvSpPr>
+          <p:cNvPr id="3" name="Inhaltsplatzhalter 2"/>
+          <p:cNvSpPr>
+            <a:spLocks noGrp="1"/>
+          </p:cNvSpPr>
+          <p:nvPr>
+            <p:ph idx="1"/>
+          </p:nvPr>
+        </p:nvSpPr>
+        <p:spPr/>
+        <p:txBody>
+          <a:bodyPr/>
+          <a:lstStyle/>
+          <a:p>
+            <a:r>
+              <a:rPr lang="en-GB" dirty="0" smtClean="0"/>
+              <a:t>Login- und </a:t>
+            </a:r>
+            <a:r>
+              <a:rPr lang="en-GB" dirty="0" err="1" smtClean="0"/>
+              <a:t>Userverwaltungsbereich</a:t>
+            </a:r>
+            <a:endParaRPr lang="en-GB" dirty="0" smtClean="0"/>
+          </a:p>
+          <a:p>
+            <a:r>
+              <a:rPr lang="en-GB" dirty="0" err="1" smtClean="0"/>
+              <a:t>Zitate</a:t>
+            </a:r>
+            <a:r>
+              <a:rPr lang="en-GB" dirty="0" smtClean="0"/>
+              <a:t> </a:t>
+            </a:r>
+            <a:r>
+              <a:rPr lang="en-GB" dirty="0" err="1" smtClean="0"/>
+              <a:t>hinzufügen</a:t>
+            </a:r>
+            <a:endParaRPr lang="en-GB" dirty="0" smtClean="0"/>
+          </a:p>
+          <a:p>
+            <a:r>
+              <a:rPr lang="en-GB" dirty="0" err="1" smtClean="0"/>
+              <a:t>Zitate</a:t>
+            </a:r>
+            <a:r>
+              <a:rPr lang="en-GB" dirty="0" smtClean="0"/>
+              <a:t> </a:t>
+            </a:r>
+            <a:r>
+              <a:rPr lang="en-GB" dirty="0" err="1" smtClean="0"/>
+              <a:t>ändern</a:t>
+            </a:r>
+            <a:endParaRPr lang="en-GB" dirty="0" smtClean="0"/>
+          </a:p>
+          <a:p>
+            <a:r>
+              <a:rPr lang="en-GB" dirty="0" err="1" smtClean="0"/>
+              <a:t>Zitate</a:t>
+            </a:r>
+            <a:r>
+              <a:rPr lang="en-GB" dirty="0" smtClean="0"/>
+              <a:t> </a:t>
+            </a:r>
+            <a:r>
+              <a:rPr lang="en-GB" dirty="0" err="1" smtClean="0"/>
+              <a:t>können</a:t>
+            </a:r>
+            <a:r>
+              <a:rPr lang="en-GB" dirty="0" smtClean="0"/>
+              <a:t> </a:t>
+            </a:r>
+            <a:r>
+              <a:rPr lang="en-GB" dirty="0" err="1" smtClean="0"/>
+              <a:t>gelöscht</a:t>
+            </a:r>
+            <a:r>
+              <a:rPr lang="en-GB" dirty="0" smtClean="0"/>
+              <a:t> warden</a:t>
+            </a:r>
+          </a:p>
+          <a:p>
+            <a:r>
+              <a:rPr lang="en-GB" dirty="0" smtClean="0"/>
+              <a:t>Export in </a:t>
+            </a:r>
+            <a:r>
+              <a:rPr lang="en-GB" dirty="0" err="1" smtClean="0"/>
+              <a:t>mehrere</a:t>
+            </a:r>
+            <a:r>
+              <a:rPr lang="en-GB" dirty="0" smtClean="0"/>
+              <a:t> </a:t>
+            </a:r>
+            <a:r>
+              <a:rPr lang="en-GB" dirty="0" err="1" smtClean="0"/>
+              <a:t>Formate</a:t>
+            </a:r>
+            <a:endParaRPr lang="en-GB" dirty="0"/>
+          </a:p>
+        </p:txBody>
+      </p:sp>
+    </p:spTree>
+    <p:extLst>
+      <p:ext uri="{BB962C8B-B14F-4D97-AF65-F5344CB8AC3E}">
+        <p14:creationId xmlns:p14="http://schemas.microsoft.com/office/powerpoint/2010/main" val="347008830"/>
+      </p:ext>
+    </p:extLst>
+  </p:cSld>
+  <p:clrMapOvr>
+    <a:masterClrMapping/>
+  </p:clrMapOvr>
+  <p:timing>
+    <p:tnLst>
+      <p:par>
+        <p:cTn id="1" dur="indefinite" restart="never" nodeType="tmRoot"/>
+      </p:par>
+    </p:tnLst>
+  </p:timing>
+</p:sld>
+</file>
+
+<file path=ppt/slides/slide7.xml><?xml version="1.0" encoding="utf-8"?>
+<p:sld xmlns:a="http://schemas.openxmlformats.org/drawingml/2006/main" xmlns:r="http://schemas.openxmlformats.org/officeDocument/2006/relationships" xmlns:p="http://schemas.openxmlformats.org/presentationml/2006/main">
+  <p:cSld>
+    <p:spTree>
+      <p:nvGrpSpPr>
+        <p:cNvPr id="1" name=""/>
+        <p:cNvGrpSpPr/>
+        <p:nvPr/>
+      </p:nvGrpSpPr>
+      <p:grpSpPr>
+        <a:xfrm>
+          <a:off x="0" y="0"/>
+          <a:ext cx="0" cy="0"/>
+          <a:chOff x="0" y="0"/>
+          <a:chExt cx="0" cy="0"/>
+        </a:xfrm>
+      </p:grpSpPr>
+      <p:sp>
+        <p:nvSpPr>
+          <p:cNvPr id="2" name="Titel 1"/>
+          <p:cNvSpPr>
+            <a:spLocks noGrp="1"/>
+          </p:cNvSpPr>
+          <p:nvPr>
+            <p:ph type="title"/>
+          </p:nvPr>
+        </p:nvSpPr>
+        <p:spPr/>
+        <p:txBody>
+          <a:bodyPr/>
+          <a:lstStyle/>
+          <a:p>
+            <a:r>
+              <a:rPr lang="de-DE" dirty="0" smtClean="0"/>
+              <a:t>Zusätzliche</a:t>
+            </a:r>
+            <a:r>
+              <a:rPr lang="en-GB" dirty="0" smtClean="0"/>
+              <a:t> </a:t>
+            </a:r>
+            <a:r>
+              <a:rPr lang="de-DE" dirty="0" smtClean="0"/>
+              <a:t>Funktionalität</a:t>
+            </a:r>
+            <a:endParaRPr lang="de-DE" dirty="0"/>
+          </a:p>
+        </p:txBody>
+      </p:sp>
+      <p:sp>
+        <p:nvSpPr>
+          <p:cNvPr id="3" name="Inhaltsplatzhalter 2"/>
+          <p:cNvSpPr>
+            <a:spLocks noGrp="1"/>
+          </p:cNvSpPr>
+          <p:nvPr>
+            <p:ph idx="1"/>
+          </p:nvPr>
+        </p:nvSpPr>
+        <p:spPr/>
+        <p:txBody>
+          <a:bodyPr/>
+          <a:lstStyle/>
+          <a:p>
+            <a:r>
+              <a:rPr lang="de-DE" dirty="0" smtClean="0"/>
+              <a:t>Selbstregistrierung</a:t>
+            </a:r>
+          </a:p>
+          <a:p>
+            <a:r>
+              <a:rPr lang="de-DE" dirty="0" smtClean="0"/>
+              <a:t>Selbständerung von Userdaten</a:t>
+            </a:r>
+            <a:endParaRPr lang="de-DE" dirty="0"/>
+          </a:p>
+        </p:txBody>
+      </p:sp>
+    </p:spTree>
+    <p:extLst>
+      <p:ext uri="{BB962C8B-B14F-4D97-AF65-F5344CB8AC3E}">
+        <p14:creationId xmlns:p14="http://schemas.microsoft.com/office/powerpoint/2010/main" val="1496345285"/>
+      </p:ext>
+    </p:extLst>
+  </p:cSld>
+  <p:clrMapOvr>
+    <a:masterClrMapping/>
+  </p:clrMapOvr>
+  <p:timing>
+    <p:tnLst>
+      <p:par>
+        <p:cTn id="1" dur="indefinite" restart="never" nodeType="tmRoot"/>
+      </p:par>
+    </p:tnLst>
+  </p:timing>
+</p:sld>
+</file>
+
+<file path=ppt/slides/slide8.xml><?xml version="1.0" encoding="utf-8"?>
+<p:sld xmlns:a="http://schemas.openxmlformats.org/drawingml/2006/main" xmlns:r="http://schemas.openxmlformats.org/officeDocument/2006/relationships" xmlns:p="http://schemas.openxmlformats.org/presentationml/2006/main">
+  <p:cSld>
+    <p:spTree>
+      <p:nvGrpSpPr>
+        <p:cNvPr id="1" name=""/>
+        <p:cNvGrpSpPr/>
+        <p:nvPr/>
+      </p:nvGrpSpPr>
+      <p:grpSpPr>
+        <a:xfrm>
+          <a:off x="0" y="0"/>
+          <a:ext cx="0" cy="0"/>
+          <a:chOff x="0" y="0"/>
+          <a:chExt cx="0" cy="0"/>
+        </a:xfrm>
+      </p:grpSpPr>
+      <p:sp>
+        <p:nvSpPr>
+          <p:cNvPr id="2" name="Titel 1"/>
+          <p:cNvSpPr>
+            <a:spLocks noGrp="1"/>
+          </p:cNvSpPr>
+          <p:nvPr>
+            <p:ph type="title"/>
+          </p:nvPr>
+        </p:nvSpPr>
+        <p:spPr/>
+        <p:txBody>
+          <a:bodyPr>
+            <a:normAutofit/>
+          </a:bodyPr>
+          <a:lstStyle/>
+          <a:p>
+            <a:r>
+              <a:rPr lang="en-GB" dirty="0" err="1" smtClean="0"/>
+              <a:t>Entwicklungsumgebung</a:t>
+            </a:r>
+            <a:endParaRPr lang="en-GB" dirty="0"/>
+          </a:p>
+        </p:txBody>
+      </p:sp>
+      <p:sp>
+        <p:nvSpPr>
+          <p:cNvPr id="3" name="Inhaltsplatzhalter 2"/>
+          <p:cNvSpPr>
+            <a:spLocks noGrp="1"/>
+          </p:cNvSpPr>
+          <p:nvPr>
+            <p:ph idx="1"/>
+          </p:nvPr>
+        </p:nvSpPr>
+        <p:spPr/>
+        <p:txBody>
+          <a:bodyPr/>
+          <a:lstStyle/>
+          <a:p>
+            <a:r>
+              <a:rPr lang="en-GB" dirty="0" smtClean="0"/>
+              <a:t>// </a:t>
+            </a:r>
+            <a:r>
+              <a:rPr lang="en-GB" dirty="0" err="1" smtClean="0"/>
+              <a:t>Wurde</a:t>
+            </a:r>
+            <a:r>
+              <a:rPr lang="en-GB" dirty="0" smtClean="0"/>
+              <a:t> von Fabian </a:t>
+            </a:r>
+            <a:r>
+              <a:rPr lang="en-GB" dirty="0" err="1" smtClean="0"/>
+              <a:t>gemacht</a:t>
+            </a:r>
+            <a:endParaRPr lang="en-GB" dirty="0"/>
+          </a:p>
+        </p:txBody>
+      </p:sp>
+    </p:spTree>
+    <p:extLst>
+      <p:ext uri="{BB962C8B-B14F-4D97-AF65-F5344CB8AC3E}">
+        <p14:creationId xmlns:p14="http://schemas.microsoft.com/office/powerpoint/2010/main" val="4163156729"/>
+      </p:ext>
+    </p:extLst>
+  </p:cSld>
+  <p:clrMapOvr>
+    <a:masterClrMapping/>
+  </p:clrMapOvr>
+  <p:timing>
+    <p:tnLst>
+      <p:par>
+        <p:cTn id="1" dur="indefinite" restart="never" nodeType="tmRoot"/>
+      </p:par>
+    </p:tnLst>
+  </p:timing>
+</p:sld>
+</file>
+
+<file path=ppt/slides/slide9.xml><?xml version="1.0" encoding="utf-8"?>
+<p:sld xmlns:a="http://schemas.openxmlformats.org/drawingml/2006/main" xmlns:r="http://schemas.openxmlformats.org/officeDocument/2006/relationships" xmlns:p="http://schemas.openxmlformats.org/presentationml/2006/main">
+  <p:cSld>
+    <p:spTree>
+      <p:nvGrpSpPr>
+        <p:cNvPr id="1" name=""/>
+        <p:cNvGrpSpPr/>
+        <p:nvPr/>
+      </p:nvGrpSpPr>
+      <p:grpSpPr>
+        <a:xfrm>
+          <a:off x="0" y="0"/>
+          <a:ext cx="0" cy="0"/>
+          <a:chOff x="0" y="0"/>
+          <a:chExt cx="0" cy="0"/>
+        </a:xfrm>
+      </p:grpSpPr>
+      <p:sp>
+        <p:nvSpPr>
+          <p:cNvPr id="2" name="Titel 1"/>
+          <p:cNvSpPr>
+            <a:spLocks noGrp="1"/>
+          </p:cNvSpPr>
+          <p:nvPr>
+            <p:ph type="title"/>
+          </p:nvPr>
+        </p:nvSpPr>
+        <p:spPr/>
+        <p:txBody>
+          <a:bodyPr/>
+          <a:lstStyle/>
+          <a:p>
+            <a:r>
+              <a:rPr lang="de-DE" dirty="0" smtClean="0"/>
+              <a:t>Gliederung</a:t>
+            </a:r>
+            <a:endParaRPr lang="de-DE" dirty="0"/>
+          </a:p>
+        </p:txBody>
+      </p:sp>
+      <p:sp>
+        <p:nvSpPr>
+          <p:cNvPr id="3" name="Inhaltsplatzhalter 2"/>
+          <p:cNvSpPr>
+            <a:spLocks noGrp="1"/>
+          </p:cNvSpPr>
+          <p:nvPr>
+            <p:ph idx="1"/>
+          </p:nvPr>
+        </p:nvSpPr>
+        <p:spPr>
+          <a:xfrm>
+            <a:off x="457200" y="1600200"/>
+            <a:ext cx="8229600" cy="4565104"/>
+          </a:xfrm>
+        </p:spPr>
+        <p:txBody>
+          <a:bodyPr/>
+          <a:lstStyle/>
+          <a:p>
+            <a:r>
+              <a:rPr lang="de-DE" dirty="0" smtClean="0"/>
+              <a:t>Problemstellung</a:t>
+            </a:r>
+          </a:p>
+          <a:p>
+            <a:r>
+              <a:rPr lang="de-DE" dirty="0" smtClean="0"/>
+              <a:t>Planung/Vorgehensweise</a:t>
+            </a:r>
+          </a:p>
+          <a:p>
+            <a:r>
+              <a:rPr lang="de-DE" dirty="0" smtClean="0"/>
+              <a:t>Durchführung</a:t>
+            </a:r>
+          </a:p>
+          <a:p>
+            <a:r>
+              <a:rPr lang="de-DE" dirty="0" smtClean="0"/>
+              <a:t>Problematik</a:t>
+            </a:r>
+          </a:p>
+          <a:p>
+            <a:r>
+              <a:rPr lang="de-DE" dirty="0" smtClean="0"/>
+              <a:t>Resultat</a:t>
+            </a:r>
+          </a:p>
+          <a:p>
+            <a:r>
+              <a:rPr lang="de-DE" dirty="0" smtClean="0"/>
+              <a:t>Demo</a:t>
+            </a:r>
+            <a:endParaRPr lang="de-DE" dirty="0"/>
+          </a:p>
+        </p:txBody>
+      </p:sp>
+    </p:spTree>
+    <p:extLst>
+      <p:ext uri="{BB962C8B-B14F-4D97-AF65-F5344CB8AC3E}">
+        <p14:creationId xmlns:p14="http://schemas.microsoft.com/office/powerpoint/2010/main" val="2360000138"/>
+      </p:ext>
+    </p:extLst>
+  </p:cSld>
+  <p:clrMapOvr>
+    <a:masterClrMapping/>
+  </p:clrMapOvr>
+  <p:timing>
+    <p:tnLst>
+      <p:par>
+        <p:cTn id="1" dur="indefinite" restart="never" nodeType="tmRoot">
+          <p:childTnLst>
+            <p:seq concurrent="1" nextAc="seek">
+              <p:cTn id="2" dur="indefinite" nodeType="mainSeq">
+                <p:childTnLst>
+                  <p:par>
+                    <p:cTn id="3" fill="hold">
+                      <p:stCondLst>
+                        <p:cond delay="indefinite"/>
+                        <p:cond evt="onBegin" delay="0">
+                          <p:tn val="2"/>
+                        </p:cond>
+                      </p:stCondLst>
+                      <p:childTnLst>
+                        <p:par>
+                          <p:cTn id="4" fill="hold">
+                            <p:stCondLst>
+                              <p:cond delay="0"/>
+                            </p:stCondLst>
+                            <p:childTnLst>
+                              <p:par>
+                                <p:cTn id="5" presetID="3" presetClass="emph" presetSubtype="2" fill="hold" nodeType="withEffect">
+                                  <p:stCondLst>
+                                    <p:cond delay="0"/>
+                                  </p:stCondLst>
+                                  <p:childTnLst>
+                                    <p:animClr clrSpc="rgb" dir="cw">
+                                      <p:cBhvr override="childStyle">
+                                        <p:cTn id="6" dur="1000" fill="hold"/>
+                                        <p:tgtEl>
+                                          <p:spTgt spid="3">
+                                            <p:txEl>
+                                              <p:pRg st="2" end="2"/>
+                                            </p:txEl>
+                                          </p:spTgt>
+                                        </p:tgtEl>
+                                        <p:attrNameLst>
+                                          <p:attrName>style.color</p:attrName>
+                                        </p:attrNameLst>
+                                      </p:cBhvr>
+                                      <p:to>
+                                        <a:srgbClr val="FF0000"/>
+                                      </p:to>
+                                    </p:animClr>
+                                  </p:childTnLst>
+                                </p:cTn>
+                              </p:par>
+                            </p:childTnLst>
+                          </p:cTn>
+                        </p:par>
+                      </p:childTnLst>
+                    </p:cTn>
+                  </p:par>
+                </p:childTnLst>
+              </p:cTn>
+              <p:prevCondLst>
+                <p:cond evt="onPrev" delay="0">
+                  <p:tgtEl>
+                    <p:sldTgt/>
+                  </p:tgtEl>
+                </p:cond>
+              </p:prevCondLst>
+              <p:nextCondLst>
+                <p:cond evt="onNext" delay="0">
+                  <p:tgtEl>
+                    <p:sldTgt/>
+                  </p:tgtEl>
+                </p:cond>
+              </p:nextCondLst>
+            </p:seq>
+          </p:childTnLst>
+        </p:cTn>
       </p:par>
     </p:tnLst>
   </p:timing>
@@ -3778,4 +10942,556 @@
   <a:objectDefaults/>
   <a:extraClrSchemeLst/>
 </a:theme>
+</file>
+
+<file path=ppt/theme/theme2.xml><?xml version="1.0" encoding="utf-8"?>
+<a:theme xmlns:a="http://schemas.openxmlformats.org/drawingml/2006/main" name="Office">
+  <a:themeElements>
+    <a:clrScheme name="Office">
+      <a:dk1>
+        <a:sysClr val="windowText" lastClr="000000"/>
+      </a:dk1>
+      <a:lt1>
+        <a:sysClr val="window" lastClr="FFFFFF"/>
+      </a:lt1>
+      <a:dk2>
+        <a:srgbClr val="44546A"/>
+      </a:dk2>
+      <a:lt2>
+        <a:srgbClr val="E7E6E6"/>
+      </a:lt2>
+      <a:accent1>
+        <a:srgbClr val="5B9BD5"/>
+      </a:accent1>
+      <a:accent2>
+        <a:srgbClr val="ED7D31"/>
+      </a:accent2>
+      <a:accent3>
+        <a:srgbClr val="A5A5A5"/>
+      </a:accent3>
+      <a:accent4>
+        <a:srgbClr val="FFC000"/>
+      </a:accent4>
+      <a:accent5>
+        <a:srgbClr val="4472C4"/>
+      </a:accent5>
+      <a:accent6>
+        <a:srgbClr val="70AD47"/>
+      </a:accent6>
+      <a:hlink>
+        <a:srgbClr val="0563C1"/>
+      </a:hlink>
+      <a:folHlink>
+        <a:srgbClr val="954F72"/>
+      </a:folHlink>
+    </a:clrScheme>
+    <a:fontScheme name="Office">
+      <a:majorFont>
+        <a:latin typeface="Calibri Light" panose="020F0302020204030204"/>
+        <a:ea typeface=""/>
+        <a:cs typeface=""/>
+        <a:font script="Jpan" typeface="游ゴシック Light"/>
+        <a:font script="Hang" typeface="맑은 고딕"/>
+        <a:font script="Hans" typeface="等线 Light"/>
+        <a:font script="Hant" typeface="新細明體"/>
+        <a:font script="Arab" typeface="Times New Roman"/>
+        <a:font script="Hebr" typeface="Times New Roman"/>
+        <a:font script="Thai" typeface="Angsana New"/>
+        <a:font script="Ethi" typeface="Nyala"/>
+        <a:font script="Beng" typeface="Vrinda"/>
+        <a:font script="Gujr" typeface="Shruti"/>
+        <a:font script="Khmr" typeface="MoolBoran"/>
+        <a:font script="Knda" typeface="Tunga"/>
+        <a:font script="Guru" typeface="Raavi"/>
+        <a:font script="Cans" typeface="Euphemia"/>
+        <a:font script="Cher" typeface="Plantagenet Cherokee"/>
+        <a:font script="Yiii" typeface="Microsoft Yi Baiti"/>
+        <a:font script="Tibt" typeface="Microsoft Himalaya"/>
+        <a:font script="Thaa" typeface="MV Boli"/>
+        <a:font script="Deva" typeface="Mangal"/>
+        <a:font script="Telu" typeface="Gautami"/>
+        <a:font script="Taml" typeface="Latha"/>
+        <a:font script="Syrc" typeface="Estrangelo Edessa"/>
+        <a:font script="Orya" typeface="Kalinga"/>
+        <a:font script="Mlym" typeface="Kartika"/>
+        <a:font script="Laoo" typeface="DokChampa"/>
+        <a:font script="Sinh" typeface="Iskoola Pota"/>
+        <a:font script="Mong" typeface="Mongolian Baiti"/>
+        <a:font script="Viet" typeface="Times New Roman"/>
+        <a:font script="Uigh" typeface="Microsoft Uighur"/>
+        <a:font script="Geor" typeface="Sylfaen"/>
+      </a:majorFont>
+      <a:minorFont>
+        <a:latin typeface="Calibri" panose="020F0502020204030204"/>
+        <a:ea typeface=""/>
+        <a:cs typeface=""/>
+        <a:font script="Jpan" typeface="游ゴシック"/>
+        <a:font script="Hang" typeface="맑은 고딕"/>
+        <a:font script="Hans" typeface="等线"/>
+        <a:font script="Hant" typeface="新細明體"/>
+        <a:font script="Arab" typeface="Arial"/>
+        <a:font script="Hebr" typeface="Arial"/>
+        <a:font script="Thai" typeface="Cordia New"/>
+        <a:font script="Ethi" typeface="Nyala"/>
+        <a:font script="Beng" typeface="Vrinda"/>
+        <a:font script="Gujr" typeface="Shruti"/>
+        <a:font script="Khmr" typeface="DaunPenh"/>
+        <a:font script="Knda" typeface="Tunga"/>
+        <a:font script="Guru" typeface="Raavi"/>
+        <a:font script="Cans" typeface="Euphemia"/>
+        <a:font script="Cher" typeface="Plantagenet Cherokee"/>
+        <a:font script="Yiii" typeface="Microsoft Yi Baiti"/>
+        <a:font script="Tibt" typeface="Microsoft Himalaya"/>
+        <a:font script="Thaa" typeface="MV Boli"/>
+        <a:font script="Deva" typeface="Mangal"/>
+        <a:font script="Telu" typeface="Gautami"/>
+        <a:font script="Taml" typeface="Latha"/>
+        <a:font script="Syrc" typeface="Estrangelo Edessa"/>
+        <a:font script="Orya" typeface="Kalinga"/>
+        <a:font script="Mlym" typeface="Kartika"/>
+        <a:font script="Laoo" typeface="DokChampa"/>
+        <a:font script="Sinh" typeface="Iskoola Pota"/>
+        <a:font script="Mong" typeface="Mongolian Baiti"/>
+        <a:font script="Viet" typeface="Arial"/>
+        <a:font script="Uigh" typeface="Microsoft Uighur"/>
+        <a:font script="Geor" typeface="Sylfaen"/>
+      </a:minorFont>
+    </a:fontScheme>
+    <a:fmtScheme name="Office">
+      <a:fillStyleLst>
+        <a:solidFill>
+          <a:schemeClr val="phClr"/>
+        </a:solidFill>
+        <a:gradFill rotWithShape="1">
+          <a:gsLst>
+            <a:gs pos="0">
+              <a:schemeClr val="phClr">
+                <a:lumMod val="110000"/>
+                <a:satMod val="105000"/>
+                <a:tint val="67000"/>
+              </a:schemeClr>
+            </a:gs>
+            <a:gs pos="50000">
+              <a:schemeClr val="phClr">
+                <a:lumMod val="105000"/>
+                <a:satMod val="103000"/>
+                <a:tint val="73000"/>
+              </a:schemeClr>
+            </a:gs>
+            <a:gs pos="100000">
+              <a:schemeClr val="phClr">
+                <a:lumMod val="105000"/>
+                <a:satMod val="109000"/>
+                <a:tint val="81000"/>
+              </a:schemeClr>
+            </a:gs>
+          </a:gsLst>
+          <a:lin ang="5400000" scaled="0"/>
+        </a:gradFill>
+        <a:gradFill rotWithShape="1">
+          <a:gsLst>
+            <a:gs pos="0">
+              <a:schemeClr val="phClr">
+                <a:satMod val="103000"/>
+                <a:lumMod val="102000"/>
+                <a:tint val="94000"/>
+              </a:schemeClr>
+            </a:gs>
+            <a:gs pos="50000">
+              <a:schemeClr val="phClr">
+                <a:satMod val="110000"/>
+                <a:lumMod val="100000"/>
+                <a:shade val="100000"/>
+              </a:schemeClr>
+            </a:gs>
+            <a:gs pos="100000">
+              <a:schemeClr val="phClr">
+                <a:lumMod val="99000"/>
+                <a:satMod val="120000"/>
+                <a:shade val="78000"/>
+              </a:schemeClr>
+            </a:gs>
+          </a:gsLst>
+          <a:lin ang="5400000" scaled="0"/>
+        </a:gradFill>
+      </a:fillStyleLst>
+      <a:lnStyleLst>
+        <a:ln w="6350" cap="flat" cmpd="sng" algn="ctr">
+          <a:solidFill>
+            <a:schemeClr val="phClr"/>
+          </a:solidFill>
+          <a:prstDash val="solid"/>
+          <a:miter lim="800000"/>
+        </a:ln>
+        <a:ln w="12700" cap="flat" cmpd="sng" algn="ctr">
+          <a:solidFill>
+            <a:schemeClr val="phClr"/>
+          </a:solidFill>
+          <a:prstDash val="solid"/>
+          <a:miter lim="800000"/>
+        </a:ln>
+        <a:ln w="19050" cap="flat" cmpd="sng" algn="ctr">
+          <a:solidFill>
+            <a:schemeClr val="phClr"/>
+          </a:solidFill>
+          <a:prstDash val="solid"/>
+          <a:miter lim="800000"/>
+        </a:ln>
+      </a:lnStyleLst>
+      <a:effectStyleLst>
+        <a:effectStyle>
+          <a:effectLst/>
+        </a:effectStyle>
+        <a:effectStyle>
+          <a:effectLst/>
+        </a:effectStyle>
+        <a:effectStyle>
+          <a:effectLst>
+            <a:outerShdw blurRad="57150" dist="19050" dir="5400000" algn="ctr" rotWithShape="0">
+              <a:srgbClr val="000000">
+                <a:alpha val="63000"/>
+              </a:srgbClr>
+            </a:outerShdw>
+          </a:effectLst>
+        </a:effectStyle>
+      </a:effectStyleLst>
+      <a:bgFillStyleLst>
+        <a:solidFill>
+          <a:schemeClr val="phClr"/>
+        </a:solidFill>
+        <a:solidFill>
+          <a:schemeClr val="phClr">
+            <a:tint val="95000"/>
+            <a:satMod val="170000"/>
+          </a:schemeClr>
+        </a:solidFill>
+        <a:gradFill rotWithShape="1">
+          <a:gsLst>
+            <a:gs pos="0">
+              <a:schemeClr val="phClr">
+                <a:tint val="93000"/>
+                <a:satMod val="150000"/>
+                <a:shade val="98000"/>
+                <a:lumMod val="102000"/>
+              </a:schemeClr>
+            </a:gs>
+            <a:gs pos="50000">
+              <a:schemeClr val="phClr">
+                <a:tint val="98000"/>
+                <a:satMod val="130000"/>
+                <a:shade val="90000"/>
+                <a:lumMod val="103000"/>
+              </a:schemeClr>
+            </a:gs>
+            <a:gs pos="100000">
+              <a:schemeClr val="phClr">
+                <a:shade val="63000"/>
+                <a:satMod val="120000"/>
+              </a:schemeClr>
+            </a:gs>
+          </a:gsLst>
+          <a:lin ang="5400000" scaled="0"/>
+        </a:gradFill>
+      </a:bgFillStyleLst>
+    </a:fmtScheme>
+  </a:themeElements>
+  <a:objectDefaults/>
+  <a:extraClrSchemeLst/>
+  <a:extLst>
+    <a:ext uri="{05A4C25C-085E-4340-85A3-A5531E510DB2}">
+      <thm15:themeFamily xmlns:thm15="http://schemas.microsoft.com/office/thememl/2012/main" name="Office Theme" id="{62F939B6-93AF-4DB8-9C6B-D6C7DFDC589F}" vid="{4A3C46E8-61CC-4603-A589-7422A47A8E4A}"/>
+    </a:ext>
+  </a:extLst>
+</a:theme>
+</file>
+
+<file path=ppt/theme/theme3.xml><?xml version="1.0" encoding="utf-8"?>
+<a:theme xmlns:a="http://schemas.openxmlformats.org/drawingml/2006/main" name="Office">
+  <a:themeElements>
+    <a:clrScheme name="Office">
+      <a:dk1>
+        <a:sysClr val="windowText" lastClr="000000"/>
+      </a:dk1>
+      <a:lt1>
+        <a:sysClr val="window" lastClr="FFFFFF"/>
+      </a:lt1>
+      <a:dk2>
+        <a:srgbClr val="44546A"/>
+      </a:dk2>
+      <a:lt2>
+        <a:srgbClr val="E7E6E6"/>
+      </a:lt2>
+      <a:accent1>
+        <a:srgbClr val="5B9BD5"/>
+      </a:accent1>
+      <a:accent2>
+        <a:srgbClr val="ED7D31"/>
+      </a:accent2>
+      <a:accent3>
+        <a:srgbClr val="A5A5A5"/>
+      </a:accent3>
+      <a:accent4>
+        <a:srgbClr val="FFC000"/>
+      </a:accent4>
+      <a:accent5>
+        <a:srgbClr val="4472C4"/>
+      </a:accent5>
+      <a:accent6>
+        <a:srgbClr val="70AD47"/>
+      </a:accent6>
+      <a:hlink>
+        <a:srgbClr val="0563C1"/>
+      </a:hlink>
+      <a:folHlink>
+        <a:srgbClr val="954F72"/>
+      </a:folHlink>
+    </a:clrScheme>
+    <a:fontScheme name="Office">
+      <a:majorFont>
+        <a:latin typeface="Calibri Light" panose="020F0302020204030204"/>
+        <a:ea typeface=""/>
+        <a:cs typeface=""/>
+        <a:font script="Jpan" typeface="游ゴシック Light"/>
+        <a:font script="Hang" typeface="맑은 고딕"/>
+        <a:font script="Hans" typeface="等线 Light"/>
+        <a:font script="Hant" typeface="新細明體"/>
+        <a:font script="Arab" typeface="Times New Roman"/>
+        <a:font script="Hebr" typeface="Times New Roman"/>
+        <a:font script="Thai" typeface="Angsana New"/>
+        <a:font script="Ethi" typeface="Nyala"/>
+        <a:font script="Beng" typeface="Vrinda"/>
+        <a:font script="Gujr" typeface="Shruti"/>
+        <a:font script="Khmr" typeface="MoolBoran"/>
+        <a:font script="Knda" typeface="Tunga"/>
+        <a:font script="Guru" typeface="Raavi"/>
+        <a:font script="Cans" typeface="Euphemia"/>
+        <a:font script="Cher" typeface="Plantagenet Cherokee"/>
+        <a:font script="Yiii" typeface="Microsoft Yi Baiti"/>
+        <a:font script="Tibt" typeface="Microsoft Himalaya"/>
+        <a:font script="Thaa" typeface="MV Boli"/>
+        <a:font script="Deva" typeface="Mangal"/>
+        <a:font script="Telu" typeface="Gautami"/>
+        <a:font script="Taml" typeface="Latha"/>
+        <a:font script="Syrc" typeface="Estrangelo Edessa"/>
+        <a:font script="Orya" typeface="Kalinga"/>
+        <a:font script="Mlym" typeface="Kartika"/>
+        <a:font script="Laoo" typeface="DokChampa"/>
+        <a:font script="Sinh" typeface="Iskoola Pota"/>
+        <a:font script="Mong" typeface="Mongolian Baiti"/>
+        <a:font script="Viet" typeface="Times New Roman"/>
+        <a:font script="Uigh" typeface="Microsoft Uighur"/>
+        <a:font script="Geor" typeface="Sylfaen"/>
+      </a:majorFont>
+      <a:minorFont>
+        <a:latin typeface="Calibri" panose="020F0502020204030204"/>
+        <a:ea typeface=""/>
+        <a:cs typeface=""/>
+        <a:font script="Jpan" typeface="游ゴシック"/>
+        <a:font script="Hang" typeface="맑은 고딕"/>
+        <a:font script="Hans" typeface="等线"/>
+        <a:font script="Hant" typeface="新細明體"/>
+        <a:font script="Arab" typeface="Arial"/>
+        <a:font script="Hebr" typeface="Arial"/>
+        <a:font script="Thai" typeface="Cordia New"/>
+        <a:font script="Ethi" typeface="Nyala"/>
+        <a:font script="Beng" typeface="Vrinda"/>
+        <a:font script="Gujr" typeface="Shruti"/>
+        <a:font script="Khmr" typeface="DaunPenh"/>
+        <a:font script="Knda" typeface="Tunga"/>
+        <a:font script="Guru" typeface="Raavi"/>
+        <a:font script="Cans" typeface="Euphemia"/>
+        <a:font script="Cher" typeface="Plantagenet Cherokee"/>
+        <a:font script="Yiii" typeface="Microsoft Yi Baiti"/>
+        <a:font script="Tibt" typeface="Microsoft Himalaya"/>
+        <a:font script="Thaa" typeface="MV Boli"/>
+        <a:font script="Deva" typeface="Mangal"/>
+        <a:font script="Telu" typeface="Gautami"/>
+        <a:font script="Taml" typeface="Latha"/>
+        <a:font script="Syrc" typeface="Estrangelo Edessa"/>
+        <a:font script="Orya" typeface="Kalinga"/>
+        <a:font script="Mlym" typeface="Kartika"/>
+        <a:font script="Laoo" typeface="DokChampa"/>
+        <a:font script="Sinh" typeface="Iskoola Pota"/>
+        <a:font script="Mong" typeface="Mongolian Baiti"/>
+        <a:font script="Viet" typeface="Arial"/>
+        <a:font script="Uigh" typeface="Microsoft Uighur"/>
+        <a:font script="Geor" typeface="Sylfaen"/>
+      </a:minorFont>
+    </a:fontScheme>
+    <a:fmtScheme name="Office">
+      <a:fillStyleLst>
+        <a:solidFill>
+          <a:schemeClr val="phClr"/>
+        </a:solidFill>
+        <a:gradFill rotWithShape="1">
+          <a:gsLst>
+            <a:gs pos="0">
+              <a:schemeClr val="phClr">
+                <a:lumMod val="110000"/>
+                <a:satMod val="105000"/>
+                <a:tint val="67000"/>
+              </a:schemeClr>
+            </a:gs>
+            <a:gs pos="50000">
+              <a:schemeClr val="phClr">
+                <a:lumMod val="105000"/>
+                <a:satMod val="103000"/>
+                <a:tint val="73000"/>
+              </a:schemeClr>
+            </a:gs>
+            <a:gs pos="100000">
+              <a:schemeClr val="phClr">
+                <a:lumMod val="105000"/>
+                <a:satMod val="109000"/>
+                <a:tint val="81000"/>
+              </a:schemeClr>
+            </a:gs>
+          </a:gsLst>
+          <a:lin ang="5400000" scaled="0"/>
+        </a:gradFill>
+        <a:gradFill rotWithShape="1">
+          <a:gsLst>
+            <a:gs pos="0">
+              <a:schemeClr val="phClr">
+                <a:satMod val="103000"/>
+                <a:lumMod val="102000"/>
+                <a:tint val="94000"/>
+              </a:schemeClr>
+            </a:gs>
+            <a:gs pos="50000">
+              <a:schemeClr val="phClr">
+                <a:satMod val="110000"/>
+                <a:lumMod val="100000"/>
+                <a:shade val="100000"/>
+              </a:schemeClr>
+            </a:gs>
+            <a:gs pos="100000">
+              <a:schemeClr val="phClr">
+                <a:lumMod val="99000"/>
+                <a:satMod val="120000"/>
+                <a:shade val="78000"/>
+              </a:schemeClr>
+            </a:gs>
+          </a:gsLst>
+          <a:lin ang="5400000" scaled="0"/>
+        </a:gradFill>
+      </a:fillStyleLst>
+      <a:lnStyleLst>
+        <a:ln w="6350" cap="flat" cmpd="sng" algn="ctr">
+          <a:solidFill>
+            <a:schemeClr val="phClr"/>
+          </a:solidFill>
+          <a:prstDash val="solid"/>
+          <a:miter lim="800000"/>
+        </a:ln>
+        <a:ln w="12700" cap="flat" cmpd="sng" algn="ctr">
+          <a:solidFill>
+            <a:schemeClr val="phClr"/>
+          </a:solidFill>
+          <a:prstDash val="solid"/>
+          <a:miter lim="800000"/>
+        </a:ln>
+        <a:ln w="19050" cap="flat" cmpd="sng" algn="ctr">
+          <a:solidFill>
+            <a:schemeClr val="phClr"/>
+          </a:solidFill>
+          <a:prstDash val="solid"/>
+          <a:miter lim="800000"/>
+        </a:ln>
+      </a:lnStyleLst>
+      <a:effectStyleLst>
+        <a:effectStyle>
+          <a:effectLst/>
+        </a:effectStyle>
+        <a:effectStyle>
+          <a:effectLst/>
+        </a:effectStyle>
+        <a:effectStyle>
+          <a:effectLst>
+            <a:outerShdw blurRad="57150" dist="19050" dir="5400000" algn="ctr" rotWithShape="0">
+              <a:srgbClr val="000000">
+                <a:alpha val="63000"/>
+              </a:srgbClr>
+            </a:outerShdw>
+          </a:effectLst>
+        </a:effectStyle>
+      </a:effectStyleLst>
+      <a:bgFillStyleLst>
+        <a:solidFill>
+          <a:schemeClr val="phClr"/>
+        </a:solidFill>
+        <a:solidFill>
+          <a:schemeClr val="phClr">
+            <a:tint val="95000"/>
+            <a:satMod val="170000"/>
+          </a:schemeClr>
+        </a:solidFill>
+        <a:gradFill rotWithShape="1">
+          <a:gsLst>
+            <a:gs pos="0">
+              <a:schemeClr val="phClr">
+                <a:tint val="93000"/>
+                <a:satMod val="150000"/>
+                <a:shade val="98000"/>
+                <a:lumMod val="102000"/>
+              </a:schemeClr>
+            </a:gs>
+            <a:gs pos="50000">
+              <a:schemeClr val="phClr">
+                <a:tint val="98000"/>
+                <a:satMod val="130000"/>
+                <a:shade val="90000"/>
+                <a:lumMod val="103000"/>
+              </a:schemeClr>
+            </a:gs>
+            <a:gs pos="100000">
+              <a:schemeClr val="phClr">
+                <a:shade val="63000"/>
+                <a:satMod val="120000"/>
+              </a:schemeClr>
+            </a:gs>
+          </a:gsLst>
+          <a:lin ang="5400000" scaled="0"/>
+        </a:gradFill>
+      </a:bgFillStyleLst>
+    </a:fmtScheme>
+  </a:themeElements>
+  <a:objectDefaults/>
+  <a:extraClrSchemeLst/>
+  <a:extLst>
+    <a:ext uri="{05A4C25C-085E-4340-85A3-A5531E510DB2}">
+      <thm15:themeFamily xmlns:thm15="http://schemas.microsoft.com/office/thememl/2012/main" name="Office Theme" id="{62F939B6-93AF-4DB8-9C6B-D6C7DFDC589F}" vid="{4A3C46E8-61CC-4603-A589-7422A47A8E4A}"/>
+    </a:ext>
+  </a:extLst>
+</a:theme>
+</file>
+
+<file path=customXml/item1.xml><?xml version="1.0" encoding="utf-8"?>
+<WrappedLabelHistory xmlns:xsi="http://www.w3.org/2001/XMLSchema-instance" xmlns:xsd="http://www.w3.org/2001/XMLSchema" xmlns="http://www.boldonjames.com/2016/02/Classifier/internal/wrappedLabelHistory">
+  <Value>PD94bWwgdmVyc2lvbj0iMS4wIiBlbmNvZGluZz0idXMtYXNjaWkiPz48bGFiZWxIaXN0b3J5IHhtbG5zOnhzaT0iaHR0cDovL3d3dy53My5vcmcvMjAwMS9YTUxTY2hlbWEtaW5zdGFuY2UiIHhtbG5zOnhzZD0iaHR0cDovL3d3dy53My5vcmcvMjAwMS9YTUxTY2hlbWEiIHhtbG5zPSJodHRwOi8vd3d3LmJvbGRvbmphbWVzLmNvbS8yMDE2LzAyL0NsYXNzaWZpZXIvaW50ZXJuYWwvbGFiZWxIaXN0b3J5Ij48aXRlbT48c2lzbCBzaXNsVmVyc2lvbj0iMCIgcG9saWN5PSI1ZTIxNjY1Mi03Y2IxLTQyZDMtYTIyZi1mYjVjN2YzNDhkYjUiIG9yaWdpbj0idXNlclNlbGVjdGVkIj48ZWxlbWVudCB1aWQ9ImlkX2NsYXNzaWZpY2F0aW9uX25vbmJ1c2luZXNzIiB2YWx1ZT0iIiB4bWxucz0iaHR0cDovL3d3dy5ib2xkb25qYW1lcy5jb20vMjAwOC8wMS9zaWUvaW50ZXJuYWwvbGFiZWwiIC8+PC9zaXNsPjxVc2VyTmFtZT5PQUFEXHFkODg5PC9Vc2VyTmFtZT48RGF0ZVRpbWU+MTIvNi8yMDE4IDEwOjQ0OjIxIEFNPC9EYXRlVGltZT48TGFiZWxTdHJpbmc+UHVibGljPC9MYWJlbFN0cmluZz48L2l0ZW0+PC9sYWJlbEhpc3Rvcnk+</Value>
+</WrappedLabelHistory>
+</file>
+
+<file path=customXml/item2.xml><?xml version="1.0" encoding="utf-8"?>
+<sisl xmlns:xsi="http://www.w3.org/2001/XMLSchema-instance" xmlns:xsd="http://www.w3.org/2001/XMLSchema" xmlns="http://www.boldonjames.com/2008/01/sie/internal/label" sislVersion="0" policy="5e216652-7cb1-42d3-a22f-fb5c7f348db5" origin="userSelected">
+  <element uid="id_classification_nonbusiness" value=""/>
+</sisl>
+</file>
+
+<file path=customXml/itemProps1.xml><?xml version="1.0" encoding="utf-8"?>
+<ds:datastoreItem xmlns:ds="http://schemas.openxmlformats.org/officeDocument/2006/customXml" ds:itemID="{A9D2DA10-EF93-4A7E-BF92-7C7254F50C2F}">
+  <ds:schemaRefs>
+    <ds:schemaRef ds:uri="http://www.w3.org/2001/XMLSchema"/>
+    <ds:schemaRef ds:uri="http://www.boldonjames.com/2016/02/Classifier/internal/wrappedLabelHistory"/>
+  </ds:schemaRefs>
+</ds:datastoreItem>
+</file>
+
+<file path=customXml/itemProps2.xml><?xml version="1.0" encoding="utf-8"?>
+<ds:datastoreItem xmlns:ds="http://schemas.openxmlformats.org/officeDocument/2006/customXml" ds:itemID="{413AF7CB-4568-43E6-9D29-8C0F76375C6E}">
+  <ds:schemaRefs>
+    <ds:schemaRef ds:uri="http://www.w3.org/2001/XMLSchema"/>
+    <ds:schemaRef ds:uri="http://www.boldonjames.com/2008/01/sie/internal/label"/>
+  </ds:schemaRefs>
+</ds:datastoreItem>
 </file>
--- a/Zitatesammlung.pptx
+++ b/Zitatesammlung.pptx
@@ -18,7 +18,7 @@
     <p:sldId id="259" r:id="rId8"/>
     <p:sldId id="270" r:id="rId9"/>
     <p:sldId id="271" r:id="rId10"/>
-    <p:sldId id="269" r:id="rId11"/>
+    <p:sldId id="282" r:id="rId11"/>
     <p:sldId id="277" r:id="rId12"/>
     <p:sldId id="260" r:id="rId13"/>
     <p:sldId id="272" r:id="rId14"/>
@@ -148,7 +148,7 @@
             <p14:sldId id="259"/>
             <p14:sldId id="270"/>
             <p14:sldId id="271"/>
-            <p14:sldId id="269"/>
+            <p14:sldId id="282"/>
           </p14:sldIdLst>
         </p14:section>
         <p14:section name="Durchführung" id="{0E37DA39-0A94-4F48-8135-99D05ABA648A}">
@@ -185,7 +185,7 @@
       </p14:sectionLst>
     </p:ext>
     <p:ext uri="{EFAFB233-063F-42B5-8137-9DF3F51BA10A}">
-      <p15:sldGuideLst xmlns:p15="http://schemas.microsoft.com/office/powerpoint/2012/main">
+      <p15:sldGuideLst xmlns:p15="http://schemas.microsoft.com/office/powerpoint/2012/main" xmlns="">
         <p15:guide id="1" orient="horz" pos="2160">
           <p15:clr>
             <a:srgbClr val="A4A3A4"/>
@@ -284,7 +284,7 @@
           <a:p>
             <a:fld id="{FB1AA975-1124-42A4-96F1-9A03CF0EAA69}" type="datetimeFigureOut">
               <a:rPr lang="en-GB" smtClean="0"/>
-              <a:t>07/12/2018</a:t>
+              <a:t>08/12/2018</a:t>
             </a:fld>
             <a:endParaRPr lang="en-GB"/>
           </a:p>
@@ -449,7 +449,7 @@
           <a:p>
             <a:fld id="{ECB4EE12-E076-47FE-A0D4-6F96671D6D13}" type="datetimeFigureOut">
               <a:rPr lang="en-GB" smtClean="0"/>
-              <a:t>07/12/2018</a:t>
+              <a:t>08/12/2018</a:t>
             </a:fld>
             <a:endParaRPr lang="en-GB"/>
           </a:p>
@@ -1144,7 +1144,7 @@
           <a:bodyPr/>
           <a:lstStyle/>
           <a:p>
-            <a:endParaRPr lang="en-GB"/>
+            <a:endParaRPr lang="de-DE"/>
           </a:p>
         </p:txBody>
       </p:sp>
@@ -1203,7 +1203,7 @@
           <a:p>
             <a:fld id="{10B2448E-F2D6-461D-9BA9-E2B28EF7CB6C}" type="slidenum">
               <a:rPr lang="en-GB" smtClean="0"/>
-              <a:t>10</a:t>
+              <a:t>11</a:t>
             </a:fld>
             <a:endParaRPr lang="en-GB"/>
           </a:p>
@@ -1212,7 +1212,7 @@
     </p:spTree>
     <p:extLst>
       <p:ext uri="{BB962C8B-B14F-4D97-AF65-F5344CB8AC3E}">
-        <p14:creationId xmlns:p14="http://schemas.microsoft.com/office/powerpoint/2010/main" val="101542801"/>
+        <p14:creationId xmlns:p14="http://schemas.microsoft.com/office/powerpoint/2010/main" val="631956889"/>
       </p:ext>
     </p:extLst>
   </p:cSld>
@@ -1266,7 +1266,7 @@
           <a:bodyPr/>
           <a:lstStyle/>
           <a:p>
-            <a:endParaRPr lang="de-DE"/>
+            <a:endParaRPr lang="en-GB"/>
           </a:p>
         </p:txBody>
       </p:sp>
@@ -1325,7 +1325,7 @@
           <a:p>
             <a:fld id="{10B2448E-F2D6-461D-9BA9-E2B28EF7CB6C}" type="slidenum">
               <a:rPr lang="en-GB" smtClean="0"/>
-              <a:t>11</a:t>
+              <a:t>12</a:t>
             </a:fld>
             <a:endParaRPr lang="en-GB"/>
           </a:p>
@@ -1334,7 +1334,7 @@
     </p:spTree>
     <p:extLst>
       <p:ext uri="{BB962C8B-B14F-4D97-AF65-F5344CB8AC3E}">
-        <p14:creationId xmlns:p14="http://schemas.microsoft.com/office/powerpoint/2010/main" val="631956889"/>
+        <p14:creationId xmlns:p14="http://schemas.microsoft.com/office/powerpoint/2010/main" val="3665050096"/>
       </p:ext>
     </p:extLst>
   </p:cSld>
@@ -1388,7 +1388,43 @@
           <a:bodyPr/>
           <a:lstStyle/>
           <a:p>
-            <a:endParaRPr lang="en-GB"/>
+            <a:r>
+              <a:rPr lang="en-GB" dirty="0" smtClean="0"/>
+              <a:t>IDE</a:t>
+            </a:r>
+            <a:r>
+              <a:rPr lang="en-GB" baseline="0" dirty="0" smtClean="0"/>
+              <a:t> </a:t>
+            </a:r>
+            <a:r>
+              <a:rPr lang="en-GB" baseline="0" dirty="0" err="1" smtClean="0"/>
+              <a:t>Probleme</a:t>
+            </a:r>
+            <a:r>
+              <a:rPr lang="en-GB" baseline="0" dirty="0" smtClean="0"/>
+              <a:t>: </a:t>
+            </a:r>
+            <a:r>
+              <a:rPr lang="en-GB" baseline="0" dirty="0" err="1" smtClean="0"/>
+              <a:t>WindowBuilder</a:t>
+            </a:r>
+            <a:r>
+              <a:rPr lang="en-GB" baseline="0" dirty="0" smtClean="0"/>
+              <a:t> </a:t>
+            </a:r>
+            <a:r>
+              <a:rPr lang="en-GB" baseline="0" dirty="0" err="1" smtClean="0"/>
+              <a:t>installieren</a:t>
+            </a:r>
+            <a:r>
+              <a:rPr lang="en-GB" baseline="0" dirty="0" smtClean="0"/>
+              <a:t> und </a:t>
+            </a:r>
+            <a:r>
+              <a:rPr lang="en-GB" baseline="0" dirty="0" err="1" smtClean="0"/>
+              <a:t>Abstürze</a:t>
+            </a:r>
+            <a:endParaRPr lang="en-GB" dirty="0"/>
           </a:p>
         </p:txBody>
       </p:sp>
@@ -1447,7 +1483,7 @@
           <a:p>
             <a:fld id="{10B2448E-F2D6-461D-9BA9-E2B28EF7CB6C}" type="slidenum">
               <a:rPr lang="en-GB" smtClean="0"/>
-              <a:t>12</a:t>
+              <a:t>13</a:t>
             </a:fld>
             <a:endParaRPr lang="en-GB"/>
           </a:p>
@@ -1456,7 +1492,7 @@
     </p:spTree>
     <p:extLst>
       <p:ext uri="{BB962C8B-B14F-4D97-AF65-F5344CB8AC3E}">
-        <p14:creationId xmlns:p14="http://schemas.microsoft.com/office/powerpoint/2010/main" val="3665050096"/>
+        <p14:creationId xmlns:p14="http://schemas.microsoft.com/office/powerpoint/2010/main" val="2372012624"/>
       </p:ext>
     </p:extLst>
   </p:cSld>
@@ -1510,43 +1546,7 @@
           <a:bodyPr/>
           <a:lstStyle/>
           <a:p>
-            <a:r>
-              <a:rPr lang="en-GB" dirty="0" smtClean="0"/>
-              <a:t>IDE</a:t>
-            </a:r>
-            <a:r>
-              <a:rPr lang="en-GB" baseline="0" dirty="0" smtClean="0"/>
-              <a:t> </a:t>
-            </a:r>
-            <a:r>
-              <a:rPr lang="en-GB" baseline="0" dirty="0" err="1" smtClean="0"/>
-              <a:t>Probleme</a:t>
-            </a:r>
-            <a:r>
-              <a:rPr lang="en-GB" baseline="0" dirty="0" smtClean="0"/>
-              <a:t>: </a:t>
-            </a:r>
-            <a:r>
-              <a:rPr lang="en-GB" baseline="0" dirty="0" err="1" smtClean="0"/>
-              <a:t>WindowBuilder</a:t>
-            </a:r>
-            <a:r>
-              <a:rPr lang="en-GB" baseline="0" dirty="0" smtClean="0"/>
-              <a:t> </a:t>
-            </a:r>
-            <a:r>
-              <a:rPr lang="en-GB" baseline="0" dirty="0" err="1" smtClean="0"/>
-              <a:t>installieren</a:t>
-            </a:r>
-            <a:r>
-              <a:rPr lang="en-GB" baseline="0" dirty="0" smtClean="0"/>
-              <a:t> und </a:t>
-            </a:r>
-            <a:r>
-              <a:rPr lang="en-GB" baseline="0" dirty="0" err="1" smtClean="0"/>
-              <a:t>Abstürze</a:t>
-            </a:r>
-            <a:endParaRPr lang="en-GB" dirty="0"/>
+            <a:endParaRPr lang="en-GB"/>
           </a:p>
         </p:txBody>
       </p:sp>
@@ -1605,7 +1605,7 @@
           <a:p>
             <a:fld id="{10B2448E-F2D6-461D-9BA9-E2B28EF7CB6C}" type="slidenum">
               <a:rPr lang="en-GB" smtClean="0"/>
-              <a:t>13</a:t>
+              <a:t>14</a:t>
             </a:fld>
             <a:endParaRPr lang="en-GB"/>
           </a:p>
@@ -1614,7 +1614,7 @@
     </p:spTree>
     <p:extLst>
       <p:ext uri="{BB962C8B-B14F-4D97-AF65-F5344CB8AC3E}">
-        <p14:creationId xmlns:p14="http://schemas.microsoft.com/office/powerpoint/2010/main" val="2372012624"/>
+        <p14:creationId xmlns:p14="http://schemas.microsoft.com/office/powerpoint/2010/main" val="868406514"/>
       </p:ext>
     </p:extLst>
   </p:cSld>
@@ -1668,7 +1668,99 @@
           <a:bodyPr/>
           <a:lstStyle/>
           <a:p>
-            <a:endParaRPr lang="en-GB"/>
+            <a:r>
+              <a:rPr lang="en-GB" dirty="0" err="1" smtClean="0"/>
+              <a:t>Wenn</a:t>
+            </a:r>
+            <a:r>
+              <a:rPr lang="en-GB" dirty="0" smtClean="0"/>
+              <a:t> </a:t>
+            </a:r>
+            <a:r>
+              <a:rPr lang="en-GB" dirty="0" err="1" smtClean="0"/>
+              <a:t>nur</a:t>
+            </a:r>
+            <a:r>
+              <a:rPr lang="en-GB" dirty="0" smtClean="0"/>
+              <a:t> 2 </a:t>
+            </a:r>
+            <a:r>
+              <a:rPr lang="en-GB" dirty="0" err="1" smtClean="0"/>
+              <a:t>Leute</a:t>
+            </a:r>
+            <a:r>
+              <a:rPr lang="en-GB" baseline="0" dirty="0" smtClean="0"/>
+              <a:t> </a:t>
+            </a:r>
+            <a:r>
+              <a:rPr lang="en-GB" baseline="0" dirty="0" err="1" smtClean="0"/>
+              <a:t>arbeiten</a:t>
+            </a:r>
+            <a:r>
+              <a:rPr lang="en-GB" baseline="0" dirty="0" smtClean="0"/>
+              <a:t> </a:t>
+            </a:r>
+            <a:r>
+              <a:rPr lang="en-GB" baseline="0" dirty="0" err="1" smtClean="0"/>
+              <a:t>ist</a:t>
+            </a:r>
+            <a:r>
+              <a:rPr lang="en-GB" baseline="0" dirty="0" smtClean="0"/>
+              <a:t> </a:t>
+            </a:r>
+            <a:r>
+              <a:rPr lang="en-GB" baseline="0" dirty="0" err="1" smtClean="0"/>
+              <a:t>Github</a:t>
+            </a:r>
+            <a:r>
+              <a:rPr lang="en-GB" baseline="0" dirty="0" smtClean="0"/>
+              <a:t> </a:t>
+            </a:r>
+            <a:r>
+              <a:rPr lang="en-GB" baseline="0" dirty="0" err="1" smtClean="0"/>
+              <a:t>nicht</a:t>
+            </a:r>
+            <a:r>
+              <a:rPr lang="en-GB" baseline="0" dirty="0" smtClean="0"/>
+              <a:t> so </a:t>
+            </a:r>
+            <a:r>
+              <a:rPr lang="en-GB" baseline="0" dirty="0" err="1" smtClean="0"/>
+              <a:t>effizient</a:t>
+            </a:r>
+            <a:r>
+              <a:rPr lang="en-GB" baseline="0" dirty="0" smtClean="0"/>
+              <a:t> </a:t>
+            </a:r>
+            <a:r>
+              <a:rPr lang="en-GB" baseline="0" dirty="0" err="1" smtClean="0"/>
+              <a:t>wie</a:t>
+            </a:r>
+            <a:r>
+              <a:rPr lang="en-GB" baseline="0" dirty="0" smtClean="0"/>
+              <a:t> </a:t>
+            </a:r>
+            <a:r>
+              <a:rPr lang="en-GB" baseline="0" dirty="0" err="1" smtClean="0"/>
+              <a:t>bei</a:t>
+            </a:r>
+            <a:r>
+              <a:rPr lang="en-GB" baseline="0" dirty="0" smtClean="0"/>
+              <a:t> </a:t>
+            </a:r>
+            <a:r>
+              <a:rPr lang="en-GB" baseline="0" dirty="0" err="1" smtClean="0"/>
+              <a:t>großen</a:t>
+            </a:r>
+            <a:r>
+              <a:rPr lang="en-GB" baseline="0" dirty="0" smtClean="0"/>
+              <a:t> </a:t>
+            </a:r>
+            <a:r>
+              <a:rPr lang="en-GB" baseline="0" dirty="0" err="1" smtClean="0"/>
+              <a:t>Entwicklergruppen</a:t>
+            </a:r>
+            <a:endParaRPr lang="en-GB" baseline="0" dirty="0" smtClean="0"/>
           </a:p>
         </p:txBody>
       </p:sp>
@@ -1727,7 +1819,7 @@
           <a:p>
             <a:fld id="{10B2448E-F2D6-461D-9BA9-E2B28EF7CB6C}" type="slidenum">
               <a:rPr lang="en-GB" smtClean="0"/>
-              <a:t>14</a:t>
+              <a:t>15</a:t>
             </a:fld>
             <a:endParaRPr lang="en-GB"/>
           </a:p>
@@ -1736,7 +1828,7 @@
     </p:spTree>
     <p:extLst>
       <p:ext uri="{BB962C8B-B14F-4D97-AF65-F5344CB8AC3E}">
-        <p14:creationId xmlns:p14="http://schemas.microsoft.com/office/powerpoint/2010/main" val="868406514"/>
+        <p14:creationId xmlns:p14="http://schemas.microsoft.com/office/powerpoint/2010/main" val="2988859308"/>
       </p:ext>
     </p:extLst>
   </p:cSld>
@@ -1790,99 +1882,7 @@
           <a:bodyPr/>
           <a:lstStyle/>
           <a:p>
-            <a:r>
-              <a:rPr lang="en-GB" dirty="0" err="1" smtClean="0"/>
-              <a:t>Wenn</a:t>
-            </a:r>
-            <a:r>
-              <a:rPr lang="en-GB" dirty="0" smtClean="0"/>
-              <a:t> </a:t>
-            </a:r>
-            <a:r>
-              <a:rPr lang="en-GB" dirty="0" err="1" smtClean="0"/>
-              <a:t>nur</a:t>
-            </a:r>
-            <a:r>
-              <a:rPr lang="en-GB" dirty="0" smtClean="0"/>
-              <a:t> 2 </a:t>
-            </a:r>
-            <a:r>
-              <a:rPr lang="en-GB" dirty="0" err="1" smtClean="0"/>
-              <a:t>Leute</a:t>
-            </a:r>
-            <a:r>
-              <a:rPr lang="en-GB" baseline="0" dirty="0" smtClean="0"/>
-              <a:t> </a:t>
-            </a:r>
-            <a:r>
-              <a:rPr lang="en-GB" baseline="0" dirty="0" err="1" smtClean="0"/>
-              <a:t>arbeiten</a:t>
-            </a:r>
-            <a:r>
-              <a:rPr lang="en-GB" baseline="0" dirty="0" smtClean="0"/>
-              <a:t> </a:t>
-            </a:r>
-            <a:r>
-              <a:rPr lang="en-GB" baseline="0" dirty="0" err="1" smtClean="0"/>
-              <a:t>ist</a:t>
-            </a:r>
-            <a:r>
-              <a:rPr lang="en-GB" baseline="0" dirty="0" smtClean="0"/>
-              <a:t> </a:t>
-            </a:r>
-            <a:r>
-              <a:rPr lang="en-GB" baseline="0" dirty="0" err="1" smtClean="0"/>
-              <a:t>Github</a:t>
-            </a:r>
-            <a:r>
-              <a:rPr lang="en-GB" baseline="0" dirty="0" smtClean="0"/>
-              <a:t> </a:t>
-            </a:r>
-            <a:r>
-              <a:rPr lang="en-GB" baseline="0" dirty="0" err="1" smtClean="0"/>
-              <a:t>nicht</a:t>
-            </a:r>
-            <a:r>
-              <a:rPr lang="en-GB" baseline="0" dirty="0" smtClean="0"/>
-              <a:t> so </a:t>
-            </a:r>
-            <a:r>
-              <a:rPr lang="en-GB" baseline="0" dirty="0" err="1" smtClean="0"/>
-              <a:t>effizient</a:t>
-            </a:r>
-            <a:r>
-              <a:rPr lang="en-GB" baseline="0" dirty="0" smtClean="0"/>
-              <a:t> </a:t>
-            </a:r>
-            <a:r>
-              <a:rPr lang="en-GB" baseline="0" dirty="0" err="1" smtClean="0"/>
-              <a:t>wie</a:t>
-            </a:r>
-            <a:r>
-              <a:rPr lang="en-GB" baseline="0" dirty="0" smtClean="0"/>
-              <a:t> </a:t>
-            </a:r>
-            <a:r>
-              <a:rPr lang="en-GB" baseline="0" dirty="0" err="1" smtClean="0"/>
-              <a:t>bei</a:t>
-            </a:r>
-            <a:r>
-              <a:rPr lang="en-GB" baseline="0" dirty="0" smtClean="0"/>
-              <a:t> </a:t>
-            </a:r>
-            <a:r>
-              <a:rPr lang="en-GB" baseline="0" dirty="0" err="1" smtClean="0"/>
-              <a:t>großen</a:t>
-            </a:r>
-            <a:r>
-              <a:rPr lang="en-GB" baseline="0" dirty="0" smtClean="0"/>
-              <a:t> </a:t>
-            </a:r>
-            <a:r>
-              <a:rPr lang="en-GB" baseline="0" dirty="0" err="1" smtClean="0"/>
-              <a:t>Entwicklergruppen</a:t>
-            </a:r>
-            <a:endParaRPr lang="en-GB" baseline="0" dirty="0" smtClean="0"/>
+            <a:endParaRPr lang="en-GB"/>
           </a:p>
         </p:txBody>
       </p:sp>
@@ -1941,7 +1941,7 @@
           <a:p>
             <a:fld id="{10B2448E-F2D6-461D-9BA9-E2B28EF7CB6C}" type="slidenum">
               <a:rPr lang="en-GB" smtClean="0"/>
-              <a:t>15</a:t>
+              <a:t>16</a:t>
             </a:fld>
             <a:endParaRPr lang="en-GB"/>
           </a:p>
@@ -1950,7 +1950,7 @@
     </p:spTree>
     <p:extLst>
       <p:ext uri="{BB962C8B-B14F-4D97-AF65-F5344CB8AC3E}">
-        <p14:creationId xmlns:p14="http://schemas.microsoft.com/office/powerpoint/2010/main" val="2988859308"/>
+        <p14:creationId xmlns:p14="http://schemas.microsoft.com/office/powerpoint/2010/main" val="1545161276"/>
       </p:ext>
     </p:extLst>
   </p:cSld>
@@ -2063,7 +2063,7 @@
           <a:p>
             <a:fld id="{10B2448E-F2D6-461D-9BA9-E2B28EF7CB6C}" type="slidenum">
               <a:rPr lang="en-GB" smtClean="0"/>
-              <a:t>16</a:t>
+              <a:t>17</a:t>
             </a:fld>
             <a:endParaRPr lang="en-GB"/>
           </a:p>
@@ -2072,7 +2072,7 @@
     </p:spTree>
     <p:extLst>
       <p:ext uri="{BB962C8B-B14F-4D97-AF65-F5344CB8AC3E}">
-        <p14:creationId xmlns:p14="http://schemas.microsoft.com/office/powerpoint/2010/main" val="1545161276"/>
+        <p14:creationId xmlns:p14="http://schemas.microsoft.com/office/powerpoint/2010/main" val="2268599393"/>
       </p:ext>
     </p:extLst>
   </p:cSld>
@@ -2185,128 +2185,6 @@
           <a:p>
             <a:fld id="{10B2448E-F2D6-461D-9BA9-E2B28EF7CB6C}" type="slidenum">
               <a:rPr lang="en-GB" smtClean="0"/>
-              <a:t>17</a:t>
-            </a:fld>
-            <a:endParaRPr lang="en-GB"/>
-          </a:p>
-        </p:txBody>
-      </p:sp>
-    </p:spTree>
-    <p:extLst>
-      <p:ext uri="{BB962C8B-B14F-4D97-AF65-F5344CB8AC3E}">
-        <p14:creationId xmlns:p14="http://schemas.microsoft.com/office/powerpoint/2010/main" val="2268599393"/>
-      </p:ext>
-    </p:extLst>
-  </p:cSld>
-  <p:clrMapOvr>
-    <a:masterClrMapping/>
-  </p:clrMapOvr>
-</p:notes>
-</file>
-
-<file path=ppt/notesSlides/notesSlide18.xml><?xml version="1.0" encoding="utf-8"?>
-<p:notes xmlns:a="http://schemas.openxmlformats.org/drawingml/2006/main" xmlns:r="http://schemas.openxmlformats.org/officeDocument/2006/relationships" xmlns:p="http://schemas.openxmlformats.org/presentationml/2006/main">
-  <p:cSld>
-    <p:spTree>
-      <p:nvGrpSpPr>
-        <p:cNvPr id="1" name=""/>
-        <p:cNvGrpSpPr/>
-        <p:nvPr/>
-      </p:nvGrpSpPr>
-      <p:grpSpPr>
-        <a:xfrm>
-          <a:off x="0" y="0"/>
-          <a:ext cx="0" cy="0"/>
-          <a:chOff x="0" y="0"/>
-          <a:chExt cx="0" cy="0"/>
-        </a:xfrm>
-      </p:grpSpPr>
-      <p:sp>
-        <p:nvSpPr>
-          <p:cNvPr id="2" name="Folienbildplatzhalter 1"/>
-          <p:cNvSpPr>
-            <a:spLocks noGrp="1" noRot="1" noChangeAspect="1"/>
-          </p:cNvSpPr>
-          <p:nvPr>
-            <p:ph type="sldImg"/>
-          </p:nvPr>
-        </p:nvSpPr>
-        <p:spPr/>
-      </p:sp>
-      <p:sp>
-        <p:nvSpPr>
-          <p:cNvPr id="3" name="Notizenplatzhalter 2"/>
-          <p:cNvSpPr>
-            <a:spLocks noGrp="1"/>
-          </p:cNvSpPr>
-          <p:nvPr>
-            <p:ph type="body" idx="1"/>
-          </p:nvPr>
-        </p:nvSpPr>
-        <p:spPr/>
-        <p:txBody>
-          <a:bodyPr/>
-          <a:lstStyle/>
-          <a:p>
-            <a:endParaRPr lang="en-GB"/>
-          </a:p>
-        </p:txBody>
-      </p:sp>
-      <p:sp>
-        <p:nvSpPr>
-          <p:cNvPr id="4" name="Kopfzeilenplatzhalter 3"/>
-          <p:cNvSpPr>
-            <a:spLocks noGrp="1"/>
-          </p:cNvSpPr>
-          <p:nvPr>
-            <p:ph type="hdr" sz="quarter" idx="10"/>
-          </p:nvPr>
-        </p:nvSpPr>
-        <p:spPr/>
-        <p:txBody>
-          <a:bodyPr/>
-          <a:lstStyle/>
-          <a:p>
-            <a:endParaRPr lang="en-GB"/>
-          </a:p>
-        </p:txBody>
-      </p:sp>
-      <p:sp>
-        <p:nvSpPr>
-          <p:cNvPr id="5" name="Fußzeilenplatzhalter 4"/>
-          <p:cNvSpPr>
-            <a:spLocks noGrp="1"/>
-          </p:cNvSpPr>
-          <p:nvPr>
-            <p:ph type="ftr" sz="quarter" idx="11"/>
-          </p:nvPr>
-        </p:nvSpPr>
-        <p:spPr/>
-        <p:txBody>
-          <a:bodyPr/>
-          <a:lstStyle/>
-          <a:p>
-            <a:endParaRPr lang="en-GB"/>
-          </a:p>
-        </p:txBody>
-      </p:sp>
-      <p:sp>
-        <p:nvSpPr>
-          <p:cNvPr id="6" name="Foliennummernplatzhalter 5"/>
-          <p:cNvSpPr>
-            <a:spLocks noGrp="1"/>
-          </p:cNvSpPr>
-          <p:nvPr>
-            <p:ph type="sldNum" sz="quarter" idx="12"/>
-          </p:nvPr>
-        </p:nvSpPr>
-        <p:spPr/>
-        <p:txBody>
-          <a:bodyPr/>
-          <a:lstStyle/>
-          <a:p>
-            <a:fld id="{10B2448E-F2D6-461D-9BA9-E2B28EF7CB6C}" type="slidenum">
-              <a:rPr lang="en-GB" smtClean="0"/>
               <a:t>18</a:t>
             </a:fld>
             <a:endParaRPr lang="en-GB"/>
@@ -2326,7 +2204,7 @@
 </p:notes>
 </file>
 
-<file path=ppt/notesSlides/notesSlide19.xml><?xml version="1.0" encoding="utf-8"?>
+<file path=ppt/notesSlides/notesSlide18.xml><?xml version="1.0" encoding="utf-8"?>
 <p:notes xmlns:a="http://schemas.openxmlformats.org/drawingml/2006/main" xmlns:r="http://schemas.openxmlformats.org/officeDocument/2006/relationships" xmlns:p="http://schemas.openxmlformats.org/presentationml/2006/main">
   <p:cSld>
     <p:spTree>
@@ -3327,7 +3205,7 @@
           <a:p>
             <a:fld id="{10B2448E-F2D6-461D-9BA9-E2B28EF7CB6C}" type="slidenum">
               <a:rPr lang="en-GB" smtClean="0"/>
-              <a:t>8</a:t>
+              <a:t>9</a:t>
             </a:fld>
             <a:endParaRPr lang="en-GB"/>
           </a:p>
@@ -3336,7 +3214,7 @@
     </p:spTree>
     <p:extLst>
       <p:ext uri="{BB962C8B-B14F-4D97-AF65-F5344CB8AC3E}">
-        <p14:creationId xmlns:p14="http://schemas.microsoft.com/office/powerpoint/2010/main" val="704966347"/>
+        <p14:creationId xmlns:p14="http://schemas.microsoft.com/office/powerpoint/2010/main" val="150418027"/>
       </p:ext>
     </p:extLst>
   </p:cSld>
@@ -3449,7 +3327,7 @@
           <a:p>
             <a:fld id="{10B2448E-F2D6-461D-9BA9-E2B28EF7CB6C}" type="slidenum">
               <a:rPr lang="en-GB" smtClean="0"/>
-              <a:t>9</a:t>
+              <a:t>10</a:t>
             </a:fld>
             <a:endParaRPr lang="en-GB"/>
           </a:p>
@@ -3458,7 +3336,7 @@
     </p:spTree>
     <p:extLst>
       <p:ext uri="{BB962C8B-B14F-4D97-AF65-F5344CB8AC3E}">
-        <p14:creationId xmlns:p14="http://schemas.microsoft.com/office/powerpoint/2010/main" val="150418027"/>
+        <p14:creationId xmlns:p14="http://schemas.microsoft.com/office/powerpoint/2010/main" val="101542801"/>
       </p:ext>
     </p:extLst>
   </p:cSld>
@@ -3524,8 +3402,8 @@
           </a:prstGeom>
           <a:noFill/>
           <a:extLst>
-            <a:ext uri="{909E8E84-426E-40dd-AFC4-6F175D3DCCD1}">
-              <a14:hiddenFill xmlns:a14="http://schemas.microsoft.com/office/drawing/2010/main" xmlns="">
+            <a:ext uri="{909E8E84-426E-40DD-AFC4-6F175D3DCCD1}">
+              <a14:hiddenFill xmlns:a14="http://schemas.microsoft.com/office/drawing/2010/main">
                 <a:solidFill>
                   <a:srgbClr val="FFFFFF"/>
                 </a:solidFill>
@@ -3584,8 +3462,8 @@
               <a:noFill/>
             </a:ln>
             <a:extLst>
-              <a:ext uri="{91240B29-F687-4f45-9708-019B960494DF}">
-                <a14:hiddenLine xmlns:a14="http://schemas.microsoft.com/office/drawing/2010/main" xmlns="" w="9525">
+              <a:ext uri="{91240B29-F687-4F45-9708-019B960494DF}">
+                <a14:hiddenLine xmlns:a14="http://schemas.microsoft.com/office/drawing/2010/main" w="9525">
                   <a:solidFill>
                     <a:srgbClr val="000000"/>
                   </a:solidFill>
@@ -3674,8 +3552,8 @@
               <a:noFill/>
             </a:ln>
             <a:extLst>
-              <a:ext uri="{91240B29-F687-4f45-9708-019B960494DF}">
-                <a14:hiddenLine xmlns:a14="http://schemas.microsoft.com/office/drawing/2010/main" xmlns="" w="9525">
+              <a:ext uri="{91240B29-F687-4F45-9708-019B960494DF}">
+                <a14:hiddenLine xmlns:a14="http://schemas.microsoft.com/office/drawing/2010/main" w="9525">
                   <a:solidFill>
                     <a:srgbClr val="000000"/>
                   </a:solidFill>
@@ -3764,8 +3642,8 @@
               <a:noFill/>
             </a:ln>
             <a:extLst>
-              <a:ext uri="{91240B29-F687-4f45-9708-019B960494DF}">
-                <a14:hiddenLine xmlns:a14="http://schemas.microsoft.com/office/drawing/2010/main" xmlns="" w="9525">
+              <a:ext uri="{91240B29-F687-4F45-9708-019B960494DF}">
+                <a14:hiddenLine xmlns:a14="http://schemas.microsoft.com/office/drawing/2010/main" w="9525">
                   <a:solidFill>
                     <a:srgbClr val="000000"/>
                   </a:solidFill>
@@ -3798,8 +3676,8 @@
               <a:noFill/>
             </a:ln>
             <a:extLst>
-              <a:ext uri="{91240B29-F687-4f45-9708-019B960494DF}">
-                <a14:hiddenLine xmlns:a14="http://schemas.microsoft.com/office/drawing/2010/main" xmlns="" w="9525">
+              <a:ext uri="{91240B29-F687-4F45-9708-019B960494DF}">
+                <a14:hiddenLine xmlns:a14="http://schemas.microsoft.com/office/drawing/2010/main" w="9525">
                   <a:solidFill>
                     <a:srgbClr val="000000"/>
                   </a:solidFill>
@@ -3888,8 +3766,8 @@
               <a:noFill/>
             </a:ln>
             <a:extLst>
-              <a:ext uri="{91240B29-F687-4f45-9708-019B960494DF}">
-                <a14:hiddenLine xmlns:a14="http://schemas.microsoft.com/office/drawing/2010/main" xmlns="" w="9525">
+              <a:ext uri="{91240B29-F687-4F45-9708-019B960494DF}">
+                <a14:hiddenLine xmlns:a14="http://schemas.microsoft.com/office/drawing/2010/main" w="9525">
                   <a:solidFill>
                     <a:srgbClr val="000000"/>
                   </a:solidFill>
@@ -3950,8 +3828,8 @@
               <a:noFill/>
             </a:ln>
             <a:extLst>
-              <a:ext uri="{91240B29-F687-4f45-9708-019B960494DF}">
-                <a14:hiddenLine xmlns:a14="http://schemas.microsoft.com/office/drawing/2010/main" xmlns="" w="9525">
+              <a:ext uri="{91240B29-F687-4F45-9708-019B960494DF}">
+                <a14:hiddenLine xmlns:a14="http://schemas.microsoft.com/office/drawing/2010/main" w="9525">
                   <a:solidFill>
                     <a:srgbClr val="000000"/>
                   </a:solidFill>
@@ -4012,8 +3890,8 @@
               <a:noFill/>
             </a:ln>
             <a:extLst>
-              <a:ext uri="{91240B29-F687-4f45-9708-019B960494DF}">
-                <a14:hiddenLine xmlns:a14="http://schemas.microsoft.com/office/drawing/2010/main" xmlns="" w="9525">
+              <a:ext uri="{91240B29-F687-4F45-9708-019B960494DF}">
+                <a14:hiddenLine xmlns:a14="http://schemas.microsoft.com/office/drawing/2010/main" w="9525">
                   <a:solidFill>
                     <a:srgbClr val="000000"/>
                   </a:solidFill>
@@ -4102,8 +3980,8 @@
               <a:noFill/>
             </a:ln>
             <a:extLst>
-              <a:ext uri="{91240B29-F687-4f45-9708-019B960494DF}">
-                <a14:hiddenLine xmlns:a14="http://schemas.microsoft.com/office/drawing/2010/main" xmlns="" w="9525">
+              <a:ext uri="{91240B29-F687-4F45-9708-019B960494DF}">
+                <a14:hiddenLine xmlns:a14="http://schemas.microsoft.com/office/drawing/2010/main" w="9525">
                   <a:solidFill>
                     <a:srgbClr val="000000"/>
                   </a:solidFill>
@@ -4164,8 +4042,8 @@
               <a:noFill/>
             </a:ln>
             <a:extLst>
-              <a:ext uri="{91240B29-F687-4f45-9708-019B960494DF}">
-                <a14:hiddenLine xmlns:a14="http://schemas.microsoft.com/office/drawing/2010/main" xmlns="" w="9525">
+              <a:ext uri="{91240B29-F687-4F45-9708-019B960494DF}">
+                <a14:hiddenLine xmlns:a14="http://schemas.microsoft.com/office/drawing/2010/main" w="9525">
                   <a:solidFill>
                     <a:srgbClr val="000000"/>
                   </a:solidFill>
@@ -4226,8 +4104,8 @@
               <a:noFill/>
             </a:ln>
             <a:extLst>
-              <a:ext uri="{91240B29-F687-4f45-9708-019B960494DF}">
-                <a14:hiddenLine xmlns:a14="http://schemas.microsoft.com/office/drawing/2010/main" xmlns="" w="9525">
+              <a:ext uri="{91240B29-F687-4F45-9708-019B960494DF}">
+                <a14:hiddenLine xmlns:a14="http://schemas.microsoft.com/office/drawing/2010/main" w="9525">
                   <a:solidFill>
                     <a:srgbClr val="000000"/>
                   </a:solidFill>
@@ -4316,8 +4194,8 @@
               <a:noFill/>
             </a:ln>
             <a:extLst>
-              <a:ext uri="{91240B29-F687-4f45-9708-019B960494DF}">
-                <a14:hiddenLine xmlns:a14="http://schemas.microsoft.com/office/drawing/2010/main" xmlns="" w="9525">
+              <a:ext uri="{91240B29-F687-4F45-9708-019B960494DF}">
+                <a14:hiddenLine xmlns:a14="http://schemas.microsoft.com/office/drawing/2010/main" w="9525">
                   <a:solidFill>
                     <a:srgbClr val="000000"/>
                   </a:solidFill>
@@ -4406,8 +4284,8 @@
               <a:noFill/>
             </a:ln>
             <a:extLst>
-              <a:ext uri="{91240B29-F687-4f45-9708-019B960494DF}">
-                <a14:hiddenLine xmlns:a14="http://schemas.microsoft.com/office/drawing/2010/main" xmlns="" w="9525">
+              <a:ext uri="{91240B29-F687-4F45-9708-019B960494DF}">
+                <a14:hiddenLine xmlns:a14="http://schemas.microsoft.com/office/drawing/2010/main" w="9525">
                   <a:solidFill>
                     <a:srgbClr val="000000"/>
                   </a:solidFill>
@@ -4468,8 +4346,8 @@
               <a:noFill/>
             </a:ln>
             <a:extLst>
-              <a:ext uri="{91240B29-F687-4f45-9708-019B960494DF}">
-                <a14:hiddenLine xmlns:a14="http://schemas.microsoft.com/office/drawing/2010/main" xmlns="" w="9525">
+              <a:ext uri="{91240B29-F687-4F45-9708-019B960494DF}">
+                <a14:hiddenLine xmlns:a14="http://schemas.microsoft.com/office/drawing/2010/main" w="9525">
                   <a:solidFill>
                     <a:srgbClr val="000000"/>
                   </a:solidFill>
@@ -4578,8 +4456,8 @@
               <a:noFill/>
             </a:ln>
             <a:extLst>
-              <a:ext uri="{91240B29-F687-4f45-9708-019B960494DF}">
-                <a14:hiddenLine xmlns:a14="http://schemas.microsoft.com/office/drawing/2010/main" xmlns="" w="9525">
+              <a:ext uri="{91240B29-F687-4F45-9708-019B960494DF}">
+                <a14:hiddenLine xmlns:a14="http://schemas.microsoft.com/office/drawing/2010/main" w="9525">
                   <a:solidFill>
                     <a:srgbClr val="000000"/>
                   </a:solidFill>
@@ -4640,8 +4518,8 @@
               <a:noFill/>
             </a:ln>
             <a:extLst>
-              <a:ext uri="{91240B29-F687-4f45-9708-019B960494DF}">
-                <a14:hiddenLine xmlns:a14="http://schemas.microsoft.com/office/drawing/2010/main" xmlns="" w="9525">
+              <a:ext uri="{91240B29-F687-4F45-9708-019B960494DF}">
+                <a14:hiddenLine xmlns:a14="http://schemas.microsoft.com/office/drawing/2010/main" w="9525">
                   <a:solidFill>
                     <a:srgbClr val="000000"/>
                   </a:solidFill>
@@ -4730,8 +4608,8 @@
               <a:noFill/>
             </a:ln>
             <a:extLst>
-              <a:ext uri="{91240B29-F687-4f45-9708-019B960494DF}">
-                <a14:hiddenLine xmlns:a14="http://schemas.microsoft.com/office/drawing/2010/main" xmlns="" w="9525">
+              <a:ext uri="{91240B29-F687-4F45-9708-019B960494DF}">
+                <a14:hiddenLine xmlns:a14="http://schemas.microsoft.com/office/drawing/2010/main" w="9525">
                   <a:solidFill>
                     <a:srgbClr val="000000"/>
                   </a:solidFill>
@@ -4820,8 +4698,8 @@
               <a:noFill/>
             </a:ln>
             <a:extLst>
-              <a:ext uri="{91240B29-F687-4f45-9708-019B960494DF}">
-                <a14:hiddenLine xmlns:a14="http://schemas.microsoft.com/office/drawing/2010/main" xmlns="" w="9525">
+              <a:ext uri="{91240B29-F687-4F45-9708-019B960494DF}">
+                <a14:hiddenLine xmlns:a14="http://schemas.microsoft.com/office/drawing/2010/main" w="9525">
                   <a:solidFill>
                     <a:srgbClr val="000000"/>
                   </a:solidFill>
@@ -4882,8 +4760,8 @@
               <a:noFill/>
             </a:ln>
             <a:extLst>
-              <a:ext uri="{91240B29-F687-4f45-9708-019B960494DF}">
-                <a14:hiddenLine xmlns:a14="http://schemas.microsoft.com/office/drawing/2010/main" xmlns="" w="9525">
+              <a:ext uri="{91240B29-F687-4F45-9708-019B960494DF}">
+                <a14:hiddenLine xmlns:a14="http://schemas.microsoft.com/office/drawing/2010/main" w="9525">
                   <a:solidFill>
                     <a:srgbClr val="000000"/>
                   </a:solidFill>
@@ -4972,8 +4850,8 @@
               <a:noFill/>
             </a:ln>
             <a:extLst>
-              <a:ext uri="{91240B29-F687-4f45-9708-019B960494DF}">
-                <a14:hiddenLine xmlns:a14="http://schemas.microsoft.com/office/drawing/2010/main" xmlns="" w="9525">
+              <a:ext uri="{91240B29-F687-4F45-9708-019B960494DF}">
+                <a14:hiddenLine xmlns:a14="http://schemas.microsoft.com/office/drawing/2010/main" w="9525">
                   <a:solidFill>
                     <a:srgbClr val="000000"/>
                   </a:solidFill>
@@ -5062,8 +4940,8 @@
               <a:noFill/>
             </a:ln>
             <a:extLst>
-              <a:ext uri="{91240B29-F687-4f45-9708-019B960494DF}">
-                <a14:hiddenLine xmlns:a14="http://schemas.microsoft.com/office/drawing/2010/main" xmlns="" w="9525">
+              <a:ext uri="{91240B29-F687-4F45-9708-019B960494DF}">
+                <a14:hiddenLine xmlns:a14="http://schemas.microsoft.com/office/drawing/2010/main" w="9525">
                   <a:solidFill>
                     <a:srgbClr val="000000"/>
                   </a:solidFill>
@@ -5118,8 +4996,8 @@
               <a:noFill/>
             </a:ln>
             <a:extLst>
-              <a:ext uri="{91240B29-F687-4f45-9708-019B960494DF}">
-                <a14:hiddenLine xmlns:a14="http://schemas.microsoft.com/office/drawing/2010/main" xmlns="" w="9525">
+              <a:ext uri="{91240B29-F687-4F45-9708-019B960494DF}">
+                <a14:hiddenLine xmlns:a14="http://schemas.microsoft.com/office/drawing/2010/main" w="9525">
                   <a:solidFill>
                     <a:srgbClr val="000000"/>
                   </a:solidFill>
@@ -5208,8 +5086,8 @@
               <a:noFill/>
             </a:ln>
             <a:extLst>
-              <a:ext uri="{91240B29-F687-4f45-9708-019B960494DF}">
-                <a14:hiddenLine xmlns:a14="http://schemas.microsoft.com/office/drawing/2010/main" xmlns="" w="9525">
+              <a:ext uri="{91240B29-F687-4F45-9708-019B960494DF}">
+                <a14:hiddenLine xmlns:a14="http://schemas.microsoft.com/office/drawing/2010/main" w="9525">
                   <a:solidFill>
                     <a:srgbClr val="000000"/>
                   </a:solidFill>
@@ -5264,8 +5142,8 @@
               <a:noFill/>
             </a:ln>
             <a:extLst>
-              <a:ext uri="{91240B29-F687-4f45-9708-019B960494DF}">
-                <a14:hiddenLine xmlns:a14="http://schemas.microsoft.com/office/drawing/2010/main" xmlns="" w="9525">
+              <a:ext uri="{91240B29-F687-4F45-9708-019B960494DF}">
+                <a14:hiddenLine xmlns:a14="http://schemas.microsoft.com/office/drawing/2010/main" w="9525">
                   <a:solidFill>
                     <a:srgbClr val="000000"/>
                   </a:solidFill>
@@ -5354,8 +5232,8 @@
               <a:noFill/>
             </a:ln>
             <a:extLst>
-              <a:ext uri="{91240B29-F687-4f45-9708-019B960494DF}">
-                <a14:hiddenLine xmlns:a14="http://schemas.microsoft.com/office/drawing/2010/main" xmlns="" w="9525">
+              <a:ext uri="{91240B29-F687-4F45-9708-019B960494DF}">
+                <a14:hiddenLine xmlns:a14="http://schemas.microsoft.com/office/drawing/2010/main" w="9525">
                   <a:solidFill>
                     <a:srgbClr val="000000"/>
                   </a:solidFill>
@@ -5422,8 +5300,8 @@
               <a:noFill/>
             </a:ln>
             <a:extLst>
-              <a:ext uri="{91240B29-F687-4f45-9708-019B960494DF}">
-                <a14:hiddenLine xmlns:a14="http://schemas.microsoft.com/office/drawing/2010/main" xmlns="" w="9525">
+              <a:ext uri="{91240B29-F687-4F45-9708-019B960494DF}">
+                <a14:hiddenLine xmlns:a14="http://schemas.microsoft.com/office/drawing/2010/main" w="9525">
                   <a:solidFill>
                     <a:srgbClr val="000000"/>
                   </a:solidFill>
@@ -5512,8 +5390,8 @@
               <a:noFill/>
             </a:ln>
             <a:extLst>
-              <a:ext uri="{91240B29-F687-4f45-9708-019B960494DF}">
-                <a14:hiddenLine xmlns:a14="http://schemas.microsoft.com/office/drawing/2010/main" xmlns="" w="9525">
+              <a:ext uri="{91240B29-F687-4F45-9708-019B960494DF}">
+                <a14:hiddenLine xmlns:a14="http://schemas.microsoft.com/office/drawing/2010/main" w="9525">
                   <a:solidFill>
                     <a:srgbClr val="000000"/>
                   </a:solidFill>
@@ -5580,8 +5458,8 @@
               <a:noFill/>
             </a:ln>
             <a:extLst>
-              <a:ext uri="{91240B29-F687-4f45-9708-019B960494DF}">
-                <a14:hiddenLine xmlns:a14="http://schemas.microsoft.com/office/drawing/2010/main" xmlns="" w="9525">
+              <a:ext uri="{91240B29-F687-4F45-9708-019B960494DF}">
+                <a14:hiddenLine xmlns:a14="http://schemas.microsoft.com/office/drawing/2010/main" w="9525">
                   <a:solidFill>
                     <a:srgbClr val="000000"/>
                   </a:solidFill>
@@ -5670,8 +5548,8 @@
               <a:noFill/>
             </a:ln>
             <a:extLst>
-              <a:ext uri="{91240B29-F687-4f45-9708-019B960494DF}">
-                <a14:hiddenLine xmlns:a14="http://schemas.microsoft.com/office/drawing/2010/main" xmlns="" w="9525">
+              <a:ext uri="{91240B29-F687-4F45-9708-019B960494DF}">
+                <a14:hiddenLine xmlns:a14="http://schemas.microsoft.com/office/drawing/2010/main" w="9525">
                   <a:solidFill>
                     <a:srgbClr val="000000"/>
                   </a:solidFill>
@@ -5704,8 +5582,8 @@
               <a:noFill/>
             </a:ln>
             <a:extLst>
-              <a:ext uri="{91240B29-F687-4f45-9708-019B960494DF}">
-                <a14:hiddenLine xmlns:a14="http://schemas.microsoft.com/office/drawing/2010/main" xmlns="" w="9525">
+              <a:ext uri="{91240B29-F687-4F45-9708-019B960494DF}">
+                <a14:hiddenLine xmlns:a14="http://schemas.microsoft.com/office/drawing/2010/main" w="9525">
                   <a:solidFill>
                     <a:srgbClr val="000000"/>
                   </a:solidFill>
@@ -5794,8 +5672,8 @@
               <a:noFill/>
             </a:ln>
             <a:extLst>
-              <a:ext uri="{91240B29-F687-4f45-9708-019B960494DF}">
-                <a14:hiddenLine xmlns:a14="http://schemas.microsoft.com/office/drawing/2010/main" xmlns="" w="9525">
+              <a:ext uri="{91240B29-F687-4F45-9708-019B960494DF}">
+                <a14:hiddenLine xmlns:a14="http://schemas.microsoft.com/office/drawing/2010/main" w="9525">
                   <a:solidFill>
                     <a:srgbClr val="000000"/>
                   </a:solidFill>
@@ -5856,8 +5734,8 @@
               <a:noFill/>
             </a:ln>
             <a:extLst>
-              <a:ext uri="{91240B29-F687-4f45-9708-019B960494DF}">
-                <a14:hiddenLine xmlns:a14="http://schemas.microsoft.com/office/drawing/2010/main" xmlns="" w="9525">
+              <a:ext uri="{91240B29-F687-4F45-9708-019B960494DF}">
+                <a14:hiddenLine xmlns:a14="http://schemas.microsoft.com/office/drawing/2010/main" w="9525">
                   <a:solidFill>
                     <a:srgbClr val="000000"/>
                   </a:solidFill>
@@ -5918,8 +5796,8 @@
               <a:noFill/>
             </a:ln>
             <a:extLst>
-              <a:ext uri="{91240B29-F687-4f45-9708-019B960494DF}">
-                <a14:hiddenLine xmlns:a14="http://schemas.microsoft.com/office/drawing/2010/main" xmlns="" w="9525">
+              <a:ext uri="{91240B29-F687-4F45-9708-019B960494DF}">
+                <a14:hiddenLine xmlns:a14="http://schemas.microsoft.com/office/drawing/2010/main" w="9525">
                   <a:solidFill>
                     <a:srgbClr val="000000"/>
                   </a:solidFill>
@@ -6008,8 +5886,8 @@
               <a:noFill/>
             </a:ln>
             <a:extLst>
-              <a:ext uri="{91240B29-F687-4f45-9708-019B960494DF}">
-                <a14:hiddenLine xmlns:a14="http://schemas.microsoft.com/office/drawing/2010/main" xmlns="" w="9525">
+              <a:ext uri="{91240B29-F687-4F45-9708-019B960494DF}">
+                <a14:hiddenLine xmlns:a14="http://schemas.microsoft.com/office/drawing/2010/main" w="9525">
                   <a:solidFill>
                     <a:srgbClr val="000000"/>
                   </a:solidFill>
@@ -6076,8 +5954,8 @@
               <a:noFill/>
             </a:ln>
             <a:extLst>
-              <a:ext uri="{91240B29-F687-4f45-9708-019B960494DF}">
-                <a14:hiddenLine xmlns:a14="http://schemas.microsoft.com/office/drawing/2010/main" xmlns="" w="9525">
+              <a:ext uri="{91240B29-F687-4F45-9708-019B960494DF}">
+                <a14:hiddenLine xmlns:a14="http://schemas.microsoft.com/office/drawing/2010/main" w="9525">
                   <a:solidFill>
                     <a:srgbClr val="000000"/>
                   </a:solidFill>
@@ -6138,8 +6016,8 @@
               <a:noFill/>
             </a:ln>
             <a:extLst>
-              <a:ext uri="{91240B29-F687-4f45-9708-019B960494DF}">
-                <a14:hiddenLine xmlns:a14="http://schemas.microsoft.com/office/drawing/2010/main" xmlns="" w="9525">
+              <a:ext uri="{91240B29-F687-4F45-9708-019B960494DF}">
+                <a14:hiddenLine xmlns:a14="http://schemas.microsoft.com/office/drawing/2010/main" w="9525">
                   <a:solidFill>
                     <a:srgbClr val="000000"/>
                   </a:solidFill>
@@ -6228,8 +6106,8 @@
               <a:noFill/>
             </a:ln>
             <a:extLst>
-              <a:ext uri="{91240B29-F687-4f45-9708-019B960494DF}">
-                <a14:hiddenLine xmlns:a14="http://schemas.microsoft.com/office/drawing/2010/main" xmlns="" w="9525">
+              <a:ext uri="{91240B29-F687-4F45-9708-019B960494DF}">
+                <a14:hiddenLine xmlns:a14="http://schemas.microsoft.com/office/drawing/2010/main" w="9525">
                   <a:solidFill>
                     <a:srgbClr val="000000"/>
                   </a:solidFill>
@@ -6290,8 +6168,8 @@
               <a:noFill/>
             </a:ln>
             <a:extLst>
-              <a:ext uri="{91240B29-F687-4f45-9708-019B960494DF}">
-                <a14:hiddenLine xmlns:a14="http://schemas.microsoft.com/office/drawing/2010/main" xmlns="" w="9525">
+              <a:ext uri="{91240B29-F687-4F45-9708-019B960494DF}">
+                <a14:hiddenLine xmlns:a14="http://schemas.microsoft.com/office/drawing/2010/main" w="9525">
                   <a:solidFill>
                     <a:srgbClr val="000000"/>
                   </a:solidFill>
@@ -6380,8 +6258,8 @@
               <a:noFill/>
             </a:ln>
             <a:extLst>
-              <a:ext uri="{91240B29-F687-4f45-9708-019B960494DF}">
-                <a14:hiddenLine xmlns:a14="http://schemas.microsoft.com/office/drawing/2010/main" xmlns="" w="9525">
+              <a:ext uri="{91240B29-F687-4F45-9708-019B960494DF}">
+                <a14:hiddenLine xmlns:a14="http://schemas.microsoft.com/office/drawing/2010/main" w="9525">
                   <a:solidFill>
                     <a:srgbClr val="000000"/>
                   </a:solidFill>
@@ -6442,8 +6320,8 @@
               <a:noFill/>
             </a:ln>
             <a:extLst>
-              <a:ext uri="{91240B29-F687-4f45-9708-019B960494DF}">
-                <a14:hiddenLine xmlns:a14="http://schemas.microsoft.com/office/drawing/2010/main" xmlns="" w="9525">
+              <a:ext uri="{91240B29-F687-4F45-9708-019B960494DF}">
+                <a14:hiddenLine xmlns:a14="http://schemas.microsoft.com/office/drawing/2010/main" w="9525">
                   <a:solidFill>
                     <a:srgbClr val="000000"/>
                   </a:solidFill>
@@ -6532,8 +6410,8 @@
               <a:noFill/>
             </a:ln>
             <a:extLst>
-              <a:ext uri="{91240B29-F687-4f45-9708-019B960494DF}">
-                <a14:hiddenLine xmlns:a14="http://schemas.microsoft.com/office/drawing/2010/main" xmlns="" w="9525">
+              <a:ext uri="{91240B29-F687-4F45-9708-019B960494DF}">
+                <a14:hiddenLine xmlns:a14="http://schemas.microsoft.com/office/drawing/2010/main" w="9525">
                   <a:solidFill>
                     <a:srgbClr val="000000"/>
                   </a:solidFill>
@@ -6566,8 +6444,8 @@
               <a:noFill/>
             </a:ln>
             <a:extLst>
-              <a:ext uri="{91240B29-F687-4f45-9708-019B960494DF}">
-                <a14:hiddenLine xmlns:a14="http://schemas.microsoft.com/office/drawing/2010/main" xmlns="" w="9525">
+              <a:ext uri="{91240B29-F687-4F45-9708-019B960494DF}">
+                <a14:hiddenLine xmlns:a14="http://schemas.microsoft.com/office/drawing/2010/main" w="9525">
                   <a:solidFill>
                     <a:srgbClr val="000000"/>
                   </a:solidFill>
@@ -6631,8 +6509,8 @@
               <a:noFill/>
             </a:ln>
             <a:extLst>
-              <a:ext uri="{91240B29-F687-4f45-9708-019B960494DF}">
-                <a14:hiddenLine xmlns:a14="http://schemas.microsoft.com/office/drawing/2010/main" xmlns="" w="9525">
+              <a:ext uri="{91240B29-F687-4F45-9708-019B960494DF}">
+                <a14:hiddenLine xmlns:a14="http://schemas.microsoft.com/office/drawing/2010/main" w="9525">
                   <a:solidFill>
                     <a:srgbClr val="000000"/>
                   </a:solidFill>
@@ -6721,8 +6599,8 @@
               <a:noFill/>
             </a:ln>
             <a:extLst>
-              <a:ext uri="{91240B29-F687-4f45-9708-019B960494DF}">
-                <a14:hiddenLine xmlns:a14="http://schemas.microsoft.com/office/drawing/2010/main" xmlns="" w="9525">
+              <a:ext uri="{91240B29-F687-4F45-9708-019B960494DF}">
+                <a14:hiddenLine xmlns:a14="http://schemas.microsoft.com/office/drawing/2010/main" w="9525">
                   <a:solidFill>
                     <a:srgbClr val="000000"/>
                   </a:solidFill>
@@ -6783,8 +6661,8 @@
               <a:noFill/>
             </a:ln>
             <a:extLst>
-              <a:ext uri="{91240B29-F687-4f45-9708-019B960494DF}">
-                <a14:hiddenLine xmlns:a14="http://schemas.microsoft.com/office/drawing/2010/main" xmlns="" w="9525">
+              <a:ext uri="{91240B29-F687-4F45-9708-019B960494DF}">
+                <a14:hiddenLine xmlns:a14="http://schemas.microsoft.com/office/drawing/2010/main" w="9525">
                   <a:solidFill>
                     <a:srgbClr val="000000"/>
                   </a:solidFill>
@@ -6873,8 +6751,8 @@
               <a:noFill/>
             </a:ln>
             <a:extLst>
-              <a:ext uri="{91240B29-F687-4f45-9708-019B960494DF}">
-                <a14:hiddenLine xmlns:a14="http://schemas.microsoft.com/office/drawing/2010/main" xmlns="" w="9525">
+              <a:ext uri="{91240B29-F687-4F45-9708-019B960494DF}">
+                <a14:hiddenLine xmlns:a14="http://schemas.microsoft.com/office/drawing/2010/main" w="9525">
                   <a:solidFill>
                     <a:srgbClr val="000000"/>
                   </a:solidFill>
@@ -6963,8 +6841,8 @@
               <a:noFill/>
             </a:ln>
             <a:extLst>
-              <a:ext uri="{91240B29-F687-4f45-9708-019B960494DF}">
-                <a14:hiddenLine xmlns:a14="http://schemas.microsoft.com/office/drawing/2010/main" xmlns="" w="9525">
+              <a:ext uri="{91240B29-F687-4F45-9708-019B960494DF}">
+                <a14:hiddenLine xmlns:a14="http://schemas.microsoft.com/office/drawing/2010/main" w="9525">
                   <a:solidFill>
                     <a:srgbClr val="000000"/>
                   </a:solidFill>
@@ -7028,8 +6906,8 @@
               <a:noFill/>
             </a:ln>
             <a:extLst>
-              <a:ext uri="{91240B29-F687-4f45-9708-019B960494DF}">
-                <a14:hiddenLine xmlns:a14="http://schemas.microsoft.com/office/drawing/2010/main" xmlns="" w="9525">
+              <a:ext uri="{91240B29-F687-4F45-9708-019B960494DF}">
+                <a14:hiddenLine xmlns:a14="http://schemas.microsoft.com/office/drawing/2010/main" w="9525">
                   <a:solidFill>
                     <a:srgbClr val="000000"/>
                   </a:solidFill>
@@ -7090,8 +6968,8 @@
               <a:noFill/>
             </a:ln>
             <a:extLst>
-              <a:ext uri="{91240B29-F687-4f45-9708-019B960494DF}">
-                <a14:hiddenLine xmlns:a14="http://schemas.microsoft.com/office/drawing/2010/main" xmlns="" w="9525">
+              <a:ext uri="{91240B29-F687-4F45-9708-019B960494DF}">
+                <a14:hiddenLine xmlns:a14="http://schemas.microsoft.com/office/drawing/2010/main" w="9525">
                   <a:solidFill>
                     <a:srgbClr val="000000"/>
                   </a:solidFill>
@@ -7180,8 +7058,8 @@
               <a:noFill/>
             </a:ln>
             <a:extLst>
-              <a:ext uri="{91240B29-F687-4f45-9708-019B960494DF}">
-                <a14:hiddenLine xmlns:a14="http://schemas.microsoft.com/office/drawing/2010/main" xmlns="" w="9525">
+              <a:ext uri="{91240B29-F687-4F45-9708-019B960494DF}">
+                <a14:hiddenLine xmlns:a14="http://schemas.microsoft.com/office/drawing/2010/main" w="9525">
                   <a:solidFill>
                     <a:srgbClr val="000000"/>
                   </a:solidFill>
@@ -7270,8 +7148,8 @@
               <a:noFill/>
             </a:ln>
             <a:extLst>
-              <a:ext uri="{91240B29-F687-4f45-9708-019B960494DF}">
-                <a14:hiddenLine xmlns:a14="http://schemas.microsoft.com/office/drawing/2010/main" xmlns="" w="9525">
+              <a:ext uri="{91240B29-F687-4F45-9708-019B960494DF}">
+                <a14:hiddenLine xmlns:a14="http://schemas.microsoft.com/office/drawing/2010/main" w="9525">
                   <a:solidFill>
                     <a:srgbClr val="000000"/>
                   </a:solidFill>
@@ -7332,8 +7210,8 @@
               <a:noFill/>
             </a:ln>
             <a:extLst>
-              <a:ext uri="{91240B29-F687-4f45-9708-019B960494DF}">
-                <a14:hiddenLine xmlns:a14="http://schemas.microsoft.com/office/drawing/2010/main" xmlns="" w="9525">
+              <a:ext uri="{91240B29-F687-4F45-9708-019B960494DF}">
+                <a14:hiddenLine xmlns:a14="http://schemas.microsoft.com/office/drawing/2010/main" w="9525">
                   <a:solidFill>
                     <a:srgbClr val="000000"/>
                   </a:solidFill>
@@ -7452,8 +7330,8 @@
               <a:noFill/>
             </a:ln>
             <a:extLst>
-              <a:ext uri="{91240B29-F687-4f45-9708-019B960494DF}">
-                <a14:hiddenLine xmlns:a14="http://schemas.microsoft.com/office/drawing/2010/main" xmlns="" w="9525">
+              <a:ext uri="{91240B29-F687-4F45-9708-019B960494DF}">
+                <a14:hiddenLine xmlns:a14="http://schemas.microsoft.com/office/drawing/2010/main" w="9525">
                   <a:solidFill>
                     <a:srgbClr val="000000"/>
                   </a:solidFill>
@@ -7520,8 +7398,8 @@
               <a:noFill/>
             </a:ln>
             <a:extLst>
-              <a:ext uri="{91240B29-F687-4f45-9708-019B960494DF}">
-                <a14:hiddenLine xmlns:a14="http://schemas.microsoft.com/office/drawing/2010/main" xmlns="" w="9525">
+              <a:ext uri="{91240B29-F687-4F45-9708-019B960494DF}">
+                <a14:hiddenLine xmlns:a14="http://schemas.microsoft.com/office/drawing/2010/main" w="9525">
                   <a:solidFill>
                     <a:srgbClr val="000000"/>
                   </a:solidFill>
@@ -7610,8 +7488,8 @@
               <a:noFill/>
             </a:ln>
             <a:extLst>
-              <a:ext uri="{91240B29-F687-4f45-9708-019B960494DF}">
-                <a14:hiddenLine xmlns:a14="http://schemas.microsoft.com/office/drawing/2010/main" xmlns="" w="9525">
+              <a:ext uri="{91240B29-F687-4F45-9708-019B960494DF}">
+                <a14:hiddenLine xmlns:a14="http://schemas.microsoft.com/office/drawing/2010/main" w="9525">
                   <a:solidFill>
                     <a:srgbClr val="000000"/>
                   </a:solidFill>
@@ -7751,7 +7629,7 @@
           <a:p>
             <a:fld id="{77C90CB0-BCAD-4076-BD50-9B2570601726}" type="datetimeFigureOut">
               <a:rPr lang="de-DE" smtClean="0"/>
-              <a:t>07.12.2018</a:t>
+              <a:t>08.12.2018</a:t>
             </a:fld>
             <a:endParaRPr lang="de-DE"/>
           </a:p>
@@ -8018,7 +7896,7 @@
           <a:p>
             <a:fld id="{77C90CB0-BCAD-4076-BD50-9B2570601726}" type="datetimeFigureOut">
               <a:rPr lang="de-DE" smtClean="0"/>
-              <a:t>07.12.2018</a:t>
+              <a:t>08.12.2018</a:t>
             </a:fld>
             <a:endParaRPr lang="de-DE"/>
           </a:p>
@@ -8214,7 +8092,7 @@
           <a:p>
             <a:fld id="{77C90CB0-BCAD-4076-BD50-9B2570601726}" type="datetimeFigureOut">
               <a:rPr lang="de-DE" smtClean="0"/>
-              <a:t>07.12.2018</a:t>
+              <a:t>08.12.2018</a:t>
             </a:fld>
             <a:endParaRPr lang="de-DE"/>
           </a:p>
@@ -8477,7 +8355,7 @@
           <a:p>
             <a:fld id="{77C90CB0-BCAD-4076-BD50-9B2570601726}" type="datetimeFigureOut">
               <a:rPr lang="de-DE" smtClean="0"/>
-              <a:t>07.12.2018</a:t>
+              <a:t>08.12.2018</a:t>
             </a:fld>
             <a:endParaRPr lang="de-DE"/>
           </a:p>
@@ -8911,7 +8789,7 @@
           <a:p>
             <a:fld id="{77C90CB0-BCAD-4076-BD50-9B2570601726}" type="datetimeFigureOut">
               <a:rPr lang="de-DE" smtClean="0"/>
-              <a:t>07.12.2018</a:t>
+              <a:t>08.12.2018</a:t>
             </a:fld>
             <a:endParaRPr lang="de-DE"/>
           </a:p>
@@ -9457,7 +9335,7 @@
           <a:p>
             <a:fld id="{77C90CB0-BCAD-4076-BD50-9B2570601726}" type="datetimeFigureOut">
               <a:rPr lang="de-DE" smtClean="0"/>
-              <a:t>07.12.2018</a:t>
+              <a:t>08.12.2018</a:t>
             </a:fld>
             <a:endParaRPr lang="de-DE"/>
           </a:p>
@@ -10177,7 +10055,7 @@
           <a:p>
             <a:fld id="{77C90CB0-BCAD-4076-BD50-9B2570601726}" type="datetimeFigureOut">
               <a:rPr lang="de-DE" smtClean="0"/>
-              <a:t>07.12.2018</a:t>
+              <a:t>08.12.2018</a:t>
             </a:fld>
             <a:endParaRPr lang="de-DE"/>
           </a:p>
@@ -10351,7 +10229,7 @@
           <a:p>
             <a:fld id="{77C90CB0-BCAD-4076-BD50-9B2570601726}" type="datetimeFigureOut">
               <a:rPr lang="de-DE" smtClean="0"/>
-              <a:t>07.12.2018</a:t>
+              <a:t>08.12.2018</a:t>
             </a:fld>
             <a:endParaRPr lang="de-DE"/>
           </a:p>
@@ -10531,7 +10409,7 @@
           <a:p>
             <a:fld id="{77C90CB0-BCAD-4076-BD50-9B2570601726}" type="datetimeFigureOut">
               <a:rPr lang="de-DE" smtClean="0"/>
-              <a:t>07.12.2018</a:t>
+              <a:t>08.12.2018</a:t>
             </a:fld>
             <a:endParaRPr lang="de-DE"/>
           </a:p>
@@ -10716,7 +10594,7 @@
           <a:p>
             <a:fld id="{77C90CB0-BCAD-4076-BD50-9B2570601726}" type="datetimeFigureOut">
               <a:rPr lang="de-DE" smtClean="0"/>
-              <a:t>07.12.2018</a:t>
+              <a:t>08.12.2018</a:t>
             </a:fld>
             <a:endParaRPr lang="de-DE"/>
           </a:p>
@@ -10976,7 +10854,7 @@
           <a:p>
             <a:fld id="{77C90CB0-BCAD-4076-BD50-9B2570601726}" type="datetimeFigureOut">
               <a:rPr lang="de-DE" smtClean="0"/>
-              <a:t>07.12.2018</a:t>
+              <a:t>08.12.2018</a:t>
             </a:fld>
             <a:endParaRPr lang="de-DE"/>
           </a:p>
@@ -11208,7 +11086,7 @@
           <a:p>
             <a:fld id="{77C90CB0-BCAD-4076-BD50-9B2570601726}" type="datetimeFigureOut">
               <a:rPr lang="de-DE" smtClean="0"/>
-              <a:t>07.12.2018</a:t>
+              <a:t>08.12.2018</a:t>
             </a:fld>
             <a:endParaRPr lang="de-DE"/>
           </a:p>
@@ -11589,7 +11467,7 @@
           <a:p>
             <a:fld id="{77C90CB0-BCAD-4076-BD50-9B2570601726}" type="datetimeFigureOut">
               <a:rPr lang="de-DE" smtClean="0"/>
-              <a:t>07.12.2018</a:t>
+              <a:t>08.12.2018</a:t>
             </a:fld>
             <a:endParaRPr lang="de-DE"/>
           </a:p>
@@ -11707,7 +11585,7 @@
           <a:p>
             <a:fld id="{77C90CB0-BCAD-4076-BD50-9B2570601726}" type="datetimeFigureOut">
               <a:rPr lang="de-DE" smtClean="0"/>
-              <a:t>07.12.2018</a:t>
+              <a:t>08.12.2018</a:t>
             </a:fld>
             <a:endParaRPr lang="de-DE"/>
           </a:p>
@@ -11802,7 +11680,7 @@
           <a:p>
             <a:fld id="{77C90CB0-BCAD-4076-BD50-9B2570601726}" type="datetimeFigureOut">
               <a:rPr lang="de-DE" smtClean="0"/>
-              <a:t>07.12.2018</a:t>
+              <a:t>08.12.2018</a:t>
             </a:fld>
             <a:endParaRPr lang="de-DE"/>
           </a:p>
@@ -12051,7 +11929,7 @@
           <a:p>
             <a:fld id="{77C90CB0-BCAD-4076-BD50-9B2570601726}" type="datetimeFigureOut">
               <a:rPr lang="de-DE" smtClean="0"/>
-              <a:t>07.12.2018</a:t>
+              <a:t>08.12.2018</a:t>
             </a:fld>
             <a:endParaRPr lang="de-DE"/>
           </a:p>
@@ -12303,7 +12181,7 @@
           <a:p>
             <a:fld id="{77C90CB0-BCAD-4076-BD50-9B2570601726}" type="datetimeFigureOut">
               <a:rPr lang="de-DE" smtClean="0"/>
-              <a:t>07.12.2018</a:t>
+              <a:t>08.12.2018</a:t>
             </a:fld>
             <a:endParaRPr lang="de-DE"/>
           </a:p>
@@ -12425,8 +12303,8 @@
           </a:prstGeom>
           <a:noFill/>
           <a:extLst>
-            <a:ext uri="{909E8E84-426E-40dd-AFC4-6F175D3DCCD1}">
-              <a14:hiddenFill xmlns:a14="http://schemas.microsoft.com/office/drawing/2010/main" xmlns="">
+            <a:ext uri="{909E8E84-426E-40DD-AFC4-6F175D3DCCD1}">
+              <a14:hiddenFill xmlns:a14="http://schemas.microsoft.com/office/drawing/2010/main">
                 <a:solidFill>
                   <a:srgbClr val="FFFFFF"/>
                 </a:solidFill>
@@ -12499,8 +12377,8 @@
                 <a:noFill/>
               </a:ln>
               <a:extLst>
-                <a:ext uri="{91240B29-F687-4f45-9708-019B960494DF}">
-                  <a14:hiddenLine xmlns:a14="http://schemas.microsoft.com/office/drawing/2010/main" xmlns="" w="9525">
+                <a:ext uri="{91240B29-F687-4F45-9708-019B960494DF}">
+                  <a14:hiddenLine xmlns:a14="http://schemas.microsoft.com/office/drawing/2010/main" w="9525">
                     <a:solidFill>
                       <a:srgbClr val="000000"/>
                     </a:solidFill>
@@ -12589,8 +12467,8 @@
                 <a:noFill/>
               </a:ln>
               <a:extLst>
-                <a:ext uri="{91240B29-F687-4f45-9708-019B960494DF}">
-                  <a14:hiddenLine xmlns:a14="http://schemas.microsoft.com/office/drawing/2010/main" xmlns="" w="9525">
+                <a:ext uri="{91240B29-F687-4F45-9708-019B960494DF}">
+                  <a14:hiddenLine xmlns:a14="http://schemas.microsoft.com/office/drawing/2010/main" w="9525">
                     <a:solidFill>
                       <a:srgbClr val="000000"/>
                     </a:solidFill>
@@ -12679,8 +12557,8 @@
                 <a:noFill/>
               </a:ln>
               <a:extLst>
-                <a:ext uri="{91240B29-F687-4f45-9708-019B960494DF}">
-                  <a14:hiddenLine xmlns:a14="http://schemas.microsoft.com/office/drawing/2010/main" xmlns="" w="9525">
+                <a:ext uri="{91240B29-F687-4F45-9708-019B960494DF}">
+                  <a14:hiddenLine xmlns:a14="http://schemas.microsoft.com/office/drawing/2010/main" w="9525">
                     <a:solidFill>
                       <a:srgbClr val="000000"/>
                     </a:solidFill>
@@ -12741,8 +12619,8 @@
                 <a:noFill/>
               </a:ln>
               <a:extLst>
-                <a:ext uri="{91240B29-F687-4f45-9708-019B960494DF}">
-                  <a14:hiddenLine xmlns:a14="http://schemas.microsoft.com/office/drawing/2010/main" xmlns="" w="9525">
+                <a:ext uri="{91240B29-F687-4F45-9708-019B960494DF}">
+                  <a14:hiddenLine xmlns:a14="http://schemas.microsoft.com/office/drawing/2010/main" w="9525">
                     <a:solidFill>
                       <a:srgbClr val="000000"/>
                     </a:solidFill>
@@ -12831,8 +12709,8 @@
                 <a:noFill/>
               </a:ln>
               <a:extLst>
-                <a:ext uri="{91240B29-F687-4f45-9708-019B960494DF}">
-                  <a14:hiddenLine xmlns:a14="http://schemas.microsoft.com/office/drawing/2010/main" xmlns="" w="9525">
+                <a:ext uri="{91240B29-F687-4F45-9708-019B960494DF}">
+                  <a14:hiddenLine xmlns:a14="http://schemas.microsoft.com/office/drawing/2010/main" w="9525">
                     <a:solidFill>
                       <a:srgbClr val="000000"/>
                     </a:solidFill>
@@ -12893,8 +12771,8 @@
                 <a:noFill/>
               </a:ln>
               <a:extLst>
-                <a:ext uri="{91240B29-F687-4f45-9708-019B960494DF}">
-                  <a14:hiddenLine xmlns:a14="http://schemas.microsoft.com/office/drawing/2010/main" xmlns="" w="9525">
+                <a:ext uri="{91240B29-F687-4F45-9708-019B960494DF}">
+                  <a14:hiddenLine xmlns:a14="http://schemas.microsoft.com/office/drawing/2010/main" w="9525">
                     <a:solidFill>
                       <a:srgbClr val="000000"/>
                     </a:solidFill>
@@ -12955,8 +12833,8 @@
                 <a:noFill/>
               </a:ln>
               <a:extLst>
-                <a:ext uri="{91240B29-F687-4f45-9708-019B960494DF}">
-                  <a14:hiddenLine xmlns:a14="http://schemas.microsoft.com/office/drawing/2010/main" xmlns="" w="9525">
+                <a:ext uri="{91240B29-F687-4F45-9708-019B960494DF}">
+                  <a14:hiddenLine xmlns:a14="http://schemas.microsoft.com/office/drawing/2010/main" w="9525">
                     <a:solidFill>
                       <a:srgbClr val="000000"/>
                     </a:solidFill>
@@ -13045,8 +12923,8 @@
                 <a:noFill/>
               </a:ln>
               <a:extLst>
-                <a:ext uri="{91240B29-F687-4f45-9708-019B960494DF}">
-                  <a14:hiddenLine xmlns:a14="http://schemas.microsoft.com/office/drawing/2010/main" xmlns="" w="9525">
+                <a:ext uri="{91240B29-F687-4F45-9708-019B960494DF}">
+                  <a14:hiddenLine xmlns:a14="http://schemas.microsoft.com/office/drawing/2010/main" w="9525">
                     <a:solidFill>
                       <a:srgbClr val="000000"/>
                     </a:solidFill>
@@ -13135,8 +13013,8 @@
                 <a:noFill/>
               </a:ln>
               <a:extLst>
-                <a:ext uri="{91240B29-F687-4f45-9708-019B960494DF}">
-                  <a14:hiddenLine xmlns:a14="http://schemas.microsoft.com/office/drawing/2010/main" xmlns="" w="9525">
+                <a:ext uri="{91240B29-F687-4F45-9708-019B960494DF}">
+                  <a14:hiddenLine xmlns:a14="http://schemas.microsoft.com/office/drawing/2010/main" w="9525">
                     <a:solidFill>
                       <a:srgbClr val="000000"/>
                     </a:solidFill>
@@ -13197,8 +13075,8 @@
                 <a:noFill/>
               </a:ln>
               <a:extLst>
-                <a:ext uri="{91240B29-F687-4f45-9708-019B960494DF}">
-                  <a14:hiddenLine xmlns:a14="http://schemas.microsoft.com/office/drawing/2010/main" xmlns="" w="9525">
+                <a:ext uri="{91240B29-F687-4F45-9708-019B960494DF}">
+                  <a14:hiddenLine xmlns:a14="http://schemas.microsoft.com/office/drawing/2010/main" w="9525">
                     <a:solidFill>
                       <a:srgbClr val="000000"/>
                     </a:solidFill>
@@ -13307,8 +13185,8 @@
                 <a:noFill/>
               </a:ln>
               <a:extLst>
-                <a:ext uri="{91240B29-F687-4f45-9708-019B960494DF}">
-                  <a14:hiddenLine xmlns:a14="http://schemas.microsoft.com/office/drawing/2010/main" xmlns="" w="9525">
+                <a:ext uri="{91240B29-F687-4F45-9708-019B960494DF}">
+                  <a14:hiddenLine xmlns:a14="http://schemas.microsoft.com/office/drawing/2010/main" w="9525">
                     <a:solidFill>
                       <a:srgbClr val="000000"/>
                     </a:solidFill>
@@ -13391,8 +13269,8 @@
                 <a:noFill/>
               </a:ln>
               <a:extLst>
-                <a:ext uri="{91240B29-F687-4f45-9708-019B960494DF}">
-                  <a14:hiddenLine xmlns:a14="http://schemas.microsoft.com/office/drawing/2010/main" xmlns="" w="9525">
+                <a:ext uri="{91240B29-F687-4F45-9708-019B960494DF}">
+                  <a14:hiddenLine xmlns:a14="http://schemas.microsoft.com/office/drawing/2010/main" w="9525">
                     <a:solidFill>
                       <a:srgbClr val="000000"/>
                     </a:solidFill>
@@ -13453,8 +13331,8 @@
                 <a:noFill/>
               </a:ln>
               <a:extLst>
-                <a:ext uri="{91240B29-F687-4f45-9708-019B960494DF}">
-                  <a14:hiddenLine xmlns:a14="http://schemas.microsoft.com/office/drawing/2010/main" xmlns="" w="9525">
+                <a:ext uri="{91240B29-F687-4F45-9708-019B960494DF}">
+                  <a14:hiddenLine xmlns:a14="http://schemas.microsoft.com/office/drawing/2010/main" w="9525">
                     <a:solidFill>
                       <a:srgbClr val="000000"/>
                     </a:solidFill>
@@ -13515,8 +13393,8 @@
                 <a:noFill/>
               </a:ln>
               <a:extLst>
-                <a:ext uri="{91240B29-F687-4f45-9708-019B960494DF}">
-                  <a14:hiddenLine xmlns:a14="http://schemas.microsoft.com/office/drawing/2010/main" xmlns="" w="9525">
+                <a:ext uri="{91240B29-F687-4F45-9708-019B960494DF}">
+                  <a14:hiddenLine xmlns:a14="http://schemas.microsoft.com/office/drawing/2010/main" w="9525">
                     <a:solidFill>
                       <a:srgbClr val="000000"/>
                     </a:solidFill>
@@ -13605,8 +13483,8 @@
                 <a:noFill/>
               </a:ln>
               <a:extLst>
-                <a:ext uri="{91240B29-F687-4f45-9708-019B960494DF}">
-                  <a14:hiddenLine xmlns:a14="http://schemas.microsoft.com/office/drawing/2010/main" xmlns="" w="9525">
+                <a:ext uri="{91240B29-F687-4F45-9708-019B960494DF}">
+                  <a14:hiddenLine xmlns:a14="http://schemas.microsoft.com/office/drawing/2010/main" w="9525">
                     <a:solidFill>
                       <a:srgbClr val="000000"/>
                     </a:solidFill>
@@ -13639,8 +13517,8 @@
                 <a:noFill/>
               </a:ln>
               <a:extLst>
-                <a:ext uri="{91240B29-F687-4f45-9708-019B960494DF}">
-                  <a14:hiddenLine xmlns:a14="http://schemas.microsoft.com/office/drawing/2010/main" xmlns="" w="9525">
+                <a:ext uri="{91240B29-F687-4F45-9708-019B960494DF}">
+                  <a14:hiddenLine xmlns:a14="http://schemas.microsoft.com/office/drawing/2010/main" w="9525">
                     <a:solidFill>
                       <a:srgbClr val="000000"/>
                     </a:solidFill>
@@ -13704,8 +13582,8 @@
                 <a:noFill/>
               </a:ln>
               <a:extLst>
-                <a:ext uri="{91240B29-F687-4f45-9708-019B960494DF}">
-                  <a14:hiddenLine xmlns:a14="http://schemas.microsoft.com/office/drawing/2010/main" xmlns="" w="9525">
+                <a:ext uri="{91240B29-F687-4F45-9708-019B960494DF}">
+                  <a14:hiddenLine xmlns:a14="http://schemas.microsoft.com/office/drawing/2010/main" w="9525">
                     <a:solidFill>
                       <a:srgbClr val="000000"/>
                     </a:solidFill>
@@ -13794,8 +13672,8 @@
                 <a:noFill/>
               </a:ln>
               <a:extLst>
-                <a:ext uri="{91240B29-F687-4f45-9708-019B960494DF}">
-                  <a14:hiddenLine xmlns:a14="http://schemas.microsoft.com/office/drawing/2010/main" xmlns="" w="9525">
+                <a:ext uri="{91240B29-F687-4F45-9708-019B960494DF}">
+                  <a14:hiddenLine xmlns:a14="http://schemas.microsoft.com/office/drawing/2010/main" w="9525">
                     <a:solidFill>
                       <a:srgbClr val="000000"/>
                     </a:solidFill>
@@ -13856,8 +13734,8 @@
                 <a:noFill/>
               </a:ln>
               <a:extLst>
-                <a:ext uri="{91240B29-F687-4f45-9708-019B960494DF}">
-                  <a14:hiddenLine xmlns:a14="http://schemas.microsoft.com/office/drawing/2010/main" xmlns="" w="9525">
+                <a:ext uri="{91240B29-F687-4F45-9708-019B960494DF}">
+                  <a14:hiddenLine xmlns:a14="http://schemas.microsoft.com/office/drawing/2010/main" w="9525">
                     <a:solidFill>
                       <a:srgbClr val="000000"/>
                     </a:solidFill>
@@ -13946,8 +13824,8 @@
                 <a:noFill/>
               </a:ln>
               <a:extLst>
-                <a:ext uri="{91240B29-F687-4f45-9708-019B960494DF}">
-                  <a14:hiddenLine xmlns:a14="http://schemas.microsoft.com/office/drawing/2010/main" xmlns="" w="9525">
+                <a:ext uri="{91240B29-F687-4F45-9708-019B960494DF}">
+                  <a14:hiddenLine xmlns:a14="http://schemas.microsoft.com/office/drawing/2010/main" w="9525">
                     <a:solidFill>
                       <a:srgbClr val="000000"/>
                     </a:solidFill>
@@ -14011,8 +13889,8 @@
                 <a:noFill/>
               </a:ln>
               <a:extLst>
-                <a:ext uri="{91240B29-F687-4f45-9708-019B960494DF}">
-                  <a14:hiddenLine xmlns:a14="http://schemas.microsoft.com/office/drawing/2010/main" xmlns="" w="9525">
+                <a:ext uri="{91240B29-F687-4F45-9708-019B960494DF}">
+                  <a14:hiddenLine xmlns:a14="http://schemas.microsoft.com/office/drawing/2010/main" w="9525">
                     <a:solidFill>
                       <a:srgbClr val="000000"/>
                     </a:solidFill>
@@ -14073,8 +13951,8 @@
                 <a:noFill/>
               </a:ln>
               <a:extLst>
-                <a:ext uri="{91240B29-F687-4f45-9708-019B960494DF}">
-                  <a14:hiddenLine xmlns:a14="http://schemas.microsoft.com/office/drawing/2010/main" xmlns="" w="9525">
+                <a:ext uri="{91240B29-F687-4F45-9708-019B960494DF}">
+                  <a14:hiddenLine xmlns:a14="http://schemas.microsoft.com/office/drawing/2010/main" w="9525">
                     <a:solidFill>
                       <a:srgbClr val="000000"/>
                     </a:solidFill>
@@ -14163,8 +14041,8 @@
                 <a:noFill/>
               </a:ln>
               <a:extLst>
-                <a:ext uri="{91240B29-F687-4f45-9708-019B960494DF}">
-                  <a14:hiddenLine xmlns:a14="http://schemas.microsoft.com/office/drawing/2010/main" xmlns="" w="9525">
+                <a:ext uri="{91240B29-F687-4F45-9708-019B960494DF}">
+                  <a14:hiddenLine xmlns:a14="http://schemas.microsoft.com/office/drawing/2010/main" w="9525">
                     <a:solidFill>
                       <a:srgbClr val="000000"/>
                     </a:solidFill>
@@ -14253,8 +14131,8 @@
                 <a:noFill/>
               </a:ln>
               <a:extLst>
-                <a:ext uri="{91240B29-F687-4f45-9708-019B960494DF}">
-                  <a14:hiddenLine xmlns:a14="http://schemas.microsoft.com/office/drawing/2010/main" xmlns="" w="9525">
+                <a:ext uri="{91240B29-F687-4F45-9708-019B960494DF}">
+                  <a14:hiddenLine xmlns:a14="http://schemas.microsoft.com/office/drawing/2010/main" w="9525">
                     <a:solidFill>
                       <a:srgbClr val="000000"/>
                     </a:solidFill>
@@ -14318,8 +14196,8 @@
                 <a:noFill/>
               </a:ln>
               <a:extLst>
-                <a:ext uri="{91240B29-F687-4f45-9708-019B960494DF}">
-                  <a14:hiddenLine xmlns:a14="http://schemas.microsoft.com/office/drawing/2010/main" xmlns="" w="9525">
+                <a:ext uri="{91240B29-F687-4F45-9708-019B960494DF}">
+                  <a14:hiddenLine xmlns:a14="http://schemas.microsoft.com/office/drawing/2010/main" w="9525">
                     <a:solidFill>
                       <a:srgbClr val="000000"/>
                     </a:solidFill>
@@ -14438,8 +14316,8 @@
                 <a:noFill/>
               </a:ln>
               <a:extLst>
-                <a:ext uri="{91240B29-F687-4f45-9708-019B960494DF}">
-                  <a14:hiddenLine xmlns:a14="http://schemas.microsoft.com/office/drawing/2010/main" xmlns="" w="9525">
+                <a:ext uri="{91240B29-F687-4F45-9708-019B960494DF}">
+                  <a14:hiddenLine xmlns:a14="http://schemas.microsoft.com/office/drawing/2010/main" w="9525">
                     <a:solidFill>
                       <a:srgbClr val="000000"/>
                     </a:solidFill>
@@ -14536,8 +14414,8 @@
                 <a:noFill/>
               </a:ln>
               <a:extLst>
-                <a:ext uri="{91240B29-F687-4f45-9708-019B960494DF}">
-                  <a14:hiddenLine xmlns:a14="http://schemas.microsoft.com/office/drawing/2010/main" xmlns="" w="9525">
+                <a:ext uri="{91240B29-F687-4F45-9708-019B960494DF}">
+                  <a14:hiddenLine xmlns:a14="http://schemas.microsoft.com/office/drawing/2010/main" w="9525">
                     <a:solidFill>
                       <a:srgbClr val="000000"/>
                     </a:solidFill>
@@ -14651,8 +14529,8 @@
                 <a:noFill/>
               </a:ln>
               <a:extLst>
-                <a:ext uri="{91240B29-F687-4f45-9708-019B960494DF}">
-                  <a14:hiddenLine xmlns:a14="http://schemas.microsoft.com/office/drawing/2010/main" xmlns="" w="9525">
+                <a:ext uri="{91240B29-F687-4F45-9708-019B960494DF}">
+                  <a14:hiddenLine xmlns:a14="http://schemas.microsoft.com/office/drawing/2010/main" w="9525">
                     <a:solidFill>
                       <a:srgbClr val="000000"/>
                     </a:solidFill>
@@ -14741,8 +14619,8 @@
                 <a:noFill/>
               </a:ln>
               <a:extLst>
-                <a:ext uri="{91240B29-F687-4f45-9708-019B960494DF}">
-                  <a14:hiddenLine xmlns:a14="http://schemas.microsoft.com/office/drawing/2010/main" xmlns="" w="9525">
+                <a:ext uri="{91240B29-F687-4F45-9708-019B960494DF}">
+                  <a14:hiddenLine xmlns:a14="http://schemas.microsoft.com/office/drawing/2010/main" w="9525">
                     <a:solidFill>
                       <a:srgbClr val="000000"/>
                     </a:solidFill>
@@ -14806,8 +14684,8 @@
                 <a:noFill/>
               </a:ln>
               <a:extLst>
-                <a:ext uri="{91240B29-F687-4f45-9708-019B960494DF}">
-                  <a14:hiddenLine xmlns:a14="http://schemas.microsoft.com/office/drawing/2010/main" xmlns="" w="9525">
+                <a:ext uri="{91240B29-F687-4F45-9708-019B960494DF}">
+                  <a14:hiddenLine xmlns:a14="http://schemas.microsoft.com/office/drawing/2010/main" w="9525">
                     <a:solidFill>
                       <a:srgbClr val="000000"/>
                     </a:solidFill>
@@ -14896,8 +14774,8 @@
                 <a:noFill/>
               </a:ln>
               <a:extLst>
-                <a:ext uri="{91240B29-F687-4f45-9708-019B960494DF}">
-                  <a14:hiddenLine xmlns:a14="http://schemas.microsoft.com/office/drawing/2010/main" xmlns="" w="9525">
+                <a:ext uri="{91240B29-F687-4F45-9708-019B960494DF}">
+                  <a14:hiddenLine xmlns:a14="http://schemas.microsoft.com/office/drawing/2010/main" w="9525">
                     <a:solidFill>
                       <a:srgbClr val="000000"/>
                     </a:solidFill>
@@ -14964,8 +14842,8 @@
                 <a:noFill/>
               </a:ln>
               <a:extLst>
-                <a:ext uri="{91240B29-F687-4f45-9708-019B960494DF}">
-                  <a14:hiddenLine xmlns:a14="http://schemas.microsoft.com/office/drawing/2010/main" xmlns="" w="9525">
+                <a:ext uri="{91240B29-F687-4F45-9708-019B960494DF}">
+                  <a14:hiddenLine xmlns:a14="http://schemas.microsoft.com/office/drawing/2010/main" w="9525">
                     <a:solidFill>
                       <a:srgbClr val="000000"/>
                     </a:solidFill>
@@ -15054,8 +14932,8 @@
                 <a:noFill/>
               </a:ln>
               <a:extLst>
-                <a:ext uri="{91240B29-F687-4f45-9708-019B960494DF}">
-                  <a14:hiddenLine xmlns:a14="http://schemas.microsoft.com/office/drawing/2010/main" xmlns="" w="9525">
+                <a:ext uri="{91240B29-F687-4F45-9708-019B960494DF}">
+                  <a14:hiddenLine xmlns:a14="http://schemas.microsoft.com/office/drawing/2010/main" w="9525">
                     <a:solidFill>
                       <a:srgbClr val="000000"/>
                     </a:solidFill>
@@ -15122,8 +15000,8 @@
                 <a:noFill/>
               </a:ln>
               <a:extLst>
-                <a:ext uri="{91240B29-F687-4f45-9708-019B960494DF}">
-                  <a14:hiddenLine xmlns:a14="http://schemas.microsoft.com/office/drawing/2010/main" xmlns="" w="9525">
+                <a:ext uri="{91240B29-F687-4F45-9708-019B960494DF}">
+                  <a14:hiddenLine xmlns:a14="http://schemas.microsoft.com/office/drawing/2010/main" w="9525">
                     <a:solidFill>
                       <a:srgbClr val="000000"/>
                     </a:solidFill>
@@ -15212,8 +15090,8 @@
                 <a:noFill/>
               </a:ln>
               <a:extLst>
-                <a:ext uri="{91240B29-F687-4f45-9708-019B960494DF}">
-                  <a14:hiddenLine xmlns:a14="http://schemas.microsoft.com/office/drawing/2010/main" xmlns="" w="9525">
+                <a:ext uri="{91240B29-F687-4F45-9708-019B960494DF}">
+                  <a14:hiddenLine xmlns:a14="http://schemas.microsoft.com/office/drawing/2010/main" w="9525">
                     <a:solidFill>
                       <a:srgbClr val="000000"/>
                     </a:solidFill>
@@ -15246,8 +15124,8 @@
                 <a:noFill/>
               </a:ln>
               <a:extLst>
-                <a:ext uri="{91240B29-F687-4f45-9708-019B960494DF}">
-                  <a14:hiddenLine xmlns:a14="http://schemas.microsoft.com/office/drawing/2010/main" xmlns="" w="9525">
+                <a:ext uri="{91240B29-F687-4F45-9708-019B960494DF}">
+                  <a14:hiddenLine xmlns:a14="http://schemas.microsoft.com/office/drawing/2010/main" w="9525">
                     <a:solidFill>
                       <a:srgbClr val="000000"/>
                     </a:solidFill>
@@ -15387,7 +15265,7 @@
           <a:p>
             <a:fld id="{77C90CB0-BCAD-4076-BD50-9B2570601726}" type="datetimeFigureOut">
               <a:rPr lang="de-DE" smtClean="0"/>
-              <a:t>07.12.2018</a:t>
+              <a:t>08.12.2018</a:t>
             </a:fld>
             <a:endParaRPr lang="de-DE"/>
           </a:p>
@@ -16104,21 +15982,21 @@
                 <a:gridCol w="3192598">
                   <a:extLst>
                     <a:ext uri="{9D8B030D-6E8A-4147-A177-3AD203B41FA5}">
-                      <a16:colId xmlns:a16="http://schemas.microsoft.com/office/drawing/2014/main" val="3043144508"/>
+                      <a16:colId xmlns:a16="http://schemas.microsoft.com/office/drawing/2014/main" xmlns="" val="3043144508"/>
                     </a:ext>
                   </a:extLst>
                 </a:gridCol>
                 <a:gridCol w="2273605">
                   <a:extLst>
                     <a:ext uri="{9D8B030D-6E8A-4147-A177-3AD203B41FA5}">
-                      <a16:colId xmlns:a16="http://schemas.microsoft.com/office/drawing/2014/main" val="1493856869"/>
+                      <a16:colId xmlns:a16="http://schemas.microsoft.com/office/drawing/2014/main" xmlns="" val="1493856869"/>
                     </a:ext>
                   </a:extLst>
                 </a:gridCol>
                 <a:gridCol w="1963297">
                   <a:extLst>
                     <a:ext uri="{9D8B030D-6E8A-4147-A177-3AD203B41FA5}">
-                      <a16:colId xmlns:a16="http://schemas.microsoft.com/office/drawing/2014/main" val="2969815393"/>
+                      <a16:colId xmlns:a16="http://schemas.microsoft.com/office/drawing/2014/main" xmlns="" val="2969815393"/>
                     </a:ext>
                   </a:extLst>
                 </a:gridCol>
@@ -16231,7 +16109,7 @@
                 </a:tc>
                 <a:extLst>
                   <a:ext uri="{0D108BD9-81ED-4DB2-BD59-A6C34878D82A}">
-                    <a16:rowId xmlns:a16="http://schemas.microsoft.com/office/drawing/2014/main" val="3593901944"/>
+                    <a16:rowId xmlns:a16="http://schemas.microsoft.com/office/drawing/2014/main" xmlns="" val="3593901944"/>
                   </a:ext>
                 </a:extLst>
               </a:tr>
@@ -16331,7 +16209,7 @@
                 </a:tc>
                 <a:extLst>
                   <a:ext uri="{0D108BD9-81ED-4DB2-BD59-A6C34878D82A}">
-                    <a16:rowId xmlns:a16="http://schemas.microsoft.com/office/drawing/2014/main" val="1064340236"/>
+                    <a16:rowId xmlns:a16="http://schemas.microsoft.com/office/drawing/2014/main" xmlns="" val="1064340236"/>
                   </a:ext>
                 </a:extLst>
               </a:tr>
@@ -16431,7 +16309,7 @@
                 </a:tc>
                 <a:extLst>
                   <a:ext uri="{0D108BD9-81ED-4DB2-BD59-A6C34878D82A}">
-                    <a16:rowId xmlns:a16="http://schemas.microsoft.com/office/drawing/2014/main" val="3971648895"/>
+                    <a16:rowId xmlns:a16="http://schemas.microsoft.com/office/drawing/2014/main" xmlns="" val="3971648895"/>
                   </a:ext>
                 </a:extLst>
               </a:tr>
@@ -16525,7 +16403,7 @@
                 </a:tc>
                 <a:extLst>
                   <a:ext uri="{0D108BD9-81ED-4DB2-BD59-A6C34878D82A}">
-                    <a16:rowId xmlns:a16="http://schemas.microsoft.com/office/drawing/2014/main" val="3568450927"/>
+                    <a16:rowId xmlns:a16="http://schemas.microsoft.com/office/drawing/2014/main" xmlns="" val="3568450927"/>
                   </a:ext>
                 </a:extLst>
               </a:tr>
@@ -16619,7 +16497,7 @@
                 </a:tc>
                 <a:extLst>
                   <a:ext uri="{0D108BD9-81ED-4DB2-BD59-A6C34878D82A}">
-                    <a16:rowId xmlns:a16="http://schemas.microsoft.com/office/drawing/2014/main" val="2233910405"/>
+                    <a16:rowId xmlns:a16="http://schemas.microsoft.com/office/drawing/2014/main" xmlns="" val="2233910405"/>
                   </a:ext>
                 </a:extLst>
               </a:tr>
@@ -16713,7 +16591,7 @@
                 </a:tc>
                 <a:extLst>
                   <a:ext uri="{0D108BD9-81ED-4DB2-BD59-A6C34878D82A}">
-                    <a16:rowId xmlns:a16="http://schemas.microsoft.com/office/drawing/2014/main" val="3661260584"/>
+                    <a16:rowId xmlns:a16="http://schemas.microsoft.com/office/drawing/2014/main" xmlns="" val="3661260584"/>
                   </a:ext>
                 </a:extLst>
               </a:tr>
@@ -16807,7 +16685,7 @@
                 </a:tc>
                 <a:extLst>
                   <a:ext uri="{0D108BD9-81ED-4DB2-BD59-A6C34878D82A}">
-                    <a16:rowId xmlns:a16="http://schemas.microsoft.com/office/drawing/2014/main" val="2832231937"/>
+                    <a16:rowId xmlns:a16="http://schemas.microsoft.com/office/drawing/2014/main" xmlns="" val="2832231937"/>
                   </a:ext>
                 </a:extLst>
               </a:tr>
@@ -16901,7 +16779,7 @@
                 </a:tc>
                 <a:extLst>
                   <a:ext uri="{0D108BD9-81ED-4DB2-BD59-A6C34878D82A}">
-                    <a16:rowId xmlns:a16="http://schemas.microsoft.com/office/drawing/2014/main" val="3696252627"/>
+                    <a16:rowId xmlns:a16="http://schemas.microsoft.com/office/drawing/2014/main" xmlns="" val="3696252627"/>
                   </a:ext>
                 </a:extLst>
               </a:tr>
@@ -16995,7 +16873,7 @@
                 </a:tc>
                 <a:extLst>
                   <a:ext uri="{0D108BD9-81ED-4DB2-BD59-A6C34878D82A}">
-                    <a16:rowId xmlns:a16="http://schemas.microsoft.com/office/drawing/2014/main" val="2666515709"/>
+                    <a16:rowId xmlns:a16="http://schemas.microsoft.com/office/drawing/2014/main" xmlns="" val="2666515709"/>
                   </a:ext>
                 </a:extLst>
               </a:tr>
@@ -17089,7 +16967,7 @@
                 </a:tc>
                 <a:extLst>
                   <a:ext uri="{0D108BD9-81ED-4DB2-BD59-A6C34878D82A}">
-                    <a16:rowId xmlns:a16="http://schemas.microsoft.com/office/drawing/2014/main" val="2200918700"/>
+                    <a16:rowId xmlns:a16="http://schemas.microsoft.com/office/drawing/2014/main" xmlns="" val="2200918700"/>
                   </a:ext>
                 </a:extLst>
               </a:tr>
@@ -17183,7 +17061,7 @@
                 </a:tc>
                 <a:extLst>
                   <a:ext uri="{0D108BD9-81ED-4DB2-BD59-A6C34878D82A}">
-                    <a16:rowId xmlns:a16="http://schemas.microsoft.com/office/drawing/2014/main" val="3100803531"/>
+                    <a16:rowId xmlns:a16="http://schemas.microsoft.com/office/drawing/2014/main" xmlns="" val="3100803531"/>
                   </a:ext>
                 </a:extLst>
               </a:tr>
@@ -17277,7 +17155,7 @@
                 </a:tc>
                 <a:extLst>
                   <a:ext uri="{0D108BD9-81ED-4DB2-BD59-A6C34878D82A}">
-                    <a16:rowId xmlns:a16="http://schemas.microsoft.com/office/drawing/2014/main" val="1681439451"/>
+                    <a16:rowId xmlns:a16="http://schemas.microsoft.com/office/drawing/2014/main" xmlns="" val="1681439451"/>
                   </a:ext>
                 </a:extLst>
               </a:tr>
@@ -17371,7 +17249,7 @@
                 </a:tc>
                 <a:extLst>
                   <a:ext uri="{0D108BD9-81ED-4DB2-BD59-A6C34878D82A}">
-                    <a16:rowId xmlns:a16="http://schemas.microsoft.com/office/drawing/2014/main" val="3388506960"/>
+                    <a16:rowId xmlns:a16="http://schemas.microsoft.com/office/drawing/2014/main" xmlns="" val="3388506960"/>
                   </a:ext>
                 </a:extLst>
               </a:tr>
@@ -17465,7 +17343,7 @@
                 </a:tc>
                 <a:extLst>
                   <a:ext uri="{0D108BD9-81ED-4DB2-BD59-A6C34878D82A}">
-                    <a16:rowId xmlns:a16="http://schemas.microsoft.com/office/drawing/2014/main" val="570880933"/>
+                    <a16:rowId xmlns:a16="http://schemas.microsoft.com/office/drawing/2014/main" xmlns="" val="570880933"/>
                   </a:ext>
                 </a:extLst>
               </a:tr>
@@ -17559,7 +17437,7 @@
                 </a:tc>
                 <a:extLst>
                   <a:ext uri="{0D108BD9-81ED-4DB2-BD59-A6C34878D82A}">
-                    <a16:rowId xmlns:a16="http://schemas.microsoft.com/office/drawing/2014/main" val="2664442372"/>
+                    <a16:rowId xmlns:a16="http://schemas.microsoft.com/office/drawing/2014/main" xmlns="" val="2664442372"/>
                   </a:ext>
                 </a:extLst>
               </a:tr>
@@ -17653,7 +17531,7 @@
                 </a:tc>
                 <a:extLst>
                   <a:ext uri="{0D108BD9-81ED-4DB2-BD59-A6C34878D82A}">
-                    <a16:rowId xmlns:a16="http://schemas.microsoft.com/office/drawing/2014/main" val="1248671919"/>
+                    <a16:rowId xmlns:a16="http://schemas.microsoft.com/office/drawing/2014/main" xmlns="" val="1248671919"/>
                   </a:ext>
                 </a:extLst>
               </a:tr>
@@ -17747,7 +17625,7 @@
                 </a:tc>
                 <a:extLst>
                   <a:ext uri="{0D108BD9-81ED-4DB2-BD59-A6C34878D82A}">
-                    <a16:rowId xmlns:a16="http://schemas.microsoft.com/office/drawing/2014/main" val="135169989"/>
+                    <a16:rowId xmlns:a16="http://schemas.microsoft.com/office/drawing/2014/main" xmlns="" val="135169989"/>
                   </a:ext>
                 </a:extLst>
               </a:tr>
@@ -17841,7 +17719,7 @@
                 </a:tc>
                 <a:extLst>
                   <a:ext uri="{0D108BD9-81ED-4DB2-BD59-A6C34878D82A}">
-                    <a16:rowId xmlns:a16="http://schemas.microsoft.com/office/drawing/2014/main" val="3514961361"/>
+                    <a16:rowId xmlns:a16="http://schemas.microsoft.com/office/drawing/2014/main" xmlns="" val="3514961361"/>
                   </a:ext>
                 </a:extLst>
               </a:tr>
@@ -17935,7 +17813,7 @@
                 </a:tc>
                 <a:extLst>
                   <a:ext uri="{0D108BD9-81ED-4DB2-BD59-A6C34878D82A}">
-                    <a16:rowId xmlns:a16="http://schemas.microsoft.com/office/drawing/2014/main" val="1380328154"/>
+                    <a16:rowId xmlns:a16="http://schemas.microsoft.com/office/drawing/2014/main" xmlns="" val="1380328154"/>
                   </a:ext>
                 </a:extLst>
               </a:tr>
@@ -18029,7 +17907,7 @@
                 </a:tc>
                 <a:extLst>
                   <a:ext uri="{0D108BD9-81ED-4DB2-BD59-A6C34878D82A}">
-                    <a16:rowId xmlns:a16="http://schemas.microsoft.com/office/drawing/2014/main" val="317986866"/>
+                    <a16:rowId xmlns:a16="http://schemas.microsoft.com/office/drawing/2014/main" xmlns="" val="317986866"/>
                   </a:ext>
                 </a:extLst>
               </a:tr>
@@ -18129,7 +18007,7 @@
                 </a:tc>
                 <a:extLst>
                   <a:ext uri="{0D108BD9-81ED-4DB2-BD59-A6C34878D82A}">
-                    <a16:rowId xmlns:a16="http://schemas.microsoft.com/office/drawing/2014/main" val="2710386670"/>
+                    <a16:rowId xmlns:a16="http://schemas.microsoft.com/office/drawing/2014/main" xmlns="" val="2710386670"/>
                   </a:ext>
                 </a:extLst>
               </a:tr>
@@ -18229,7 +18107,7 @@
                 </a:tc>
                 <a:extLst>
                   <a:ext uri="{0D108BD9-81ED-4DB2-BD59-A6C34878D82A}">
-                    <a16:rowId xmlns:a16="http://schemas.microsoft.com/office/drawing/2014/main" val="2640749732"/>
+                    <a16:rowId xmlns:a16="http://schemas.microsoft.com/office/drawing/2014/main" xmlns="" val="2640749732"/>
                   </a:ext>
                 </a:extLst>
               </a:tr>
@@ -18546,7 +18424,17 @@
             </a:r>
             <a:r>
               <a:rPr lang="en-GB" dirty="0" smtClean="0"/>
-              <a:t> der IDE</a:t>
+              <a:t> der </a:t>
+            </a:r>
+            <a:r>
+              <a:rPr lang="en-GB" dirty="0" smtClean="0"/>
+              <a:t>IDE</a:t>
+            </a:r>
+          </a:p>
+          <a:p>
+            <a:r>
+              <a:rPr lang="en-GB" dirty="0" err="1" smtClean="0"/>
+              <a:t>Zeitmanagement</a:t>
             </a:r>
             <a:endParaRPr lang="en-GB" dirty="0" smtClean="0"/>
           </a:p>
@@ -18555,6 +18443,36 @@
           </a:p>
         </p:txBody>
       </p:sp>
+      <p:pic>
+        <p:nvPicPr>
+          <p:cNvPr id="4" name="Grafik 3"/>
+          <p:cNvPicPr>
+            <a:picLocks noChangeAspect="1"/>
+          </p:cNvPicPr>
+          <p:nvPr/>
+        </p:nvPicPr>
+        <p:blipFill>
+          <a:blip r:embed="rId3">
+            <a:extLst>
+              <a:ext uri="{28A0092B-C50C-407E-A947-70E740481C1C}">
+                <a14:useLocalDpi xmlns:a14="http://schemas.microsoft.com/office/drawing/2010/main" val="0"/>
+              </a:ext>
+            </a:extLst>
+          </a:blip>
+          <a:stretch>
+            <a:fillRect/>
+          </a:stretch>
+        </p:blipFill>
+        <p:spPr>
+          <a:xfrm>
+            <a:off x="1259632" y="4230960"/>
+            <a:ext cx="2510408" cy="2510408"/>
+          </a:xfrm>
+          <a:prstGeom prst="rect">
+            <a:avLst/>
+          </a:prstGeom>
+        </p:spPr>
+      </p:pic>
     </p:spTree>
     <p:extLst>
       <p:ext uri="{BB962C8B-B14F-4D97-AF65-F5344CB8AC3E}">
@@ -18919,10 +18837,89 @@
             <a:endParaRPr lang="en-GB" dirty="0" smtClean="0"/>
           </a:p>
           <a:p>
+            <a:r>
+              <a:rPr lang="en-GB" dirty="0" err="1" smtClean="0"/>
+              <a:t>Gute</a:t>
+            </a:r>
+            <a:r>
+              <a:rPr lang="en-GB" dirty="0" smtClean="0"/>
+              <a:t> </a:t>
+            </a:r>
+            <a:r>
+              <a:rPr lang="en-GB" dirty="0" err="1" smtClean="0"/>
+              <a:t>Zusammenarbeit</a:t>
+            </a:r>
+            <a:r>
+              <a:rPr lang="en-GB" dirty="0" smtClean="0"/>
+              <a:t> </a:t>
+            </a:r>
+            <a:r>
+              <a:rPr lang="en-GB" dirty="0" err="1" smtClean="0"/>
+              <a:t>übers</a:t>
+            </a:r>
+            <a:r>
+              <a:rPr lang="en-GB" dirty="0" smtClean="0"/>
+              <a:t> Internet </a:t>
+            </a:r>
+            <a:r>
+              <a:rPr lang="en-GB" dirty="0" err="1" smtClean="0"/>
+              <a:t>möglich</a:t>
+            </a:r>
+            <a:endParaRPr lang="en-GB" dirty="0" smtClean="0"/>
+          </a:p>
+          <a:p>
+            <a:endParaRPr lang="en-GB" dirty="0" smtClean="0"/>
+          </a:p>
+          <a:p>
+            <a:endParaRPr lang="en-GB" dirty="0" smtClean="0"/>
+          </a:p>
+          <a:p>
+            <a:endParaRPr lang="en-GB" dirty="0" smtClean="0"/>
+          </a:p>
+          <a:p>
             <a:endParaRPr lang="en-GB" dirty="0"/>
           </a:p>
         </p:txBody>
       </p:sp>
+      <p:pic>
+        <p:nvPicPr>
+          <p:cNvPr id="4" name="Grafik 3"/>
+          <p:cNvPicPr>
+            <a:picLocks noChangeAspect="1"/>
+          </p:cNvPicPr>
+          <p:nvPr/>
+        </p:nvPicPr>
+        <p:blipFill>
+          <a:blip r:embed="rId3">
+            <a:extLst>
+              <a:ext uri="{BEBA8EAE-BF5A-486C-A8C5-ECC9F3942E4B}">
+                <a14:imgProps xmlns:a14="http://schemas.microsoft.com/office/drawing/2010/main">
+                  <a14:imgLayer r:embed="rId4">
+                    <a14:imgEffect>
+                      <a14:backgroundRemoval t="10599" b="89862" l="10000" r="90000"/>
+                    </a14:imgEffect>
+                  </a14:imgLayer>
+                </a14:imgProps>
+              </a:ext>
+              <a:ext uri="{28A0092B-C50C-407E-A947-70E740481C1C}">
+                <a14:useLocalDpi xmlns:a14="http://schemas.microsoft.com/office/drawing/2010/main" val="0"/>
+              </a:ext>
+            </a:extLst>
+          </a:blip>
+          <a:stretch>
+            <a:fillRect/>
+          </a:stretch>
+        </p:blipFill>
+        <p:spPr>
+          <a:xfrm>
+            <a:off x="2732444" y="3861048"/>
+            <a:ext cx="3207708" cy="2780927"/>
+          </a:xfrm>
+          <a:prstGeom prst="rect">
+            <a:avLst/>
+          </a:prstGeom>
+        </p:spPr>
+      </p:pic>
     </p:spTree>
     <p:extLst>
       <p:ext uri="{BB962C8B-B14F-4D97-AF65-F5344CB8AC3E}">
@@ -19636,7 +19633,7 @@
         <p:spPr/>
         <p:txBody>
           <a:bodyPr>
-            <a:normAutofit lnSpcReduction="10000"/>
+            <a:normAutofit fontScale="55000" lnSpcReduction="20000"/>
           </a:bodyPr>
           <a:lstStyle/>
           <a:p>
@@ -19721,9 +19718,92 @@
               <a:t>Github</a:t>
             </a:r>
             <a:r>
-              <a:rPr lang="de-DE" dirty="0"/>
+              <a:rPr lang="de-DE" dirty="0" smtClean="0"/>
               <a:t>)</a:t>
             </a:r>
+          </a:p>
+          <a:p>
+            <a:r>
+              <a:rPr lang="de-DE" dirty="0">
+                <a:hlinkClick r:id="rId7"/>
+              </a:rPr>
+              <a:t>https://</a:t>
+            </a:r>
+            <a:r>
+              <a:rPr lang="de-DE" dirty="0" smtClean="0">
+                <a:hlinkClick r:id="rId7"/>
+              </a:rPr>
+              <a:t>www.eclipse.org/artwork/images/v2/logo-800x188.png</a:t>
+            </a:r>
+            <a:r>
+              <a:rPr lang="de-DE" dirty="0" smtClean="0"/>
+              <a:t> (</a:t>
+            </a:r>
+            <a:r>
+              <a:rPr lang="de-DE" dirty="0" err="1" smtClean="0"/>
+              <a:t>Eclipse</a:t>
+            </a:r>
+            <a:r>
+              <a:rPr lang="de-DE" dirty="0" smtClean="0"/>
+              <a:t> Logo)</a:t>
+            </a:r>
+          </a:p>
+          <a:p>
+            <a:r>
+              <a:rPr lang="de-DE" dirty="0">
+                <a:hlinkClick r:id="rId8"/>
+              </a:rPr>
+              <a:t>https://</a:t>
+            </a:r>
+            <a:r>
+              <a:rPr lang="de-DE" dirty="0" smtClean="0">
+                <a:hlinkClick r:id="rId8"/>
+              </a:rPr>
+              <a:t>logos-download.com/wp-content/uploads/2016/05/MySQL_logo_logotype.png</a:t>
+            </a:r>
+            <a:r>
+              <a:rPr lang="de-DE" dirty="0" smtClean="0"/>
+              <a:t> (MySQL Logo)</a:t>
+            </a:r>
+            <a:endParaRPr lang="de-DE" dirty="0" smtClean="0"/>
+          </a:p>
+          <a:p>
+            <a:r>
+              <a:rPr lang="de-DE" dirty="0">
+                <a:hlinkClick r:id="rId9"/>
+              </a:rPr>
+              <a:t>https://</a:t>
+            </a:r>
+            <a:r>
+              <a:rPr lang="de-DE" dirty="0" smtClean="0">
+                <a:hlinkClick r:id="rId9"/>
+              </a:rPr>
+              <a:t>cdn4.iconfinder.com/data/icons/business-marketing-colors-set-2/91/Business_Marketing_86-512.png</a:t>
+            </a:r>
+            <a:r>
+              <a:rPr lang="de-DE" dirty="0" smtClean="0"/>
+              <a:t> (Uhr)</a:t>
+            </a:r>
+            <a:endParaRPr lang="de-DE" dirty="0"/>
+          </a:p>
+          <a:p>
+            <a:r>
+              <a:rPr lang="de-DE" dirty="0">
+                <a:hlinkClick r:id="rId10"/>
+              </a:rPr>
+              <a:t>https://</a:t>
+            </a:r>
+            <a:r>
+              <a:rPr lang="de-DE" dirty="0" smtClean="0">
+                <a:hlinkClick r:id="rId10"/>
+              </a:rPr>
+              <a:t>png.pngtree.com/element_origin_min_pic/17/03/09/654920da111dcf87cfb97345ab5a7cf1.jpg</a:t>
+            </a:r>
+            <a:r>
+              <a:rPr lang="de-DE" dirty="0" smtClean="0"/>
+              <a:t> (Teamwork</a:t>
+            </a:r>
+            <a:endParaRPr lang="de-DE" dirty="0"/>
           </a:p>
         </p:txBody>
       </p:sp>
@@ -20685,8 +20765,26 @@
           <a:p>
             <a:r>
               <a:rPr lang="de-DE" dirty="0" smtClean="0"/>
-              <a:t>Selbständerung von Userdaten</a:t>
-            </a:r>
+              <a:t>Selbständerung von </a:t>
+            </a:r>
+            <a:r>
+              <a:rPr lang="de-DE" dirty="0" smtClean="0"/>
+              <a:t>Userdaten</a:t>
+            </a:r>
+          </a:p>
+          <a:p>
+            <a:r>
+              <a:rPr lang="de-DE" dirty="0" smtClean="0"/>
+              <a:t>Datenschutz gewährleistet</a:t>
+            </a:r>
+          </a:p>
+          <a:p>
+            <a:r>
+              <a:rPr lang="de-DE" dirty="0" smtClean="0"/>
+              <a:t>Ungültige Eingaben verhindern</a:t>
+            </a:r>
+          </a:p>
+          <a:p>
             <a:endParaRPr lang="de-DE" dirty="0"/>
           </a:p>
         </p:txBody>
@@ -20740,58 +20838,131 @@
         </p:nvSpPr>
         <p:spPr/>
         <p:txBody>
-          <a:bodyPr>
-            <a:normAutofit/>
-          </a:bodyPr>
-          <a:lstStyle/>
-          <a:p>
-            <a:r>
-              <a:rPr lang="en-GB" dirty="0" err="1" smtClean="0"/>
-              <a:t>Entwicklungsumgebung</a:t>
-            </a:r>
-            <a:endParaRPr lang="en-GB" dirty="0"/>
-          </a:p>
-        </p:txBody>
-      </p:sp>
-      <p:sp>
-        <p:nvSpPr>
-          <p:cNvPr id="3" name="Inhaltsplatzhalter 2"/>
-          <p:cNvSpPr>
-            <a:spLocks noGrp="1"/>
-          </p:cNvSpPr>
-          <p:nvPr>
-            <p:ph idx="1"/>
-          </p:nvPr>
-        </p:nvSpPr>
-        <p:spPr/>
-        <p:txBody>
           <a:bodyPr/>
           <a:lstStyle/>
           <a:p>
             <a:r>
-              <a:rPr lang="en-GB" dirty="0" smtClean="0"/>
-              <a:t>// </a:t>
-            </a:r>
-            <a:r>
-              <a:rPr lang="en-GB" dirty="0" err="1" smtClean="0"/>
-              <a:t>Wurde</a:t>
-            </a:r>
-            <a:r>
-              <a:rPr lang="en-GB" dirty="0" smtClean="0"/>
-              <a:t> von Fabian </a:t>
-            </a:r>
-            <a:r>
-              <a:rPr lang="en-GB" dirty="0" err="1" smtClean="0"/>
-              <a:t>gemacht</a:t>
-            </a:r>
-            <a:endParaRPr lang="en-GB" dirty="0"/>
-          </a:p>
-        </p:txBody>
-      </p:sp>
+              <a:rPr lang="de-DE" dirty="0" smtClean="0"/>
+              <a:t>Entwicklungsumgebung</a:t>
+            </a:r>
+            <a:endParaRPr lang="de-DE" dirty="0"/>
+          </a:p>
+        </p:txBody>
+      </p:sp>
+      <p:pic>
+        <p:nvPicPr>
+          <p:cNvPr id="5" name="Grafik 4"/>
+          <p:cNvPicPr>
+            <a:picLocks noChangeAspect="1"/>
+          </p:cNvPicPr>
+          <p:nvPr/>
+        </p:nvPicPr>
+        <p:blipFill>
+          <a:blip r:embed="rId2" cstate="print">
+            <a:extLst>
+              <a:ext uri="{28A0092B-C50C-407E-A947-70E740481C1C}">
+                <a14:useLocalDpi xmlns:a14="http://schemas.microsoft.com/office/drawing/2010/main" val="0"/>
+              </a:ext>
+            </a:extLst>
+          </a:blip>
+          <a:stretch>
+            <a:fillRect/>
+          </a:stretch>
+        </p:blipFill>
+        <p:spPr>
+          <a:xfrm>
+            <a:off x="5508104" y="4653136"/>
+            <a:ext cx="2771800" cy="1636007"/>
+          </a:xfrm>
+          <a:prstGeom prst="rect">
+            <a:avLst/>
+          </a:prstGeom>
+        </p:spPr>
+      </p:pic>
+      <p:sp>
+        <p:nvSpPr>
+          <p:cNvPr id="3" name="Inhaltsplatzhalter 2"/>
+          <p:cNvSpPr>
+            <a:spLocks noGrp="1"/>
+          </p:cNvSpPr>
+          <p:nvPr>
+            <p:ph idx="1"/>
+          </p:nvPr>
+        </p:nvSpPr>
+        <p:spPr/>
+        <p:txBody>
+          <a:bodyPr/>
+          <a:lstStyle/>
+          <a:p>
+            <a:r>
+              <a:rPr lang="de-DE" dirty="0" smtClean="0"/>
+              <a:t>Programmiersprache Java</a:t>
+            </a:r>
+          </a:p>
+          <a:p>
+            <a:r>
+              <a:rPr lang="de-DE" dirty="0" smtClean="0"/>
+              <a:t>Programm: </a:t>
+            </a:r>
+            <a:r>
+              <a:rPr lang="de-DE" dirty="0" err="1" smtClean="0"/>
+              <a:t>Eclipse</a:t>
+            </a:r>
+            <a:endParaRPr lang="de-DE" dirty="0" smtClean="0"/>
+          </a:p>
+          <a:p>
+            <a:r>
+              <a:rPr lang="de-DE" dirty="0" smtClean="0"/>
+              <a:t>Datenbank: MySQL</a:t>
+            </a:r>
+          </a:p>
+          <a:p>
+            <a:r>
+              <a:rPr lang="de-DE" dirty="0" smtClean="0"/>
+              <a:t>Zugriff auf DB: </a:t>
+            </a:r>
+            <a:r>
+              <a:rPr lang="de-DE" dirty="0" err="1" smtClean="0"/>
+              <a:t>PhpMyAdmin</a:t>
+            </a:r>
+            <a:endParaRPr lang="de-DE" dirty="0"/>
+          </a:p>
+        </p:txBody>
+      </p:sp>
+      <p:pic>
+        <p:nvPicPr>
+          <p:cNvPr id="4" name="Grafik 3"/>
+          <p:cNvPicPr>
+            <a:picLocks noChangeAspect="1"/>
+          </p:cNvPicPr>
+          <p:nvPr/>
+        </p:nvPicPr>
+        <p:blipFill>
+          <a:blip r:embed="rId3">
+            <a:extLst>
+              <a:ext uri="{28A0092B-C50C-407E-A947-70E740481C1C}">
+                <a14:useLocalDpi xmlns:a14="http://schemas.microsoft.com/office/drawing/2010/main" val="0"/>
+              </a:ext>
+            </a:extLst>
+          </a:blip>
+          <a:stretch>
+            <a:fillRect/>
+          </a:stretch>
+        </p:blipFill>
+        <p:spPr>
+          <a:xfrm>
+            <a:off x="683568" y="5159782"/>
+            <a:ext cx="3665984" cy="861506"/>
+          </a:xfrm>
+          <a:prstGeom prst="rect">
+            <a:avLst/>
+          </a:prstGeom>
+        </p:spPr>
+      </p:pic>
     </p:spTree>
     <p:extLst>
       <p:ext uri="{BB962C8B-B14F-4D97-AF65-F5344CB8AC3E}">
-        <p14:creationId xmlns:p14="http://schemas.microsoft.com/office/powerpoint/2010/main" val="4163156729"/>
+        <p14:creationId xmlns:p14="http://schemas.microsoft.com/office/powerpoint/2010/main" val="2144475309"/>
       </p:ext>
     </p:extLst>
   </p:cSld>
@@ -21256,7 +21427,7 @@
   <a:extraClrSchemeLst/>
   <a:extLst>
     <a:ext uri="{05A4C25C-085E-4340-85A3-A5531E510DB2}">
-      <thm15:themeFamily xmlns:thm15="http://schemas.microsoft.com/office/thememl/2012/main" name="Circuit" id="{0AC2F7E7-15F5-431C-B2A2-456FE929F56C}" vid="{0911B802-464C-4241-8DD9-B60FF88E379F}"/>
+      <thm15:themeFamily xmlns:thm15="http://schemas.microsoft.com/office/thememl/2012/main" xmlns="" name="Circuit" id="{0AC2F7E7-15F5-431C-B2A2-456FE929F56C}" vid="{0911B802-464C-4241-8DD9-B60FF88E379F}"/>
     </a:ext>
   </a:extLst>
 </a:theme>
@@ -21517,7 +21688,7 @@
   <a:extraClrSchemeLst/>
   <a:extLst>
     <a:ext uri="{05A4C25C-085E-4340-85A3-A5531E510DB2}">
-      <thm15:themeFamily xmlns:thm15="http://schemas.microsoft.com/office/thememl/2012/main" name="Office Theme" id="{62F939B6-93AF-4DB8-9C6B-D6C7DFDC589F}" vid="{4A3C46E8-61CC-4603-A589-7422A47A8E4A}"/>
+      <thm15:themeFamily xmlns:thm15="http://schemas.microsoft.com/office/thememl/2012/main" xmlns="" name="Office Theme" id="{62F939B6-93AF-4DB8-9C6B-D6C7DFDC589F}" vid="{4A3C46E8-61CC-4603-A589-7422A47A8E4A}"/>
     </a:ext>
   </a:extLst>
 </a:theme>
@@ -21778,38 +21949,38 @@
   <a:extraClrSchemeLst/>
   <a:extLst>
     <a:ext uri="{05A4C25C-085E-4340-85A3-A5531E510DB2}">
-      <thm15:themeFamily xmlns:thm15="http://schemas.microsoft.com/office/thememl/2012/main" name="Office Theme" id="{62F939B6-93AF-4DB8-9C6B-D6C7DFDC589F}" vid="{4A3C46E8-61CC-4603-A589-7422A47A8E4A}"/>
+      <thm15:themeFamily xmlns:thm15="http://schemas.microsoft.com/office/thememl/2012/main" xmlns="" name="Office Theme" id="{62F939B6-93AF-4DB8-9C6B-D6C7DFDC589F}" vid="{4A3C46E8-61CC-4603-A589-7422A47A8E4A}"/>
     </a:ext>
   </a:extLst>
 </a:theme>
 </file>
 
 <file path=customXml/item1.xml><?xml version="1.0" encoding="utf-8"?>
+<sisl xmlns:xsi="http://www.w3.org/2001/XMLSchema-instance" xmlns:xsd="http://www.w3.org/2001/XMLSchema" xmlns="http://www.boldonjames.com/2008/01/sie/internal/label" sislVersion="0" policy="5e216652-7cb1-42d3-a22f-fb5c7f348db5" origin="userSelected">
+  <element uid="id_classification_nonbusiness" value=""/>
+</sisl>
+</file>
+
+<file path=customXml/item2.xml><?xml version="1.0" encoding="utf-8"?>
 <WrappedLabelHistory xmlns:xsi="http://www.w3.org/2001/XMLSchema-instance" xmlns:xsd="http://www.w3.org/2001/XMLSchema" xmlns="http://www.boldonjames.com/2016/02/Classifier/internal/wrappedLabelHistory">
   <Value>PD94bWwgdmVyc2lvbj0iMS4wIiBlbmNvZGluZz0idXMtYXNjaWkiPz48bGFiZWxIaXN0b3J5IHhtbG5zOnhzaT0iaHR0cDovL3d3dy53My5vcmcvMjAwMS9YTUxTY2hlbWEtaW5zdGFuY2UiIHhtbG5zOnhzZD0iaHR0cDovL3d3dy53My5vcmcvMjAwMS9YTUxTY2hlbWEiIHhtbG5zPSJodHRwOi8vd3d3LmJvbGRvbmphbWVzLmNvbS8yMDE2LzAyL0NsYXNzaWZpZXIvaW50ZXJuYWwvbGFiZWxIaXN0b3J5Ij48aXRlbT48c2lzbCBzaXNsVmVyc2lvbj0iMCIgcG9saWN5PSI1ZTIxNjY1Mi03Y2IxLTQyZDMtYTIyZi1mYjVjN2YzNDhkYjUiIG9yaWdpbj0idXNlclNlbGVjdGVkIj48ZWxlbWVudCB1aWQ9ImlkX2NsYXNzaWZpY2F0aW9uX25vbmJ1c2luZXNzIiB2YWx1ZT0iIiB4bWxucz0iaHR0cDovL3d3dy5ib2xkb25qYW1lcy5jb20vMjAwOC8wMS9zaWUvaW50ZXJuYWwvbGFiZWwiIC8+PC9zaXNsPjxVc2VyTmFtZT5PQUFEXHFkODg5PC9Vc2VyTmFtZT48RGF0ZVRpbWU+MTIvNi8yMDE4IDEwOjQ0OjIxIEFNPC9EYXRlVGltZT48TGFiZWxTdHJpbmc+UHVibGljPC9MYWJlbFN0cmluZz48L2l0ZW0+PC9sYWJlbEhpc3Rvcnk+</Value>
 </WrappedLabelHistory>
 </file>
 
-<file path=customXml/item2.xml><?xml version="1.0" encoding="utf-8"?>
-<sisl xmlns:xsi="http://www.w3.org/2001/XMLSchema-instance" xmlns:xsd="http://www.w3.org/2001/XMLSchema" xmlns="http://www.boldonjames.com/2008/01/sie/internal/label" sislVersion="0" policy="5e216652-7cb1-42d3-a22f-fb5c7f348db5" origin="userSelected">
-  <element uid="id_classification_nonbusiness" value=""/>
-</sisl>
+<file path=customXml/itemProps1.xml><?xml version="1.0" encoding="utf-8"?>
+<ds:datastoreItem xmlns:ds="http://schemas.openxmlformats.org/officeDocument/2006/customXml" ds:itemID="{2FC1954A-7492-4C0E-B08F-2BDDAF56E123}">
+  <ds:schemaRefs>
+    <ds:schemaRef ds:uri="http://www.w3.org/2001/XMLSchema"/>
+    <ds:schemaRef ds:uri="http://www.boldonjames.com/2008/01/sie/internal/label"/>
+  </ds:schemaRefs>
+</ds:datastoreItem>
 </file>
 
-<file path=customXml/itemProps1.xml><?xml version="1.0" encoding="utf-8"?>
+<file path=customXml/itemProps2.xml><?xml version="1.0" encoding="utf-8"?>
 <ds:datastoreItem xmlns:ds="http://schemas.openxmlformats.org/officeDocument/2006/customXml" ds:itemID="{A9D2DA10-EF93-4A7E-BF92-7C7254F50C2F}">
   <ds:schemaRefs>
     <ds:schemaRef ds:uri="http://www.w3.org/2001/XMLSchema"/>
     <ds:schemaRef ds:uri="http://www.boldonjames.com/2016/02/Classifier/internal/wrappedLabelHistory"/>
   </ds:schemaRefs>
 </ds:datastoreItem>
-</file>
-
-<file path=customXml/itemProps2.xml><?xml version="1.0" encoding="utf-8"?>
-<ds:datastoreItem xmlns:ds="http://schemas.openxmlformats.org/officeDocument/2006/customXml" ds:itemID="{2FC1954A-7492-4C0E-B08F-2BDDAF56E123}">
-  <ds:schemaRefs>
-    <ds:schemaRef ds:uri="http://www.w3.org/2001/XMLSchema"/>
-    <ds:schemaRef ds:uri="http://www.boldonjames.com/2008/01/sie/internal/label"/>
-  </ds:schemaRefs>
-</ds:datastoreItem>
 </file>
--- a/Zitatesammlung.pptx
+++ b/Zitatesammlung.pptx
@@ -5,10 +5,10 @@
     <p:sldMasterId id="2147483660" r:id="rId3"/>
   </p:sldMasterIdLst>
   <p:notesMasterIdLst>
-    <p:notesMasterId r:id="rId23"/>
+    <p:notesMasterId r:id="rId27"/>
   </p:notesMasterIdLst>
   <p:handoutMasterIdLst>
-    <p:handoutMasterId r:id="rId24"/>
+    <p:handoutMasterId r:id="rId28"/>
   </p:handoutMasterIdLst>
   <p:sldIdLst>
     <p:sldId id="256" r:id="rId4"/>
@@ -19,17 +19,21 @@
     <p:sldId id="270" r:id="rId9"/>
     <p:sldId id="271" r:id="rId10"/>
     <p:sldId id="282" r:id="rId11"/>
-    <p:sldId id="277" r:id="rId12"/>
-    <p:sldId id="260" r:id="rId13"/>
-    <p:sldId id="272" r:id="rId14"/>
-    <p:sldId id="278" r:id="rId15"/>
-    <p:sldId id="261" r:id="rId16"/>
-    <p:sldId id="279" r:id="rId17"/>
-    <p:sldId id="262" r:id="rId18"/>
-    <p:sldId id="280" r:id="rId19"/>
-    <p:sldId id="263" r:id="rId20"/>
-    <p:sldId id="281" r:id="rId21"/>
-    <p:sldId id="273" r:id="rId22"/>
+    <p:sldId id="283" r:id="rId12"/>
+    <p:sldId id="284" r:id="rId13"/>
+    <p:sldId id="285" r:id="rId14"/>
+    <p:sldId id="286" r:id="rId15"/>
+    <p:sldId id="277" r:id="rId16"/>
+    <p:sldId id="260" r:id="rId17"/>
+    <p:sldId id="272" r:id="rId18"/>
+    <p:sldId id="278" r:id="rId19"/>
+    <p:sldId id="261" r:id="rId20"/>
+    <p:sldId id="279" r:id="rId21"/>
+    <p:sldId id="262" r:id="rId22"/>
+    <p:sldId id="280" r:id="rId23"/>
+    <p:sldId id="263" r:id="rId24"/>
+    <p:sldId id="281" r:id="rId25"/>
+    <p:sldId id="273" r:id="rId26"/>
   </p:sldIdLst>
   <p:sldSz cx="9144000" cy="6858000" type="screen4x3"/>
   <p:notesSz cx="6858000" cy="9144000"/>
@@ -149,6 +153,10 @@
             <p14:sldId id="270"/>
             <p14:sldId id="271"/>
             <p14:sldId id="282"/>
+            <p14:sldId id="283"/>
+            <p14:sldId id="284"/>
+            <p14:sldId id="285"/>
+            <p14:sldId id="286"/>
           </p14:sldIdLst>
         </p14:section>
         <p14:section name="Durchführung" id="{0E37DA39-0A94-4F48-8135-99D05ABA648A}">
@@ -185,7 +193,7 @@
       </p14:sectionLst>
     </p:ext>
     <p:ext uri="{EFAFB233-063F-42B5-8137-9DF3F51BA10A}">
-      <p15:sldGuideLst xmlns:p15="http://schemas.microsoft.com/office/powerpoint/2012/main" xmlns="">
+      <p15:sldGuideLst xmlns:p15="http://schemas.microsoft.com/office/powerpoint/2012/main">
         <p15:guide id="1" orient="horz" pos="2160">
           <p15:clr>
             <a:srgbClr val="A4A3A4"/>
@@ -284,7 +292,7 @@
           <a:p>
             <a:fld id="{FB1AA975-1124-42A4-96F1-9A03CF0EAA69}" type="datetimeFigureOut">
               <a:rPr lang="en-GB" smtClean="0"/>
-              <a:t>08/12/2018</a:t>
+              <a:t>09/12/2018</a:t>
             </a:fld>
             <a:endParaRPr lang="en-GB"/>
           </a:p>
@@ -449,7 +457,7 @@
           <a:p>
             <a:fld id="{ECB4EE12-E076-47FE-A0D4-6F96671D6D13}" type="datetimeFigureOut">
               <a:rPr lang="en-GB" smtClean="0"/>
-              <a:t>08/12/2018</a:t>
+              <a:t>09/12/2018</a:t>
             </a:fld>
             <a:endParaRPr lang="en-GB"/>
           </a:p>
@@ -1016,7 +1024,7 @@
             </a:r>
             <a:r>
               <a:rPr lang="en-GB" baseline="0" dirty="0" err="1" smtClean="0"/>
-              <a:t>zuverrringern</a:t>
+              <a:t>zuverringern</a:t>
             </a:r>
             <a:r>
               <a:rPr lang="en-GB" baseline="0" dirty="0" smtClean="0"/>
@@ -1203,7 +1211,7 @@
           <a:p>
             <a:fld id="{10B2448E-F2D6-461D-9BA9-E2B28EF7CB6C}" type="slidenum">
               <a:rPr lang="en-GB" smtClean="0"/>
-              <a:t>11</a:t>
+              <a:t>10</a:t>
             </a:fld>
             <a:endParaRPr lang="en-GB"/>
           </a:p>
@@ -1212,7 +1220,7 @@
     </p:spTree>
     <p:extLst>
       <p:ext uri="{BB962C8B-B14F-4D97-AF65-F5344CB8AC3E}">
-        <p14:creationId xmlns:p14="http://schemas.microsoft.com/office/powerpoint/2010/main" val="631956889"/>
+        <p14:creationId xmlns:p14="http://schemas.microsoft.com/office/powerpoint/2010/main" val="50894144"/>
       </p:ext>
     </p:extLst>
   </p:cSld>
@@ -1266,7 +1274,7 @@
           <a:bodyPr/>
           <a:lstStyle/>
           <a:p>
-            <a:endParaRPr lang="en-GB"/>
+            <a:endParaRPr lang="de-DE"/>
           </a:p>
         </p:txBody>
       </p:sp>
@@ -1325,7 +1333,7 @@
           <a:p>
             <a:fld id="{10B2448E-F2D6-461D-9BA9-E2B28EF7CB6C}" type="slidenum">
               <a:rPr lang="en-GB" smtClean="0"/>
-              <a:t>12</a:t>
+              <a:t>11</a:t>
             </a:fld>
             <a:endParaRPr lang="en-GB"/>
           </a:p>
@@ -1334,7 +1342,7 @@
     </p:spTree>
     <p:extLst>
       <p:ext uri="{BB962C8B-B14F-4D97-AF65-F5344CB8AC3E}">
-        <p14:creationId xmlns:p14="http://schemas.microsoft.com/office/powerpoint/2010/main" val="3665050096"/>
+        <p14:creationId xmlns:p14="http://schemas.microsoft.com/office/powerpoint/2010/main" val="1909253927"/>
       </p:ext>
     </p:extLst>
   </p:cSld>
@@ -1388,43 +1396,7 @@
           <a:bodyPr/>
           <a:lstStyle/>
           <a:p>
-            <a:r>
-              <a:rPr lang="en-GB" dirty="0" smtClean="0"/>
-              <a:t>IDE</a:t>
-            </a:r>
-            <a:r>
-              <a:rPr lang="en-GB" baseline="0" dirty="0" smtClean="0"/>
-              <a:t> </a:t>
-            </a:r>
-            <a:r>
-              <a:rPr lang="en-GB" baseline="0" dirty="0" err="1" smtClean="0"/>
-              <a:t>Probleme</a:t>
-            </a:r>
-            <a:r>
-              <a:rPr lang="en-GB" baseline="0" dirty="0" smtClean="0"/>
-              <a:t>: </a:t>
-            </a:r>
-            <a:r>
-              <a:rPr lang="en-GB" baseline="0" dirty="0" err="1" smtClean="0"/>
-              <a:t>WindowBuilder</a:t>
-            </a:r>
-            <a:r>
-              <a:rPr lang="en-GB" baseline="0" dirty="0" smtClean="0"/>
-              <a:t> </a:t>
-            </a:r>
-            <a:r>
-              <a:rPr lang="en-GB" baseline="0" dirty="0" err="1" smtClean="0"/>
-              <a:t>installieren</a:t>
-            </a:r>
-            <a:r>
-              <a:rPr lang="en-GB" baseline="0" dirty="0" smtClean="0"/>
-              <a:t> und </a:t>
-            </a:r>
-            <a:r>
-              <a:rPr lang="en-GB" baseline="0" dirty="0" err="1" smtClean="0"/>
-              <a:t>Abstürze</a:t>
-            </a:r>
-            <a:endParaRPr lang="en-GB" dirty="0"/>
+            <a:endParaRPr lang="de-DE"/>
           </a:p>
         </p:txBody>
       </p:sp>
@@ -1483,7 +1455,7 @@
           <a:p>
             <a:fld id="{10B2448E-F2D6-461D-9BA9-E2B28EF7CB6C}" type="slidenum">
               <a:rPr lang="en-GB" smtClean="0"/>
-              <a:t>13</a:t>
+              <a:t>12</a:t>
             </a:fld>
             <a:endParaRPr lang="en-GB"/>
           </a:p>
@@ -1492,7 +1464,7 @@
     </p:spTree>
     <p:extLst>
       <p:ext uri="{BB962C8B-B14F-4D97-AF65-F5344CB8AC3E}">
-        <p14:creationId xmlns:p14="http://schemas.microsoft.com/office/powerpoint/2010/main" val="2372012624"/>
+        <p14:creationId xmlns:p14="http://schemas.microsoft.com/office/powerpoint/2010/main" val="1938483182"/>
       </p:ext>
     </p:extLst>
   </p:cSld>
@@ -1605,7 +1577,7 @@
           <a:p>
             <a:fld id="{10B2448E-F2D6-461D-9BA9-E2B28EF7CB6C}" type="slidenum">
               <a:rPr lang="en-GB" smtClean="0"/>
-              <a:t>14</a:t>
+              <a:t>13</a:t>
             </a:fld>
             <a:endParaRPr lang="en-GB"/>
           </a:p>
@@ -1614,7 +1586,7 @@
     </p:spTree>
     <p:extLst>
       <p:ext uri="{BB962C8B-B14F-4D97-AF65-F5344CB8AC3E}">
-        <p14:creationId xmlns:p14="http://schemas.microsoft.com/office/powerpoint/2010/main" val="868406514"/>
+        <p14:creationId xmlns:p14="http://schemas.microsoft.com/office/powerpoint/2010/main" val="150418027"/>
       </p:ext>
     </p:extLst>
   </p:cSld>
@@ -1668,99 +1640,7 @@
           <a:bodyPr/>
           <a:lstStyle/>
           <a:p>
-            <a:r>
-              <a:rPr lang="en-GB" dirty="0" err="1" smtClean="0"/>
-              <a:t>Wenn</a:t>
-            </a:r>
-            <a:r>
-              <a:rPr lang="en-GB" dirty="0" smtClean="0"/>
-              <a:t> </a:t>
-            </a:r>
-            <a:r>
-              <a:rPr lang="en-GB" dirty="0" err="1" smtClean="0"/>
-              <a:t>nur</a:t>
-            </a:r>
-            <a:r>
-              <a:rPr lang="en-GB" dirty="0" smtClean="0"/>
-              <a:t> 2 </a:t>
-            </a:r>
-            <a:r>
-              <a:rPr lang="en-GB" dirty="0" err="1" smtClean="0"/>
-              <a:t>Leute</a:t>
-            </a:r>
-            <a:r>
-              <a:rPr lang="en-GB" baseline="0" dirty="0" smtClean="0"/>
-              <a:t> </a:t>
-            </a:r>
-            <a:r>
-              <a:rPr lang="en-GB" baseline="0" dirty="0" err="1" smtClean="0"/>
-              <a:t>arbeiten</a:t>
-            </a:r>
-            <a:r>
-              <a:rPr lang="en-GB" baseline="0" dirty="0" smtClean="0"/>
-              <a:t> </a:t>
-            </a:r>
-            <a:r>
-              <a:rPr lang="en-GB" baseline="0" dirty="0" err="1" smtClean="0"/>
-              <a:t>ist</a:t>
-            </a:r>
-            <a:r>
-              <a:rPr lang="en-GB" baseline="0" dirty="0" smtClean="0"/>
-              <a:t> </a:t>
-            </a:r>
-            <a:r>
-              <a:rPr lang="en-GB" baseline="0" dirty="0" err="1" smtClean="0"/>
-              <a:t>Github</a:t>
-            </a:r>
-            <a:r>
-              <a:rPr lang="en-GB" baseline="0" dirty="0" smtClean="0"/>
-              <a:t> </a:t>
-            </a:r>
-            <a:r>
-              <a:rPr lang="en-GB" baseline="0" dirty="0" err="1" smtClean="0"/>
-              <a:t>nicht</a:t>
-            </a:r>
-            <a:r>
-              <a:rPr lang="en-GB" baseline="0" dirty="0" smtClean="0"/>
-              <a:t> so </a:t>
-            </a:r>
-            <a:r>
-              <a:rPr lang="en-GB" baseline="0" dirty="0" err="1" smtClean="0"/>
-              <a:t>effizient</a:t>
-            </a:r>
-            <a:r>
-              <a:rPr lang="en-GB" baseline="0" dirty="0" smtClean="0"/>
-              <a:t> </a:t>
-            </a:r>
-            <a:r>
-              <a:rPr lang="en-GB" baseline="0" dirty="0" err="1" smtClean="0"/>
-              <a:t>wie</a:t>
-            </a:r>
-            <a:r>
-              <a:rPr lang="en-GB" baseline="0" dirty="0" smtClean="0"/>
-              <a:t> </a:t>
-            </a:r>
-            <a:r>
-              <a:rPr lang="en-GB" baseline="0" dirty="0" err="1" smtClean="0"/>
-              <a:t>bei</a:t>
-            </a:r>
-            <a:r>
-              <a:rPr lang="en-GB" baseline="0" dirty="0" smtClean="0"/>
-              <a:t> </a:t>
-            </a:r>
-            <a:r>
-              <a:rPr lang="en-GB" baseline="0" dirty="0" err="1" smtClean="0"/>
-              <a:t>großen</a:t>
-            </a:r>
-            <a:r>
-              <a:rPr lang="en-GB" baseline="0" dirty="0" smtClean="0"/>
-              <a:t> </a:t>
-            </a:r>
-            <a:r>
-              <a:rPr lang="en-GB" baseline="0" dirty="0" err="1" smtClean="0"/>
-              <a:t>Entwicklergruppen</a:t>
-            </a:r>
-            <a:endParaRPr lang="en-GB" baseline="0" dirty="0" smtClean="0"/>
+            <a:endParaRPr lang="en-GB"/>
           </a:p>
         </p:txBody>
       </p:sp>
@@ -1819,7 +1699,7 @@
           <a:p>
             <a:fld id="{10B2448E-F2D6-461D-9BA9-E2B28EF7CB6C}" type="slidenum">
               <a:rPr lang="en-GB" smtClean="0"/>
-              <a:t>15</a:t>
+              <a:t>14</a:t>
             </a:fld>
             <a:endParaRPr lang="en-GB"/>
           </a:p>
@@ -1828,7 +1708,7 @@
     </p:spTree>
     <p:extLst>
       <p:ext uri="{BB962C8B-B14F-4D97-AF65-F5344CB8AC3E}">
-        <p14:creationId xmlns:p14="http://schemas.microsoft.com/office/powerpoint/2010/main" val="2988859308"/>
+        <p14:creationId xmlns:p14="http://schemas.microsoft.com/office/powerpoint/2010/main" val="101542801"/>
       </p:ext>
     </p:extLst>
   </p:cSld>
@@ -1882,7 +1762,7 @@
           <a:bodyPr/>
           <a:lstStyle/>
           <a:p>
-            <a:endParaRPr lang="en-GB"/>
+            <a:endParaRPr lang="de-DE"/>
           </a:p>
         </p:txBody>
       </p:sp>
@@ -1941,7 +1821,7 @@
           <a:p>
             <a:fld id="{10B2448E-F2D6-461D-9BA9-E2B28EF7CB6C}" type="slidenum">
               <a:rPr lang="en-GB" smtClean="0"/>
-              <a:t>16</a:t>
+              <a:t>15</a:t>
             </a:fld>
             <a:endParaRPr lang="en-GB"/>
           </a:p>
@@ -1950,7 +1830,7 @@
     </p:spTree>
     <p:extLst>
       <p:ext uri="{BB962C8B-B14F-4D97-AF65-F5344CB8AC3E}">
-        <p14:creationId xmlns:p14="http://schemas.microsoft.com/office/powerpoint/2010/main" val="1545161276"/>
+        <p14:creationId xmlns:p14="http://schemas.microsoft.com/office/powerpoint/2010/main" val="631956889"/>
       </p:ext>
     </p:extLst>
   </p:cSld>
@@ -2063,7 +1943,7 @@
           <a:p>
             <a:fld id="{10B2448E-F2D6-461D-9BA9-E2B28EF7CB6C}" type="slidenum">
               <a:rPr lang="en-GB" smtClean="0"/>
-              <a:t>17</a:t>
+              <a:t>16</a:t>
             </a:fld>
             <a:endParaRPr lang="en-GB"/>
           </a:p>
@@ -2072,7 +1952,7 @@
     </p:spTree>
     <p:extLst>
       <p:ext uri="{BB962C8B-B14F-4D97-AF65-F5344CB8AC3E}">
-        <p14:creationId xmlns:p14="http://schemas.microsoft.com/office/powerpoint/2010/main" val="2268599393"/>
+        <p14:creationId xmlns:p14="http://schemas.microsoft.com/office/powerpoint/2010/main" val="3665050096"/>
       </p:ext>
     </p:extLst>
   </p:cSld>
@@ -2126,7 +2006,43 @@
           <a:bodyPr/>
           <a:lstStyle/>
           <a:p>
-            <a:endParaRPr lang="en-GB"/>
+            <a:r>
+              <a:rPr lang="en-GB" dirty="0" smtClean="0"/>
+              <a:t>IDE</a:t>
+            </a:r>
+            <a:r>
+              <a:rPr lang="en-GB" baseline="0" dirty="0" smtClean="0"/>
+              <a:t> </a:t>
+            </a:r>
+            <a:r>
+              <a:rPr lang="en-GB" baseline="0" dirty="0" err="1" smtClean="0"/>
+              <a:t>Probleme</a:t>
+            </a:r>
+            <a:r>
+              <a:rPr lang="en-GB" baseline="0" dirty="0" smtClean="0"/>
+              <a:t>: </a:t>
+            </a:r>
+            <a:r>
+              <a:rPr lang="en-GB" baseline="0" dirty="0" err="1" smtClean="0"/>
+              <a:t>WindowBuilder</a:t>
+            </a:r>
+            <a:r>
+              <a:rPr lang="en-GB" baseline="0" dirty="0" smtClean="0"/>
+              <a:t> </a:t>
+            </a:r>
+            <a:r>
+              <a:rPr lang="en-GB" baseline="0" dirty="0" err="1" smtClean="0"/>
+              <a:t>installieren</a:t>
+            </a:r>
+            <a:r>
+              <a:rPr lang="en-GB" baseline="0" dirty="0" smtClean="0"/>
+              <a:t> und </a:t>
+            </a:r>
+            <a:r>
+              <a:rPr lang="en-GB" baseline="0" dirty="0" err="1" smtClean="0"/>
+              <a:t>Abstürze</a:t>
+            </a:r>
+            <a:endParaRPr lang="en-GB" dirty="0"/>
           </a:p>
         </p:txBody>
       </p:sp>
@@ -2185,7 +2101,7 @@
           <a:p>
             <a:fld id="{10B2448E-F2D6-461D-9BA9-E2B28EF7CB6C}" type="slidenum">
               <a:rPr lang="en-GB" smtClean="0"/>
-              <a:t>18</a:t>
+              <a:t>17</a:t>
             </a:fld>
             <a:endParaRPr lang="en-GB"/>
           </a:p>
@@ -2194,7 +2110,7 @@
     </p:spTree>
     <p:extLst>
       <p:ext uri="{BB962C8B-B14F-4D97-AF65-F5344CB8AC3E}">
-        <p14:creationId xmlns:p14="http://schemas.microsoft.com/office/powerpoint/2010/main" val="1341455377"/>
+        <p14:creationId xmlns:p14="http://schemas.microsoft.com/office/powerpoint/2010/main" val="2372012624"/>
       </p:ext>
     </p:extLst>
   </p:cSld>
@@ -2248,7 +2164,221 @@
           <a:bodyPr/>
           <a:lstStyle/>
           <a:p>
-            <a:endParaRPr lang="de-DE"/>
+            <a:endParaRPr lang="en-GB"/>
+          </a:p>
+        </p:txBody>
+      </p:sp>
+      <p:sp>
+        <p:nvSpPr>
+          <p:cNvPr id="4" name="Kopfzeilenplatzhalter 3"/>
+          <p:cNvSpPr>
+            <a:spLocks noGrp="1"/>
+          </p:cNvSpPr>
+          <p:nvPr>
+            <p:ph type="hdr" sz="quarter" idx="10"/>
+          </p:nvPr>
+        </p:nvSpPr>
+        <p:spPr/>
+        <p:txBody>
+          <a:bodyPr/>
+          <a:lstStyle/>
+          <a:p>
+            <a:endParaRPr lang="en-GB"/>
+          </a:p>
+        </p:txBody>
+      </p:sp>
+      <p:sp>
+        <p:nvSpPr>
+          <p:cNvPr id="5" name="Fußzeilenplatzhalter 4"/>
+          <p:cNvSpPr>
+            <a:spLocks noGrp="1"/>
+          </p:cNvSpPr>
+          <p:nvPr>
+            <p:ph type="ftr" sz="quarter" idx="11"/>
+          </p:nvPr>
+        </p:nvSpPr>
+        <p:spPr/>
+        <p:txBody>
+          <a:bodyPr/>
+          <a:lstStyle/>
+          <a:p>
+            <a:endParaRPr lang="en-GB"/>
+          </a:p>
+        </p:txBody>
+      </p:sp>
+      <p:sp>
+        <p:nvSpPr>
+          <p:cNvPr id="6" name="Foliennummernplatzhalter 5"/>
+          <p:cNvSpPr>
+            <a:spLocks noGrp="1"/>
+          </p:cNvSpPr>
+          <p:nvPr>
+            <p:ph type="sldNum" sz="quarter" idx="12"/>
+          </p:nvPr>
+        </p:nvSpPr>
+        <p:spPr/>
+        <p:txBody>
+          <a:bodyPr/>
+          <a:lstStyle/>
+          <a:p>
+            <a:fld id="{10B2448E-F2D6-461D-9BA9-E2B28EF7CB6C}" type="slidenum">
+              <a:rPr lang="en-GB" smtClean="0"/>
+              <a:t>18</a:t>
+            </a:fld>
+            <a:endParaRPr lang="en-GB"/>
+          </a:p>
+        </p:txBody>
+      </p:sp>
+    </p:spTree>
+    <p:extLst>
+      <p:ext uri="{BB962C8B-B14F-4D97-AF65-F5344CB8AC3E}">
+        <p14:creationId xmlns:p14="http://schemas.microsoft.com/office/powerpoint/2010/main" val="868406514"/>
+      </p:ext>
+    </p:extLst>
+  </p:cSld>
+  <p:clrMapOvr>
+    <a:masterClrMapping/>
+  </p:clrMapOvr>
+</p:notes>
+</file>
+
+<file path=ppt/notesSlides/notesSlide19.xml><?xml version="1.0" encoding="utf-8"?>
+<p:notes xmlns:a="http://schemas.openxmlformats.org/drawingml/2006/main" xmlns:r="http://schemas.openxmlformats.org/officeDocument/2006/relationships" xmlns:p="http://schemas.openxmlformats.org/presentationml/2006/main">
+  <p:cSld>
+    <p:spTree>
+      <p:nvGrpSpPr>
+        <p:cNvPr id="1" name=""/>
+        <p:cNvGrpSpPr/>
+        <p:nvPr/>
+      </p:nvGrpSpPr>
+      <p:grpSpPr>
+        <a:xfrm>
+          <a:off x="0" y="0"/>
+          <a:ext cx="0" cy="0"/>
+          <a:chOff x="0" y="0"/>
+          <a:chExt cx="0" cy="0"/>
+        </a:xfrm>
+      </p:grpSpPr>
+      <p:sp>
+        <p:nvSpPr>
+          <p:cNvPr id="2" name="Folienbildplatzhalter 1"/>
+          <p:cNvSpPr>
+            <a:spLocks noGrp="1" noRot="1" noChangeAspect="1"/>
+          </p:cNvSpPr>
+          <p:nvPr>
+            <p:ph type="sldImg"/>
+          </p:nvPr>
+        </p:nvSpPr>
+        <p:spPr/>
+      </p:sp>
+      <p:sp>
+        <p:nvSpPr>
+          <p:cNvPr id="3" name="Notizenplatzhalter 2"/>
+          <p:cNvSpPr>
+            <a:spLocks noGrp="1"/>
+          </p:cNvSpPr>
+          <p:nvPr>
+            <p:ph type="body" idx="1"/>
+          </p:nvPr>
+        </p:nvSpPr>
+        <p:spPr/>
+        <p:txBody>
+          <a:bodyPr/>
+          <a:lstStyle/>
+          <a:p>
+            <a:r>
+              <a:rPr lang="en-GB" dirty="0" err="1" smtClean="0"/>
+              <a:t>Wenn</a:t>
+            </a:r>
+            <a:r>
+              <a:rPr lang="en-GB" dirty="0" smtClean="0"/>
+              <a:t> </a:t>
+            </a:r>
+            <a:r>
+              <a:rPr lang="en-GB" dirty="0" err="1" smtClean="0"/>
+              <a:t>nur</a:t>
+            </a:r>
+            <a:r>
+              <a:rPr lang="en-GB" dirty="0" smtClean="0"/>
+              <a:t> 2 </a:t>
+            </a:r>
+            <a:r>
+              <a:rPr lang="en-GB" dirty="0" err="1" smtClean="0"/>
+              <a:t>Leute</a:t>
+            </a:r>
+            <a:r>
+              <a:rPr lang="en-GB" baseline="0" dirty="0" smtClean="0"/>
+              <a:t> </a:t>
+            </a:r>
+            <a:r>
+              <a:rPr lang="en-GB" baseline="0" dirty="0" err="1" smtClean="0"/>
+              <a:t>arbeiten</a:t>
+            </a:r>
+            <a:r>
+              <a:rPr lang="en-GB" baseline="0" dirty="0" smtClean="0"/>
+              <a:t> </a:t>
+            </a:r>
+            <a:r>
+              <a:rPr lang="en-GB" baseline="0" dirty="0" err="1" smtClean="0"/>
+              <a:t>ist</a:t>
+            </a:r>
+            <a:r>
+              <a:rPr lang="en-GB" baseline="0" dirty="0" smtClean="0"/>
+              <a:t> </a:t>
+            </a:r>
+            <a:r>
+              <a:rPr lang="en-GB" baseline="0" dirty="0" err="1" smtClean="0"/>
+              <a:t>Github</a:t>
+            </a:r>
+            <a:r>
+              <a:rPr lang="en-GB" baseline="0" dirty="0" smtClean="0"/>
+              <a:t> </a:t>
+            </a:r>
+            <a:r>
+              <a:rPr lang="en-GB" baseline="0" dirty="0" err="1" smtClean="0"/>
+              <a:t>nicht</a:t>
+            </a:r>
+            <a:r>
+              <a:rPr lang="en-GB" baseline="0" dirty="0" smtClean="0"/>
+              <a:t> so </a:t>
+            </a:r>
+            <a:r>
+              <a:rPr lang="en-GB" baseline="0" dirty="0" err="1" smtClean="0"/>
+              <a:t>effizient</a:t>
+            </a:r>
+            <a:r>
+              <a:rPr lang="en-GB" baseline="0" dirty="0" smtClean="0"/>
+              <a:t> </a:t>
+            </a:r>
+            <a:r>
+              <a:rPr lang="en-GB" baseline="0" dirty="0" err="1" smtClean="0"/>
+              <a:t>wie</a:t>
+            </a:r>
+            <a:r>
+              <a:rPr lang="en-GB" baseline="0" dirty="0" smtClean="0"/>
+              <a:t> </a:t>
+            </a:r>
+            <a:r>
+              <a:rPr lang="en-GB" baseline="0" dirty="0" err="1" smtClean="0"/>
+              <a:t>bei</a:t>
+            </a:r>
+            <a:r>
+              <a:rPr lang="en-GB" baseline="0" dirty="0" smtClean="0"/>
+              <a:t> </a:t>
+            </a:r>
+            <a:r>
+              <a:rPr lang="en-GB" baseline="0" dirty="0" err="1" smtClean="0"/>
+              <a:t>großen</a:t>
+            </a:r>
+            <a:r>
+              <a:rPr lang="en-GB" baseline="0" dirty="0" smtClean="0"/>
+              <a:t> </a:t>
+            </a:r>
+            <a:r>
+              <a:rPr lang="en-GB" baseline="0" dirty="0" err="1" smtClean="0"/>
+              <a:t>Entwicklergruppen</a:t>
+            </a:r>
+            <a:endParaRPr lang="en-GB" baseline="0" dirty="0" smtClean="0"/>
           </a:p>
         </p:txBody>
       </p:sp>
@@ -2316,7 +2446,7 @@
     </p:spTree>
     <p:extLst>
       <p:ext uri="{BB962C8B-B14F-4D97-AF65-F5344CB8AC3E}">
-        <p14:creationId xmlns:p14="http://schemas.microsoft.com/office/powerpoint/2010/main" val="929899099"/>
+        <p14:creationId xmlns:p14="http://schemas.microsoft.com/office/powerpoint/2010/main" val="2988859308"/>
       </p:ext>
     </p:extLst>
   </p:cSld>
@@ -2439,6 +2569,494 @@
     <p:extLst>
       <p:ext uri="{BB962C8B-B14F-4D97-AF65-F5344CB8AC3E}">
         <p14:creationId xmlns:p14="http://schemas.microsoft.com/office/powerpoint/2010/main" val="3210916373"/>
+      </p:ext>
+    </p:extLst>
+  </p:cSld>
+  <p:clrMapOvr>
+    <a:masterClrMapping/>
+  </p:clrMapOvr>
+</p:notes>
+</file>
+
+<file path=ppt/notesSlides/notesSlide20.xml><?xml version="1.0" encoding="utf-8"?>
+<p:notes xmlns:a="http://schemas.openxmlformats.org/drawingml/2006/main" xmlns:r="http://schemas.openxmlformats.org/officeDocument/2006/relationships" xmlns:p="http://schemas.openxmlformats.org/presentationml/2006/main">
+  <p:cSld>
+    <p:spTree>
+      <p:nvGrpSpPr>
+        <p:cNvPr id="1" name=""/>
+        <p:cNvGrpSpPr/>
+        <p:nvPr/>
+      </p:nvGrpSpPr>
+      <p:grpSpPr>
+        <a:xfrm>
+          <a:off x="0" y="0"/>
+          <a:ext cx="0" cy="0"/>
+          <a:chOff x="0" y="0"/>
+          <a:chExt cx="0" cy="0"/>
+        </a:xfrm>
+      </p:grpSpPr>
+      <p:sp>
+        <p:nvSpPr>
+          <p:cNvPr id="2" name="Folienbildplatzhalter 1"/>
+          <p:cNvSpPr>
+            <a:spLocks noGrp="1" noRot="1" noChangeAspect="1"/>
+          </p:cNvSpPr>
+          <p:nvPr>
+            <p:ph type="sldImg"/>
+          </p:nvPr>
+        </p:nvSpPr>
+        <p:spPr/>
+      </p:sp>
+      <p:sp>
+        <p:nvSpPr>
+          <p:cNvPr id="3" name="Notizenplatzhalter 2"/>
+          <p:cNvSpPr>
+            <a:spLocks noGrp="1"/>
+          </p:cNvSpPr>
+          <p:nvPr>
+            <p:ph type="body" idx="1"/>
+          </p:nvPr>
+        </p:nvSpPr>
+        <p:spPr/>
+        <p:txBody>
+          <a:bodyPr/>
+          <a:lstStyle/>
+          <a:p>
+            <a:endParaRPr lang="en-GB"/>
+          </a:p>
+        </p:txBody>
+      </p:sp>
+      <p:sp>
+        <p:nvSpPr>
+          <p:cNvPr id="4" name="Kopfzeilenplatzhalter 3"/>
+          <p:cNvSpPr>
+            <a:spLocks noGrp="1"/>
+          </p:cNvSpPr>
+          <p:nvPr>
+            <p:ph type="hdr" sz="quarter" idx="10"/>
+          </p:nvPr>
+        </p:nvSpPr>
+        <p:spPr/>
+        <p:txBody>
+          <a:bodyPr/>
+          <a:lstStyle/>
+          <a:p>
+            <a:endParaRPr lang="en-GB"/>
+          </a:p>
+        </p:txBody>
+      </p:sp>
+      <p:sp>
+        <p:nvSpPr>
+          <p:cNvPr id="5" name="Fußzeilenplatzhalter 4"/>
+          <p:cNvSpPr>
+            <a:spLocks noGrp="1"/>
+          </p:cNvSpPr>
+          <p:nvPr>
+            <p:ph type="ftr" sz="quarter" idx="11"/>
+          </p:nvPr>
+        </p:nvSpPr>
+        <p:spPr/>
+        <p:txBody>
+          <a:bodyPr/>
+          <a:lstStyle/>
+          <a:p>
+            <a:endParaRPr lang="en-GB"/>
+          </a:p>
+        </p:txBody>
+      </p:sp>
+      <p:sp>
+        <p:nvSpPr>
+          <p:cNvPr id="6" name="Foliennummernplatzhalter 5"/>
+          <p:cNvSpPr>
+            <a:spLocks noGrp="1"/>
+          </p:cNvSpPr>
+          <p:nvPr>
+            <p:ph type="sldNum" sz="quarter" idx="12"/>
+          </p:nvPr>
+        </p:nvSpPr>
+        <p:spPr/>
+        <p:txBody>
+          <a:bodyPr/>
+          <a:lstStyle/>
+          <a:p>
+            <a:fld id="{10B2448E-F2D6-461D-9BA9-E2B28EF7CB6C}" type="slidenum">
+              <a:rPr lang="en-GB" smtClean="0"/>
+              <a:t>20</a:t>
+            </a:fld>
+            <a:endParaRPr lang="en-GB"/>
+          </a:p>
+        </p:txBody>
+      </p:sp>
+    </p:spTree>
+    <p:extLst>
+      <p:ext uri="{BB962C8B-B14F-4D97-AF65-F5344CB8AC3E}">
+        <p14:creationId xmlns:p14="http://schemas.microsoft.com/office/powerpoint/2010/main" val="1545161276"/>
+      </p:ext>
+    </p:extLst>
+  </p:cSld>
+  <p:clrMapOvr>
+    <a:masterClrMapping/>
+  </p:clrMapOvr>
+</p:notes>
+</file>
+
+<file path=ppt/notesSlides/notesSlide21.xml><?xml version="1.0" encoding="utf-8"?>
+<p:notes xmlns:a="http://schemas.openxmlformats.org/drawingml/2006/main" xmlns:r="http://schemas.openxmlformats.org/officeDocument/2006/relationships" xmlns:p="http://schemas.openxmlformats.org/presentationml/2006/main">
+  <p:cSld>
+    <p:spTree>
+      <p:nvGrpSpPr>
+        <p:cNvPr id="1" name=""/>
+        <p:cNvGrpSpPr/>
+        <p:nvPr/>
+      </p:nvGrpSpPr>
+      <p:grpSpPr>
+        <a:xfrm>
+          <a:off x="0" y="0"/>
+          <a:ext cx="0" cy="0"/>
+          <a:chOff x="0" y="0"/>
+          <a:chExt cx="0" cy="0"/>
+        </a:xfrm>
+      </p:grpSpPr>
+      <p:sp>
+        <p:nvSpPr>
+          <p:cNvPr id="2" name="Folienbildplatzhalter 1"/>
+          <p:cNvSpPr>
+            <a:spLocks noGrp="1" noRot="1" noChangeAspect="1"/>
+          </p:cNvSpPr>
+          <p:nvPr>
+            <p:ph type="sldImg"/>
+          </p:nvPr>
+        </p:nvSpPr>
+        <p:spPr/>
+      </p:sp>
+      <p:sp>
+        <p:nvSpPr>
+          <p:cNvPr id="3" name="Notizenplatzhalter 2"/>
+          <p:cNvSpPr>
+            <a:spLocks noGrp="1"/>
+          </p:cNvSpPr>
+          <p:nvPr>
+            <p:ph type="body" idx="1"/>
+          </p:nvPr>
+        </p:nvSpPr>
+        <p:spPr/>
+        <p:txBody>
+          <a:bodyPr/>
+          <a:lstStyle/>
+          <a:p>
+            <a:endParaRPr lang="en-GB"/>
+          </a:p>
+        </p:txBody>
+      </p:sp>
+      <p:sp>
+        <p:nvSpPr>
+          <p:cNvPr id="4" name="Kopfzeilenplatzhalter 3"/>
+          <p:cNvSpPr>
+            <a:spLocks noGrp="1"/>
+          </p:cNvSpPr>
+          <p:nvPr>
+            <p:ph type="hdr" sz="quarter" idx="10"/>
+          </p:nvPr>
+        </p:nvSpPr>
+        <p:spPr/>
+        <p:txBody>
+          <a:bodyPr/>
+          <a:lstStyle/>
+          <a:p>
+            <a:endParaRPr lang="en-GB"/>
+          </a:p>
+        </p:txBody>
+      </p:sp>
+      <p:sp>
+        <p:nvSpPr>
+          <p:cNvPr id="5" name="Fußzeilenplatzhalter 4"/>
+          <p:cNvSpPr>
+            <a:spLocks noGrp="1"/>
+          </p:cNvSpPr>
+          <p:nvPr>
+            <p:ph type="ftr" sz="quarter" idx="11"/>
+          </p:nvPr>
+        </p:nvSpPr>
+        <p:spPr/>
+        <p:txBody>
+          <a:bodyPr/>
+          <a:lstStyle/>
+          <a:p>
+            <a:endParaRPr lang="en-GB"/>
+          </a:p>
+        </p:txBody>
+      </p:sp>
+      <p:sp>
+        <p:nvSpPr>
+          <p:cNvPr id="6" name="Foliennummernplatzhalter 5"/>
+          <p:cNvSpPr>
+            <a:spLocks noGrp="1"/>
+          </p:cNvSpPr>
+          <p:nvPr>
+            <p:ph type="sldNum" sz="quarter" idx="12"/>
+          </p:nvPr>
+        </p:nvSpPr>
+        <p:spPr/>
+        <p:txBody>
+          <a:bodyPr/>
+          <a:lstStyle/>
+          <a:p>
+            <a:fld id="{10B2448E-F2D6-461D-9BA9-E2B28EF7CB6C}" type="slidenum">
+              <a:rPr lang="en-GB" smtClean="0"/>
+              <a:t>21</a:t>
+            </a:fld>
+            <a:endParaRPr lang="en-GB"/>
+          </a:p>
+        </p:txBody>
+      </p:sp>
+    </p:spTree>
+    <p:extLst>
+      <p:ext uri="{BB962C8B-B14F-4D97-AF65-F5344CB8AC3E}">
+        <p14:creationId xmlns:p14="http://schemas.microsoft.com/office/powerpoint/2010/main" val="2268599393"/>
+      </p:ext>
+    </p:extLst>
+  </p:cSld>
+  <p:clrMapOvr>
+    <a:masterClrMapping/>
+  </p:clrMapOvr>
+</p:notes>
+</file>
+
+<file path=ppt/notesSlides/notesSlide22.xml><?xml version="1.0" encoding="utf-8"?>
+<p:notes xmlns:a="http://schemas.openxmlformats.org/drawingml/2006/main" xmlns:r="http://schemas.openxmlformats.org/officeDocument/2006/relationships" xmlns:p="http://schemas.openxmlformats.org/presentationml/2006/main">
+  <p:cSld>
+    <p:spTree>
+      <p:nvGrpSpPr>
+        <p:cNvPr id="1" name=""/>
+        <p:cNvGrpSpPr/>
+        <p:nvPr/>
+      </p:nvGrpSpPr>
+      <p:grpSpPr>
+        <a:xfrm>
+          <a:off x="0" y="0"/>
+          <a:ext cx="0" cy="0"/>
+          <a:chOff x="0" y="0"/>
+          <a:chExt cx="0" cy="0"/>
+        </a:xfrm>
+      </p:grpSpPr>
+      <p:sp>
+        <p:nvSpPr>
+          <p:cNvPr id="2" name="Folienbildplatzhalter 1"/>
+          <p:cNvSpPr>
+            <a:spLocks noGrp="1" noRot="1" noChangeAspect="1"/>
+          </p:cNvSpPr>
+          <p:nvPr>
+            <p:ph type="sldImg"/>
+          </p:nvPr>
+        </p:nvSpPr>
+        <p:spPr/>
+      </p:sp>
+      <p:sp>
+        <p:nvSpPr>
+          <p:cNvPr id="3" name="Notizenplatzhalter 2"/>
+          <p:cNvSpPr>
+            <a:spLocks noGrp="1"/>
+          </p:cNvSpPr>
+          <p:nvPr>
+            <p:ph type="body" idx="1"/>
+          </p:nvPr>
+        </p:nvSpPr>
+        <p:spPr/>
+        <p:txBody>
+          <a:bodyPr/>
+          <a:lstStyle/>
+          <a:p>
+            <a:endParaRPr lang="en-GB"/>
+          </a:p>
+        </p:txBody>
+      </p:sp>
+      <p:sp>
+        <p:nvSpPr>
+          <p:cNvPr id="4" name="Kopfzeilenplatzhalter 3"/>
+          <p:cNvSpPr>
+            <a:spLocks noGrp="1"/>
+          </p:cNvSpPr>
+          <p:nvPr>
+            <p:ph type="hdr" sz="quarter" idx="10"/>
+          </p:nvPr>
+        </p:nvSpPr>
+        <p:spPr/>
+        <p:txBody>
+          <a:bodyPr/>
+          <a:lstStyle/>
+          <a:p>
+            <a:endParaRPr lang="en-GB"/>
+          </a:p>
+        </p:txBody>
+      </p:sp>
+      <p:sp>
+        <p:nvSpPr>
+          <p:cNvPr id="5" name="Fußzeilenplatzhalter 4"/>
+          <p:cNvSpPr>
+            <a:spLocks noGrp="1"/>
+          </p:cNvSpPr>
+          <p:nvPr>
+            <p:ph type="ftr" sz="quarter" idx="11"/>
+          </p:nvPr>
+        </p:nvSpPr>
+        <p:spPr/>
+        <p:txBody>
+          <a:bodyPr/>
+          <a:lstStyle/>
+          <a:p>
+            <a:endParaRPr lang="en-GB"/>
+          </a:p>
+        </p:txBody>
+      </p:sp>
+      <p:sp>
+        <p:nvSpPr>
+          <p:cNvPr id="6" name="Foliennummernplatzhalter 5"/>
+          <p:cNvSpPr>
+            <a:spLocks noGrp="1"/>
+          </p:cNvSpPr>
+          <p:nvPr>
+            <p:ph type="sldNum" sz="quarter" idx="12"/>
+          </p:nvPr>
+        </p:nvSpPr>
+        <p:spPr/>
+        <p:txBody>
+          <a:bodyPr/>
+          <a:lstStyle/>
+          <a:p>
+            <a:fld id="{10B2448E-F2D6-461D-9BA9-E2B28EF7CB6C}" type="slidenum">
+              <a:rPr lang="en-GB" smtClean="0"/>
+              <a:t>22</a:t>
+            </a:fld>
+            <a:endParaRPr lang="en-GB"/>
+          </a:p>
+        </p:txBody>
+      </p:sp>
+    </p:spTree>
+    <p:extLst>
+      <p:ext uri="{BB962C8B-B14F-4D97-AF65-F5344CB8AC3E}">
+        <p14:creationId xmlns:p14="http://schemas.microsoft.com/office/powerpoint/2010/main" val="1341455377"/>
+      </p:ext>
+    </p:extLst>
+  </p:cSld>
+  <p:clrMapOvr>
+    <a:masterClrMapping/>
+  </p:clrMapOvr>
+</p:notes>
+</file>
+
+<file path=ppt/notesSlides/notesSlide23.xml><?xml version="1.0" encoding="utf-8"?>
+<p:notes xmlns:a="http://schemas.openxmlformats.org/drawingml/2006/main" xmlns:r="http://schemas.openxmlformats.org/officeDocument/2006/relationships" xmlns:p="http://schemas.openxmlformats.org/presentationml/2006/main">
+  <p:cSld>
+    <p:spTree>
+      <p:nvGrpSpPr>
+        <p:cNvPr id="1" name=""/>
+        <p:cNvGrpSpPr/>
+        <p:nvPr/>
+      </p:nvGrpSpPr>
+      <p:grpSpPr>
+        <a:xfrm>
+          <a:off x="0" y="0"/>
+          <a:ext cx="0" cy="0"/>
+          <a:chOff x="0" y="0"/>
+          <a:chExt cx="0" cy="0"/>
+        </a:xfrm>
+      </p:grpSpPr>
+      <p:sp>
+        <p:nvSpPr>
+          <p:cNvPr id="2" name="Folienbildplatzhalter 1"/>
+          <p:cNvSpPr>
+            <a:spLocks noGrp="1" noRot="1" noChangeAspect="1"/>
+          </p:cNvSpPr>
+          <p:nvPr>
+            <p:ph type="sldImg"/>
+          </p:nvPr>
+        </p:nvSpPr>
+        <p:spPr/>
+      </p:sp>
+      <p:sp>
+        <p:nvSpPr>
+          <p:cNvPr id="3" name="Notizenplatzhalter 2"/>
+          <p:cNvSpPr>
+            <a:spLocks noGrp="1"/>
+          </p:cNvSpPr>
+          <p:nvPr>
+            <p:ph type="body" idx="1"/>
+          </p:nvPr>
+        </p:nvSpPr>
+        <p:spPr/>
+        <p:txBody>
+          <a:bodyPr/>
+          <a:lstStyle/>
+          <a:p>
+            <a:endParaRPr lang="de-DE"/>
+          </a:p>
+        </p:txBody>
+      </p:sp>
+      <p:sp>
+        <p:nvSpPr>
+          <p:cNvPr id="4" name="Kopfzeilenplatzhalter 3"/>
+          <p:cNvSpPr>
+            <a:spLocks noGrp="1"/>
+          </p:cNvSpPr>
+          <p:nvPr>
+            <p:ph type="hdr" sz="quarter" idx="10"/>
+          </p:nvPr>
+        </p:nvSpPr>
+        <p:spPr/>
+        <p:txBody>
+          <a:bodyPr/>
+          <a:lstStyle/>
+          <a:p>
+            <a:endParaRPr lang="en-GB"/>
+          </a:p>
+        </p:txBody>
+      </p:sp>
+      <p:sp>
+        <p:nvSpPr>
+          <p:cNvPr id="5" name="Fußzeilenplatzhalter 4"/>
+          <p:cNvSpPr>
+            <a:spLocks noGrp="1"/>
+          </p:cNvSpPr>
+          <p:nvPr>
+            <p:ph type="ftr" sz="quarter" idx="11"/>
+          </p:nvPr>
+        </p:nvSpPr>
+        <p:spPr/>
+        <p:txBody>
+          <a:bodyPr/>
+          <a:lstStyle/>
+          <a:p>
+            <a:endParaRPr lang="en-GB"/>
+          </a:p>
+        </p:txBody>
+      </p:sp>
+      <p:sp>
+        <p:nvSpPr>
+          <p:cNvPr id="6" name="Foliennummernplatzhalter 5"/>
+          <p:cNvSpPr>
+            <a:spLocks noGrp="1"/>
+          </p:cNvSpPr>
+          <p:nvPr>
+            <p:ph type="sldNum" sz="quarter" idx="12"/>
+          </p:nvPr>
+        </p:nvSpPr>
+        <p:spPr/>
+        <p:txBody>
+          <a:bodyPr/>
+          <a:lstStyle/>
+          <a:p>
+            <a:fld id="{10B2448E-F2D6-461D-9BA9-E2B28EF7CB6C}" type="slidenum">
+              <a:rPr lang="en-GB" smtClean="0"/>
+              <a:t>23</a:t>
+            </a:fld>
+            <a:endParaRPr lang="en-GB"/>
+          </a:p>
+        </p:txBody>
+      </p:sp>
+    </p:spTree>
+    <p:extLst>
+      <p:ext uri="{BB962C8B-B14F-4D97-AF65-F5344CB8AC3E}">
+        <p14:creationId xmlns:p14="http://schemas.microsoft.com/office/powerpoint/2010/main" val="929899099"/>
       </p:ext>
     </p:extLst>
   </p:cSld>
@@ -3146,7 +3764,7 @@
           <a:bodyPr/>
           <a:lstStyle/>
           <a:p>
-            <a:endParaRPr lang="en-GB"/>
+            <a:endParaRPr lang="de-DE"/>
           </a:p>
         </p:txBody>
       </p:sp>
@@ -3205,7 +3823,7 @@
           <a:p>
             <a:fld id="{10B2448E-F2D6-461D-9BA9-E2B28EF7CB6C}" type="slidenum">
               <a:rPr lang="en-GB" smtClean="0"/>
-              <a:t>9</a:t>
+              <a:t>8</a:t>
             </a:fld>
             <a:endParaRPr lang="en-GB"/>
           </a:p>
@@ -3214,7 +3832,7 @@
     </p:spTree>
     <p:extLst>
       <p:ext uri="{BB962C8B-B14F-4D97-AF65-F5344CB8AC3E}">
-        <p14:creationId xmlns:p14="http://schemas.microsoft.com/office/powerpoint/2010/main" val="150418027"/>
+        <p14:creationId xmlns:p14="http://schemas.microsoft.com/office/powerpoint/2010/main" val="3138819016"/>
       </p:ext>
     </p:extLst>
   </p:cSld>
@@ -3268,7 +3886,7 @@
           <a:bodyPr/>
           <a:lstStyle/>
           <a:p>
-            <a:endParaRPr lang="en-GB"/>
+            <a:endParaRPr lang="de-DE"/>
           </a:p>
         </p:txBody>
       </p:sp>
@@ -3327,7 +3945,7 @@
           <a:p>
             <a:fld id="{10B2448E-F2D6-461D-9BA9-E2B28EF7CB6C}" type="slidenum">
               <a:rPr lang="en-GB" smtClean="0"/>
-              <a:t>10</a:t>
+              <a:t>9</a:t>
             </a:fld>
             <a:endParaRPr lang="en-GB"/>
           </a:p>
@@ -3336,7 +3954,7 @@
     </p:spTree>
     <p:extLst>
       <p:ext uri="{BB962C8B-B14F-4D97-AF65-F5344CB8AC3E}">
-        <p14:creationId xmlns:p14="http://schemas.microsoft.com/office/powerpoint/2010/main" val="101542801"/>
+        <p14:creationId xmlns:p14="http://schemas.microsoft.com/office/powerpoint/2010/main" val="817848908"/>
       </p:ext>
     </p:extLst>
   </p:cSld>
@@ -7629,7 +8247,7 @@
           <a:p>
             <a:fld id="{77C90CB0-BCAD-4076-BD50-9B2570601726}" type="datetimeFigureOut">
               <a:rPr lang="de-DE" smtClean="0"/>
-              <a:t>08.12.2018</a:t>
+              <a:t>09.12.2018</a:t>
             </a:fld>
             <a:endParaRPr lang="de-DE"/>
           </a:p>
@@ -7896,7 +8514,7 @@
           <a:p>
             <a:fld id="{77C90CB0-BCAD-4076-BD50-9B2570601726}" type="datetimeFigureOut">
               <a:rPr lang="de-DE" smtClean="0"/>
-              <a:t>08.12.2018</a:t>
+              <a:t>09.12.2018</a:t>
             </a:fld>
             <a:endParaRPr lang="de-DE"/>
           </a:p>
@@ -8092,7 +8710,7 @@
           <a:p>
             <a:fld id="{77C90CB0-BCAD-4076-BD50-9B2570601726}" type="datetimeFigureOut">
               <a:rPr lang="de-DE" smtClean="0"/>
-              <a:t>08.12.2018</a:t>
+              <a:t>09.12.2018</a:t>
             </a:fld>
             <a:endParaRPr lang="de-DE"/>
           </a:p>
@@ -8355,7 +8973,7 @@
           <a:p>
             <a:fld id="{77C90CB0-BCAD-4076-BD50-9B2570601726}" type="datetimeFigureOut">
               <a:rPr lang="de-DE" smtClean="0"/>
-              <a:t>08.12.2018</a:t>
+              <a:t>09.12.2018</a:t>
             </a:fld>
             <a:endParaRPr lang="de-DE"/>
           </a:p>
@@ -8789,7 +9407,7 @@
           <a:p>
             <a:fld id="{77C90CB0-BCAD-4076-BD50-9B2570601726}" type="datetimeFigureOut">
               <a:rPr lang="de-DE" smtClean="0"/>
-              <a:t>08.12.2018</a:t>
+              <a:t>09.12.2018</a:t>
             </a:fld>
             <a:endParaRPr lang="de-DE"/>
           </a:p>
@@ -9335,7 +9953,7 @@
           <a:p>
             <a:fld id="{77C90CB0-BCAD-4076-BD50-9B2570601726}" type="datetimeFigureOut">
               <a:rPr lang="de-DE" smtClean="0"/>
-              <a:t>08.12.2018</a:t>
+              <a:t>09.12.2018</a:t>
             </a:fld>
             <a:endParaRPr lang="de-DE"/>
           </a:p>
@@ -10055,7 +10673,7 @@
           <a:p>
             <a:fld id="{77C90CB0-BCAD-4076-BD50-9B2570601726}" type="datetimeFigureOut">
               <a:rPr lang="de-DE" smtClean="0"/>
-              <a:t>08.12.2018</a:t>
+              <a:t>09.12.2018</a:t>
             </a:fld>
             <a:endParaRPr lang="de-DE"/>
           </a:p>
@@ -10229,7 +10847,7 @@
           <a:p>
             <a:fld id="{77C90CB0-BCAD-4076-BD50-9B2570601726}" type="datetimeFigureOut">
               <a:rPr lang="de-DE" smtClean="0"/>
-              <a:t>08.12.2018</a:t>
+              <a:t>09.12.2018</a:t>
             </a:fld>
             <a:endParaRPr lang="de-DE"/>
           </a:p>
@@ -10409,7 +11027,7 @@
           <a:p>
             <a:fld id="{77C90CB0-BCAD-4076-BD50-9B2570601726}" type="datetimeFigureOut">
               <a:rPr lang="de-DE" smtClean="0"/>
-              <a:t>08.12.2018</a:t>
+              <a:t>09.12.2018</a:t>
             </a:fld>
             <a:endParaRPr lang="de-DE"/>
           </a:p>
@@ -10594,7 +11212,7 @@
           <a:p>
             <a:fld id="{77C90CB0-BCAD-4076-BD50-9B2570601726}" type="datetimeFigureOut">
               <a:rPr lang="de-DE" smtClean="0"/>
-              <a:t>08.12.2018</a:t>
+              <a:t>09.12.2018</a:t>
             </a:fld>
             <a:endParaRPr lang="de-DE"/>
           </a:p>
@@ -10854,7 +11472,7 @@
           <a:p>
             <a:fld id="{77C90CB0-BCAD-4076-BD50-9B2570601726}" type="datetimeFigureOut">
               <a:rPr lang="de-DE" smtClean="0"/>
-              <a:t>08.12.2018</a:t>
+              <a:t>09.12.2018</a:t>
             </a:fld>
             <a:endParaRPr lang="de-DE"/>
           </a:p>
@@ -11086,7 +11704,7 @@
           <a:p>
             <a:fld id="{77C90CB0-BCAD-4076-BD50-9B2570601726}" type="datetimeFigureOut">
               <a:rPr lang="de-DE" smtClean="0"/>
-              <a:t>08.12.2018</a:t>
+              <a:t>09.12.2018</a:t>
             </a:fld>
             <a:endParaRPr lang="de-DE"/>
           </a:p>
@@ -11467,7 +12085,7 @@
           <a:p>
             <a:fld id="{77C90CB0-BCAD-4076-BD50-9B2570601726}" type="datetimeFigureOut">
               <a:rPr lang="de-DE" smtClean="0"/>
-              <a:t>08.12.2018</a:t>
+              <a:t>09.12.2018</a:t>
             </a:fld>
             <a:endParaRPr lang="de-DE"/>
           </a:p>
@@ -11585,7 +12203,7 @@
           <a:p>
             <a:fld id="{77C90CB0-BCAD-4076-BD50-9B2570601726}" type="datetimeFigureOut">
               <a:rPr lang="de-DE" smtClean="0"/>
-              <a:t>08.12.2018</a:t>
+              <a:t>09.12.2018</a:t>
             </a:fld>
             <a:endParaRPr lang="de-DE"/>
           </a:p>
@@ -11680,7 +12298,7 @@
           <a:p>
             <a:fld id="{77C90CB0-BCAD-4076-BD50-9B2570601726}" type="datetimeFigureOut">
               <a:rPr lang="de-DE" smtClean="0"/>
-              <a:t>08.12.2018</a:t>
+              <a:t>09.12.2018</a:t>
             </a:fld>
             <a:endParaRPr lang="de-DE"/>
           </a:p>
@@ -11929,7 +12547,7 @@
           <a:p>
             <a:fld id="{77C90CB0-BCAD-4076-BD50-9B2570601726}" type="datetimeFigureOut">
               <a:rPr lang="de-DE" smtClean="0"/>
-              <a:t>08.12.2018</a:t>
+              <a:t>09.12.2018</a:t>
             </a:fld>
             <a:endParaRPr lang="de-DE"/>
           </a:p>
@@ -12181,7 +12799,7 @@
           <a:p>
             <a:fld id="{77C90CB0-BCAD-4076-BD50-9B2570601726}" type="datetimeFigureOut">
               <a:rPr lang="de-DE" smtClean="0"/>
-              <a:t>08.12.2018</a:t>
+              <a:t>09.12.2018</a:t>
             </a:fld>
             <a:endParaRPr lang="de-DE"/>
           </a:p>
@@ -15265,7 +15883,7 @@
           <a:p>
             <a:fld id="{77C90CB0-BCAD-4076-BD50-9B2570601726}" type="datetimeFigureOut">
               <a:rPr lang="de-DE" smtClean="0"/>
-              <a:t>08.12.2018</a:t>
+              <a:t>09.12.2018</a:t>
             </a:fld>
             <a:endParaRPr lang="de-DE"/>
           </a:p>
@@ -15788,6 +16406,481 @@
           <a:lstStyle/>
           <a:p>
             <a:r>
+              <a:rPr lang="de-DE" dirty="0" smtClean="0"/>
+              <a:t>EPK Registrieren</a:t>
+            </a:r>
+            <a:endParaRPr lang="de-DE" dirty="0"/>
+          </a:p>
+        </p:txBody>
+      </p:sp>
+      <p:pic>
+        <p:nvPicPr>
+          <p:cNvPr id="4" name="Inhaltsplatzhalter 3"/>
+          <p:cNvPicPr>
+            <a:picLocks noGrp="1" noChangeAspect="1"/>
+          </p:cNvPicPr>
+          <p:nvPr>
+            <p:ph idx="1"/>
+          </p:nvPr>
+        </p:nvPicPr>
+        <p:blipFill>
+          <a:blip r:embed="rId3" cstate="print">
+            <a:extLst>
+              <a:ext uri="{28A0092B-C50C-407E-A947-70E740481C1C}">
+                <a14:useLocalDpi xmlns:a14="http://schemas.microsoft.com/office/drawing/2010/main" val="0"/>
+              </a:ext>
+            </a:extLst>
+          </a:blip>
+          <a:stretch>
+            <a:fillRect/>
+          </a:stretch>
+        </p:blipFill>
+        <p:spPr>
+          <a:xfrm>
+            <a:off x="2910817" y="2097088"/>
+            <a:ext cx="3319984" cy="4603712"/>
+          </a:xfrm>
+        </p:spPr>
+      </p:pic>
+    </p:spTree>
+    <p:extLst>
+      <p:ext uri="{BB962C8B-B14F-4D97-AF65-F5344CB8AC3E}">
+        <p14:creationId xmlns:p14="http://schemas.microsoft.com/office/powerpoint/2010/main" val="2551927320"/>
+      </p:ext>
+    </p:extLst>
+  </p:cSld>
+  <p:clrMapOvr>
+    <a:masterClrMapping/>
+  </p:clrMapOvr>
+  <p:timing>
+    <p:tnLst>
+      <p:par>
+        <p:cTn id="1" dur="indefinite" restart="never" nodeType="tmRoot"/>
+      </p:par>
+    </p:tnLst>
+  </p:timing>
+</p:sld>
+</file>
+
+<file path=ppt/slides/slide11.xml><?xml version="1.0" encoding="utf-8"?>
+<p:sld xmlns:a="http://schemas.openxmlformats.org/drawingml/2006/main" xmlns:r="http://schemas.openxmlformats.org/officeDocument/2006/relationships" xmlns:p="http://schemas.openxmlformats.org/presentationml/2006/main">
+  <p:cSld>
+    <p:spTree>
+      <p:nvGrpSpPr>
+        <p:cNvPr id="1" name=""/>
+        <p:cNvGrpSpPr/>
+        <p:nvPr/>
+      </p:nvGrpSpPr>
+      <p:grpSpPr>
+        <a:xfrm>
+          <a:off x="0" y="0"/>
+          <a:ext cx="0" cy="0"/>
+          <a:chOff x="0" y="0"/>
+          <a:chExt cx="0" cy="0"/>
+        </a:xfrm>
+      </p:grpSpPr>
+      <p:sp>
+        <p:nvSpPr>
+          <p:cNvPr id="2" name="Titel 1"/>
+          <p:cNvSpPr>
+            <a:spLocks noGrp="1"/>
+          </p:cNvSpPr>
+          <p:nvPr>
+            <p:ph type="title"/>
+          </p:nvPr>
+        </p:nvSpPr>
+        <p:spPr/>
+        <p:txBody>
+          <a:bodyPr/>
+          <a:lstStyle/>
+          <a:p>
+            <a:r>
+              <a:rPr lang="de-DE" dirty="0" smtClean="0"/>
+              <a:t>EPK </a:t>
+            </a:r>
+            <a:r>
+              <a:rPr lang="de-DE" dirty="0" err="1" smtClean="0"/>
+              <a:t>Zitateanzeigen</a:t>
+            </a:r>
+            <a:endParaRPr lang="de-DE" dirty="0"/>
+          </a:p>
+        </p:txBody>
+      </p:sp>
+      <p:pic>
+        <p:nvPicPr>
+          <p:cNvPr id="4" name="Inhaltsplatzhalter 3"/>
+          <p:cNvPicPr>
+            <a:picLocks noGrp="1" noChangeAspect="1"/>
+          </p:cNvPicPr>
+          <p:nvPr>
+            <p:ph idx="1"/>
+          </p:nvPr>
+        </p:nvPicPr>
+        <p:blipFill>
+          <a:blip r:embed="rId3" cstate="print">
+            <a:extLst>
+              <a:ext uri="{28A0092B-C50C-407E-A947-70E740481C1C}">
+                <a14:useLocalDpi xmlns:a14="http://schemas.microsoft.com/office/drawing/2010/main" val="0"/>
+              </a:ext>
+            </a:extLst>
+          </a:blip>
+          <a:stretch>
+            <a:fillRect/>
+          </a:stretch>
+        </p:blipFill>
+        <p:spPr>
+          <a:xfrm>
+            <a:off x="2627733" y="2097088"/>
+            <a:ext cx="3886152" cy="4548494"/>
+          </a:xfrm>
+        </p:spPr>
+      </p:pic>
+    </p:spTree>
+    <p:extLst>
+      <p:ext uri="{BB962C8B-B14F-4D97-AF65-F5344CB8AC3E}">
+        <p14:creationId xmlns:p14="http://schemas.microsoft.com/office/powerpoint/2010/main" val="3948036012"/>
+      </p:ext>
+    </p:extLst>
+  </p:cSld>
+  <p:clrMapOvr>
+    <a:masterClrMapping/>
+  </p:clrMapOvr>
+  <p:timing>
+    <p:tnLst>
+      <p:par>
+        <p:cTn id="1" dur="indefinite" restart="never" nodeType="tmRoot"/>
+      </p:par>
+    </p:tnLst>
+  </p:timing>
+</p:sld>
+</file>
+
+<file path=ppt/slides/slide12.xml><?xml version="1.0" encoding="utf-8"?>
+<p:sld xmlns:a="http://schemas.openxmlformats.org/drawingml/2006/main" xmlns:r="http://schemas.openxmlformats.org/officeDocument/2006/relationships" xmlns:p="http://schemas.openxmlformats.org/presentationml/2006/main">
+  <p:cSld>
+    <p:spTree>
+      <p:nvGrpSpPr>
+        <p:cNvPr id="1" name=""/>
+        <p:cNvGrpSpPr/>
+        <p:nvPr/>
+      </p:nvGrpSpPr>
+      <p:grpSpPr>
+        <a:xfrm>
+          <a:off x="0" y="0"/>
+          <a:ext cx="0" cy="0"/>
+          <a:chOff x="0" y="0"/>
+          <a:chExt cx="0" cy="0"/>
+        </a:xfrm>
+      </p:grpSpPr>
+      <p:sp>
+        <p:nvSpPr>
+          <p:cNvPr id="2" name="Titel 1"/>
+          <p:cNvSpPr>
+            <a:spLocks noGrp="1"/>
+          </p:cNvSpPr>
+          <p:nvPr>
+            <p:ph type="title"/>
+          </p:nvPr>
+        </p:nvSpPr>
+        <p:spPr/>
+        <p:txBody>
+          <a:bodyPr/>
+          <a:lstStyle/>
+          <a:p>
+            <a:r>
+              <a:rPr lang="de-DE" dirty="0" smtClean="0"/>
+              <a:t>Datenbankmodell</a:t>
+            </a:r>
+            <a:endParaRPr lang="de-DE" dirty="0"/>
+          </a:p>
+        </p:txBody>
+      </p:sp>
+      <p:pic>
+        <p:nvPicPr>
+          <p:cNvPr id="4" name="Inhaltsplatzhalter 3"/>
+          <p:cNvPicPr>
+            <a:picLocks noGrp="1" noChangeAspect="1"/>
+          </p:cNvPicPr>
+          <p:nvPr>
+            <p:ph idx="1"/>
+          </p:nvPr>
+        </p:nvPicPr>
+        <p:blipFill>
+          <a:blip r:embed="rId3" cstate="print">
+            <a:extLst>
+              <a:ext uri="{28A0092B-C50C-407E-A947-70E740481C1C}">
+                <a14:useLocalDpi xmlns:a14="http://schemas.microsoft.com/office/drawing/2010/main" val="0"/>
+              </a:ext>
+            </a:extLst>
+          </a:blip>
+          <a:stretch>
+            <a:fillRect/>
+          </a:stretch>
+        </p:blipFill>
+        <p:spPr>
+          <a:xfrm>
+            <a:off x="1337674" y="2095527"/>
+            <a:ext cx="6466269" cy="4588874"/>
+          </a:xfrm>
+        </p:spPr>
+      </p:pic>
+    </p:spTree>
+    <p:extLst>
+      <p:ext uri="{BB962C8B-B14F-4D97-AF65-F5344CB8AC3E}">
+        <p14:creationId xmlns:p14="http://schemas.microsoft.com/office/powerpoint/2010/main" val="254896153"/>
+      </p:ext>
+    </p:extLst>
+  </p:cSld>
+  <p:clrMapOvr>
+    <a:masterClrMapping/>
+  </p:clrMapOvr>
+  <p:timing>
+    <p:tnLst>
+      <p:par>
+        <p:cTn id="1" dur="indefinite" restart="never" nodeType="tmRoot"/>
+      </p:par>
+    </p:tnLst>
+  </p:timing>
+</p:sld>
+</file>
+
+<file path=ppt/slides/slide13.xml><?xml version="1.0" encoding="utf-8"?>
+<p:sld xmlns:a="http://schemas.openxmlformats.org/drawingml/2006/main" xmlns:r="http://schemas.openxmlformats.org/officeDocument/2006/relationships" xmlns:p="http://schemas.openxmlformats.org/presentationml/2006/main">
+  <p:cSld>
+    <p:spTree>
+      <p:nvGrpSpPr>
+        <p:cNvPr id="1" name=""/>
+        <p:cNvGrpSpPr/>
+        <p:nvPr/>
+      </p:nvGrpSpPr>
+      <p:grpSpPr>
+        <a:xfrm>
+          <a:off x="0" y="0"/>
+          <a:ext cx="0" cy="0"/>
+          <a:chOff x="0" y="0"/>
+          <a:chExt cx="0" cy="0"/>
+        </a:xfrm>
+      </p:grpSpPr>
+      <p:sp>
+        <p:nvSpPr>
+          <p:cNvPr id="2" name="Titel 1"/>
+          <p:cNvSpPr>
+            <a:spLocks noGrp="1"/>
+          </p:cNvSpPr>
+          <p:nvPr>
+            <p:ph type="title"/>
+          </p:nvPr>
+        </p:nvSpPr>
+        <p:spPr/>
+        <p:txBody>
+          <a:bodyPr/>
+          <a:lstStyle/>
+          <a:p>
+            <a:pPr marL="57150"/>
+            <a:r>
+              <a:rPr lang="de-DE" dirty="0" smtClean="0"/>
+              <a:t>Gliederung</a:t>
+            </a:r>
+            <a:endParaRPr lang="de-DE" dirty="0"/>
+          </a:p>
+        </p:txBody>
+      </p:sp>
+      <p:sp>
+        <p:nvSpPr>
+          <p:cNvPr id="3" name="Inhaltsplatzhalter 2"/>
+          <p:cNvSpPr>
+            <a:spLocks noGrp="1"/>
+          </p:cNvSpPr>
+          <p:nvPr>
+            <p:ph idx="1"/>
+          </p:nvPr>
+        </p:nvSpPr>
+        <p:spPr>
+          <a:xfrm>
+            <a:off x="457200" y="1600200"/>
+            <a:ext cx="8229600" cy="4565104"/>
+          </a:xfrm>
+        </p:spPr>
+        <p:txBody>
+          <a:bodyPr/>
+          <a:lstStyle/>
+          <a:p>
+            <a:pPr marL="457200"/>
+            <a:r>
+              <a:rPr lang="de-DE" dirty="0" smtClean="0"/>
+              <a:t>Problemstellung</a:t>
+            </a:r>
+          </a:p>
+          <a:p>
+            <a:pPr marL="457200"/>
+            <a:r>
+              <a:rPr lang="de-DE" dirty="0" smtClean="0"/>
+              <a:t>Planung</a:t>
+            </a:r>
+            <a:endParaRPr lang="de-DE" dirty="0" smtClean="0"/>
+          </a:p>
+          <a:p>
+            <a:pPr marL="457200"/>
+            <a:r>
+              <a:rPr lang="de-DE" dirty="0" smtClean="0"/>
+              <a:t>Durchführung</a:t>
+            </a:r>
+          </a:p>
+          <a:p>
+            <a:pPr marL="457200"/>
+            <a:r>
+              <a:rPr lang="de-DE" dirty="0" smtClean="0"/>
+              <a:t>Problematik</a:t>
+            </a:r>
+          </a:p>
+          <a:p>
+            <a:pPr marL="457200"/>
+            <a:r>
+              <a:rPr lang="de-DE" dirty="0" smtClean="0"/>
+              <a:t>Resultat</a:t>
+            </a:r>
+          </a:p>
+          <a:p>
+            <a:pPr marL="457200"/>
+            <a:r>
+              <a:rPr lang="de-DE" dirty="0" smtClean="0"/>
+              <a:t>Demo</a:t>
+            </a:r>
+          </a:p>
+          <a:p>
+            <a:pPr marL="457200"/>
+            <a:r>
+              <a:rPr lang="de-DE" dirty="0" smtClean="0"/>
+              <a:t>Quellen</a:t>
+            </a:r>
+            <a:endParaRPr lang="de-DE" dirty="0"/>
+          </a:p>
+        </p:txBody>
+      </p:sp>
+    </p:spTree>
+    <p:extLst>
+      <p:ext uri="{BB962C8B-B14F-4D97-AF65-F5344CB8AC3E}">
+        <p14:creationId xmlns:p14="http://schemas.microsoft.com/office/powerpoint/2010/main" val="636946137"/>
+      </p:ext>
+    </p:extLst>
+  </p:cSld>
+  <p:clrMapOvr>
+    <a:masterClrMapping/>
+  </p:clrMapOvr>
+  <p:timing>
+    <p:tnLst>
+      <p:par>
+        <p:cTn id="1" dur="indefinite" restart="never" nodeType="tmRoot">
+          <p:childTnLst>
+            <p:seq concurrent="1" nextAc="seek">
+              <p:cTn id="2" dur="indefinite" nodeType="mainSeq">
+                <p:childTnLst>
+                  <p:par>
+                    <p:cTn id="3" fill="hold">
+                      <p:stCondLst>
+                        <p:cond delay="indefinite"/>
+                        <p:cond evt="onBegin" delay="0">
+                          <p:tn val="2"/>
+                        </p:cond>
+                      </p:stCondLst>
+                      <p:childTnLst>
+                        <p:par>
+                          <p:cTn id="4" fill="hold">
+                            <p:stCondLst>
+                              <p:cond delay="0"/>
+                            </p:stCondLst>
+                            <p:childTnLst>
+                              <p:par>
+                                <p:cTn id="5" presetID="3" presetClass="emph" presetSubtype="2" fill="hold" nodeType="afterEffect">
+                                  <p:stCondLst>
+                                    <p:cond delay="1000"/>
+                                  </p:stCondLst>
+                                  <p:childTnLst>
+                                    <p:animClr clrSpc="rgb" dir="cw">
+                                      <p:cBhvr override="childStyle">
+                                        <p:cTn id="6" dur="1000" fill="hold"/>
+                                        <p:tgtEl>
+                                          <p:spTgt spid="3">
+                                            <p:txEl>
+                                              <p:pRg st="2" end="2"/>
+                                            </p:txEl>
+                                          </p:spTgt>
+                                        </p:tgtEl>
+                                        <p:attrNameLst>
+                                          <p:attrName>style.color</p:attrName>
+                                        </p:attrNameLst>
+                                      </p:cBhvr>
+                                      <p:to>
+                                        <a:srgbClr val="FF0000"/>
+                                      </p:to>
+                                    </p:animClr>
+                                  </p:childTnLst>
+                                </p:cTn>
+                              </p:par>
+                            </p:childTnLst>
+                          </p:cTn>
+                        </p:par>
+                      </p:childTnLst>
+                    </p:cTn>
+                  </p:par>
+                </p:childTnLst>
+              </p:cTn>
+              <p:prevCondLst>
+                <p:cond evt="onPrev" delay="0">
+                  <p:tgtEl>
+                    <p:sldTgt/>
+                  </p:tgtEl>
+                </p:cond>
+              </p:prevCondLst>
+              <p:nextCondLst>
+                <p:cond evt="onNext" delay="0">
+                  <p:tgtEl>
+                    <p:sldTgt/>
+                  </p:tgtEl>
+                </p:cond>
+              </p:nextCondLst>
+            </p:seq>
+          </p:childTnLst>
+        </p:cTn>
+      </p:par>
+    </p:tnLst>
+  </p:timing>
+</p:sld>
+</file>
+
+<file path=ppt/slides/slide14.xml><?xml version="1.0" encoding="utf-8"?>
+<p:sld xmlns:a="http://schemas.openxmlformats.org/drawingml/2006/main" xmlns:r="http://schemas.openxmlformats.org/officeDocument/2006/relationships" xmlns:p="http://schemas.openxmlformats.org/presentationml/2006/main">
+  <p:cSld>
+    <p:spTree>
+      <p:nvGrpSpPr>
+        <p:cNvPr id="1" name=""/>
+        <p:cNvGrpSpPr/>
+        <p:nvPr/>
+      </p:nvGrpSpPr>
+      <p:grpSpPr>
+        <a:xfrm>
+          <a:off x="0" y="0"/>
+          <a:ext cx="0" cy="0"/>
+          <a:chOff x="0" y="0"/>
+          <a:chExt cx="0" cy="0"/>
+        </a:xfrm>
+      </p:grpSpPr>
+      <p:sp>
+        <p:nvSpPr>
+          <p:cNvPr id="2" name="Titel 1"/>
+          <p:cNvSpPr>
+            <a:spLocks noGrp="1"/>
+          </p:cNvSpPr>
+          <p:nvPr>
+            <p:ph type="title"/>
+          </p:nvPr>
+        </p:nvSpPr>
+        <p:spPr/>
+        <p:txBody>
+          <a:bodyPr/>
+          <a:lstStyle/>
+          <a:p>
+            <a:r>
               <a:rPr lang="en-GB" dirty="0" err="1" smtClean="0"/>
               <a:t>Durchführung</a:t>
             </a:r>
@@ -15913,7 +17006,7 @@
 </p:sld>
 </file>
 
-<file path=ppt/slides/slide11.xml><?xml version="1.0" encoding="utf-8"?>
+<file path=ppt/slides/slide15.xml><?xml version="1.0" encoding="utf-8"?>
 <p:sld xmlns:a="http://schemas.openxmlformats.org/drawingml/2006/main" xmlns:r="http://schemas.openxmlformats.org/officeDocument/2006/relationships" xmlns:p="http://schemas.openxmlformats.org/presentationml/2006/main">
   <p:cSld>
     <p:spTree>
@@ -15982,21 +17075,21 @@
                 <a:gridCol w="3192598">
                   <a:extLst>
                     <a:ext uri="{9D8B030D-6E8A-4147-A177-3AD203B41FA5}">
-                      <a16:colId xmlns:a16="http://schemas.microsoft.com/office/drawing/2014/main" xmlns="" val="3043144508"/>
+                      <a16:colId xmlns:a16="http://schemas.microsoft.com/office/drawing/2014/main" val="3043144508"/>
                     </a:ext>
                   </a:extLst>
                 </a:gridCol>
                 <a:gridCol w="2273605">
                   <a:extLst>
                     <a:ext uri="{9D8B030D-6E8A-4147-A177-3AD203B41FA5}">
-                      <a16:colId xmlns:a16="http://schemas.microsoft.com/office/drawing/2014/main" xmlns="" val="1493856869"/>
+                      <a16:colId xmlns:a16="http://schemas.microsoft.com/office/drawing/2014/main" val="1493856869"/>
                     </a:ext>
                   </a:extLst>
                 </a:gridCol>
                 <a:gridCol w="1963297">
                   <a:extLst>
                     <a:ext uri="{9D8B030D-6E8A-4147-A177-3AD203B41FA5}">
-                      <a16:colId xmlns:a16="http://schemas.microsoft.com/office/drawing/2014/main" xmlns="" val="2969815393"/>
+                      <a16:colId xmlns:a16="http://schemas.microsoft.com/office/drawing/2014/main" val="2969815393"/>
                     </a:ext>
                   </a:extLst>
                 </a:gridCol>
@@ -16109,7 +17202,7 @@
                 </a:tc>
                 <a:extLst>
                   <a:ext uri="{0D108BD9-81ED-4DB2-BD59-A6C34878D82A}">
-                    <a16:rowId xmlns:a16="http://schemas.microsoft.com/office/drawing/2014/main" xmlns="" val="3593901944"/>
+                    <a16:rowId xmlns:a16="http://schemas.microsoft.com/office/drawing/2014/main" val="3593901944"/>
                   </a:ext>
                 </a:extLst>
               </a:tr>
@@ -16209,7 +17302,7 @@
                 </a:tc>
                 <a:extLst>
                   <a:ext uri="{0D108BD9-81ED-4DB2-BD59-A6C34878D82A}">
-                    <a16:rowId xmlns:a16="http://schemas.microsoft.com/office/drawing/2014/main" xmlns="" val="1064340236"/>
+                    <a16:rowId xmlns:a16="http://schemas.microsoft.com/office/drawing/2014/main" val="1064340236"/>
                   </a:ext>
                 </a:extLst>
               </a:tr>
@@ -16309,7 +17402,7 @@
                 </a:tc>
                 <a:extLst>
                   <a:ext uri="{0D108BD9-81ED-4DB2-BD59-A6C34878D82A}">
-                    <a16:rowId xmlns:a16="http://schemas.microsoft.com/office/drawing/2014/main" xmlns="" val="3971648895"/>
+                    <a16:rowId xmlns:a16="http://schemas.microsoft.com/office/drawing/2014/main" val="3971648895"/>
                   </a:ext>
                 </a:extLst>
               </a:tr>
@@ -16403,7 +17496,7 @@
                 </a:tc>
                 <a:extLst>
                   <a:ext uri="{0D108BD9-81ED-4DB2-BD59-A6C34878D82A}">
-                    <a16:rowId xmlns:a16="http://schemas.microsoft.com/office/drawing/2014/main" xmlns="" val="3568450927"/>
+                    <a16:rowId xmlns:a16="http://schemas.microsoft.com/office/drawing/2014/main" val="3568450927"/>
                   </a:ext>
                 </a:extLst>
               </a:tr>
@@ -16497,7 +17590,7 @@
                 </a:tc>
                 <a:extLst>
                   <a:ext uri="{0D108BD9-81ED-4DB2-BD59-A6C34878D82A}">
-                    <a16:rowId xmlns:a16="http://schemas.microsoft.com/office/drawing/2014/main" xmlns="" val="2233910405"/>
+                    <a16:rowId xmlns:a16="http://schemas.microsoft.com/office/drawing/2014/main" val="2233910405"/>
                   </a:ext>
                 </a:extLst>
               </a:tr>
@@ -16591,7 +17684,7 @@
                 </a:tc>
                 <a:extLst>
                   <a:ext uri="{0D108BD9-81ED-4DB2-BD59-A6C34878D82A}">
-                    <a16:rowId xmlns:a16="http://schemas.microsoft.com/office/drawing/2014/main" xmlns="" val="3661260584"/>
+                    <a16:rowId xmlns:a16="http://schemas.microsoft.com/office/drawing/2014/main" val="3661260584"/>
                   </a:ext>
                 </a:extLst>
               </a:tr>
@@ -16685,7 +17778,7 @@
                 </a:tc>
                 <a:extLst>
                   <a:ext uri="{0D108BD9-81ED-4DB2-BD59-A6C34878D82A}">
-                    <a16:rowId xmlns:a16="http://schemas.microsoft.com/office/drawing/2014/main" xmlns="" val="2832231937"/>
+                    <a16:rowId xmlns:a16="http://schemas.microsoft.com/office/drawing/2014/main" val="2832231937"/>
                   </a:ext>
                 </a:extLst>
               </a:tr>
@@ -16779,7 +17872,7 @@
                 </a:tc>
                 <a:extLst>
                   <a:ext uri="{0D108BD9-81ED-4DB2-BD59-A6C34878D82A}">
-                    <a16:rowId xmlns:a16="http://schemas.microsoft.com/office/drawing/2014/main" xmlns="" val="3696252627"/>
+                    <a16:rowId xmlns:a16="http://schemas.microsoft.com/office/drawing/2014/main" val="3696252627"/>
                   </a:ext>
                 </a:extLst>
               </a:tr>
@@ -16873,7 +17966,7 @@
                 </a:tc>
                 <a:extLst>
                   <a:ext uri="{0D108BD9-81ED-4DB2-BD59-A6C34878D82A}">
-                    <a16:rowId xmlns:a16="http://schemas.microsoft.com/office/drawing/2014/main" xmlns="" val="2666515709"/>
+                    <a16:rowId xmlns:a16="http://schemas.microsoft.com/office/drawing/2014/main" val="2666515709"/>
                   </a:ext>
                 </a:extLst>
               </a:tr>
@@ -16967,7 +18060,7 @@
                 </a:tc>
                 <a:extLst>
                   <a:ext uri="{0D108BD9-81ED-4DB2-BD59-A6C34878D82A}">
-                    <a16:rowId xmlns:a16="http://schemas.microsoft.com/office/drawing/2014/main" xmlns="" val="2200918700"/>
+                    <a16:rowId xmlns:a16="http://schemas.microsoft.com/office/drawing/2014/main" val="2200918700"/>
                   </a:ext>
                 </a:extLst>
               </a:tr>
@@ -17061,7 +18154,7 @@
                 </a:tc>
                 <a:extLst>
                   <a:ext uri="{0D108BD9-81ED-4DB2-BD59-A6C34878D82A}">
-                    <a16:rowId xmlns:a16="http://schemas.microsoft.com/office/drawing/2014/main" xmlns="" val="3100803531"/>
+                    <a16:rowId xmlns:a16="http://schemas.microsoft.com/office/drawing/2014/main" val="3100803531"/>
                   </a:ext>
                 </a:extLst>
               </a:tr>
@@ -17155,7 +18248,7 @@
                 </a:tc>
                 <a:extLst>
                   <a:ext uri="{0D108BD9-81ED-4DB2-BD59-A6C34878D82A}">
-                    <a16:rowId xmlns:a16="http://schemas.microsoft.com/office/drawing/2014/main" xmlns="" val="1681439451"/>
+                    <a16:rowId xmlns:a16="http://schemas.microsoft.com/office/drawing/2014/main" val="1681439451"/>
                   </a:ext>
                 </a:extLst>
               </a:tr>
@@ -17249,7 +18342,7 @@
                 </a:tc>
                 <a:extLst>
                   <a:ext uri="{0D108BD9-81ED-4DB2-BD59-A6C34878D82A}">
-                    <a16:rowId xmlns:a16="http://schemas.microsoft.com/office/drawing/2014/main" xmlns="" val="3388506960"/>
+                    <a16:rowId xmlns:a16="http://schemas.microsoft.com/office/drawing/2014/main" val="3388506960"/>
                   </a:ext>
                 </a:extLst>
               </a:tr>
@@ -17343,7 +18436,7 @@
                 </a:tc>
                 <a:extLst>
                   <a:ext uri="{0D108BD9-81ED-4DB2-BD59-A6C34878D82A}">
-                    <a16:rowId xmlns:a16="http://schemas.microsoft.com/office/drawing/2014/main" xmlns="" val="570880933"/>
+                    <a16:rowId xmlns:a16="http://schemas.microsoft.com/office/drawing/2014/main" val="570880933"/>
                   </a:ext>
                 </a:extLst>
               </a:tr>
@@ -17437,7 +18530,7 @@
                 </a:tc>
                 <a:extLst>
                   <a:ext uri="{0D108BD9-81ED-4DB2-BD59-A6C34878D82A}">
-                    <a16:rowId xmlns:a16="http://schemas.microsoft.com/office/drawing/2014/main" xmlns="" val="2664442372"/>
+                    <a16:rowId xmlns:a16="http://schemas.microsoft.com/office/drawing/2014/main" val="2664442372"/>
                   </a:ext>
                 </a:extLst>
               </a:tr>
@@ -17531,7 +18624,7 @@
                 </a:tc>
                 <a:extLst>
                   <a:ext uri="{0D108BD9-81ED-4DB2-BD59-A6C34878D82A}">
-                    <a16:rowId xmlns:a16="http://schemas.microsoft.com/office/drawing/2014/main" xmlns="" val="1248671919"/>
+                    <a16:rowId xmlns:a16="http://schemas.microsoft.com/office/drawing/2014/main" val="1248671919"/>
                   </a:ext>
                 </a:extLst>
               </a:tr>
@@ -17625,7 +18718,7 @@
                 </a:tc>
                 <a:extLst>
                   <a:ext uri="{0D108BD9-81ED-4DB2-BD59-A6C34878D82A}">
-                    <a16:rowId xmlns:a16="http://schemas.microsoft.com/office/drawing/2014/main" xmlns="" val="135169989"/>
+                    <a16:rowId xmlns:a16="http://schemas.microsoft.com/office/drawing/2014/main" val="135169989"/>
                   </a:ext>
                 </a:extLst>
               </a:tr>
@@ -17719,7 +18812,7 @@
                 </a:tc>
                 <a:extLst>
                   <a:ext uri="{0D108BD9-81ED-4DB2-BD59-A6C34878D82A}">
-                    <a16:rowId xmlns:a16="http://schemas.microsoft.com/office/drawing/2014/main" xmlns="" val="3514961361"/>
+                    <a16:rowId xmlns:a16="http://schemas.microsoft.com/office/drawing/2014/main" val="3514961361"/>
                   </a:ext>
                 </a:extLst>
               </a:tr>
@@ -17813,7 +18906,7 @@
                 </a:tc>
                 <a:extLst>
                   <a:ext uri="{0D108BD9-81ED-4DB2-BD59-A6C34878D82A}">
-                    <a16:rowId xmlns:a16="http://schemas.microsoft.com/office/drawing/2014/main" xmlns="" val="1380328154"/>
+                    <a16:rowId xmlns:a16="http://schemas.microsoft.com/office/drawing/2014/main" val="1380328154"/>
                   </a:ext>
                 </a:extLst>
               </a:tr>
@@ -17907,7 +19000,7 @@
                 </a:tc>
                 <a:extLst>
                   <a:ext uri="{0D108BD9-81ED-4DB2-BD59-A6C34878D82A}">
-                    <a16:rowId xmlns:a16="http://schemas.microsoft.com/office/drawing/2014/main" xmlns="" val="317986866"/>
+                    <a16:rowId xmlns:a16="http://schemas.microsoft.com/office/drawing/2014/main" val="317986866"/>
                   </a:ext>
                 </a:extLst>
               </a:tr>
@@ -18007,7 +19100,7 @@
                 </a:tc>
                 <a:extLst>
                   <a:ext uri="{0D108BD9-81ED-4DB2-BD59-A6C34878D82A}">
-                    <a16:rowId xmlns:a16="http://schemas.microsoft.com/office/drawing/2014/main" xmlns="" val="2710386670"/>
+                    <a16:rowId xmlns:a16="http://schemas.microsoft.com/office/drawing/2014/main" val="2710386670"/>
                   </a:ext>
                 </a:extLst>
               </a:tr>
@@ -18107,7 +19200,7 @@
                 </a:tc>
                 <a:extLst>
                   <a:ext uri="{0D108BD9-81ED-4DB2-BD59-A6C34878D82A}">
-                    <a16:rowId xmlns:a16="http://schemas.microsoft.com/office/drawing/2014/main" xmlns="" val="2640749732"/>
+                    <a16:rowId xmlns:a16="http://schemas.microsoft.com/office/drawing/2014/main" val="2640749732"/>
                   </a:ext>
                 </a:extLst>
               </a:tr>
@@ -18135,7 +19228,7 @@
 </p:sld>
 </file>
 
-<file path=ppt/slides/slide12.xml><?xml version="1.0" encoding="utf-8"?>
+<file path=ppt/slides/slide16.xml><?xml version="1.0" encoding="utf-8"?>
 <p:sld xmlns:a="http://schemas.openxmlformats.org/drawingml/2006/main" xmlns:r="http://schemas.openxmlformats.org/officeDocument/2006/relationships" xmlns:p="http://schemas.openxmlformats.org/presentationml/2006/main">
   <p:cSld>
     <p:spTree>
@@ -18206,8 +19299,9 @@
             <a:pPr marL="457200"/>
             <a:r>
               <a:rPr lang="de-DE" dirty="0" smtClean="0"/>
-              <a:t>Planung/Vorgehensweise</a:t>
-            </a:r>
+              <a:t>Planung</a:t>
+            </a:r>
+            <a:endParaRPr lang="de-DE" dirty="0" smtClean="0"/>
           </a:p>
           <a:p>
             <a:pPr marL="457200"/>
@@ -18338,7 +19432,7 @@
 </p:sld>
 </file>
 
-<file path=ppt/slides/slide13.xml><?xml version="1.0" encoding="utf-8"?>
+<file path=ppt/slides/slide17.xml><?xml version="1.0" encoding="utf-8"?>
 <p:sld xmlns:a="http://schemas.openxmlformats.org/drawingml/2006/main" xmlns:r="http://schemas.openxmlformats.org/officeDocument/2006/relationships" xmlns:p="http://schemas.openxmlformats.org/presentationml/2006/main">
   <p:cSld>
     <p:spTree>
@@ -18424,11 +19518,7 @@
             </a:r>
             <a:r>
               <a:rPr lang="en-GB" dirty="0" smtClean="0"/>
-              <a:t> der </a:t>
-            </a:r>
-            <a:r>
-              <a:rPr lang="en-GB" dirty="0" smtClean="0"/>
-              <a:t>IDE</a:t>
+              <a:t> der IDE</a:t>
             </a:r>
           </a:p>
           <a:p>
@@ -18465,7 +19555,7 @@
         </p:blipFill>
         <p:spPr>
           <a:xfrm>
-            <a:off x="1259632" y="4230960"/>
+            <a:off x="3315605" y="4005456"/>
             <a:ext cx="2510408" cy="2510408"/>
           </a:xfrm>
           <a:prstGeom prst="rect">
@@ -18493,7 +19583,7 @@
 </p:sld>
 </file>
 
-<file path=ppt/slides/slide14.xml><?xml version="1.0" encoding="utf-8"?>
+<file path=ppt/slides/slide18.xml><?xml version="1.0" encoding="utf-8"?>
 <p:sld xmlns:a="http://schemas.openxmlformats.org/drawingml/2006/main" xmlns:r="http://schemas.openxmlformats.org/officeDocument/2006/relationships" xmlns:p="http://schemas.openxmlformats.org/presentationml/2006/main">
   <p:cSld>
     <p:spTree>
@@ -18564,8 +19654,9 @@
             <a:pPr marL="457200"/>
             <a:r>
               <a:rPr lang="de-DE" dirty="0" smtClean="0"/>
-              <a:t>Planung/Vorgehensweise</a:t>
-            </a:r>
+              <a:t>Planung</a:t>
+            </a:r>
+            <a:endParaRPr lang="de-DE" dirty="0" smtClean="0"/>
           </a:p>
           <a:p>
             <a:pPr marL="457200"/>
@@ -18696,7 +19787,7 @@
 </p:sld>
 </file>
 
-<file path=ppt/slides/slide15.xml><?xml version="1.0" encoding="utf-8"?>
+<file path=ppt/slides/slide19.xml><?xml version="1.0" encoding="utf-8"?>
 <p:sld xmlns:a="http://schemas.openxmlformats.org/drawingml/2006/main" xmlns:r="http://schemas.openxmlformats.org/officeDocument/2006/relationships" xmlns:p="http://schemas.openxmlformats.org/presentationml/2006/main">
   <p:cSld>
     <p:spTree>
@@ -18940,7 +20031,7 @@
 </p:sld>
 </file>
 
-<file path=ppt/slides/slide16.xml><?xml version="1.0" encoding="utf-8"?>
+<file path=ppt/slides/slide2.xml><?xml version="1.0" encoding="utf-8"?>
 <p:sld xmlns:a="http://schemas.openxmlformats.org/drawingml/2006/main" xmlns:r="http://schemas.openxmlformats.org/officeDocument/2006/relationships" xmlns:p="http://schemas.openxmlformats.org/presentationml/2006/main">
   <p:cSld>
     <p:spTree>
@@ -19011,8 +20102,216 @@
             <a:pPr marL="457200"/>
             <a:r>
               <a:rPr lang="de-DE" dirty="0" smtClean="0"/>
-              <a:t>Planung/Vorgehensweise</a:t>
-            </a:r>
+              <a:t>Planung</a:t>
+            </a:r>
+            <a:endParaRPr lang="de-DE" dirty="0" smtClean="0"/>
+          </a:p>
+          <a:p>
+            <a:pPr marL="457200"/>
+            <a:r>
+              <a:rPr lang="de-DE" dirty="0" smtClean="0"/>
+              <a:t>Durchführung</a:t>
+            </a:r>
+          </a:p>
+          <a:p>
+            <a:pPr marL="457200"/>
+            <a:r>
+              <a:rPr lang="de-DE" dirty="0" smtClean="0"/>
+              <a:t>Problematik Lukas</a:t>
+            </a:r>
+            <a:endParaRPr lang="de-DE" dirty="0" smtClean="0"/>
+          </a:p>
+          <a:p>
+            <a:pPr marL="457200"/>
+            <a:r>
+              <a:rPr lang="de-DE" dirty="0" smtClean="0"/>
+              <a:t>Resultat Lukas</a:t>
+            </a:r>
+            <a:endParaRPr lang="de-DE" dirty="0" smtClean="0"/>
+          </a:p>
+          <a:p>
+            <a:pPr marL="457200"/>
+            <a:r>
+              <a:rPr lang="de-DE" dirty="0" smtClean="0"/>
+              <a:t>Demo Lukas</a:t>
+            </a:r>
+            <a:endParaRPr lang="de-DE" dirty="0" smtClean="0"/>
+          </a:p>
+          <a:p>
+            <a:pPr marL="457200"/>
+            <a:r>
+              <a:rPr lang="de-DE" dirty="0" smtClean="0"/>
+              <a:t>Quellen Lukas</a:t>
+            </a:r>
+            <a:endParaRPr lang="de-DE" dirty="0"/>
+          </a:p>
+        </p:txBody>
+      </p:sp>
+    </p:spTree>
+    <p:extLst>
+      <p:ext uri="{BB962C8B-B14F-4D97-AF65-F5344CB8AC3E}">
+        <p14:creationId xmlns:p14="http://schemas.microsoft.com/office/powerpoint/2010/main" val="62430694"/>
+      </p:ext>
+    </p:extLst>
+  </p:cSld>
+  <p:clrMapOvr>
+    <a:masterClrMapping/>
+  </p:clrMapOvr>
+  <p:timing>
+    <p:tnLst>
+      <p:par>
+        <p:cTn id="1" dur="indefinite" restart="never" nodeType="tmRoot">
+          <p:childTnLst>
+            <p:seq concurrent="1" nextAc="seek">
+              <p:cTn id="2" dur="indefinite" nodeType="mainSeq">
+                <p:childTnLst>
+                  <p:par>
+                    <p:cTn id="3" fill="hold">
+                      <p:stCondLst>
+                        <p:cond delay="indefinite"/>
+                        <p:cond evt="onBegin" delay="0">
+                          <p:tn val="2"/>
+                        </p:cond>
+                      </p:stCondLst>
+                      <p:childTnLst>
+                        <p:par>
+                          <p:cTn id="4" fill="hold">
+                            <p:stCondLst>
+                              <p:cond delay="0"/>
+                            </p:stCondLst>
+                            <p:childTnLst>
+                              <p:par>
+                                <p:cTn id="5" presetID="3" presetClass="emph" presetSubtype="2" fill="hold" nodeType="afterEffect">
+                                  <p:stCondLst>
+                                    <p:cond delay="1000"/>
+                                  </p:stCondLst>
+                                  <p:childTnLst>
+                                    <p:animClr clrSpc="rgb" dir="cw">
+                                      <p:cBhvr override="childStyle">
+                                        <p:cTn id="6" dur="1000" fill="hold"/>
+                                        <p:tgtEl>
+                                          <p:spTgt spid="3">
+                                            <p:txEl>
+                                              <p:pRg st="0" end="0"/>
+                                            </p:txEl>
+                                          </p:spTgt>
+                                        </p:tgtEl>
+                                        <p:attrNameLst>
+                                          <p:attrName>style.color</p:attrName>
+                                        </p:attrNameLst>
+                                      </p:cBhvr>
+                                      <p:to>
+                                        <a:srgbClr val="FF0000"/>
+                                      </p:to>
+                                    </p:animClr>
+                                  </p:childTnLst>
+                                </p:cTn>
+                              </p:par>
+                            </p:childTnLst>
+                          </p:cTn>
+                        </p:par>
+                      </p:childTnLst>
+                    </p:cTn>
+                  </p:par>
+                </p:childTnLst>
+              </p:cTn>
+              <p:prevCondLst>
+                <p:cond evt="onPrev" delay="0">
+                  <p:tgtEl>
+                    <p:sldTgt/>
+                  </p:tgtEl>
+                </p:cond>
+              </p:prevCondLst>
+              <p:nextCondLst>
+                <p:cond evt="onNext" delay="0">
+                  <p:tgtEl>
+                    <p:sldTgt/>
+                  </p:tgtEl>
+                </p:cond>
+              </p:nextCondLst>
+            </p:seq>
+          </p:childTnLst>
+        </p:cTn>
+      </p:par>
+    </p:tnLst>
+  </p:timing>
+</p:sld>
+</file>
+
+<file path=ppt/slides/slide20.xml><?xml version="1.0" encoding="utf-8"?>
+<p:sld xmlns:a="http://schemas.openxmlformats.org/drawingml/2006/main" xmlns:r="http://schemas.openxmlformats.org/officeDocument/2006/relationships" xmlns:p="http://schemas.openxmlformats.org/presentationml/2006/main">
+  <p:cSld>
+    <p:spTree>
+      <p:nvGrpSpPr>
+        <p:cNvPr id="1" name=""/>
+        <p:cNvGrpSpPr/>
+        <p:nvPr/>
+      </p:nvGrpSpPr>
+      <p:grpSpPr>
+        <a:xfrm>
+          <a:off x="0" y="0"/>
+          <a:ext cx="0" cy="0"/>
+          <a:chOff x="0" y="0"/>
+          <a:chExt cx="0" cy="0"/>
+        </a:xfrm>
+      </p:grpSpPr>
+      <p:sp>
+        <p:nvSpPr>
+          <p:cNvPr id="2" name="Titel 1"/>
+          <p:cNvSpPr>
+            <a:spLocks noGrp="1"/>
+          </p:cNvSpPr>
+          <p:nvPr>
+            <p:ph type="title"/>
+          </p:nvPr>
+        </p:nvSpPr>
+        <p:spPr/>
+        <p:txBody>
+          <a:bodyPr/>
+          <a:lstStyle/>
+          <a:p>
+            <a:pPr marL="57150"/>
+            <a:r>
+              <a:rPr lang="de-DE" dirty="0" smtClean="0"/>
+              <a:t>Gliederung</a:t>
+            </a:r>
+            <a:endParaRPr lang="de-DE" dirty="0"/>
+          </a:p>
+        </p:txBody>
+      </p:sp>
+      <p:sp>
+        <p:nvSpPr>
+          <p:cNvPr id="3" name="Inhaltsplatzhalter 2"/>
+          <p:cNvSpPr>
+            <a:spLocks noGrp="1"/>
+          </p:cNvSpPr>
+          <p:nvPr>
+            <p:ph idx="1"/>
+          </p:nvPr>
+        </p:nvSpPr>
+        <p:spPr>
+          <a:xfrm>
+            <a:off x="457200" y="1600200"/>
+            <a:ext cx="8229600" cy="4565104"/>
+          </a:xfrm>
+        </p:spPr>
+        <p:txBody>
+          <a:bodyPr/>
+          <a:lstStyle/>
+          <a:p>
+            <a:pPr marL="457200"/>
+            <a:r>
+              <a:rPr lang="de-DE" dirty="0" smtClean="0"/>
+              <a:t>Problemstellung</a:t>
+            </a:r>
+          </a:p>
+          <a:p>
+            <a:pPr marL="457200"/>
+            <a:r>
+              <a:rPr lang="de-DE" dirty="0" smtClean="0"/>
+              <a:t>Planung</a:t>
+            </a:r>
+            <a:endParaRPr lang="de-DE" dirty="0" smtClean="0"/>
           </a:p>
           <a:p>
             <a:pPr marL="457200"/>
@@ -19143,7 +20442,7 @@
 </p:sld>
 </file>
 
-<file path=ppt/slides/slide17.xml><?xml version="1.0" encoding="utf-8"?>
+<file path=ppt/slides/slide21.xml><?xml version="1.0" encoding="utf-8"?>
 <p:sld xmlns:a="http://schemas.openxmlformats.org/drawingml/2006/main" xmlns:r="http://schemas.openxmlformats.org/officeDocument/2006/relationships" xmlns:p="http://schemas.openxmlformats.org/presentationml/2006/main">
   <p:cSld>
     <p:spTree>
@@ -19377,7 +20676,7 @@
 </p:sld>
 </file>
 
-<file path=ppt/slides/slide18.xml><?xml version="1.0" encoding="utf-8"?>
+<file path=ppt/slides/slide22.xml><?xml version="1.0" encoding="utf-8"?>
 <p:sld xmlns:a="http://schemas.openxmlformats.org/drawingml/2006/main" xmlns:r="http://schemas.openxmlformats.org/officeDocument/2006/relationships" xmlns:p="http://schemas.openxmlformats.org/presentationml/2006/main">
   <p:cSld>
     <p:spTree>
@@ -19448,8 +20747,9 @@
             <a:pPr marL="457200"/>
             <a:r>
               <a:rPr lang="de-DE" dirty="0" smtClean="0"/>
-              <a:t>Planung/Vorgehensweise</a:t>
-            </a:r>
+              <a:t>Planung</a:t>
+            </a:r>
+            <a:endParaRPr lang="de-DE" dirty="0" smtClean="0"/>
           </a:p>
           <a:p>
             <a:pPr marL="457200"/>
@@ -19580,7 +20880,7 @@
 </p:sld>
 </file>
 
-<file path=ppt/slides/slide19.xml><?xml version="1.0" encoding="utf-8"?>
+<file path=ppt/slides/slide23.xml><?xml version="1.0" encoding="utf-8"?>
 <p:sld xmlns:a="http://schemas.openxmlformats.org/drawingml/2006/main" xmlns:r="http://schemas.openxmlformats.org/officeDocument/2006/relationships" xmlns:p="http://schemas.openxmlformats.org/presentationml/2006/main">
   <p:cSld>
     <p:spTree>
@@ -19765,7 +21065,6 @@
               <a:rPr lang="de-DE" dirty="0" smtClean="0"/>
               <a:t> (MySQL Logo)</a:t>
             </a:r>
-            <a:endParaRPr lang="de-DE" dirty="0" smtClean="0"/>
           </a:p>
           <a:p>
             <a:r>
@@ -19801,7 +21100,11 @@
             </a:r>
             <a:r>
               <a:rPr lang="de-DE" dirty="0" smtClean="0"/>
-              <a:t> (Teamwork</a:t>
+              <a:t> (</a:t>
+            </a:r>
+            <a:r>
+              <a:rPr lang="de-DE" dirty="0" smtClean="0"/>
+              <a:t>Teamwork)</a:t>
             </a:r>
             <a:endParaRPr lang="de-DE" dirty="0"/>
           </a:p>
@@ -19821,209 +21124,6 @@
     <p:tnLst>
       <p:par>
         <p:cTn id="1" dur="indefinite" restart="never" nodeType="tmRoot"/>
-      </p:par>
-    </p:tnLst>
-  </p:timing>
-</p:sld>
-</file>
-
-<file path=ppt/slides/slide2.xml><?xml version="1.0" encoding="utf-8"?>
-<p:sld xmlns:a="http://schemas.openxmlformats.org/drawingml/2006/main" xmlns:r="http://schemas.openxmlformats.org/officeDocument/2006/relationships" xmlns:p="http://schemas.openxmlformats.org/presentationml/2006/main">
-  <p:cSld>
-    <p:spTree>
-      <p:nvGrpSpPr>
-        <p:cNvPr id="1" name=""/>
-        <p:cNvGrpSpPr/>
-        <p:nvPr/>
-      </p:nvGrpSpPr>
-      <p:grpSpPr>
-        <a:xfrm>
-          <a:off x="0" y="0"/>
-          <a:ext cx="0" cy="0"/>
-          <a:chOff x="0" y="0"/>
-          <a:chExt cx="0" cy="0"/>
-        </a:xfrm>
-      </p:grpSpPr>
-      <p:sp>
-        <p:nvSpPr>
-          <p:cNvPr id="2" name="Titel 1"/>
-          <p:cNvSpPr>
-            <a:spLocks noGrp="1"/>
-          </p:cNvSpPr>
-          <p:nvPr>
-            <p:ph type="title"/>
-          </p:nvPr>
-        </p:nvSpPr>
-        <p:spPr/>
-        <p:txBody>
-          <a:bodyPr/>
-          <a:lstStyle/>
-          <a:p>
-            <a:pPr marL="57150"/>
-            <a:r>
-              <a:rPr lang="de-DE" dirty="0" smtClean="0"/>
-              <a:t>Gliederung</a:t>
-            </a:r>
-            <a:endParaRPr lang="de-DE" dirty="0"/>
-          </a:p>
-        </p:txBody>
-      </p:sp>
-      <p:sp>
-        <p:nvSpPr>
-          <p:cNvPr id="3" name="Inhaltsplatzhalter 2"/>
-          <p:cNvSpPr>
-            <a:spLocks noGrp="1"/>
-          </p:cNvSpPr>
-          <p:nvPr>
-            <p:ph idx="1"/>
-          </p:nvPr>
-        </p:nvSpPr>
-        <p:spPr>
-          <a:xfrm>
-            <a:off x="457200" y="1600200"/>
-            <a:ext cx="8229600" cy="4565104"/>
-          </a:xfrm>
-        </p:spPr>
-        <p:txBody>
-          <a:bodyPr/>
-          <a:lstStyle/>
-          <a:p>
-            <a:pPr marL="457200"/>
-            <a:r>
-              <a:rPr lang="de-DE" dirty="0" smtClean="0"/>
-              <a:t>Problemstellung</a:t>
-            </a:r>
-          </a:p>
-          <a:p>
-            <a:pPr marL="457200"/>
-            <a:r>
-              <a:rPr lang="de-DE" dirty="0" smtClean="0"/>
-              <a:t>Planung/Vorgehensweise</a:t>
-            </a:r>
-          </a:p>
-          <a:p>
-            <a:pPr marL="457200"/>
-            <a:r>
-              <a:rPr lang="de-DE" dirty="0" smtClean="0"/>
-              <a:t>Durchführung</a:t>
-            </a:r>
-          </a:p>
-          <a:p>
-            <a:pPr marL="457200"/>
-            <a:r>
-              <a:rPr lang="de-DE" dirty="0" smtClean="0"/>
-              <a:t>Problematik</a:t>
-            </a:r>
-          </a:p>
-          <a:p>
-            <a:pPr marL="457200"/>
-            <a:r>
-              <a:rPr lang="de-DE" dirty="0" smtClean="0"/>
-              <a:t>Resultat</a:t>
-            </a:r>
-          </a:p>
-          <a:p>
-            <a:pPr marL="457200"/>
-            <a:r>
-              <a:rPr lang="de-DE" dirty="0" smtClean="0"/>
-              <a:t>Demo</a:t>
-            </a:r>
-          </a:p>
-          <a:p>
-            <a:pPr marL="457200"/>
-            <a:r>
-              <a:rPr lang="de-DE" dirty="0" smtClean="0"/>
-              <a:t>Quellen</a:t>
-            </a:r>
-            <a:endParaRPr lang="de-DE" dirty="0"/>
-          </a:p>
-        </p:txBody>
-      </p:sp>
-    </p:spTree>
-    <p:extLst>
-      <p:ext uri="{BB962C8B-B14F-4D97-AF65-F5344CB8AC3E}">
-        <p14:creationId xmlns:p14="http://schemas.microsoft.com/office/powerpoint/2010/main" val="62430694"/>
-      </p:ext>
-    </p:extLst>
-  </p:cSld>
-  <p:clrMapOvr>
-    <a:masterClrMapping/>
-  </p:clrMapOvr>
-  <p:timing>
-    <p:tnLst>
-      <p:par>
-        <p:cTn id="1" dur="indefinite" restart="never" nodeType="tmRoot">
-          <p:childTnLst>
-            <p:seq concurrent="1" nextAc="seek">
-              <p:cTn id="2" dur="indefinite" nodeType="mainSeq">
-                <p:childTnLst>
-                  <p:par>
-                    <p:cTn id="3" fill="hold">
-                      <p:stCondLst>
-                        <p:cond delay="indefinite"/>
-                        <p:cond evt="onBegin" delay="0">
-                          <p:tn val="2"/>
-                        </p:cond>
-                      </p:stCondLst>
-                      <p:childTnLst>
-                        <p:par>
-                          <p:cTn id="4" fill="hold">
-                            <p:stCondLst>
-                              <p:cond delay="0"/>
-                            </p:stCondLst>
-                            <p:childTnLst>
-                              <p:par>
-                                <p:cTn id="5" presetID="3" presetClass="emph" presetSubtype="2" fill="hold" nodeType="afterEffect">
-                                  <p:stCondLst>
-                                    <p:cond delay="1000"/>
-                                  </p:stCondLst>
-                                  <p:childTnLst>
-                                    <p:animClr clrSpc="rgb" dir="cw">
-                                      <p:cBhvr override="childStyle">
-                                        <p:cTn id="6" dur="1000" fill="hold"/>
-                                        <p:tgtEl>
-                                          <p:spTgt spid="3">
-                                            <p:txEl>
-                                              <p:pRg st="0" end="0"/>
-                                            </p:txEl>
-                                          </p:spTgt>
-                                        </p:tgtEl>
-                                        <p:attrNameLst>
-                                          <p:attrName>style.color</p:attrName>
-                                        </p:attrNameLst>
-                                      </p:cBhvr>
-                                      <p:to>
-                                        <a:srgbClr val="FF0000"/>
-                                      </p:to>
-                                    </p:animClr>
-                                  </p:childTnLst>
-                                </p:cTn>
-                              </p:par>
-                            </p:childTnLst>
-                          </p:cTn>
-                        </p:par>
-                      </p:childTnLst>
-                    </p:cTn>
-                  </p:par>
-                </p:childTnLst>
-              </p:cTn>
-              <p:prevCondLst>
-                <p:cond evt="onPrev" delay="0">
-                  <p:tgtEl>
-                    <p:sldTgt/>
-                  </p:tgtEl>
-                </p:cond>
-              </p:prevCondLst>
-              <p:nextCondLst>
-                <p:cond evt="onNext" delay="0">
-                  <p:tgtEl>
-                    <p:sldTgt/>
-                  </p:tgtEl>
-                </p:cond>
-              </p:nextCondLst>
-            </p:seq>
-          </p:childTnLst>
-        </p:cTn>
       </p:par>
     </p:tnLst>
   </p:timing>
@@ -20234,8 +21334,9 @@
             <a:pPr marL="457200"/>
             <a:r>
               <a:rPr lang="de-DE" dirty="0" smtClean="0"/>
-              <a:t>Planung/Vorgehensweise</a:t>
-            </a:r>
+              <a:t>Planung</a:t>
+            </a:r>
+            <a:endParaRPr lang="de-DE" dirty="0" smtClean="0"/>
           </a:p>
           <a:p>
             <a:pPr marL="457200"/>
@@ -20400,7 +21501,7 @@
           <a:p>
             <a:r>
               <a:rPr lang="de-DE" dirty="0" smtClean="0"/>
-              <a:t>Planung/Vorgehensweise</a:t>
+              <a:t>Planung</a:t>
             </a:r>
             <a:endParaRPr lang="de-DE" dirty="0"/>
           </a:p>
@@ -20765,24 +21866,19 @@
           <a:p>
             <a:r>
               <a:rPr lang="de-DE" dirty="0" smtClean="0"/>
-              <a:t>Selbständerung von </a:t>
-            </a:r>
+              <a:t>Selbständerung von Userdaten</a:t>
+            </a:r>
+          </a:p>
+          <a:p>
             <a:r>
               <a:rPr lang="de-DE" dirty="0" smtClean="0"/>
-              <a:t>Userdaten</a:t>
-            </a:r>
-          </a:p>
-          <a:p>
+              <a:t>Datenschutz </a:t>
+            </a:r>
             <a:r>
               <a:rPr lang="de-DE" dirty="0" smtClean="0"/>
-              <a:t>Datenschutz gewährleistet</a:t>
-            </a:r>
-          </a:p>
-          <a:p>
-            <a:r>
-              <a:rPr lang="de-DE" dirty="0" smtClean="0"/>
-              <a:t>Ungültige Eingaben verhindern</a:t>
-            </a:r>
+              <a:t>gewährleistet</a:t>
+            </a:r>
+            <a:endParaRPr lang="de-DE" dirty="0" smtClean="0"/>
           </a:p>
           <a:p>
             <a:endParaRPr lang="de-DE" dirty="0"/>
@@ -20858,7 +21954,7 @@
           <p:nvPr/>
         </p:nvPicPr>
         <p:blipFill>
-          <a:blip r:embed="rId2" cstate="print">
+          <a:blip r:embed="rId3" cstate="print">
             <a:extLst>
               <a:ext uri="{28A0092B-C50C-407E-A947-70E740481C1C}">
                 <a14:useLocalDpi xmlns:a14="http://schemas.microsoft.com/office/drawing/2010/main" val="0"/>
@@ -20938,7 +22034,7 @@
           <p:nvPr/>
         </p:nvPicPr>
         <p:blipFill>
-          <a:blip r:embed="rId3">
+          <a:blip r:embed="rId4">
             <a:extLst>
               <a:ext uri="{28A0092B-C50C-407E-A947-70E740481C1C}">
                 <a14:useLocalDpi xmlns:a14="http://schemas.microsoft.com/office/drawing/2010/main" val="0"/>
@@ -21011,90 +22107,47 @@
           <a:bodyPr/>
           <a:lstStyle/>
           <a:p>
-            <a:pPr marL="57150"/>
             <a:r>
               <a:rPr lang="de-DE" dirty="0" smtClean="0"/>
-              <a:t>Gliederung</a:t>
+              <a:t>EPK Einloggen</a:t>
             </a:r>
             <a:endParaRPr lang="de-DE" dirty="0"/>
           </a:p>
         </p:txBody>
       </p:sp>
-      <p:sp>
-        <p:nvSpPr>
-          <p:cNvPr id="3" name="Inhaltsplatzhalter 2"/>
-          <p:cNvSpPr>
-            <a:spLocks noGrp="1"/>
-          </p:cNvSpPr>
+      <p:pic>
+        <p:nvPicPr>
+          <p:cNvPr id="4" name="Inhaltsplatzhalter 3"/>
+          <p:cNvPicPr>
+            <a:picLocks noGrp="1" noChangeAspect="1"/>
+          </p:cNvPicPr>
           <p:nvPr>
             <p:ph idx="1"/>
           </p:nvPr>
-        </p:nvSpPr>
+        </p:nvPicPr>
+        <p:blipFill>
+          <a:blip r:embed="rId3">
+            <a:extLst>
+              <a:ext uri="{28A0092B-C50C-407E-A947-70E740481C1C}">
+                <a14:useLocalDpi xmlns:a14="http://schemas.microsoft.com/office/drawing/2010/main" val="0"/>
+              </a:ext>
+            </a:extLst>
+          </a:blip>
+          <a:stretch>
+            <a:fillRect/>
+          </a:stretch>
+        </p:blipFill>
         <p:spPr>
           <a:xfrm>
-            <a:off x="457200" y="1600200"/>
-            <a:ext cx="8229600" cy="4565104"/>
+            <a:off x="2680423" y="2097088"/>
+            <a:ext cx="3780771" cy="4633901"/>
           </a:xfrm>
         </p:spPr>
-        <p:txBody>
-          <a:bodyPr/>
-          <a:lstStyle/>
-          <a:p>
-            <a:pPr marL="457200"/>
-            <a:r>
-              <a:rPr lang="de-DE" dirty="0" smtClean="0"/>
-              <a:t>Problemstellung</a:t>
-            </a:r>
-          </a:p>
-          <a:p>
-            <a:pPr marL="457200"/>
-            <a:r>
-              <a:rPr lang="de-DE" dirty="0" smtClean="0"/>
-              <a:t>Planung/Vorgehensweise</a:t>
-            </a:r>
-          </a:p>
-          <a:p>
-            <a:pPr marL="457200"/>
-            <a:r>
-              <a:rPr lang="de-DE" dirty="0" smtClean="0"/>
-              <a:t>Durchführung</a:t>
-            </a:r>
-          </a:p>
-          <a:p>
-            <a:pPr marL="457200"/>
-            <a:r>
-              <a:rPr lang="de-DE" dirty="0" smtClean="0"/>
-              <a:t>Problematik</a:t>
-            </a:r>
-          </a:p>
-          <a:p>
-            <a:pPr marL="457200"/>
-            <a:r>
-              <a:rPr lang="de-DE" dirty="0" smtClean="0"/>
-              <a:t>Resultat</a:t>
-            </a:r>
-          </a:p>
-          <a:p>
-            <a:pPr marL="457200"/>
-            <a:r>
-              <a:rPr lang="de-DE" dirty="0" smtClean="0"/>
-              <a:t>Demo</a:t>
-            </a:r>
-          </a:p>
-          <a:p>
-            <a:pPr marL="457200"/>
-            <a:r>
-              <a:rPr lang="de-DE" dirty="0" smtClean="0"/>
-              <a:t>Quellen</a:t>
-            </a:r>
-            <a:endParaRPr lang="de-DE" dirty="0"/>
-          </a:p>
-        </p:txBody>
-      </p:sp>
+      </p:pic>
     </p:spTree>
     <p:extLst>
       <p:ext uri="{BB962C8B-B14F-4D97-AF65-F5344CB8AC3E}">
-        <p14:creationId xmlns:p14="http://schemas.microsoft.com/office/powerpoint/2010/main" val="636946137"/>
+        <p14:creationId xmlns:p14="http://schemas.microsoft.com/office/powerpoint/2010/main" val="2874960327"/>
       </p:ext>
     </p:extLst>
   </p:cSld>
@@ -21104,78 +22157,7 @@
   <p:timing>
     <p:tnLst>
       <p:par>
-        <p:cTn id="1" dur="indefinite" restart="never" nodeType="tmRoot">
-          <p:childTnLst>
-            <p:seq concurrent="1" nextAc="seek">
-              <p:cTn id="2" dur="indefinite" nodeType="mainSeq">
-                <p:childTnLst>
-                  <p:par>
-                    <p:cTn id="3" fill="hold">
-                      <p:stCondLst>
-                        <p:cond delay="indefinite"/>
-                        <p:cond evt="onBegin" delay="0">
-                          <p:tn val="2"/>
-                        </p:cond>
-                      </p:stCondLst>
-                      <p:childTnLst>
-                        <p:par>
-                          <p:cTn id="4" fill="hold">
-                            <p:stCondLst>
-                              <p:cond delay="0"/>
-                            </p:stCondLst>
-                            <p:childTnLst>
-                              <p:par>
-                                <p:cTn id="5" presetID="3" presetClass="emph" presetSubtype="2" fill="hold" nodeType="afterEffect">
-                                  <p:stCondLst>
-                                    <p:cond delay="1000"/>
-                                  </p:stCondLst>
-                                  <p:childTnLst>
-                                    <p:animClr clrSpc="rgb" dir="cw">
-                                      <p:cBhvr override="childStyle">
-                                        <p:cTn id="6" dur="1000" fill="hold"/>
-                                        <p:tgtEl>
-                                          <p:spTgt spid="3">
-                                            <p:txEl>
-                                              <p:pRg st="2" end="2"/>
-                                            </p:txEl>
-                                          </p:spTgt>
-                                        </p:tgtEl>
-                                        <p:attrNameLst>
-                                          <p:attrName>style.color</p:attrName>
-                                        </p:attrNameLst>
-                                      </p:cBhvr>
-                                      <p:to>
-                                        <a:srgbClr val="FF0000"/>
-                                      </p:to>
-                                    </p:animClr>
-                                  </p:childTnLst>
-                                </p:cTn>
-                              </p:par>
-                            </p:childTnLst>
-                          </p:cTn>
-                        </p:par>
-                      </p:childTnLst>
-                    </p:cTn>
-                  </p:par>
-                </p:childTnLst>
-              </p:cTn>
-              <p:prevCondLst>
-                <p:cond evt="onPrev" delay="0">
-                  <p:tgtEl>
-                    <p:sldTgt/>
-                  </p:tgtEl>
-                </p:cond>
-              </p:prevCondLst>
-              <p:nextCondLst>
-                <p:cond evt="onNext" delay="0">
-                  <p:tgtEl>
-                    <p:sldTgt/>
-                  </p:tgtEl>
-                </p:cond>
-              </p:nextCondLst>
-            </p:seq>
-          </p:childTnLst>
-        </p:cTn>
+        <p:cTn id="1" dur="indefinite" restart="never" nodeType="tmRoot"/>
       </p:par>
     </p:tnLst>
   </p:timing>
@@ -21427,7 +22409,7 @@
   <a:extraClrSchemeLst/>
   <a:extLst>
     <a:ext uri="{05A4C25C-085E-4340-85A3-A5531E510DB2}">
-      <thm15:themeFamily xmlns:thm15="http://schemas.microsoft.com/office/thememl/2012/main" xmlns="" name="Circuit" id="{0AC2F7E7-15F5-431C-B2A2-456FE929F56C}" vid="{0911B802-464C-4241-8DD9-B60FF88E379F}"/>
+      <thm15:themeFamily xmlns:thm15="http://schemas.microsoft.com/office/thememl/2012/main" name="Circuit" id="{0AC2F7E7-15F5-431C-B2A2-456FE929F56C}" vid="{0911B802-464C-4241-8DD9-B60FF88E379F}"/>
     </a:ext>
   </a:extLst>
 </a:theme>
@@ -21688,7 +22670,7 @@
   <a:extraClrSchemeLst/>
   <a:extLst>
     <a:ext uri="{05A4C25C-085E-4340-85A3-A5531E510DB2}">
-      <thm15:themeFamily xmlns:thm15="http://schemas.microsoft.com/office/thememl/2012/main" xmlns="" name="Office Theme" id="{62F939B6-93AF-4DB8-9C6B-D6C7DFDC589F}" vid="{4A3C46E8-61CC-4603-A589-7422A47A8E4A}"/>
+      <thm15:themeFamily xmlns:thm15="http://schemas.microsoft.com/office/thememl/2012/main" name="Office Theme" id="{62F939B6-93AF-4DB8-9C6B-D6C7DFDC589F}" vid="{4A3C46E8-61CC-4603-A589-7422A47A8E4A}"/>
     </a:ext>
   </a:extLst>
 </a:theme>
@@ -21949,38 +22931,38 @@
   <a:extraClrSchemeLst/>
   <a:extLst>
     <a:ext uri="{05A4C25C-085E-4340-85A3-A5531E510DB2}">
-      <thm15:themeFamily xmlns:thm15="http://schemas.microsoft.com/office/thememl/2012/main" xmlns="" name="Office Theme" id="{62F939B6-93AF-4DB8-9C6B-D6C7DFDC589F}" vid="{4A3C46E8-61CC-4603-A589-7422A47A8E4A}"/>
+      <thm15:themeFamily xmlns:thm15="http://schemas.microsoft.com/office/thememl/2012/main" name="Office Theme" id="{62F939B6-93AF-4DB8-9C6B-D6C7DFDC589F}" vid="{4A3C46E8-61CC-4603-A589-7422A47A8E4A}"/>
     </a:ext>
   </a:extLst>
 </a:theme>
 </file>
 
 <file path=customXml/item1.xml><?xml version="1.0" encoding="utf-8"?>
+<WrappedLabelHistory xmlns:xsi="http://www.w3.org/2001/XMLSchema-instance" xmlns:xsd="http://www.w3.org/2001/XMLSchema" xmlns="http://www.boldonjames.com/2016/02/Classifier/internal/wrappedLabelHistory">
+  <Value>PD94bWwgdmVyc2lvbj0iMS4wIiBlbmNvZGluZz0idXMtYXNjaWkiPz48bGFiZWxIaXN0b3J5IHhtbG5zOnhzaT0iaHR0cDovL3d3dy53My5vcmcvMjAwMS9YTUxTY2hlbWEtaW5zdGFuY2UiIHhtbG5zOnhzZD0iaHR0cDovL3d3dy53My5vcmcvMjAwMS9YTUxTY2hlbWEiIHhtbG5zPSJodHRwOi8vd3d3LmJvbGRvbmphbWVzLmNvbS8yMDE2LzAyL0NsYXNzaWZpZXIvaW50ZXJuYWwvbGFiZWxIaXN0b3J5Ij48aXRlbT48c2lzbCBzaXNsVmVyc2lvbj0iMCIgcG9saWN5PSI1ZTIxNjY1Mi03Y2IxLTQyZDMtYTIyZi1mYjVjN2YzNDhkYjUiIG9yaWdpbj0idXNlclNlbGVjdGVkIj48ZWxlbWVudCB1aWQ9ImlkX2NsYXNzaWZpY2F0aW9uX25vbmJ1c2luZXNzIiB2YWx1ZT0iIiB4bWxucz0iaHR0cDovL3d3dy5ib2xkb25qYW1lcy5jb20vMjAwOC8wMS9zaWUvaW50ZXJuYWwvbGFiZWwiIC8+PC9zaXNsPjxVc2VyTmFtZT5PQUFEXHFkODg5PC9Vc2VyTmFtZT48RGF0ZVRpbWU+MTIvNi8yMDE4IDEwOjQ0OjIxIEFNPC9EYXRlVGltZT48TGFiZWxTdHJpbmc+UHVibGljPC9MYWJlbFN0cmluZz48L2l0ZW0+PC9sYWJlbEhpc3Rvcnk+</Value>
+</WrappedLabelHistory>
+</file>
+
+<file path=customXml/item2.xml><?xml version="1.0" encoding="utf-8"?>
 <sisl xmlns:xsi="http://www.w3.org/2001/XMLSchema-instance" xmlns:xsd="http://www.w3.org/2001/XMLSchema" xmlns="http://www.boldonjames.com/2008/01/sie/internal/label" sislVersion="0" policy="5e216652-7cb1-42d3-a22f-fb5c7f348db5" origin="userSelected">
   <element uid="id_classification_nonbusiness" value=""/>
 </sisl>
 </file>
 
-<file path=customXml/item2.xml><?xml version="1.0" encoding="utf-8"?>
-<WrappedLabelHistory xmlns:xsi="http://www.w3.org/2001/XMLSchema-instance" xmlns:xsd="http://www.w3.org/2001/XMLSchema" xmlns="http://www.boldonjames.com/2016/02/Classifier/internal/wrappedLabelHistory">
-  <Value>PD94bWwgdmVyc2lvbj0iMS4wIiBlbmNvZGluZz0idXMtYXNjaWkiPz48bGFiZWxIaXN0b3J5IHhtbG5zOnhzaT0iaHR0cDovL3d3dy53My5vcmcvMjAwMS9YTUxTY2hlbWEtaW5zdGFuY2UiIHhtbG5zOnhzZD0iaHR0cDovL3d3dy53My5vcmcvMjAwMS9YTUxTY2hlbWEiIHhtbG5zPSJodHRwOi8vd3d3LmJvbGRvbmphbWVzLmNvbS8yMDE2LzAyL0NsYXNzaWZpZXIvaW50ZXJuYWwvbGFiZWxIaXN0b3J5Ij48aXRlbT48c2lzbCBzaXNsVmVyc2lvbj0iMCIgcG9saWN5PSI1ZTIxNjY1Mi03Y2IxLTQyZDMtYTIyZi1mYjVjN2YzNDhkYjUiIG9yaWdpbj0idXNlclNlbGVjdGVkIj48ZWxlbWVudCB1aWQ9ImlkX2NsYXNzaWZpY2F0aW9uX25vbmJ1c2luZXNzIiB2YWx1ZT0iIiB4bWxucz0iaHR0cDovL3d3dy5ib2xkb25qYW1lcy5jb20vMjAwOC8wMS9zaWUvaW50ZXJuYWwvbGFiZWwiIC8+PC9zaXNsPjxVc2VyTmFtZT5PQUFEXHFkODg5PC9Vc2VyTmFtZT48RGF0ZVRpbWU+MTIvNi8yMDE4IDEwOjQ0OjIxIEFNPC9EYXRlVGltZT48TGFiZWxTdHJpbmc+UHVibGljPC9MYWJlbFN0cmluZz48L2l0ZW0+PC9sYWJlbEhpc3Rvcnk+</Value>
-</WrappedLabelHistory>
-</file>
-
 <file path=customXml/itemProps1.xml><?xml version="1.0" encoding="utf-8"?>
-<ds:datastoreItem xmlns:ds="http://schemas.openxmlformats.org/officeDocument/2006/customXml" ds:itemID="{2FC1954A-7492-4C0E-B08F-2BDDAF56E123}">
-  <ds:schemaRefs>
-    <ds:schemaRef ds:uri="http://www.w3.org/2001/XMLSchema"/>
-    <ds:schemaRef ds:uri="http://www.boldonjames.com/2008/01/sie/internal/label"/>
-  </ds:schemaRefs>
-</ds:datastoreItem>
-</file>
-
-<file path=customXml/itemProps2.xml><?xml version="1.0" encoding="utf-8"?>
 <ds:datastoreItem xmlns:ds="http://schemas.openxmlformats.org/officeDocument/2006/customXml" ds:itemID="{A9D2DA10-EF93-4A7E-BF92-7C7254F50C2F}">
   <ds:schemaRefs>
     <ds:schemaRef ds:uri="http://www.w3.org/2001/XMLSchema"/>
     <ds:schemaRef ds:uri="http://www.boldonjames.com/2016/02/Classifier/internal/wrappedLabelHistory"/>
   </ds:schemaRefs>
 </ds:datastoreItem>
+</file>
+
+<file path=customXml/itemProps2.xml><?xml version="1.0" encoding="utf-8"?>
+<ds:datastoreItem xmlns:ds="http://schemas.openxmlformats.org/officeDocument/2006/customXml" ds:itemID="{D45B9757-2C45-4F7A-A4B9-E2D64551E3EE}">
+  <ds:schemaRefs>
+    <ds:schemaRef ds:uri="http://www.w3.org/2001/XMLSchema"/>
+    <ds:schemaRef ds:uri="http://www.boldonjames.com/2008/01/sie/internal/label"/>
+  </ds:schemaRefs>
+</ds:datastoreItem>
 </file>